--- a/Presentation/1_cryptocurrency_presentation.pptx
+++ b/Presentation/1_cryptocurrency_presentation.pptx
@@ -208,7 +208,7 @@
           <a:p>
             <a:fld id="{E1C7BA7D-290A-42BC-AD5F-2724BC72616F}" type="datetimeFigureOut">
               <a:rPr lang="en-US" smtClean="0"/>
-              <a:t>6/21/2021</a:t>
+              <a:t>6/22/2021</a:t>
             </a:fld>
             <a:endParaRPr lang="en-US"/>
           </a:p>
@@ -766,7 +766,7 @@
           <a:p>
             <a:fld id="{515F6A62-06CA-4DB5-852B-E45D0C348D54}" type="datetimeFigureOut">
               <a:rPr lang="en-US" smtClean="0"/>
-              <a:t>6/21/2021</a:t>
+              <a:t>6/22/2021</a:t>
             </a:fld>
             <a:endParaRPr lang="en-US"/>
           </a:p>
@@ -1047,7 +1047,7 @@
           <a:p>
             <a:fld id="{515F6A62-06CA-4DB5-852B-E45D0C348D54}" type="datetimeFigureOut">
               <a:rPr lang="en-US" smtClean="0"/>
-              <a:t>6/21/2021</a:t>
+              <a:t>6/22/2021</a:t>
             </a:fld>
             <a:endParaRPr lang="en-US"/>
           </a:p>
@@ -1239,7 +1239,7 @@
           <a:p>
             <a:fld id="{515F6A62-06CA-4DB5-852B-E45D0C348D54}" type="datetimeFigureOut">
               <a:rPr lang="en-US" smtClean="0"/>
-              <a:t>6/21/2021</a:t>
+              <a:t>6/22/2021</a:t>
             </a:fld>
             <a:endParaRPr lang="en-US"/>
           </a:p>
@@ -1500,7 +1500,7 @@
           <a:p>
             <a:fld id="{515F6A62-06CA-4DB5-852B-E45D0C348D54}" type="datetimeFigureOut">
               <a:rPr lang="en-US" smtClean="0"/>
-              <a:t>6/21/2021</a:t>
+              <a:t>6/22/2021</a:t>
             </a:fld>
             <a:endParaRPr lang="en-US"/>
           </a:p>
@@ -1926,7 +1926,7 @@
           <a:p>
             <a:fld id="{515F6A62-06CA-4DB5-852B-E45D0C348D54}" type="datetimeFigureOut">
               <a:rPr lang="en-US" smtClean="0"/>
-              <a:t>6/21/2021</a:t>
+              <a:t>6/22/2021</a:t>
             </a:fld>
             <a:endParaRPr lang="en-US"/>
           </a:p>
@@ -2472,7 +2472,7 @@
           <a:p>
             <a:fld id="{515F6A62-06CA-4DB5-852B-E45D0C348D54}" type="datetimeFigureOut">
               <a:rPr lang="en-US" smtClean="0"/>
-              <a:t>6/21/2021</a:t>
+              <a:t>6/22/2021</a:t>
             </a:fld>
             <a:endParaRPr lang="en-US"/>
           </a:p>
@@ -3303,7 +3303,7 @@
           <a:p>
             <a:fld id="{515F6A62-06CA-4DB5-852B-E45D0C348D54}" type="datetimeFigureOut">
               <a:rPr lang="en-US" smtClean="0"/>
-              <a:t>6/21/2021</a:t>
+              <a:t>6/22/2021</a:t>
             </a:fld>
             <a:endParaRPr lang="en-US"/>
           </a:p>
@@ -3473,7 +3473,7 @@
           <a:p>
             <a:fld id="{515F6A62-06CA-4DB5-852B-E45D0C348D54}" type="datetimeFigureOut">
               <a:rPr lang="en-US" smtClean="0"/>
-              <a:t>6/21/2021</a:t>
+              <a:t>6/22/2021</a:t>
             </a:fld>
             <a:endParaRPr lang="en-US"/>
           </a:p>
@@ -3653,7 +3653,7 @@
           <a:p>
             <a:fld id="{515F6A62-06CA-4DB5-852B-E45D0C348D54}" type="datetimeFigureOut">
               <a:rPr lang="en-US" smtClean="0"/>
-              <a:t>6/21/2021</a:t>
+              <a:t>6/22/2021</a:t>
             </a:fld>
             <a:endParaRPr lang="en-US"/>
           </a:p>
@@ -3823,7 +3823,7 @@
           <a:p>
             <a:fld id="{515F6A62-06CA-4DB5-852B-E45D0C348D54}" type="datetimeFigureOut">
               <a:rPr lang="en-US" smtClean="0"/>
-              <a:t>6/21/2021</a:t>
+              <a:t>6/22/2021</a:t>
             </a:fld>
             <a:endParaRPr lang="en-US"/>
           </a:p>
@@ -4080,7 +4080,7 @@
           <a:p>
             <a:fld id="{515F6A62-06CA-4DB5-852B-E45D0C348D54}" type="datetimeFigureOut">
               <a:rPr lang="en-US" smtClean="0"/>
-              <a:t>6/21/2021</a:t>
+              <a:t>6/22/2021</a:t>
             </a:fld>
             <a:endParaRPr lang="en-US"/>
           </a:p>
@@ -4312,7 +4312,7 @@
           <a:p>
             <a:fld id="{515F6A62-06CA-4DB5-852B-E45D0C348D54}" type="datetimeFigureOut">
               <a:rPr lang="en-US" smtClean="0"/>
-              <a:t>6/21/2021</a:t>
+              <a:t>6/22/2021</a:t>
             </a:fld>
             <a:endParaRPr lang="en-US"/>
           </a:p>
@@ -4705,7 +4705,7 @@
           <a:p>
             <a:fld id="{515F6A62-06CA-4DB5-852B-E45D0C348D54}" type="datetimeFigureOut">
               <a:rPr lang="en-US" smtClean="0"/>
-              <a:t>6/21/2021</a:t>
+              <a:t>6/22/2021</a:t>
             </a:fld>
             <a:endParaRPr lang="en-US"/>
           </a:p>
@@ -4823,7 +4823,7 @@
           <a:p>
             <a:fld id="{515F6A62-06CA-4DB5-852B-E45D0C348D54}" type="datetimeFigureOut">
               <a:rPr lang="en-US" smtClean="0"/>
-              <a:t>6/21/2021</a:t>
+              <a:t>6/22/2021</a:t>
             </a:fld>
             <a:endParaRPr lang="en-US"/>
           </a:p>
@@ -4918,7 +4918,7 @@
           <a:p>
             <a:fld id="{515F6A62-06CA-4DB5-852B-E45D0C348D54}" type="datetimeFigureOut">
               <a:rPr lang="en-US" smtClean="0"/>
-              <a:t>6/21/2021</a:t>
+              <a:t>6/22/2021</a:t>
             </a:fld>
             <a:endParaRPr lang="en-US"/>
           </a:p>
@@ -5191,7 +5191,7 @@
           <a:p>
             <a:fld id="{515F6A62-06CA-4DB5-852B-E45D0C348D54}" type="datetimeFigureOut">
               <a:rPr lang="en-US" smtClean="0"/>
-              <a:t>6/21/2021</a:t>
+              <a:t>6/22/2021</a:t>
             </a:fld>
             <a:endParaRPr lang="en-US"/>
           </a:p>
@@ -5472,7 +5472,7 @@
           <a:p>
             <a:fld id="{515F6A62-06CA-4DB5-852B-E45D0C348D54}" type="datetimeFigureOut">
               <a:rPr lang="en-US" smtClean="0"/>
-              <a:t>6/21/2021</a:t>
+              <a:t>6/22/2021</a:t>
             </a:fld>
             <a:endParaRPr lang="en-US"/>
           </a:p>
@@ -5703,7 +5703,7 @@
           <a:p>
             <a:fld id="{515F6A62-06CA-4DB5-852B-E45D0C348D54}" type="datetimeFigureOut">
               <a:rPr lang="en-US" smtClean="0"/>
-              <a:t>6/21/2021</a:t>
+              <a:t>6/22/2021</a:t>
             </a:fld>
             <a:endParaRPr lang="en-US"/>
           </a:p>
@@ -7738,7 +7738,7 @@
                   </a:schemeClr>
                 </a:solidFill>
               </a:rPr>
-              <a:t>Social Media Data was scraped from the </a:t>
+              <a:t>Social Media Data was scraped from Reddit through the </a:t>
             </a:r>
             <a:r>
               <a:rPr lang="en-US" sz="2000" dirty="0" err="1">
@@ -7748,7 +7748,7 @@
                   </a:schemeClr>
                 </a:solidFill>
               </a:rPr>
-              <a:t>Pushshift</a:t>
+              <a:t>PushShift</a:t>
             </a:r>
             <a:r>
               <a:rPr lang="en-US" sz="2000" dirty="0">
@@ -8256,6 +8256,16 @@
             </a:r>
           </a:p>
           <a:p>
+            <a:pPr lvl="1"/>
+            <a:endParaRPr lang="en-US" sz="1600" dirty="0">
+              <a:solidFill>
+                <a:schemeClr val="tx1">
+                  <a:lumMod val="95000"/>
+                </a:schemeClr>
+              </a:solidFill>
+            </a:endParaRPr>
+          </a:p>
+          <a:p>
             <a:r>
               <a:rPr lang="en-US" sz="2000" dirty="0">
                 <a:solidFill>
@@ -8302,25 +8312,8 @@
                   </a:schemeClr>
                 </a:solidFill>
               </a:rPr>
-              <a:t>Polysemy </a:t>
-            </a:r>
-            <a:r>
-              <a:rPr lang="en-US" sz="2000">
-                <a:solidFill>
-                  <a:schemeClr val="tx1">
-                    <a:lumMod val="95000"/>
-                  </a:schemeClr>
-                </a:solidFill>
-              </a:rPr>
-              <a:t>of Tether</a:t>
-            </a:r>
-            <a:endParaRPr lang="en-US" sz="2000" dirty="0">
-              <a:solidFill>
-                <a:schemeClr val="tx1">
-                  <a:lumMod val="95000"/>
-                </a:schemeClr>
-              </a:solidFill>
-            </a:endParaRPr>
+              <a:t>Polysemy of Tether</a:t>
+            </a:r>
           </a:p>
           <a:p>
             <a:r>

--- a/Presentation/1_cryptocurrency_presentation.pptx
+++ b/Presentation/1_cryptocurrency_presentation.pptx
@@ -5,7 +5,7 @@
     <p:sldMasterId id="2147483999" r:id="rId1"/>
   </p:sldMasterIdLst>
   <p:notesMasterIdLst>
-    <p:notesMasterId r:id="rId14"/>
+    <p:notesMasterId r:id="rId15"/>
   </p:notesMasterIdLst>
   <p:sldIdLst>
     <p:sldId id="256" r:id="rId2"/>
@@ -16,10 +16,11 @@
     <p:sldId id="264" r:id="rId7"/>
     <p:sldId id="260" r:id="rId8"/>
     <p:sldId id="265" r:id="rId9"/>
-    <p:sldId id="261" r:id="rId10"/>
-    <p:sldId id="267" r:id="rId11"/>
-    <p:sldId id="262" r:id="rId12"/>
-    <p:sldId id="263" r:id="rId13"/>
+    <p:sldId id="268" r:id="rId10"/>
+    <p:sldId id="261" r:id="rId11"/>
+    <p:sldId id="267" r:id="rId12"/>
+    <p:sldId id="262" r:id="rId13"/>
+    <p:sldId id="263" r:id="rId14"/>
   </p:sldIdLst>
   <p:sldSz cx="12192000" cy="6858000"/>
   <p:notesSz cx="6858000" cy="9144000"/>
@@ -6423,9 +6424,7 @@
             <a:r>
               <a:rPr lang="en-US" sz="8800" b="1" dirty="0">
                 <a:solidFill>
-                  <a:schemeClr val="tx1">
-                    <a:lumMod val="95000"/>
-                  </a:schemeClr>
+                  <a:schemeClr val="tx1"/>
                 </a:solidFill>
               </a:rPr>
               <a:t>Cryptocurrencies</a:t>
@@ -6451,9 +6450,12 @@
         </p:nvSpPr>
         <p:spPr>
           <a:xfrm>
-            <a:off x="657225" y="914400"/>
-            <a:ext cx="10696574" cy="3381939"/>
-          </a:xfrm>
+            <a:off x="0" y="0"/>
+            <a:ext cx="12192000" cy="4320209"/>
+          </a:xfrm>
+          <a:solidFill>
+            <a:schemeClr val="tx1"/>
+          </a:solidFill>
         </p:spPr>
         <p:txBody>
           <a:bodyPr>
@@ -6464,9 +6466,7 @@
             <a:r>
               <a:rPr lang="en-US" dirty="0">
                 <a:solidFill>
-                  <a:schemeClr val="tx1">
-                    <a:lumMod val="95000"/>
-                  </a:schemeClr>
+                  <a:srgbClr val="262626"/>
                 </a:solidFill>
               </a:rPr>
               <a:t>Group Members: </a:t>
@@ -6476,9 +6476,7 @@
             <a:r>
               <a:rPr lang="en-US" dirty="0">
                 <a:solidFill>
-                  <a:schemeClr val="tx1">
-                    <a:lumMod val="95000"/>
-                  </a:schemeClr>
+                  <a:srgbClr val="262626"/>
                 </a:solidFill>
               </a:rPr>
               <a:t>Terrell Bradford and Ashleigh DeVito</a:t>
@@ -6516,12 +6514,12 @@
           <a:chExt cx="0" cy="0"/>
         </a:xfrm>
       </p:grpSpPr>
-      <p:sp>
+      <p:sp useBgFill="1">
         <p:nvSpPr>
           <p:cNvPr id="8" name="Rectangle 7">
             <a:extLst>
               <a:ext uri="{FF2B5EF4-FFF2-40B4-BE49-F238E27FC236}">
-                <a16:creationId xmlns:a16="http://schemas.microsoft.com/office/drawing/2014/main" id="{02DC0D56-2145-4CB8-979D-ADF8E921AF72}"/>
+                <a16:creationId xmlns:a16="http://schemas.microsoft.com/office/drawing/2014/main" id="{87358089-2E54-4747-8D77-434291EB9A73}"/>
               </a:ext>
               <a:ext uri="{C183D7F6-B498-43B3-948B-1728B52AA6E4}">
                 <adec:decorative xmlns:adec="http://schemas.microsoft.com/office/drawing/2017/decorative" val="1"/>
@@ -6547,12 +6545,6 @@
           <a:prstGeom prst="rect">
             <a:avLst/>
           </a:prstGeom>
-          <a:solidFill>
-            <a:schemeClr val="bg1">
-              <a:lumMod val="85000"/>
-              <a:lumOff val="15000"/>
-            </a:schemeClr>
-          </a:solidFill>
           <a:ln>
             <a:noFill/>
           </a:ln>
@@ -6582,12 +6574,12 @@
           </a:p>
         </p:txBody>
       </p:sp>
-      <p:sp useBgFill="1">
+      <p:sp>
         <p:nvSpPr>
           <p:cNvPr id="10" name="Rectangle 9">
             <a:extLst>
               <a:ext uri="{FF2B5EF4-FFF2-40B4-BE49-F238E27FC236}">
-                <a16:creationId xmlns:a16="http://schemas.microsoft.com/office/drawing/2014/main" id="{272BB16D-1B1A-4782-92FD-2CF21910DF1C}"/>
+                <a16:creationId xmlns:a16="http://schemas.microsoft.com/office/drawing/2014/main" id="{F0318841-B257-4D3A-A6E5-309C003E0430}"/>
               </a:ext>
               <a:ext uri="{C183D7F6-B498-43B3-948B-1728B52AA6E4}">
                 <adec:decorative xmlns:adec="http://schemas.microsoft.com/office/drawing/2017/decorative" val="1"/>
@@ -6607,16 +6599,18 @@
         </p:nvSpPr>
         <p:spPr>
           <a:xfrm>
-            <a:off x="0" y="4626429"/>
-            <a:ext cx="12192000" cy="2231571"/>
+            <a:off x="0" y="0"/>
+            <a:ext cx="4062127" cy="6858000"/>
           </a:xfrm>
           <a:prstGeom prst="rect">
             <a:avLst/>
           </a:prstGeom>
+          <a:solidFill>
+            <a:srgbClr val="262626"/>
+          </a:solidFill>
           <a:ln>
             <a:noFill/>
           </a:ln>
-          <a:effectLst/>
         </p:spPr>
         <p:style>
           <a:lnRef idx="2">
@@ -6648,7 +6642,7 @@
           <p:cNvPr id="2" name="Title 1">
             <a:extLst>
               <a:ext uri="{FF2B5EF4-FFF2-40B4-BE49-F238E27FC236}">
-                <a16:creationId xmlns:a16="http://schemas.microsoft.com/office/drawing/2014/main" id="{7C9F2677-9E21-4528-8005-77908C6B88D0}"/>
+                <a16:creationId xmlns:a16="http://schemas.microsoft.com/office/drawing/2014/main" id="{3969A7ED-B6F1-451E-8F80-1C6F7D537BAF}"/>
               </a:ext>
             </a:extLst>
           </p:cNvPr>
@@ -6661,33 +6655,128 @@
         </p:nvSpPr>
         <p:spPr>
           <a:xfrm>
-            <a:off x="838200" y="4963886"/>
-            <a:ext cx="10515600" cy="1141632"/>
-          </a:xfrm>
-        </p:spPr>
-        <p:txBody>
-          <a:bodyPr vert="horz" wrap="square" lIns="91440" tIns="45720" rIns="91440" bIns="45720" rtlCol="0" anchor="t">
+            <a:off x="838200" y="688748"/>
+            <a:ext cx="2855140" cy="5480504"/>
+          </a:xfrm>
+        </p:spPr>
+        <p:txBody>
+          <a:bodyPr anchor="ctr">
             <a:normAutofit/>
           </a:bodyPr>
           <a:lstStyle/>
           <a:p>
-            <a:pPr algn="r"/>
-            <a:r>
-              <a:rPr lang="en-US" sz="4400" spc="-300" dirty="0">
+            <a:r>
+              <a:rPr lang="en-US" sz="3600" dirty="0">
                 <a:solidFill>
-                  <a:schemeClr val="tx1">
-                    <a:lumMod val="95000"/>
-                  </a:schemeClr>
+                  <a:schemeClr val="tx1"/>
                 </a:solidFill>
-                <a:effectLst>
-                  <a:outerShdw blurRad="469900" dist="342900" dir="5400000" sy="-20000" rotWithShape="0">
-                    <a:prstClr val="black">
-                      <a:alpha val="66000"/>
-                    </a:prstClr>
-                  </a:outerShdw>
-                </a:effectLst>
               </a:rPr>
-              <a:t>Conclusions</a:t>
+              <a:t>Discussion</a:t>
+            </a:r>
+          </a:p>
+        </p:txBody>
+      </p:sp>
+      <p:sp>
+        <p:nvSpPr>
+          <p:cNvPr id="3" name="Content Placeholder 2">
+            <a:extLst>
+              <a:ext uri="{FF2B5EF4-FFF2-40B4-BE49-F238E27FC236}">
+                <a16:creationId xmlns:a16="http://schemas.microsoft.com/office/drawing/2014/main" id="{98C008D0-1E43-4D75-8694-1447CE4A1999}"/>
+              </a:ext>
+            </a:extLst>
+          </p:cNvPr>
+          <p:cNvSpPr>
+            <a:spLocks noGrp="1"/>
+          </p:cNvSpPr>
+          <p:nvPr>
+            <p:ph idx="1"/>
+          </p:nvPr>
+        </p:nvSpPr>
+        <p:spPr>
+          <a:xfrm>
+            <a:off x="4423890" y="688749"/>
+            <a:ext cx="6286442" cy="5480504"/>
+          </a:xfrm>
+        </p:spPr>
+        <p:txBody>
+          <a:bodyPr anchor="ctr">
+            <a:normAutofit/>
+          </a:bodyPr>
+          <a:lstStyle/>
+          <a:p>
+            <a:pPr marL="0" indent="0">
+              <a:buNone/>
+            </a:pPr>
+            <a:r>
+              <a:rPr lang="en-US" sz="2000" dirty="0">
+                <a:solidFill>
+                  <a:schemeClr val="tx1"/>
+                </a:solidFill>
+              </a:rPr>
+              <a:t>Expected:</a:t>
+            </a:r>
+          </a:p>
+          <a:p>
+            <a:r>
+              <a:rPr lang="en-US" sz="2000" dirty="0">
+                <a:solidFill>
+                  <a:schemeClr val="tx1"/>
+                </a:solidFill>
+              </a:rPr>
+              <a:t>Stronger relationship between social media activity and cryptocurrency fluctuations</a:t>
+            </a:r>
+          </a:p>
+          <a:p>
+            <a:r>
+              <a:rPr lang="en-US" sz="2000" dirty="0">
+                <a:solidFill>
+                  <a:schemeClr val="tx1"/>
+                </a:solidFill>
+              </a:rPr>
+              <a:t>Correlation between Volume and Comment Count</a:t>
+            </a:r>
+          </a:p>
+          <a:p>
+            <a:pPr marL="0" indent="0">
+              <a:buNone/>
+            </a:pPr>
+            <a:endParaRPr lang="en-US" sz="2000" dirty="0">
+              <a:solidFill>
+                <a:schemeClr val="tx1"/>
+              </a:solidFill>
+            </a:endParaRPr>
+          </a:p>
+          <a:p>
+            <a:pPr marL="0" indent="0">
+              <a:buNone/>
+            </a:pPr>
+            <a:r>
+              <a:rPr lang="en-US" sz="2000" dirty="0">
+                <a:solidFill>
+                  <a:schemeClr val="tx1"/>
+                </a:solidFill>
+              </a:rPr>
+              <a:t>Result:</a:t>
+            </a:r>
+          </a:p>
+          <a:p>
+            <a:r>
+              <a:rPr lang="en-US" sz="2000" dirty="0">
+                <a:solidFill>
+                  <a:schemeClr val="tx1"/>
+                </a:solidFill>
+              </a:rPr>
+              <a:t>Stronger relationship between social media activity and traditional stock fluctuations</a:t>
+            </a:r>
+          </a:p>
+          <a:p>
+            <a:r>
+              <a:rPr lang="en-US" sz="2000" dirty="0">
+                <a:solidFill>
+                  <a:schemeClr val="tx1"/>
+                </a:solidFill>
+              </a:rPr>
+              <a:t>Stronger correlation between daily price differences and comment count</a:t>
             </a:r>
           </a:p>
         </p:txBody>
@@ -6695,7 +6784,7 @@
     </p:spTree>
     <p:extLst>
       <p:ext uri="{BB962C8B-B14F-4D97-AF65-F5344CB8AC3E}">
-        <p14:creationId xmlns:p14="http://schemas.microsoft.com/office/powerpoint/2010/main" val="3001230176"/>
+        <p14:creationId xmlns:p14="http://schemas.microsoft.com/office/powerpoint/2010/main" val="246072277"/>
       </p:ext>
     </p:extLst>
   </p:cSld>
@@ -6722,12 +6811,12 @@
           <a:chExt cx="0" cy="0"/>
         </a:xfrm>
       </p:grpSpPr>
-      <p:sp useBgFill="1">
+      <p:sp>
         <p:nvSpPr>
           <p:cNvPr id="8" name="Rectangle 7">
             <a:extLst>
               <a:ext uri="{FF2B5EF4-FFF2-40B4-BE49-F238E27FC236}">
-                <a16:creationId xmlns:a16="http://schemas.microsoft.com/office/drawing/2014/main" id="{87358089-2E54-4747-8D77-434291EB9A73}"/>
+                <a16:creationId xmlns:a16="http://schemas.microsoft.com/office/drawing/2014/main" id="{02DC0D56-2145-4CB8-979D-ADF8E921AF72}"/>
               </a:ext>
               <a:ext uri="{C183D7F6-B498-43B3-948B-1728B52AA6E4}">
                 <adec:decorative xmlns:adec="http://schemas.microsoft.com/office/drawing/2017/decorative" val="1"/>
@@ -6753,6 +6842,12 @@
           <a:prstGeom prst="rect">
             <a:avLst/>
           </a:prstGeom>
+          <a:solidFill>
+            <a:schemeClr val="bg1">
+              <a:lumMod val="85000"/>
+              <a:lumOff val="15000"/>
+            </a:schemeClr>
+          </a:solidFill>
           <a:ln>
             <a:noFill/>
           </a:ln>
@@ -6782,12 +6877,12 @@
           </a:p>
         </p:txBody>
       </p:sp>
-      <p:sp>
+      <p:sp useBgFill="1">
         <p:nvSpPr>
           <p:cNvPr id="10" name="Rectangle 9">
             <a:extLst>
               <a:ext uri="{FF2B5EF4-FFF2-40B4-BE49-F238E27FC236}">
-                <a16:creationId xmlns:a16="http://schemas.microsoft.com/office/drawing/2014/main" id="{F0318841-B257-4D3A-A6E5-309C003E0430}"/>
+                <a16:creationId xmlns:a16="http://schemas.microsoft.com/office/drawing/2014/main" id="{272BB16D-1B1A-4782-92FD-2CF21910DF1C}"/>
               </a:ext>
               <a:ext uri="{C183D7F6-B498-43B3-948B-1728B52AA6E4}">
                 <adec:decorative xmlns:adec="http://schemas.microsoft.com/office/drawing/2017/decorative" val="1"/>
@@ -6807,18 +6902,16 @@
         </p:nvSpPr>
         <p:spPr>
           <a:xfrm>
-            <a:off x="0" y="0"/>
-            <a:ext cx="4062127" cy="6858000"/>
+            <a:off x="0" y="4626429"/>
+            <a:ext cx="12192000" cy="2231571"/>
           </a:xfrm>
           <a:prstGeom prst="rect">
             <a:avLst/>
           </a:prstGeom>
-          <a:solidFill>
-            <a:srgbClr val="262626"/>
-          </a:solidFill>
           <a:ln>
             <a:noFill/>
           </a:ln>
+          <a:effectLst/>
         </p:spPr>
         <p:style>
           <a:lnRef idx="2">
@@ -6850,7 +6943,7 @@
           <p:cNvPr id="2" name="Title 1">
             <a:extLst>
               <a:ext uri="{FF2B5EF4-FFF2-40B4-BE49-F238E27FC236}">
-                <a16:creationId xmlns:a16="http://schemas.microsoft.com/office/drawing/2014/main" id="{6E44B138-DC35-42F7-B36E-A669A89F8108}"/>
+                <a16:creationId xmlns:a16="http://schemas.microsoft.com/office/drawing/2014/main" id="{7C9F2677-9E21-4528-8005-77908C6B88D0}"/>
               </a:ext>
             </a:extLst>
           </p:cNvPr>
@@ -6863,117 +6956,278 @@
         </p:nvSpPr>
         <p:spPr>
           <a:xfrm>
-            <a:off x="838200" y="688748"/>
-            <a:ext cx="2855140" cy="5480504"/>
-          </a:xfrm>
-        </p:spPr>
-        <p:txBody>
-          <a:bodyPr anchor="ctr">
+            <a:off x="838200" y="4963886"/>
+            <a:ext cx="10515600" cy="1141632"/>
+          </a:xfrm>
+        </p:spPr>
+        <p:txBody>
+          <a:bodyPr vert="horz" wrap="square" lIns="91440" tIns="45720" rIns="91440" bIns="45720" rtlCol="0" anchor="t">
             <a:normAutofit/>
           </a:bodyPr>
           <a:lstStyle/>
           <a:p>
-            <a:r>
-              <a:rPr lang="en-US" sz="3600">
+            <a:pPr algn="r"/>
+            <a:r>
+              <a:rPr lang="en-US" sz="4400" spc="-300" dirty="0">
                 <a:solidFill>
-                  <a:srgbClr val="F2F2F2"/>
+                  <a:schemeClr val="tx1"/>
                 </a:solidFill>
+                <a:effectLst>
+                  <a:outerShdw blurRad="469900" dist="342900" dir="5400000" sy="-20000" rotWithShape="0">
+                    <a:prstClr val="black">
+                      <a:alpha val="66000"/>
+                    </a:prstClr>
+                  </a:outerShdw>
+                </a:effectLst>
               </a:rPr>
-              <a:t>Post Mortem</a:t>
-            </a:r>
-          </a:p>
-        </p:txBody>
-      </p:sp>
-      <p:sp>
-        <p:nvSpPr>
-          <p:cNvPr id="3" name="Content Placeholder 2">
+              <a:t>Conclusions</a:t>
+            </a:r>
+          </a:p>
+        </p:txBody>
+      </p:sp>
+      <p:sp>
+        <p:nvSpPr>
+          <p:cNvPr id="5" name="Subtitle 2">
             <a:extLst>
               <a:ext uri="{FF2B5EF4-FFF2-40B4-BE49-F238E27FC236}">
-                <a16:creationId xmlns:a16="http://schemas.microsoft.com/office/drawing/2014/main" id="{AFEE5EC2-CE1C-4E89-9C52-29C82A838F6F}"/>
+                <a16:creationId xmlns:a16="http://schemas.microsoft.com/office/drawing/2014/main" id="{8EABBACD-2324-4BCD-BEFF-238485D5E917}"/>
               </a:ext>
             </a:extLst>
           </p:cNvPr>
-          <p:cNvSpPr>
-            <a:spLocks noGrp="1"/>
-          </p:cNvSpPr>
-          <p:nvPr>
-            <p:ph idx="1"/>
-          </p:nvPr>
-        </p:nvSpPr>
-        <p:spPr>
-          <a:xfrm>
-            <a:off x="4423890" y="688749"/>
-            <a:ext cx="6286442" cy="5480504"/>
-          </a:xfrm>
-        </p:spPr>
-        <p:txBody>
-          <a:bodyPr anchor="ctr">
+          <p:cNvSpPr txBox="1">
+            <a:spLocks/>
+          </p:cNvSpPr>
+          <p:nvPr/>
+        </p:nvSpPr>
+        <p:spPr>
+          <a:xfrm>
+            <a:off x="0" y="0"/>
+            <a:ext cx="12192000" cy="4296339"/>
+          </a:xfrm>
+          <a:prstGeom prst="rect">
+            <a:avLst/>
+          </a:prstGeom>
+          <a:solidFill>
+            <a:schemeClr val="tx1"/>
+          </a:solidFill>
+        </p:spPr>
+        <p:txBody>
+          <a:bodyPr vert="horz" lIns="91440" tIns="45720" rIns="91440" bIns="45720" rtlCol="0" anchor="b">
             <a:normAutofit/>
           </a:bodyPr>
-          <a:lstStyle/>
-          <a:p>
-            <a:r>
-              <a:rPr lang="en-US" sz="2000" dirty="0">
+          <a:lstStyle>
+            <a:lvl1pPr indent="0" algn="r" defTabSz="914400">
+              <a:lnSpc>
+                <a:spcPct val="90000"/>
+              </a:lnSpc>
+              <a:spcBef>
+                <a:spcPts val="1000"/>
+              </a:spcBef>
+              <a:buFont typeface="Arial" panose="020B0604020202020204" pitchFamily="34" charset="0"/>
+              <a:buNone/>
+              <a:defRPr sz="3200" b="0">
                 <a:solidFill>
-                  <a:schemeClr val="tx1">
-                    <a:lumMod val="95000"/>
-                  </a:schemeClr>
+                  <a:schemeClr val="tx2"/>
                 </a:solidFill>
+                <a:latin typeface="+mj-lt"/>
+              </a:defRPr>
+            </a:lvl1pPr>
+            <a:lvl2pPr indent="0" algn="ctr" defTabSz="914400">
+              <a:lnSpc>
+                <a:spcPct val="90000"/>
+              </a:lnSpc>
+              <a:spcBef>
+                <a:spcPts val="500"/>
+              </a:spcBef>
+              <a:buFont typeface="Arial" panose="020B0604020202020204" pitchFamily="34" charset="0"/>
+              <a:buNone/>
+              <a:defRPr sz="2000">
+                <a:gradFill>
+                  <a:gsLst>
+                    <a:gs pos="34000">
+                      <a:schemeClr val="tx1">
+                        <a:lumMod val="93000"/>
+                      </a:schemeClr>
+                    </a:gs>
+                    <a:gs pos="0">
+                      <a:schemeClr val="bg1">
+                        <a:lumMod val="25000"/>
+                        <a:lumOff val="75000"/>
+                      </a:schemeClr>
+                    </a:gs>
+                    <a:gs pos="100000">
+                      <a:schemeClr val="tx2">
+                        <a:lumMod val="0"/>
+                        <a:lumOff val="100000"/>
+                      </a:schemeClr>
+                    </a:gs>
+                  </a:gsLst>
+                  <a:lin ang="4800000" scaled="0"/>
+                </a:gradFill>
+              </a:defRPr>
+            </a:lvl2pPr>
+            <a:lvl3pPr indent="0" algn="ctr" defTabSz="914400">
+              <a:lnSpc>
+                <a:spcPct val="90000"/>
+              </a:lnSpc>
+              <a:spcBef>
+                <a:spcPts val="500"/>
+              </a:spcBef>
+              <a:buFont typeface="Arial" panose="020B0604020202020204" pitchFamily="34" charset="0"/>
+              <a:buNone/>
+              <a:defRPr>
+                <a:gradFill>
+                  <a:gsLst>
+                    <a:gs pos="34000">
+                      <a:schemeClr val="tx1">
+                        <a:lumMod val="93000"/>
+                      </a:schemeClr>
+                    </a:gs>
+                    <a:gs pos="0">
+                      <a:schemeClr val="bg1">
+                        <a:lumMod val="25000"/>
+                        <a:lumOff val="75000"/>
+                      </a:schemeClr>
+                    </a:gs>
+                    <a:gs pos="100000">
+                      <a:schemeClr val="tx2">
+                        <a:lumMod val="0"/>
+                        <a:lumOff val="100000"/>
+                      </a:schemeClr>
+                    </a:gs>
+                  </a:gsLst>
+                  <a:lin ang="4800000" scaled="0"/>
+                </a:gradFill>
+              </a:defRPr>
+            </a:lvl3pPr>
+            <a:lvl4pPr indent="0" algn="ctr" defTabSz="914400">
+              <a:lnSpc>
+                <a:spcPct val="90000"/>
+              </a:lnSpc>
+              <a:spcBef>
+                <a:spcPts val="500"/>
+              </a:spcBef>
+              <a:buFont typeface="Arial" panose="020B0604020202020204" pitchFamily="34" charset="0"/>
+              <a:buNone/>
+              <a:defRPr sz="1600">
+                <a:gradFill>
+                  <a:gsLst>
+                    <a:gs pos="34000">
+                      <a:schemeClr val="tx1">
+                        <a:lumMod val="93000"/>
+                      </a:schemeClr>
+                    </a:gs>
+                    <a:gs pos="0">
+                      <a:schemeClr val="bg1">
+                        <a:lumMod val="25000"/>
+                        <a:lumOff val="75000"/>
+                      </a:schemeClr>
+                    </a:gs>
+                    <a:gs pos="100000">
+                      <a:schemeClr val="tx2">
+                        <a:lumMod val="0"/>
+                        <a:lumOff val="100000"/>
+                      </a:schemeClr>
+                    </a:gs>
+                  </a:gsLst>
+                  <a:lin ang="4800000" scaled="0"/>
+                </a:gradFill>
+              </a:defRPr>
+            </a:lvl4pPr>
+            <a:lvl5pPr indent="0" algn="ctr" defTabSz="914400">
+              <a:lnSpc>
+                <a:spcPct val="90000"/>
+              </a:lnSpc>
+              <a:spcBef>
+                <a:spcPts val="500"/>
+              </a:spcBef>
+              <a:buFont typeface="Arial" panose="020B0604020202020204" pitchFamily="34" charset="0"/>
+              <a:buNone/>
+              <a:defRPr sz="1600">
+                <a:gradFill>
+                  <a:gsLst>
+                    <a:gs pos="34000">
+                      <a:schemeClr val="tx1">
+                        <a:lumMod val="93000"/>
+                      </a:schemeClr>
+                    </a:gs>
+                    <a:gs pos="0">
+                      <a:schemeClr val="bg1">
+                        <a:lumMod val="25000"/>
+                        <a:lumOff val="75000"/>
+                      </a:schemeClr>
+                    </a:gs>
+                    <a:gs pos="100000">
+                      <a:schemeClr val="tx2">
+                        <a:lumMod val="0"/>
+                        <a:lumOff val="100000"/>
+                      </a:schemeClr>
+                    </a:gs>
+                  </a:gsLst>
+                  <a:lin ang="4800000" scaled="0"/>
+                </a:gradFill>
+              </a:defRPr>
+            </a:lvl5pPr>
+            <a:lvl6pPr indent="0" algn="ctr" defTabSz="914400">
+              <a:lnSpc>
+                <a:spcPct val="90000"/>
+              </a:lnSpc>
+              <a:spcBef>
+                <a:spcPts val="500"/>
+              </a:spcBef>
+              <a:buFont typeface="Arial" panose="020B0604020202020204" pitchFamily="34" charset="0"/>
+              <a:buNone/>
+              <a:defRPr sz="1600"/>
+            </a:lvl6pPr>
+            <a:lvl7pPr indent="0" algn="ctr" defTabSz="914400">
+              <a:lnSpc>
+                <a:spcPct val="90000"/>
+              </a:lnSpc>
+              <a:spcBef>
+                <a:spcPts val="500"/>
+              </a:spcBef>
+              <a:buFont typeface="Arial" panose="020B0604020202020204" pitchFamily="34" charset="0"/>
+              <a:buNone/>
+              <a:defRPr sz="1600"/>
+            </a:lvl7pPr>
+            <a:lvl8pPr indent="0" algn="ctr" defTabSz="914400">
+              <a:lnSpc>
+                <a:spcPct val="90000"/>
+              </a:lnSpc>
+              <a:spcBef>
+                <a:spcPts val="500"/>
+              </a:spcBef>
+              <a:buFont typeface="Arial" panose="020B0604020202020204" pitchFamily="34" charset="0"/>
+              <a:buNone/>
+              <a:defRPr sz="1600"/>
+            </a:lvl8pPr>
+            <a:lvl9pPr indent="0" algn="ctr" defTabSz="914400">
+              <a:lnSpc>
+                <a:spcPct val="90000"/>
+              </a:lnSpc>
+              <a:spcBef>
+                <a:spcPts val="500"/>
+              </a:spcBef>
+              <a:buFont typeface="Arial" panose="020B0604020202020204" pitchFamily="34" charset="0"/>
+              <a:buNone/>
+              <a:defRPr sz="1600"/>
+            </a:lvl9pPr>
+          </a:lstStyle>
+          <a:p>
+            <a:r>
+              <a:rPr lang="en-US">
+                <a:hlinkClick r:id="rId2" action="ppaction://hlinkfile"/>
               </a:rPr>
-              <a:t>Twitter API</a:t>
-            </a:r>
-          </a:p>
-          <a:p>
-            <a:r>
-              <a:rPr lang="en-US" sz="2000" dirty="0">
-                <a:solidFill>
-                  <a:schemeClr val="tx1">
-                    <a:lumMod val="95000"/>
-                  </a:schemeClr>
-                </a:solidFill>
-              </a:rPr>
-              <a:t>Lo</a:t>
-            </a:r>
-          </a:p>
-          <a:p>
-            <a:endParaRPr lang="en-US" sz="2000" dirty="0">
-              <a:solidFill>
-                <a:schemeClr val="tx1">
-                  <a:lumMod val="95000"/>
-                </a:schemeClr>
-              </a:solidFill>
-            </a:endParaRPr>
-          </a:p>
-          <a:p>
-            <a:r>
-              <a:rPr lang="en-US" sz="2000" dirty="0">
-                <a:solidFill>
-                  <a:schemeClr val="tx1">
-                    <a:lumMod val="95000"/>
-                  </a:schemeClr>
-                </a:solidFill>
-              </a:rPr>
-              <a:t>Discuss any difficulties that arose, and how you dealt with them</a:t>
-            </a:r>
-          </a:p>
-          <a:p>
-            <a:r>
-              <a:rPr lang="en-US" sz="2000" dirty="0">
-                <a:solidFill>
-                  <a:schemeClr val="tx1">
-                    <a:lumMod val="95000"/>
-                  </a:schemeClr>
-                </a:solidFill>
-              </a:rPr>
-              <a:t>Discuss any additional questions that came up, but which you didn't have time to answer: What would you research next, if you had two more weeks?</a:t>
-            </a:r>
+              <a:t>Jupyter Notebook</a:t>
+            </a:r>
+            <a:endParaRPr lang="en-US" dirty="0"/>
           </a:p>
         </p:txBody>
       </p:sp>
     </p:spTree>
     <p:extLst>
       <p:ext uri="{BB962C8B-B14F-4D97-AF65-F5344CB8AC3E}">
-        <p14:creationId xmlns:p14="http://schemas.microsoft.com/office/powerpoint/2010/main" val="977734179"/>
+        <p14:creationId xmlns:p14="http://schemas.microsoft.com/office/powerpoint/2010/main" val="3001230176"/>
       </p:ext>
     </p:extLst>
   </p:cSld>
@@ -7000,12 +7254,12 @@
           <a:chExt cx="0" cy="0"/>
         </a:xfrm>
       </p:grpSpPr>
-      <p:sp>
-        <p:nvSpPr>
-          <p:cNvPr id="15" name="Rectangle 14">
+      <p:sp useBgFill="1">
+        <p:nvSpPr>
+          <p:cNvPr id="8" name="Rectangle 7">
             <a:extLst>
               <a:ext uri="{FF2B5EF4-FFF2-40B4-BE49-F238E27FC236}">
-                <a16:creationId xmlns:a16="http://schemas.microsoft.com/office/drawing/2014/main" id="{02DC0D56-2145-4CB8-979D-ADF8E921AF72}"/>
+                <a16:creationId xmlns:a16="http://schemas.microsoft.com/office/drawing/2014/main" id="{87358089-2E54-4747-8D77-434291EB9A73}"/>
               </a:ext>
               <a:ext uri="{C183D7F6-B498-43B3-948B-1728B52AA6E4}">
                 <adec:decorative xmlns:adec="http://schemas.microsoft.com/office/drawing/2017/decorative" val="1"/>
@@ -7031,12 +7285,6 @@
           <a:prstGeom prst="rect">
             <a:avLst/>
           </a:prstGeom>
-          <a:solidFill>
-            <a:schemeClr val="bg1">
-              <a:lumMod val="85000"/>
-              <a:lumOff val="15000"/>
-            </a:schemeClr>
-          </a:solidFill>
           <a:ln>
             <a:noFill/>
           </a:ln>
@@ -7066,12 +7314,12 @@
           </a:p>
         </p:txBody>
       </p:sp>
-      <p:sp useBgFill="1">
-        <p:nvSpPr>
-          <p:cNvPr id="17" name="Rectangle 16">
+      <p:sp>
+        <p:nvSpPr>
+          <p:cNvPr id="10" name="Rectangle 9">
             <a:extLst>
               <a:ext uri="{FF2B5EF4-FFF2-40B4-BE49-F238E27FC236}">
-                <a16:creationId xmlns:a16="http://schemas.microsoft.com/office/drawing/2014/main" id="{272BB16D-1B1A-4782-92FD-2CF21910DF1C}"/>
+                <a16:creationId xmlns:a16="http://schemas.microsoft.com/office/drawing/2014/main" id="{F0318841-B257-4D3A-A6E5-309C003E0430}"/>
               </a:ext>
               <a:ext uri="{C183D7F6-B498-43B3-948B-1728B52AA6E4}">
                 <adec:decorative xmlns:adec="http://schemas.microsoft.com/office/drawing/2017/decorative" val="1"/>
@@ -7091,16 +7339,18 @@
         </p:nvSpPr>
         <p:spPr>
           <a:xfrm>
-            <a:off x="0" y="4626429"/>
-            <a:ext cx="12192000" cy="2231571"/>
+            <a:off x="0" y="0"/>
+            <a:ext cx="4062127" cy="6858000"/>
           </a:xfrm>
           <a:prstGeom prst="rect">
             <a:avLst/>
           </a:prstGeom>
+          <a:solidFill>
+            <a:srgbClr val="262626"/>
+          </a:solidFill>
           <a:ln>
             <a:noFill/>
           </a:ln>
-          <a:effectLst/>
         </p:spPr>
         <p:style>
           <a:lnRef idx="2">
@@ -7132,6 +7382,278 @@
           <p:cNvPr id="2" name="Title 1">
             <a:extLst>
               <a:ext uri="{FF2B5EF4-FFF2-40B4-BE49-F238E27FC236}">
+                <a16:creationId xmlns:a16="http://schemas.microsoft.com/office/drawing/2014/main" id="{6E44B138-DC35-42F7-B36E-A669A89F8108}"/>
+              </a:ext>
+            </a:extLst>
+          </p:cNvPr>
+          <p:cNvSpPr>
+            <a:spLocks noGrp="1"/>
+          </p:cNvSpPr>
+          <p:nvPr>
+            <p:ph type="title"/>
+          </p:nvPr>
+        </p:nvSpPr>
+        <p:spPr>
+          <a:xfrm>
+            <a:off x="838200" y="688748"/>
+            <a:ext cx="2855140" cy="5480504"/>
+          </a:xfrm>
+        </p:spPr>
+        <p:txBody>
+          <a:bodyPr anchor="ctr">
+            <a:normAutofit/>
+          </a:bodyPr>
+          <a:lstStyle/>
+          <a:p>
+            <a:r>
+              <a:rPr lang="en-US" sz="3600" dirty="0">
+                <a:solidFill>
+                  <a:schemeClr val="tx1"/>
+                </a:solidFill>
+              </a:rPr>
+              <a:t>Post Mortem</a:t>
+            </a:r>
+          </a:p>
+        </p:txBody>
+      </p:sp>
+      <p:sp>
+        <p:nvSpPr>
+          <p:cNvPr id="3" name="Content Placeholder 2">
+            <a:extLst>
+              <a:ext uri="{FF2B5EF4-FFF2-40B4-BE49-F238E27FC236}">
+                <a16:creationId xmlns:a16="http://schemas.microsoft.com/office/drawing/2014/main" id="{AFEE5EC2-CE1C-4E89-9C52-29C82A838F6F}"/>
+              </a:ext>
+            </a:extLst>
+          </p:cNvPr>
+          <p:cNvSpPr>
+            <a:spLocks noGrp="1"/>
+          </p:cNvSpPr>
+          <p:nvPr>
+            <p:ph idx="1"/>
+          </p:nvPr>
+        </p:nvSpPr>
+        <p:spPr>
+          <a:xfrm>
+            <a:off x="4423890" y="688749"/>
+            <a:ext cx="6286442" cy="5480504"/>
+          </a:xfrm>
+        </p:spPr>
+        <p:txBody>
+          <a:bodyPr anchor="ctr">
+            <a:normAutofit/>
+          </a:bodyPr>
+          <a:lstStyle/>
+          <a:p>
+            <a:r>
+              <a:rPr lang="en-US" sz="2000" dirty="0">
+                <a:solidFill>
+                  <a:schemeClr val="tx1"/>
+                </a:solidFill>
+              </a:rPr>
+              <a:t>Twitter API</a:t>
+            </a:r>
+          </a:p>
+          <a:p>
+            <a:r>
+              <a:rPr lang="en-US" sz="2000" dirty="0">
+                <a:solidFill>
+                  <a:schemeClr val="tx1"/>
+                </a:solidFill>
+              </a:rPr>
+              <a:t>Lo</a:t>
+            </a:r>
+          </a:p>
+          <a:p>
+            <a:endParaRPr lang="en-US" sz="2000" dirty="0">
+              <a:solidFill>
+                <a:schemeClr val="tx1"/>
+              </a:solidFill>
+            </a:endParaRPr>
+          </a:p>
+          <a:p>
+            <a:r>
+              <a:rPr lang="en-US" sz="2000" dirty="0">
+                <a:solidFill>
+                  <a:schemeClr val="tx1"/>
+                </a:solidFill>
+              </a:rPr>
+              <a:t>Discuss any difficulties that arose, and how you dealt with them</a:t>
+            </a:r>
+          </a:p>
+          <a:p>
+            <a:r>
+              <a:rPr lang="en-US" sz="2000" dirty="0">
+                <a:solidFill>
+                  <a:schemeClr val="tx1"/>
+                </a:solidFill>
+              </a:rPr>
+              <a:t>Discuss any additional questions that came up, but which you didn't have time to answer: What would you research next, if you had two more weeks?</a:t>
+            </a:r>
+          </a:p>
+        </p:txBody>
+      </p:sp>
+    </p:spTree>
+    <p:extLst>
+      <p:ext uri="{BB962C8B-B14F-4D97-AF65-F5344CB8AC3E}">
+        <p14:creationId xmlns:p14="http://schemas.microsoft.com/office/powerpoint/2010/main" val="977734179"/>
+      </p:ext>
+    </p:extLst>
+  </p:cSld>
+  <p:clrMapOvr>
+    <a:masterClrMapping/>
+  </p:clrMapOvr>
+</p:sld>
+</file>
+
+<file path=ppt/slides/slide13.xml><?xml version="1.0" encoding="utf-8"?>
+<p:sld xmlns:a="http://schemas.openxmlformats.org/drawingml/2006/main" xmlns:r="http://schemas.openxmlformats.org/officeDocument/2006/relationships" xmlns:p="http://schemas.openxmlformats.org/presentationml/2006/main">
+  <p:cSld>
+    <p:spTree>
+      <p:nvGrpSpPr>
+        <p:cNvPr id="1" name=""/>
+        <p:cNvGrpSpPr/>
+        <p:nvPr/>
+      </p:nvGrpSpPr>
+      <p:grpSpPr>
+        <a:xfrm>
+          <a:off x="0" y="0"/>
+          <a:ext cx="0" cy="0"/>
+          <a:chOff x="0" y="0"/>
+          <a:chExt cx="0" cy="0"/>
+        </a:xfrm>
+      </p:grpSpPr>
+      <p:sp>
+        <p:nvSpPr>
+          <p:cNvPr id="15" name="Rectangle 14">
+            <a:extLst>
+              <a:ext uri="{FF2B5EF4-FFF2-40B4-BE49-F238E27FC236}">
+                <a16:creationId xmlns:a16="http://schemas.microsoft.com/office/drawing/2014/main" id="{02DC0D56-2145-4CB8-979D-ADF8E921AF72}"/>
+              </a:ext>
+              <a:ext uri="{C183D7F6-B498-43B3-948B-1728B52AA6E4}">
+                <adec:decorative xmlns:adec="http://schemas.microsoft.com/office/drawing/2017/decorative" val="1"/>
+              </a:ext>
+            </a:extLst>
+          </p:cNvPr>
+          <p:cNvSpPr>
+            <a:spLocks noGrp="1" noRot="1" noChangeAspect="1" noMove="1" noResize="1" noEditPoints="1" noAdjustHandles="1" noChangeArrowheads="1" noChangeShapeType="1" noTextEdit="1"/>
+          </p:cNvSpPr>
+          <p:nvPr>
+            <p:extLst>
+              <p:ext uri="{386F3935-93C4-4BCD-93E2-E3B085C9AB24}">
+                <p16:designElem xmlns:p16="http://schemas.microsoft.com/office/powerpoint/2015/main" val="1"/>
+              </p:ext>
+            </p:extLst>
+          </p:nvPr>
+        </p:nvSpPr>
+        <p:spPr>
+          <a:xfrm>
+            <a:off x="0" y="0"/>
+            <a:ext cx="12192000" cy="6858000"/>
+          </a:xfrm>
+          <a:prstGeom prst="rect">
+            <a:avLst/>
+          </a:prstGeom>
+          <a:solidFill>
+            <a:schemeClr val="bg1">
+              <a:lumMod val="85000"/>
+              <a:lumOff val="15000"/>
+            </a:schemeClr>
+          </a:solidFill>
+          <a:ln>
+            <a:noFill/>
+          </a:ln>
+        </p:spPr>
+        <p:style>
+          <a:lnRef idx="2">
+            <a:schemeClr val="accent1">
+              <a:shade val="50000"/>
+            </a:schemeClr>
+          </a:lnRef>
+          <a:fillRef idx="1">
+            <a:schemeClr val="accent1"/>
+          </a:fillRef>
+          <a:effectRef idx="0">
+            <a:schemeClr val="accent1"/>
+          </a:effectRef>
+          <a:fontRef idx="minor">
+            <a:schemeClr val="lt1"/>
+          </a:fontRef>
+        </p:style>
+        <p:txBody>
+          <a:bodyPr rtlCol="0" anchor="ctr"/>
+          <a:lstStyle/>
+          <a:p>
+            <a:pPr algn="ctr"/>
+            <a:endParaRPr lang="en-US"/>
+          </a:p>
+        </p:txBody>
+      </p:sp>
+      <p:sp useBgFill="1">
+        <p:nvSpPr>
+          <p:cNvPr id="17" name="Rectangle 16">
+            <a:extLst>
+              <a:ext uri="{FF2B5EF4-FFF2-40B4-BE49-F238E27FC236}">
+                <a16:creationId xmlns:a16="http://schemas.microsoft.com/office/drawing/2014/main" id="{272BB16D-1B1A-4782-92FD-2CF21910DF1C}"/>
+              </a:ext>
+              <a:ext uri="{C183D7F6-B498-43B3-948B-1728B52AA6E4}">
+                <adec:decorative xmlns:adec="http://schemas.microsoft.com/office/drawing/2017/decorative" val="1"/>
+              </a:ext>
+            </a:extLst>
+          </p:cNvPr>
+          <p:cNvSpPr>
+            <a:spLocks noGrp="1" noRot="1" noChangeAspect="1" noMove="1" noResize="1" noEditPoints="1" noAdjustHandles="1" noChangeArrowheads="1" noChangeShapeType="1" noTextEdit="1"/>
+          </p:cNvSpPr>
+          <p:nvPr>
+            <p:extLst>
+              <p:ext uri="{386F3935-93C4-4BCD-93E2-E3B085C9AB24}">
+                <p16:designElem xmlns:p16="http://schemas.microsoft.com/office/powerpoint/2015/main" val="1"/>
+              </p:ext>
+            </p:extLst>
+          </p:nvPr>
+        </p:nvSpPr>
+        <p:spPr>
+          <a:xfrm>
+            <a:off x="0" y="4626429"/>
+            <a:ext cx="12192000" cy="2231571"/>
+          </a:xfrm>
+          <a:prstGeom prst="rect">
+            <a:avLst/>
+          </a:prstGeom>
+          <a:ln>
+            <a:noFill/>
+          </a:ln>
+          <a:effectLst/>
+        </p:spPr>
+        <p:style>
+          <a:lnRef idx="2">
+            <a:schemeClr val="accent1">
+              <a:shade val="50000"/>
+            </a:schemeClr>
+          </a:lnRef>
+          <a:fillRef idx="1">
+            <a:schemeClr val="accent1"/>
+          </a:fillRef>
+          <a:effectRef idx="0">
+            <a:schemeClr val="accent1"/>
+          </a:effectRef>
+          <a:fontRef idx="minor">
+            <a:schemeClr val="lt1"/>
+          </a:fontRef>
+        </p:style>
+        <p:txBody>
+          <a:bodyPr rtlCol="0" anchor="ctr"/>
+          <a:lstStyle/>
+          <a:p>
+            <a:pPr algn="ctr"/>
+            <a:endParaRPr lang="en-US"/>
+          </a:p>
+        </p:txBody>
+      </p:sp>
+      <p:sp>
+        <p:nvSpPr>
+          <p:cNvPr id="2" name="Title 1">
+            <a:extLst>
+              <a:ext uri="{FF2B5EF4-FFF2-40B4-BE49-F238E27FC236}">
                 <a16:creationId xmlns:a16="http://schemas.microsoft.com/office/drawing/2014/main" id="{D599B37F-351B-42B2-A0C3-73DEA21BC39C}"/>
               </a:ext>
             </a:extLst>
@@ -7159,9 +7681,7 @@
             <a:r>
               <a:rPr lang="en-US" sz="8800" spc="-300" dirty="0">
                 <a:solidFill>
-                  <a:schemeClr val="tx1">
-                    <a:lumMod val="95000"/>
-                  </a:schemeClr>
+                  <a:schemeClr val="tx1"/>
                 </a:solidFill>
                 <a:effectLst>
                   <a:outerShdw blurRad="469900" dist="342900" dir="5400000" sy="-20000" rotWithShape="0">
@@ -7358,9 +7878,9 @@
           <a:lstStyle/>
           <a:p>
             <a:r>
-              <a:rPr lang="en-US" sz="3600">
+              <a:rPr lang="en-US" sz="3600" dirty="0">
                 <a:solidFill>
-                  <a:srgbClr val="F2F2F2"/>
+                  <a:schemeClr val="tx1"/>
                 </a:solidFill>
               </a:rPr>
               <a:t>Motivation &amp; Summary</a:t>
@@ -7386,8 +7906,8 @@
         </p:nvSpPr>
         <p:spPr>
           <a:xfrm>
-            <a:off x="4423890" y="688749"/>
-            <a:ext cx="6286442" cy="5480504"/>
+            <a:off x="4423890" y="688748"/>
+            <a:ext cx="6286442" cy="5480505"/>
           </a:xfrm>
         </p:spPr>
         <p:txBody>
@@ -7399,9 +7919,7 @@
             <a:r>
               <a:rPr lang="en-US" sz="2000" dirty="0">
                 <a:solidFill>
-                  <a:schemeClr val="tx1">
-                    <a:lumMod val="95000"/>
-                  </a:schemeClr>
+                  <a:schemeClr val="tx1"/>
                 </a:solidFill>
               </a:rPr>
               <a:t>Does cryptocurrency value track with traditional stock market value?</a:t>
@@ -7412,9 +7930,7 @@
             <a:r>
               <a:rPr lang="en-US" sz="2000" dirty="0">
                 <a:solidFill>
-                  <a:schemeClr val="tx1">
-                    <a:lumMod val="95000"/>
-                  </a:schemeClr>
+                  <a:schemeClr val="tx1"/>
                 </a:solidFill>
               </a:rPr>
               <a:t>There is a correlation</a:t>
@@ -7424,9 +7940,7 @@
             <a:r>
               <a:rPr lang="en-US" sz="2000" dirty="0">
                 <a:solidFill>
-                  <a:schemeClr val="tx1">
-                    <a:lumMod val="95000"/>
-                  </a:schemeClr>
+                  <a:schemeClr val="tx1"/>
                 </a:solidFill>
               </a:rPr>
               <a:t>Does social media have an influence on value?</a:t>
@@ -7437,9 +7951,7 @@
             <a:r>
               <a:rPr lang="en-US" sz="2000" dirty="0">
                 <a:solidFill>
-                  <a:schemeClr val="tx1">
-                    <a:lumMod val="95000"/>
-                  </a:schemeClr>
+                  <a:schemeClr val="tx1"/>
                 </a:solidFill>
               </a:rPr>
               <a:t>There is a correlation between change in price and number of comments</a:t>
@@ -7449,18 +7961,14 @@
             <a:pPr lvl="1"/>
             <a:endParaRPr lang="en-US" sz="2000" dirty="0">
               <a:solidFill>
-                <a:schemeClr val="tx1">
-                  <a:lumMod val="95000"/>
-                </a:schemeClr>
+                <a:schemeClr val="tx1"/>
               </a:solidFill>
             </a:endParaRPr>
           </a:p>
           <a:p>
             <a:endParaRPr lang="en-US" sz="2000" dirty="0">
               <a:solidFill>
-                <a:schemeClr val="tx1">
-                  <a:lumMod val="95000"/>
-                </a:schemeClr>
+                <a:schemeClr val="tx1"/>
               </a:solidFill>
             </a:endParaRPr>
           </a:p>
@@ -7468,9 +7976,7 @@
             <a:r>
               <a:rPr lang="en-US" sz="2000" dirty="0">
                 <a:solidFill>
-                  <a:schemeClr val="tx1">
-                    <a:lumMod val="95000"/>
-                  </a:schemeClr>
+                  <a:schemeClr val="tx1"/>
                 </a:solidFill>
               </a:rPr>
               <a:t>To satisfaction: no</a:t>
@@ -7662,7 +8168,7 @@
             <a:r>
               <a:rPr lang="en-US" sz="3600" dirty="0">
                 <a:solidFill>
-                  <a:srgbClr val="F2F2F2"/>
+                  <a:schemeClr val="tx1"/>
                 </a:solidFill>
               </a:rPr>
               <a:t>Questions &amp; Data</a:t>
@@ -7701,9 +8207,7 @@
             <a:r>
               <a:rPr lang="en-US" sz="2000" dirty="0">
                 <a:solidFill>
-                  <a:schemeClr val="tx1">
-                    <a:lumMod val="95000"/>
-                  </a:schemeClr>
+                  <a:schemeClr val="tx1"/>
                 </a:solidFill>
               </a:rPr>
               <a:t>Financial Data was taken from the Pandas </a:t>
@@ -7711,9 +8215,7 @@
             <a:r>
               <a:rPr lang="en-US" sz="2000" dirty="0" err="1">
                 <a:solidFill>
-                  <a:schemeClr val="tx1">
-                    <a:lumMod val="95000"/>
-                  </a:schemeClr>
+                  <a:schemeClr val="tx1"/>
                 </a:solidFill>
               </a:rPr>
               <a:t>DataReader</a:t>
@@ -7721,9 +8223,7 @@
             <a:r>
               <a:rPr lang="en-US" sz="2000" dirty="0">
                 <a:solidFill>
-                  <a:schemeClr val="tx1">
-                    <a:lumMod val="95000"/>
-                  </a:schemeClr>
+                  <a:schemeClr val="tx1"/>
                 </a:solidFill>
               </a:rPr>
               <a:t> Library </a:t>
@@ -7733,9 +8233,7 @@
             <a:r>
               <a:rPr lang="en-US" sz="2000" dirty="0">
                 <a:solidFill>
-                  <a:schemeClr val="tx1">
-                    <a:lumMod val="95000"/>
-                  </a:schemeClr>
+                  <a:schemeClr val="tx1"/>
                 </a:solidFill>
               </a:rPr>
               <a:t>Social Media Data was scraped from Reddit through the </a:t>
@@ -7743,9 +8241,7 @@
             <a:r>
               <a:rPr lang="en-US" sz="2000" dirty="0" err="1">
                 <a:solidFill>
-                  <a:schemeClr val="tx1">
-                    <a:lumMod val="95000"/>
-                  </a:schemeClr>
+                  <a:schemeClr val="tx1"/>
                 </a:solidFill>
               </a:rPr>
               <a:t>PushShift</a:t>
@@ -7753,9 +8249,7 @@
             <a:r>
               <a:rPr lang="en-US" sz="2000" dirty="0">
                 <a:solidFill>
-                  <a:schemeClr val="tx1">
-                    <a:lumMod val="95000"/>
-                  </a:schemeClr>
+                  <a:schemeClr val="tx1"/>
                 </a:solidFill>
               </a:rPr>
               <a:t> API</a:t>
@@ -7988,9 +8482,14 @@
         </p:nvSpPr>
         <p:spPr>
           <a:xfrm>
-            <a:off x="4654295" y="914400"/>
-            <a:ext cx="6699504" cy="3381939"/>
-          </a:xfrm>
+            <a:off x="0" y="0"/>
+            <a:ext cx="12192000" cy="4296339"/>
+          </a:xfrm>
+          <a:solidFill>
+            <a:schemeClr val="tx1">
+              <a:lumMod val="95000"/>
+            </a:schemeClr>
+          </a:solidFill>
         </p:spPr>
         <p:txBody>
           <a:bodyPr>
@@ -8206,9 +8705,9 @@
           <a:lstStyle/>
           <a:p>
             <a:r>
-              <a:rPr lang="en-US" sz="3600">
+              <a:rPr lang="en-US" sz="3600" dirty="0">
                 <a:solidFill>
-                  <a:srgbClr val="F2F2F2"/>
+                  <a:schemeClr val="tx1"/>
                 </a:solidFill>
               </a:rPr>
               <a:t>Data Cleanup &amp; Exploration</a:t>
@@ -8247,9 +8746,7 @@
             <a:r>
               <a:rPr lang="en-US" sz="2000" dirty="0">
                 <a:solidFill>
-                  <a:schemeClr val="tx1">
-                    <a:lumMod val="95000"/>
-                  </a:schemeClr>
+                  <a:schemeClr val="tx1"/>
                 </a:solidFill>
               </a:rPr>
               <a:t>Describe the exploration and cleanup process</a:t>
@@ -8259,9 +8756,7 @@
             <a:pPr lvl="1"/>
             <a:endParaRPr lang="en-US" sz="1600" dirty="0">
               <a:solidFill>
-                <a:schemeClr val="tx1">
-                  <a:lumMod val="95000"/>
-                </a:schemeClr>
+                <a:schemeClr val="tx1"/>
               </a:solidFill>
             </a:endParaRPr>
           </a:p>
@@ -8269,9 +8764,7 @@
             <a:r>
               <a:rPr lang="en-US" sz="2000" dirty="0">
                 <a:solidFill>
-                  <a:schemeClr val="tx1">
-                    <a:lumMod val="95000"/>
-                  </a:schemeClr>
+                  <a:schemeClr val="tx1"/>
                 </a:solidFill>
               </a:rPr>
               <a:t>Discuss insights you had while exploring the data that you didn't anticipate</a:t>
@@ -8281,9 +8774,7 @@
             <a:r>
               <a:rPr lang="en-US" sz="2000" dirty="0">
                 <a:solidFill>
-                  <a:schemeClr val="tx1">
-                    <a:lumMod val="95000"/>
-                  </a:schemeClr>
+                  <a:schemeClr val="tx1"/>
                 </a:solidFill>
               </a:rPr>
               <a:t>Discuss any problems that arose after exploring the data, and how you resolved them</a:t>
@@ -8294,9 +8785,7 @@
             <a:r>
               <a:rPr lang="en-US" sz="2000" dirty="0">
                 <a:solidFill>
-                  <a:schemeClr val="tx1">
-                    <a:lumMod val="95000"/>
-                  </a:schemeClr>
+                  <a:schemeClr val="tx1"/>
                 </a:solidFill>
               </a:rPr>
               <a:t>Date incongruities</a:t>
@@ -8307,9 +8796,7 @@
             <a:r>
               <a:rPr lang="en-US" sz="2000" dirty="0">
                 <a:solidFill>
-                  <a:schemeClr val="tx1">
-                    <a:lumMod val="95000"/>
-                  </a:schemeClr>
+                  <a:schemeClr val="tx1"/>
                 </a:solidFill>
               </a:rPr>
               <a:t>Polysemy of Tether</a:t>
@@ -8319,9 +8806,7 @@
             <a:r>
               <a:rPr lang="en-US" sz="2000" dirty="0">
                 <a:solidFill>
-                  <a:schemeClr val="tx1">
-                    <a:lumMod val="95000"/>
-                  </a:schemeClr>
+                  <a:schemeClr val="tx1"/>
                 </a:solidFill>
               </a:rPr>
               <a:t>Present and discuss interesting figures developed during exploration, ideally with the help of </a:t>
@@ -8329,9 +8814,7 @@
             <a:r>
               <a:rPr lang="en-US" sz="2000" dirty="0" err="1">
                 <a:solidFill>
-                  <a:schemeClr val="tx1">
-                    <a:lumMod val="95000"/>
-                  </a:schemeClr>
+                  <a:schemeClr val="tx1"/>
                 </a:solidFill>
               </a:rPr>
               <a:t>Jupyter</a:t>
@@ -8339,9 +8822,7 @@
             <a:r>
               <a:rPr lang="en-US" sz="2000" dirty="0">
                 <a:solidFill>
-                  <a:schemeClr val="tx1">
-                    <a:lumMod val="95000"/>
-                  </a:schemeClr>
+                  <a:schemeClr val="tx1"/>
                 </a:solidFill>
               </a:rPr>
               <a:t> Notebook</a:t>
@@ -8538,9 +9019,7 @@
             <a:r>
               <a:rPr lang="en-US" sz="4400" spc="-300" dirty="0">
                 <a:solidFill>
-                  <a:schemeClr val="tx1">
-                    <a:lumMod val="95000"/>
-                  </a:schemeClr>
+                  <a:schemeClr val="tx1"/>
                 </a:solidFill>
                 <a:effectLst>
                   <a:outerShdw blurRad="469900" dist="342900" dir="5400000" sy="-20000" rotWithShape="0">
@@ -8552,6 +9031,245 @@
               </a:rPr>
               <a:t>Data Cleaning and Exploration</a:t>
             </a:r>
+          </a:p>
+        </p:txBody>
+      </p:sp>
+      <p:sp>
+        <p:nvSpPr>
+          <p:cNvPr id="5" name="Subtitle 2">
+            <a:extLst>
+              <a:ext uri="{FF2B5EF4-FFF2-40B4-BE49-F238E27FC236}">
+                <a16:creationId xmlns:a16="http://schemas.microsoft.com/office/drawing/2014/main" id="{9FB7A43C-7F38-42DA-BC57-785606DBE9A8}"/>
+              </a:ext>
+            </a:extLst>
+          </p:cNvPr>
+          <p:cNvSpPr txBox="1">
+            <a:spLocks/>
+          </p:cNvSpPr>
+          <p:nvPr/>
+        </p:nvSpPr>
+        <p:spPr>
+          <a:xfrm>
+            <a:off x="0" y="0"/>
+            <a:ext cx="12192000" cy="4296339"/>
+          </a:xfrm>
+          <a:prstGeom prst="rect">
+            <a:avLst/>
+          </a:prstGeom>
+          <a:solidFill>
+            <a:schemeClr val="tx1"/>
+          </a:solidFill>
+        </p:spPr>
+        <p:txBody>
+          <a:bodyPr vert="horz" lIns="91440" tIns="45720" rIns="91440" bIns="45720" rtlCol="0" anchor="b">
+            <a:normAutofit/>
+          </a:bodyPr>
+          <a:lstStyle>
+            <a:lvl1pPr indent="0" algn="r" defTabSz="914400">
+              <a:lnSpc>
+                <a:spcPct val="90000"/>
+              </a:lnSpc>
+              <a:spcBef>
+                <a:spcPts val="1000"/>
+              </a:spcBef>
+              <a:buFont typeface="Arial" panose="020B0604020202020204" pitchFamily="34" charset="0"/>
+              <a:buNone/>
+              <a:defRPr sz="3200" b="0">
+                <a:solidFill>
+                  <a:schemeClr val="tx2"/>
+                </a:solidFill>
+                <a:latin typeface="+mj-lt"/>
+              </a:defRPr>
+            </a:lvl1pPr>
+            <a:lvl2pPr indent="0" algn="ctr" defTabSz="914400">
+              <a:lnSpc>
+                <a:spcPct val="90000"/>
+              </a:lnSpc>
+              <a:spcBef>
+                <a:spcPts val="500"/>
+              </a:spcBef>
+              <a:buFont typeface="Arial" panose="020B0604020202020204" pitchFamily="34" charset="0"/>
+              <a:buNone/>
+              <a:defRPr sz="2000">
+                <a:gradFill>
+                  <a:gsLst>
+                    <a:gs pos="34000">
+                      <a:schemeClr val="tx1">
+                        <a:lumMod val="93000"/>
+                      </a:schemeClr>
+                    </a:gs>
+                    <a:gs pos="0">
+                      <a:schemeClr val="bg1">
+                        <a:lumMod val="25000"/>
+                        <a:lumOff val="75000"/>
+                      </a:schemeClr>
+                    </a:gs>
+                    <a:gs pos="100000">
+                      <a:schemeClr val="tx2">
+                        <a:lumMod val="0"/>
+                        <a:lumOff val="100000"/>
+                      </a:schemeClr>
+                    </a:gs>
+                  </a:gsLst>
+                  <a:lin ang="4800000" scaled="0"/>
+                </a:gradFill>
+              </a:defRPr>
+            </a:lvl2pPr>
+            <a:lvl3pPr indent="0" algn="ctr" defTabSz="914400">
+              <a:lnSpc>
+                <a:spcPct val="90000"/>
+              </a:lnSpc>
+              <a:spcBef>
+                <a:spcPts val="500"/>
+              </a:spcBef>
+              <a:buFont typeface="Arial" panose="020B0604020202020204" pitchFamily="34" charset="0"/>
+              <a:buNone/>
+              <a:defRPr>
+                <a:gradFill>
+                  <a:gsLst>
+                    <a:gs pos="34000">
+                      <a:schemeClr val="tx1">
+                        <a:lumMod val="93000"/>
+                      </a:schemeClr>
+                    </a:gs>
+                    <a:gs pos="0">
+                      <a:schemeClr val="bg1">
+                        <a:lumMod val="25000"/>
+                        <a:lumOff val="75000"/>
+                      </a:schemeClr>
+                    </a:gs>
+                    <a:gs pos="100000">
+                      <a:schemeClr val="tx2">
+                        <a:lumMod val="0"/>
+                        <a:lumOff val="100000"/>
+                      </a:schemeClr>
+                    </a:gs>
+                  </a:gsLst>
+                  <a:lin ang="4800000" scaled="0"/>
+                </a:gradFill>
+              </a:defRPr>
+            </a:lvl3pPr>
+            <a:lvl4pPr indent="0" algn="ctr" defTabSz="914400">
+              <a:lnSpc>
+                <a:spcPct val="90000"/>
+              </a:lnSpc>
+              <a:spcBef>
+                <a:spcPts val="500"/>
+              </a:spcBef>
+              <a:buFont typeface="Arial" panose="020B0604020202020204" pitchFamily="34" charset="0"/>
+              <a:buNone/>
+              <a:defRPr sz="1600">
+                <a:gradFill>
+                  <a:gsLst>
+                    <a:gs pos="34000">
+                      <a:schemeClr val="tx1">
+                        <a:lumMod val="93000"/>
+                      </a:schemeClr>
+                    </a:gs>
+                    <a:gs pos="0">
+                      <a:schemeClr val="bg1">
+                        <a:lumMod val="25000"/>
+                        <a:lumOff val="75000"/>
+                      </a:schemeClr>
+                    </a:gs>
+                    <a:gs pos="100000">
+                      <a:schemeClr val="tx2">
+                        <a:lumMod val="0"/>
+                        <a:lumOff val="100000"/>
+                      </a:schemeClr>
+                    </a:gs>
+                  </a:gsLst>
+                  <a:lin ang="4800000" scaled="0"/>
+                </a:gradFill>
+              </a:defRPr>
+            </a:lvl4pPr>
+            <a:lvl5pPr indent="0" algn="ctr" defTabSz="914400">
+              <a:lnSpc>
+                <a:spcPct val="90000"/>
+              </a:lnSpc>
+              <a:spcBef>
+                <a:spcPts val="500"/>
+              </a:spcBef>
+              <a:buFont typeface="Arial" panose="020B0604020202020204" pitchFamily="34" charset="0"/>
+              <a:buNone/>
+              <a:defRPr sz="1600">
+                <a:gradFill>
+                  <a:gsLst>
+                    <a:gs pos="34000">
+                      <a:schemeClr val="tx1">
+                        <a:lumMod val="93000"/>
+                      </a:schemeClr>
+                    </a:gs>
+                    <a:gs pos="0">
+                      <a:schemeClr val="bg1">
+                        <a:lumMod val="25000"/>
+                        <a:lumOff val="75000"/>
+                      </a:schemeClr>
+                    </a:gs>
+                    <a:gs pos="100000">
+                      <a:schemeClr val="tx2">
+                        <a:lumMod val="0"/>
+                        <a:lumOff val="100000"/>
+                      </a:schemeClr>
+                    </a:gs>
+                  </a:gsLst>
+                  <a:lin ang="4800000" scaled="0"/>
+                </a:gradFill>
+              </a:defRPr>
+            </a:lvl5pPr>
+            <a:lvl6pPr indent="0" algn="ctr" defTabSz="914400">
+              <a:lnSpc>
+                <a:spcPct val="90000"/>
+              </a:lnSpc>
+              <a:spcBef>
+                <a:spcPts val="500"/>
+              </a:spcBef>
+              <a:buFont typeface="Arial" panose="020B0604020202020204" pitchFamily="34" charset="0"/>
+              <a:buNone/>
+              <a:defRPr sz="1600"/>
+            </a:lvl6pPr>
+            <a:lvl7pPr indent="0" algn="ctr" defTabSz="914400">
+              <a:lnSpc>
+                <a:spcPct val="90000"/>
+              </a:lnSpc>
+              <a:spcBef>
+                <a:spcPts val="500"/>
+              </a:spcBef>
+              <a:buFont typeface="Arial" panose="020B0604020202020204" pitchFamily="34" charset="0"/>
+              <a:buNone/>
+              <a:defRPr sz="1600"/>
+            </a:lvl7pPr>
+            <a:lvl8pPr indent="0" algn="ctr" defTabSz="914400">
+              <a:lnSpc>
+                <a:spcPct val="90000"/>
+              </a:lnSpc>
+              <a:spcBef>
+                <a:spcPts val="500"/>
+              </a:spcBef>
+              <a:buFont typeface="Arial" panose="020B0604020202020204" pitchFamily="34" charset="0"/>
+              <a:buNone/>
+              <a:defRPr sz="1600"/>
+            </a:lvl8pPr>
+            <a:lvl9pPr indent="0" algn="ctr" defTabSz="914400">
+              <a:lnSpc>
+                <a:spcPct val="90000"/>
+              </a:lnSpc>
+              <a:spcBef>
+                <a:spcPts val="500"/>
+              </a:spcBef>
+              <a:buFont typeface="Arial" panose="020B0604020202020204" pitchFamily="34" charset="0"/>
+              <a:buNone/>
+              <a:defRPr sz="1600"/>
+            </a:lvl9pPr>
+          </a:lstStyle>
+          <a:p>
+            <a:r>
+              <a:rPr lang="en-US">
+                <a:hlinkClick r:id="rId2" action="ppaction://hlinkfile"/>
+              </a:rPr>
+              <a:t>Jupyter Notebook</a:t>
+            </a:r>
+            <a:endParaRPr lang="en-US" dirty="0"/>
           </a:p>
         </p:txBody>
       </p:sp>
@@ -8737,9 +9455,9 @@
           <a:lstStyle/>
           <a:p>
             <a:r>
-              <a:rPr lang="en-US" sz="3600">
+              <a:rPr lang="en-US" sz="3600" dirty="0">
                 <a:solidFill>
-                  <a:srgbClr val="F2F2F2"/>
+                  <a:schemeClr val="tx1"/>
                 </a:solidFill>
               </a:rPr>
               <a:t>Data Analysis</a:t>
@@ -8778,9 +9496,7 @@
             <a:r>
               <a:rPr lang="en-US" sz="2000" dirty="0">
                 <a:solidFill>
-                  <a:schemeClr val="tx1">
-                    <a:lumMod val="95000"/>
-                  </a:schemeClr>
+                  <a:schemeClr val="tx1"/>
                 </a:solidFill>
               </a:rPr>
               <a:t>Analysis</a:t>
@@ -8789,9 +9505,7 @@
           <a:p>
             <a:endParaRPr lang="en-US" sz="2000" dirty="0">
               <a:solidFill>
-                <a:schemeClr val="tx1">
-                  <a:lumMod val="95000"/>
-                </a:schemeClr>
+                <a:schemeClr val="tx1"/>
               </a:solidFill>
             </a:endParaRPr>
           </a:p>
@@ -8799,9 +9513,7 @@
             <a:r>
               <a:rPr lang="en-US" sz="2000" dirty="0">
                 <a:solidFill>
-                  <a:schemeClr val="tx1">
-                    <a:lumMod val="95000"/>
-                  </a:schemeClr>
+                  <a:schemeClr val="tx1"/>
                 </a:solidFill>
               </a:rPr>
               <a:t>Discuss the steps you took to analyze the data and answer each question you asked I</a:t>
@@ -8811,9 +9523,7 @@
             <a:r>
               <a:rPr lang="en-US" sz="2000" dirty="0">
                 <a:solidFill>
-                  <a:schemeClr val="tx1">
-                    <a:lumMod val="95000"/>
-                  </a:schemeClr>
+                  <a:schemeClr val="tx1"/>
                 </a:solidFill>
               </a:rPr>
               <a:t>Present and discuss interesting figures developed during analysis, ideally with the help of </a:t>
@@ -8821,9 +9531,7 @@
             <a:r>
               <a:rPr lang="en-US" sz="2000" dirty="0" err="1">
                 <a:solidFill>
-                  <a:schemeClr val="tx1">
-                    <a:lumMod val="95000"/>
-                  </a:schemeClr>
+                  <a:schemeClr val="tx1"/>
                 </a:solidFill>
               </a:rPr>
               <a:t>Jupyter</a:t>
@@ -8831,9 +9539,7 @@
             <a:r>
               <a:rPr lang="en-US" sz="2000" dirty="0">
                 <a:solidFill>
-                  <a:schemeClr val="tx1">
-                    <a:lumMod val="95000"/>
-                  </a:schemeClr>
+                  <a:schemeClr val="tx1"/>
                 </a:solidFill>
               </a:rPr>
               <a:t> Notebook and your proposal</a:t>
@@ -9030,9 +9736,7 @@
             <a:r>
               <a:rPr lang="en-US" sz="4400" spc="-300" dirty="0">
                 <a:solidFill>
-                  <a:schemeClr val="tx1">
-                    <a:lumMod val="95000"/>
-                  </a:schemeClr>
+                  <a:schemeClr val="tx1"/>
                 </a:solidFill>
                 <a:effectLst>
                   <a:outerShdw blurRad="469900" dist="342900" dir="5400000" sy="-20000" rotWithShape="0">
@@ -9047,12 +9751,251 @@
           </a:p>
         </p:txBody>
       </p:sp>
+      <p:sp>
+        <p:nvSpPr>
+          <p:cNvPr id="7" name="Subtitle 2">
+            <a:extLst>
+              <a:ext uri="{FF2B5EF4-FFF2-40B4-BE49-F238E27FC236}">
+                <a16:creationId xmlns:a16="http://schemas.microsoft.com/office/drawing/2014/main" id="{B16B0C0A-F24E-4651-8509-511AD485412C}"/>
+              </a:ext>
+            </a:extLst>
+          </p:cNvPr>
+          <p:cNvSpPr txBox="1">
+            <a:spLocks/>
+          </p:cNvSpPr>
+          <p:nvPr/>
+        </p:nvSpPr>
+        <p:spPr>
+          <a:xfrm>
+            <a:off x="0" y="0"/>
+            <a:ext cx="12192000" cy="4296339"/>
+          </a:xfrm>
+          <a:prstGeom prst="rect">
+            <a:avLst/>
+          </a:prstGeom>
+          <a:solidFill>
+            <a:schemeClr val="tx1"/>
+          </a:solidFill>
+        </p:spPr>
+        <p:txBody>
+          <a:bodyPr vert="horz" lIns="91440" tIns="45720" rIns="91440" bIns="45720" rtlCol="0" anchor="b">
+            <a:normAutofit/>
+          </a:bodyPr>
+          <a:lstStyle>
+            <a:lvl1pPr indent="0" algn="r" defTabSz="914400">
+              <a:lnSpc>
+                <a:spcPct val="90000"/>
+              </a:lnSpc>
+              <a:spcBef>
+                <a:spcPts val="1000"/>
+              </a:spcBef>
+              <a:buFont typeface="Arial" panose="020B0604020202020204" pitchFamily="34" charset="0"/>
+              <a:buNone/>
+              <a:defRPr sz="3200" b="0">
+                <a:solidFill>
+                  <a:schemeClr val="tx2"/>
+                </a:solidFill>
+                <a:latin typeface="+mj-lt"/>
+              </a:defRPr>
+            </a:lvl1pPr>
+            <a:lvl2pPr indent="0" algn="ctr" defTabSz="914400">
+              <a:lnSpc>
+                <a:spcPct val="90000"/>
+              </a:lnSpc>
+              <a:spcBef>
+                <a:spcPts val="500"/>
+              </a:spcBef>
+              <a:buFont typeface="Arial" panose="020B0604020202020204" pitchFamily="34" charset="0"/>
+              <a:buNone/>
+              <a:defRPr sz="2000">
+                <a:gradFill>
+                  <a:gsLst>
+                    <a:gs pos="34000">
+                      <a:schemeClr val="tx1">
+                        <a:lumMod val="93000"/>
+                      </a:schemeClr>
+                    </a:gs>
+                    <a:gs pos="0">
+                      <a:schemeClr val="bg1">
+                        <a:lumMod val="25000"/>
+                        <a:lumOff val="75000"/>
+                      </a:schemeClr>
+                    </a:gs>
+                    <a:gs pos="100000">
+                      <a:schemeClr val="tx2">
+                        <a:lumMod val="0"/>
+                        <a:lumOff val="100000"/>
+                      </a:schemeClr>
+                    </a:gs>
+                  </a:gsLst>
+                  <a:lin ang="4800000" scaled="0"/>
+                </a:gradFill>
+              </a:defRPr>
+            </a:lvl2pPr>
+            <a:lvl3pPr indent="0" algn="ctr" defTabSz="914400">
+              <a:lnSpc>
+                <a:spcPct val="90000"/>
+              </a:lnSpc>
+              <a:spcBef>
+                <a:spcPts val="500"/>
+              </a:spcBef>
+              <a:buFont typeface="Arial" panose="020B0604020202020204" pitchFamily="34" charset="0"/>
+              <a:buNone/>
+              <a:defRPr>
+                <a:gradFill>
+                  <a:gsLst>
+                    <a:gs pos="34000">
+                      <a:schemeClr val="tx1">
+                        <a:lumMod val="93000"/>
+                      </a:schemeClr>
+                    </a:gs>
+                    <a:gs pos="0">
+                      <a:schemeClr val="bg1">
+                        <a:lumMod val="25000"/>
+                        <a:lumOff val="75000"/>
+                      </a:schemeClr>
+                    </a:gs>
+                    <a:gs pos="100000">
+                      <a:schemeClr val="tx2">
+                        <a:lumMod val="0"/>
+                        <a:lumOff val="100000"/>
+                      </a:schemeClr>
+                    </a:gs>
+                  </a:gsLst>
+                  <a:lin ang="4800000" scaled="0"/>
+                </a:gradFill>
+              </a:defRPr>
+            </a:lvl3pPr>
+            <a:lvl4pPr indent="0" algn="ctr" defTabSz="914400">
+              <a:lnSpc>
+                <a:spcPct val="90000"/>
+              </a:lnSpc>
+              <a:spcBef>
+                <a:spcPts val="500"/>
+              </a:spcBef>
+              <a:buFont typeface="Arial" panose="020B0604020202020204" pitchFamily="34" charset="0"/>
+              <a:buNone/>
+              <a:defRPr sz="1600">
+                <a:gradFill>
+                  <a:gsLst>
+                    <a:gs pos="34000">
+                      <a:schemeClr val="tx1">
+                        <a:lumMod val="93000"/>
+                      </a:schemeClr>
+                    </a:gs>
+                    <a:gs pos="0">
+                      <a:schemeClr val="bg1">
+                        <a:lumMod val="25000"/>
+                        <a:lumOff val="75000"/>
+                      </a:schemeClr>
+                    </a:gs>
+                    <a:gs pos="100000">
+                      <a:schemeClr val="tx2">
+                        <a:lumMod val="0"/>
+                        <a:lumOff val="100000"/>
+                      </a:schemeClr>
+                    </a:gs>
+                  </a:gsLst>
+                  <a:lin ang="4800000" scaled="0"/>
+                </a:gradFill>
+              </a:defRPr>
+            </a:lvl4pPr>
+            <a:lvl5pPr indent="0" algn="ctr" defTabSz="914400">
+              <a:lnSpc>
+                <a:spcPct val="90000"/>
+              </a:lnSpc>
+              <a:spcBef>
+                <a:spcPts val="500"/>
+              </a:spcBef>
+              <a:buFont typeface="Arial" panose="020B0604020202020204" pitchFamily="34" charset="0"/>
+              <a:buNone/>
+              <a:defRPr sz="1600">
+                <a:gradFill>
+                  <a:gsLst>
+                    <a:gs pos="34000">
+                      <a:schemeClr val="tx1">
+                        <a:lumMod val="93000"/>
+                      </a:schemeClr>
+                    </a:gs>
+                    <a:gs pos="0">
+                      <a:schemeClr val="bg1">
+                        <a:lumMod val="25000"/>
+                        <a:lumOff val="75000"/>
+                      </a:schemeClr>
+                    </a:gs>
+                    <a:gs pos="100000">
+                      <a:schemeClr val="tx2">
+                        <a:lumMod val="0"/>
+                        <a:lumOff val="100000"/>
+                      </a:schemeClr>
+                    </a:gs>
+                  </a:gsLst>
+                  <a:lin ang="4800000" scaled="0"/>
+                </a:gradFill>
+              </a:defRPr>
+            </a:lvl5pPr>
+            <a:lvl6pPr indent="0" algn="ctr" defTabSz="914400">
+              <a:lnSpc>
+                <a:spcPct val="90000"/>
+              </a:lnSpc>
+              <a:spcBef>
+                <a:spcPts val="500"/>
+              </a:spcBef>
+              <a:buFont typeface="Arial" panose="020B0604020202020204" pitchFamily="34" charset="0"/>
+              <a:buNone/>
+              <a:defRPr sz="1600"/>
+            </a:lvl6pPr>
+            <a:lvl7pPr indent="0" algn="ctr" defTabSz="914400">
+              <a:lnSpc>
+                <a:spcPct val="90000"/>
+              </a:lnSpc>
+              <a:spcBef>
+                <a:spcPts val="500"/>
+              </a:spcBef>
+              <a:buFont typeface="Arial" panose="020B0604020202020204" pitchFamily="34" charset="0"/>
+              <a:buNone/>
+              <a:defRPr sz="1600"/>
+            </a:lvl7pPr>
+            <a:lvl8pPr indent="0" algn="ctr" defTabSz="914400">
+              <a:lnSpc>
+                <a:spcPct val="90000"/>
+              </a:lnSpc>
+              <a:spcBef>
+                <a:spcPts val="500"/>
+              </a:spcBef>
+              <a:buFont typeface="Arial" panose="020B0604020202020204" pitchFamily="34" charset="0"/>
+              <a:buNone/>
+              <a:defRPr sz="1600"/>
+            </a:lvl8pPr>
+            <a:lvl9pPr indent="0" algn="ctr" defTabSz="914400">
+              <a:lnSpc>
+                <a:spcPct val="90000"/>
+              </a:lnSpc>
+              <a:spcBef>
+                <a:spcPts val="500"/>
+              </a:spcBef>
+              <a:buFont typeface="Arial" panose="020B0604020202020204" pitchFamily="34" charset="0"/>
+              <a:buNone/>
+              <a:defRPr sz="1600"/>
+            </a:lvl9pPr>
+          </a:lstStyle>
+          <a:p>
+            <a:r>
+              <a:rPr lang="en-US">
+                <a:hlinkClick r:id="rId2" action="ppaction://hlinkfile"/>
+              </a:rPr>
+              <a:t>Jupyter Notebook</a:t>
+            </a:r>
+            <a:endParaRPr lang="en-US" dirty="0"/>
+          </a:p>
+        </p:txBody>
+      </p:sp>
       <p:pic>
         <p:nvPicPr>
-          <p:cNvPr id="6" name="Picture 5" descr="Chart, scatter chart&#10;&#10;Description automatically generated">
+          <p:cNvPr id="4" name="Picture 3" descr="Chart, line chart&#10;&#10;Description automatically generated">
             <a:extLst>
               <a:ext uri="{FF2B5EF4-FFF2-40B4-BE49-F238E27FC236}">
-                <a16:creationId xmlns:a16="http://schemas.microsoft.com/office/drawing/2014/main" id="{3D2ED39D-A97A-4F31-865B-1EDA7F28FE47}"/>
+                <a16:creationId xmlns:a16="http://schemas.microsoft.com/office/drawing/2014/main" id="{71FE2AD3-85C7-4508-922F-F77D531B8C63}"/>
               </a:ext>
             </a:extLst>
           </p:cNvPr>
@@ -9061,22 +10004,21 @@
           </p:cNvPicPr>
           <p:nvPr/>
         </p:nvPicPr>
-        <p:blipFill>
-          <a:blip r:embed="rId2">
+        <p:blipFill rotWithShape="1">
+          <a:blip r:embed="rId3">
             <a:extLst>
               <a:ext uri="{28A0092B-C50C-407E-A947-70E740481C1C}">
                 <a14:useLocalDpi xmlns:a14="http://schemas.microsoft.com/office/drawing/2010/main" val="0"/>
               </a:ext>
             </a:extLst>
           </a:blip>
-          <a:stretch>
-            <a:fillRect/>
-          </a:stretch>
+          <a:srcRect l="9545" t="5664" r="5454" b="2631"/>
+          <a:stretch/>
         </p:blipFill>
         <p:spPr>
           <a:xfrm>
-            <a:off x="3235235" y="118655"/>
-            <a:ext cx="5852160" cy="4389120"/>
+            <a:off x="166260" y="0"/>
+            <a:ext cx="11946698" cy="4296339"/>
           </a:xfrm>
           <a:prstGeom prst="rect">
             <a:avLst/>
@@ -9113,12 +10055,12 @@
           <a:chExt cx="0" cy="0"/>
         </a:xfrm>
       </p:grpSpPr>
-      <p:sp useBgFill="1">
+      <p:sp>
         <p:nvSpPr>
           <p:cNvPr id="8" name="Rectangle 7">
             <a:extLst>
               <a:ext uri="{FF2B5EF4-FFF2-40B4-BE49-F238E27FC236}">
-                <a16:creationId xmlns:a16="http://schemas.microsoft.com/office/drawing/2014/main" id="{87358089-2E54-4747-8D77-434291EB9A73}"/>
+                <a16:creationId xmlns:a16="http://schemas.microsoft.com/office/drawing/2014/main" id="{02DC0D56-2145-4CB8-979D-ADF8E921AF72}"/>
               </a:ext>
               <a:ext uri="{C183D7F6-B498-43B3-948B-1728B52AA6E4}">
                 <adec:decorative xmlns:adec="http://schemas.microsoft.com/office/drawing/2017/decorative" val="1"/>
@@ -9144,6 +10086,12 @@
           <a:prstGeom prst="rect">
             <a:avLst/>
           </a:prstGeom>
+          <a:solidFill>
+            <a:schemeClr val="bg1">
+              <a:lumMod val="85000"/>
+              <a:lumOff val="15000"/>
+            </a:schemeClr>
+          </a:solidFill>
           <a:ln>
             <a:noFill/>
           </a:ln>
@@ -9173,12 +10121,12 @@
           </a:p>
         </p:txBody>
       </p:sp>
-      <p:sp>
+      <p:sp useBgFill="1">
         <p:nvSpPr>
           <p:cNvPr id="10" name="Rectangle 9">
             <a:extLst>
               <a:ext uri="{FF2B5EF4-FFF2-40B4-BE49-F238E27FC236}">
-                <a16:creationId xmlns:a16="http://schemas.microsoft.com/office/drawing/2014/main" id="{F0318841-B257-4D3A-A6E5-309C003E0430}"/>
+                <a16:creationId xmlns:a16="http://schemas.microsoft.com/office/drawing/2014/main" id="{272BB16D-1B1A-4782-92FD-2CF21910DF1C}"/>
               </a:ext>
               <a:ext uri="{C183D7F6-B498-43B3-948B-1728B52AA6E4}">
                 <adec:decorative xmlns:adec="http://schemas.microsoft.com/office/drawing/2017/decorative" val="1"/>
@@ -9198,18 +10146,16 @@
         </p:nvSpPr>
         <p:spPr>
           <a:xfrm>
-            <a:off x="0" y="0"/>
-            <a:ext cx="4062127" cy="6858000"/>
+            <a:off x="0" y="4626429"/>
+            <a:ext cx="12192000" cy="2231571"/>
           </a:xfrm>
           <a:prstGeom prst="rect">
             <a:avLst/>
           </a:prstGeom>
-          <a:solidFill>
-            <a:srgbClr val="262626"/>
-          </a:solidFill>
           <a:ln>
             <a:noFill/>
           </a:ln>
+          <a:effectLst/>
         </p:spPr>
         <p:style>
           <a:lnRef idx="2">
@@ -9241,7 +10187,7 @@
           <p:cNvPr id="2" name="Title 1">
             <a:extLst>
               <a:ext uri="{FF2B5EF4-FFF2-40B4-BE49-F238E27FC236}">
-                <a16:creationId xmlns:a16="http://schemas.microsoft.com/office/drawing/2014/main" id="{3969A7ED-B6F1-451E-8F80-1C6F7D537BAF}"/>
+                <a16:creationId xmlns:a16="http://schemas.microsoft.com/office/drawing/2014/main" id="{5EEDC5F9-4247-4811-AD8A-D73A13412E4F}"/>
               </a:ext>
             </a:extLst>
           </p:cNvPr>
@@ -9254,150 +10200,313 @@
         </p:nvSpPr>
         <p:spPr>
           <a:xfrm>
-            <a:off x="838200" y="688748"/>
-            <a:ext cx="2855140" cy="5480504"/>
-          </a:xfrm>
-        </p:spPr>
-        <p:txBody>
-          <a:bodyPr anchor="ctr">
+            <a:off x="838200" y="4963886"/>
+            <a:ext cx="10515600" cy="1141632"/>
+          </a:xfrm>
+        </p:spPr>
+        <p:txBody>
+          <a:bodyPr vert="horz" wrap="square" lIns="91440" tIns="45720" rIns="91440" bIns="45720" rtlCol="0" anchor="t">
             <a:normAutofit/>
           </a:bodyPr>
           <a:lstStyle/>
           <a:p>
-            <a:r>
-              <a:rPr lang="en-US" sz="3600">
+            <a:pPr algn="r"/>
+            <a:r>
+              <a:rPr lang="en-US" sz="4400" spc="-300" dirty="0">
                 <a:solidFill>
-                  <a:srgbClr val="F2F2F2"/>
+                  <a:schemeClr val="tx1"/>
                 </a:solidFill>
+                <a:effectLst>
+                  <a:outerShdw blurRad="469900" dist="342900" dir="5400000" sy="-20000" rotWithShape="0">
+                    <a:prstClr val="black">
+                      <a:alpha val="66000"/>
+                    </a:prstClr>
+                  </a:outerShdw>
+                </a:effectLst>
               </a:rPr>
-              <a:t>Discussion</a:t>
-            </a:r>
-          </a:p>
-        </p:txBody>
-      </p:sp>
-      <p:sp>
-        <p:nvSpPr>
-          <p:cNvPr id="3" name="Content Placeholder 2">
+              <a:t>Analysis</a:t>
+            </a:r>
+          </a:p>
+        </p:txBody>
+      </p:sp>
+      <p:sp>
+        <p:nvSpPr>
+          <p:cNvPr id="7" name="Subtitle 2">
             <a:extLst>
               <a:ext uri="{FF2B5EF4-FFF2-40B4-BE49-F238E27FC236}">
-                <a16:creationId xmlns:a16="http://schemas.microsoft.com/office/drawing/2014/main" id="{98C008D0-1E43-4D75-8694-1447CE4A1999}"/>
+                <a16:creationId xmlns:a16="http://schemas.microsoft.com/office/drawing/2014/main" id="{B16B0C0A-F24E-4651-8509-511AD485412C}"/>
               </a:ext>
             </a:extLst>
           </p:cNvPr>
-          <p:cNvSpPr>
-            <a:spLocks noGrp="1"/>
-          </p:cNvSpPr>
-          <p:nvPr>
-            <p:ph idx="1"/>
-          </p:nvPr>
-        </p:nvSpPr>
-        <p:spPr>
-          <a:xfrm>
-            <a:off x="4423890" y="688749"/>
-            <a:ext cx="6286442" cy="5480504"/>
-          </a:xfrm>
-        </p:spPr>
-        <p:txBody>
-          <a:bodyPr anchor="ctr">
+          <p:cNvSpPr txBox="1">
+            <a:spLocks/>
+          </p:cNvSpPr>
+          <p:nvPr/>
+        </p:nvSpPr>
+        <p:spPr>
+          <a:xfrm>
+            <a:off x="0" y="0"/>
+            <a:ext cx="12192000" cy="4296339"/>
+          </a:xfrm>
+          <a:prstGeom prst="rect">
+            <a:avLst/>
+          </a:prstGeom>
+          <a:solidFill>
+            <a:schemeClr val="tx1"/>
+          </a:solidFill>
+        </p:spPr>
+        <p:txBody>
+          <a:bodyPr vert="horz" lIns="91440" tIns="45720" rIns="91440" bIns="45720" rtlCol="0" anchor="b">
             <a:normAutofit/>
           </a:bodyPr>
-          <a:lstStyle/>
-          <a:p>
-            <a:pPr marL="0" indent="0">
-              <a:buNone/>
-            </a:pPr>
-            <a:r>
-              <a:rPr lang="en-US" sz="2000" dirty="0">
+          <a:lstStyle>
+            <a:lvl1pPr indent="0" algn="r" defTabSz="914400">
+              <a:lnSpc>
+                <a:spcPct val="90000"/>
+              </a:lnSpc>
+              <a:spcBef>
+                <a:spcPts val="1000"/>
+              </a:spcBef>
+              <a:buFont typeface="Arial" panose="020B0604020202020204" pitchFamily="34" charset="0"/>
+              <a:buNone/>
+              <a:defRPr sz="3200" b="0">
                 <a:solidFill>
-                  <a:schemeClr val="tx1">
-                    <a:lumMod val="95000"/>
-                  </a:schemeClr>
+                  <a:schemeClr val="tx2"/>
                 </a:solidFill>
+                <a:latin typeface="+mj-lt"/>
+              </a:defRPr>
+            </a:lvl1pPr>
+            <a:lvl2pPr indent="0" algn="ctr" defTabSz="914400">
+              <a:lnSpc>
+                <a:spcPct val="90000"/>
+              </a:lnSpc>
+              <a:spcBef>
+                <a:spcPts val="500"/>
+              </a:spcBef>
+              <a:buFont typeface="Arial" panose="020B0604020202020204" pitchFamily="34" charset="0"/>
+              <a:buNone/>
+              <a:defRPr sz="2000">
+                <a:gradFill>
+                  <a:gsLst>
+                    <a:gs pos="34000">
+                      <a:schemeClr val="tx1">
+                        <a:lumMod val="93000"/>
+                      </a:schemeClr>
+                    </a:gs>
+                    <a:gs pos="0">
+                      <a:schemeClr val="bg1">
+                        <a:lumMod val="25000"/>
+                        <a:lumOff val="75000"/>
+                      </a:schemeClr>
+                    </a:gs>
+                    <a:gs pos="100000">
+                      <a:schemeClr val="tx2">
+                        <a:lumMod val="0"/>
+                        <a:lumOff val="100000"/>
+                      </a:schemeClr>
+                    </a:gs>
+                  </a:gsLst>
+                  <a:lin ang="4800000" scaled="0"/>
+                </a:gradFill>
+              </a:defRPr>
+            </a:lvl2pPr>
+            <a:lvl3pPr indent="0" algn="ctr" defTabSz="914400">
+              <a:lnSpc>
+                <a:spcPct val="90000"/>
+              </a:lnSpc>
+              <a:spcBef>
+                <a:spcPts val="500"/>
+              </a:spcBef>
+              <a:buFont typeface="Arial" panose="020B0604020202020204" pitchFamily="34" charset="0"/>
+              <a:buNone/>
+              <a:defRPr>
+                <a:gradFill>
+                  <a:gsLst>
+                    <a:gs pos="34000">
+                      <a:schemeClr val="tx1">
+                        <a:lumMod val="93000"/>
+                      </a:schemeClr>
+                    </a:gs>
+                    <a:gs pos="0">
+                      <a:schemeClr val="bg1">
+                        <a:lumMod val="25000"/>
+                        <a:lumOff val="75000"/>
+                      </a:schemeClr>
+                    </a:gs>
+                    <a:gs pos="100000">
+                      <a:schemeClr val="tx2">
+                        <a:lumMod val="0"/>
+                        <a:lumOff val="100000"/>
+                      </a:schemeClr>
+                    </a:gs>
+                  </a:gsLst>
+                  <a:lin ang="4800000" scaled="0"/>
+                </a:gradFill>
+              </a:defRPr>
+            </a:lvl3pPr>
+            <a:lvl4pPr indent="0" algn="ctr" defTabSz="914400">
+              <a:lnSpc>
+                <a:spcPct val="90000"/>
+              </a:lnSpc>
+              <a:spcBef>
+                <a:spcPts val="500"/>
+              </a:spcBef>
+              <a:buFont typeface="Arial" panose="020B0604020202020204" pitchFamily="34" charset="0"/>
+              <a:buNone/>
+              <a:defRPr sz="1600">
+                <a:gradFill>
+                  <a:gsLst>
+                    <a:gs pos="34000">
+                      <a:schemeClr val="tx1">
+                        <a:lumMod val="93000"/>
+                      </a:schemeClr>
+                    </a:gs>
+                    <a:gs pos="0">
+                      <a:schemeClr val="bg1">
+                        <a:lumMod val="25000"/>
+                        <a:lumOff val="75000"/>
+                      </a:schemeClr>
+                    </a:gs>
+                    <a:gs pos="100000">
+                      <a:schemeClr val="tx2">
+                        <a:lumMod val="0"/>
+                        <a:lumOff val="100000"/>
+                      </a:schemeClr>
+                    </a:gs>
+                  </a:gsLst>
+                  <a:lin ang="4800000" scaled="0"/>
+                </a:gradFill>
+              </a:defRPr>
+            </a:lvl4pPr>
+            <a:lvl5pPr indent="0" algn="ctr" defTabSz="914400">
+              <a:lnSpc>
+                <a:spcPct val="90000"/>
+              </a:lnSpc>
+              <a:spcBef>
+                <a:spcPts val="500"/>
+              </a:spcBef>
+              <a:buFont typeface="Arial" panose="020B0604020202020204" pitchFamily="34" charset="0"/>
+              <a:buNone/>
+              <a:defRPr sz="1600">
+                <a:gradFill>
+                  <a:gsLst>
+                    <a:gs pos="34000">
+                      <a:schemeClr val="tx1">
+                        <a:lumMod val="93000"/>
+                      </a:schemeClr>
+                    </a:gs>
+                    <a:gs pos="0">
+                      <a:schemeClr val="bg1">
+                        <a:lumMod val="25000"/>
+                        <a:lumOff val="75000"/>
+                      </a:schemeClr>
+                    </a:gs>
+                    <a:gs pos="100000">
+                      <a:schemeClr val="tx2">
+                        <a:lumMod val="0"/>
+                        <a:lumOff val="100000"/>
+                      </a:schemeClr>
+                    </a:gs>
+                  </a:gsLst>
+                  <a:lin ang="4800000" scaled="0"/>
+                </a:gradFill>
+              </a:defRPr>
+            </a:lvl5pPr>
+            <a:lvl6pPr indent="0" algn="ctr" defTabSz="914400">
+              <a:lnSpc>
+                <a:spcPct val="90000"/>
+              </a:lnSpc>
+              <a:spcBef>
+                <a:spcPts val="500"/>
+              </a:spcBef>
+              <a:buFont typeface="Arial" panose="020B0604020202020204" pitchFamily="34" charset="0"/>
+              <a:buNone/>
+              <a:defRPr sz="1600"/>
+            </a:lvl6pPr>
+            <a:lvl7pPr indent="0" algn="ctr" defTabSz="914400">
+              <a:lnSpc>
+                <a:spcPct val="90000"/>
+              </a:lnSpc>
+              <a:spcBef>
+                <a:spcPts val="500"/>
+              </a:spcBef>
+              <a:buFont typeface="Arial" panose="020B0604020202020204" pitchFamily="34" charset="0"/>
+              <a:buNone/>
+              <a:defRPr sz="1600"/>
+            </a:lvl7pPr>
+            <a:lvl8pPr indent="0" algn="ctr" defTabSz="914400">
+              <a:lnSpc>
+                <a:spcPct val="90000"/>
+              </a:lnSpc>
+              <a:spcBef>
+                <a:spcPts val="500"/>
+              </a:spcBef>
+              <a:buFont typeface="Arial" panose="020B0604020202020204" pitchFamily="34" charset="0"/>
+              <a:buNone/>
+              <a:defRPr sz="1600"/>
+            </a:lvl8pPr>
+            <a:lvl9pPr indent="0" algn="ctr" defTabSz="914400">
+              <a:lnSpc>
+                <a:spcPct val="90000"/>
+              </a:lnSpc>
+              <a:spcBef>
+                <a:spcPts val="500"/>
+              </a:spcBef>
+              <a:buFont typeface="Arial" panose="020B0604020202020204" pitchFamily="34" charset="0"/>
+              <a:buNone/>
+              <a:defRPr sz="1600"/>
+            </a:lvl9pPr>
+          </a:lstStyle>
+          <a:p>
+            <a:r>
+              <a:rPr lang="en-US">
+                <a:hlinkClick r:id="rId2" action="ppaction://hlinkfile"/>
               </a:rPr>
-              <a:t>Expected:</a:t>
-            </a:r>
-          </a:p>
-          <a:p>
-            <a:r>
-              <a:rPr lang="en-US" sz="2000" dirty="0">
-                <a:solidFill>
-                  <a:schemeClr val="tx1">
-                    <a:lumMod val="95000"/>
-                  </a:schemeClr>
-                </a:solidFill>
-              </a:rPr>
-              <a:t>Stronger relationship between social media activity and cryptocurrency fluctuations</a:t>
-            </a:r>
-          </a:p>
-          <a:p>
-            <a:r>
-              <a:rPr lang="en-US" sz="2000" dirty="0">
-                <a:solidFill>
-                  <a:schemeClr val="tx1">
-                    <a:lumMod val="95000"/>
-                  </a:schemeClr>
-                </a:solidFill>
-              </a:rPr>
-              <a:t>Correlation between Volume and Comment Count</a:t>
-            </a:r>
-          </a:p>
-          <a:p>
-            <a:pPr marL="0" indent="0">
-              <a:buNone/>
-            </a:pPr>
-            <a:endParaRPr lang="en-US" sz="2000" dirty="0">
-              <a:solidFill>
-                <a:schemeClr val="tx1">
-                  <a:lumMod val="95000"/>
-                </a:schemeClr>
-              </a:solidFill>
-            </a:endParaRPr>
-          </a:p>
-          <a:p>
-            <a:pPr marL="0" indent="0">
-              <a:buNone/>
-            </a:pPr>
-            <a:r>
-              <a:rPr lang="en-US" sz="2000" dirty="0">
-                <a:solidFill>
-                  <a:schemeClr val="tx1">
-                    <a:lumMod val="95000"/>
-                  </a:schemeClr>
-                </a:solidFill>
-              </a:rPr>
-              <a:t>Result:</a:t>
-            </a:r>
-          </a:p>
-          <a:p>
-            <a:r>
-              <a:rPr lang="en-US" sz="2000" dirty="0">
-                <a:solidFill>
-                  <a:schemeClr val="tx1">
-                    <a:lumMod val="95000"/>
-                  </a:schemeClr>
-                </a:solidFill>
-              </a:rPr>
-              <a:t>Stronger relationship between social media activity and traditional stock fluctuations</a:t>
-            </a:r>
-          </a:p>
-          <a:p>
-            <a:r>
-              <a:rPr lang="en-US" sz="2000" dirty="0">
-                <a:solidFill>
-                  <a:schemeClr val="tx1">
-                    <a:lumMod val="95000"/>
-                  </a:schemeClr>
-                </a:solidFill>
-              </a:rPr>
-              <a:t>Stronger correlation between daily price differences and comment count</a:t>
-            </a:r>
-          </a:p>
-        </p:txBody>
-      </p:sp>
+              <a:t>Jupyter Notebook</a:t>
+            </a:r>
+            <a:endParaRPr lang="en-US" dirty="0"/>
+          </a:p>
+        </p:txBody>
+      </p:sp>
+      <p:pic>
+        <p:nvPicPr>
+          <p:cNvPr id="5" name="Picture 4" descr="Chart, line chart, histogram&#10;&#10;Description automatically generated">
+            <a:extLst>
+              <a:ext uri="{FF2B5EF4-FFF2-40B4-BE49-F238E27FC236}">
+                <a16:creationId xmlns:a16="http://schemas.microsoft.com/office/drawing/2014/main" id="{365AF8FF-DBD6-43AD-9FD0-D786D7A20302}"/>
+              </a:ext>
+            </a:extLst>
+          </p:cNvPr>
+          <p:cNvPicPr>
+            <a:picLocks noChangeAspect="1"/>
+          </p:cNvPicPr>
+          <p:nvPr/>
+        </p:nvPicPr>
+        <p:blipFill rotWithShape="1">
+          <a:blip r:embed="rId3">
+            <a:extLst>
+              <a:ext uri="{28A0092B-C50C-407E-A947-70E740481C1C}">
+                <a14:useLocalDpi xmlns:a14="http://schemas.microsoft.com/office/drawing/2010/main" val="0"/>
+              </a:ext>
+            </a:extLst>
+          </a:blip>
+          <a:srcRect l="7841" t="5853" r="5512" b="3466"/>
+          <a:stretch/>
+        </p:blipFill>
+        <p:spPr>
+          <a:xfrm>
+            <a:off x="0" y="0"/>
+            <a:ext cx="12072170" cy="4211404"/>
+          </a:xfrm>
+          <a:prstGeom prst="rect">
+            <a:avLst/>
+          </a:prstGeom>
+        </p:spPr>
+      </p:pic>
     </p:spTree>
     <p:extLst>
       <p:ext uri="{BB962C8B-B14F-4D97-AF65-F5344CB8AC3E}">
-        <p14:creationId xmlns:p14="http://schemas.microsoft.com/office/powerpoint/2010/main" val="246072277"/>
+        <p14:creationId xmlns:p14="http://schemas.microsoft.com/office/powerpoint/2010/main" val="1493169206"/>
       </p:ext>
     </p:extLst>
   </p:cSld>

--- a/Presentation/1_cryptocurrency_presentation.pptx
+++ b/Presentation/1_cryptocurrency_presentation.pptx
@@ -5,7 +5,7 @@
     <p:sldMasterId id="2147483999" r:id="rId1"/>
   </p:sldMasterIdLst>
   <p:notesMasterIdLst>
-    <p:notesMasterId r:id="rId15"/>
+    <p:notesMasterId r:id="rId20"/>
   </p:notesMasterIdLst>
   <p:sldIdLst>
     <p:sldId id="256" r:id="rId2"/>
@@ -16,11 +16,16 @@
     <p:sldId id="264" r:id="rId7"/>
     <p:sldId id="260" r:id="rId8"/>
     <p:sldId id="265" r:id="rId9"/>
-    <p:sldId id="268" r:id="rId10"/>
-    <p:sldId id="261" r:id="rId11"/>
-    <p:sldId id="267" r:id="rId12"/>
-    <p:sldId id="262" r:id="rId13"/>
-    <p:sldId id="263" r:id="rId14"/>
+    <p:sldId id="273" r:id="rId10"/>
+    <p:sldId id="272" r:id="rId11"/>
+    <p:sldId id="268" r:id="rId12"/>
+    <p:sldId id="270" r:id="rId13"/>
+    <p:sldId id="269" r:id="rId14"/>
+    <p:sldId id="261" r:id="rId15"/>
+    <p:sldId id="271" r:id="rId16"/>
+    <p:sldId id="267" r:id="rId17"/>
+    <p:sldId id="262" r:id="rId18"/>
+    <p:sldId id="263" r:id="rId19"/>
   </p:sldIdLst>
   <p:sldSz cx="12192000" cy="6858000"/>
   <p:notesSz cx="6858000" cy="9144000"/>
@@ -562,6 +567,267 @@
     <p:extLst>
       <p:ext uri="{BB962C8B-B14F-4D97-AF65-F5344CB8AC3E}">
         <p14:creationId xmlns:p14="http://schemas.microsoft.com/office/powerpoint/2010/main" val="1168012622"/>
+      </p:ext>
+    </p:extLst>
+  </p:cSld>
+  <p:clrMapOvr>
+    <a:masterClrMapping/>
+  </p:clrMapOvr>
+</p:notes>
+</file>
+
+<file path=ppt/notesSlides/notesSlide2.xml><?xml version="1.0" encoding="utf-8"?>
+<p:notes xmlns:a="http://schemas.openxmlformats.org/drawingml/2006/main" xmlns:r="http://schemas.openxmlformats.org/officeDocument/2006/relationships" xmlns:p="http://schemas.openxmlformats.org/presentationml/2006/main">
+  <p:cSld>
+    <p:spTree>
+      <p:nvGrpSpPr>
+        <p:cNvPr id="1" name=""/>
+        <p:cNvGrpSpPr/>
+        <p:nvPr/>
+      </p:nvGrpSpPr>
+      <p:grpSpPr>
+        <a:xfrm>
+          <a:off x="0" y="0"/>
+          <a:ext cx="0" cy="0"/>
+          <a:chOff x="0" y="0"/>
+          <a:chExt cx="0" cy="0"/>
+        </a:xfrm>
+      </p:grpSpPr>
+      <p:sp>
+        <p:nvSpPr>
+          <p:cNvPr id="2" name="Slide Image Placeholder 1"/>
+          <p:cNvSpPr>
+            <a:spLocks noGrp="1" noRot="1" noChangeAspect="1"/>
+          </p:cNvSpPr>
+          <p:nvPr>
+            <p:ph type="sldImg"/>
+          </p:nvPr>
+        </p:nvSpPr>
+        <p:spPr/>
+      </p:sp>
+      <p:sp>
+        <p:nvSpPr>
+          <p:cNvPr id="3" name="Notes Placeholder 2"/>
+          <p:cNvSpPr>
+            <a:spLocks noGrp="1"/>
+          </p:cNvSpPr>
+          <p:nvPr>
+            <p:ph type="body" idx="1"/>
+          </p:nvPr>
+        </p:nvSpPr>
+        <p:spPr/>
+        <p:txBody>
+          <a:bodyPr/>
+          <a:lstStyle/>
+          <a:p>
+            <a:r>
+              <a:rPr lang="en-US" dirty="0"/>
+              <a:t>Bitcoin not as correlated as we may have thought</a:t>
+            </a:r>
+          </a:p>
+        </p:txBody>
+      </p:sp>
+      <p:sp>
+        <p:nvSpPr>
+          <p:cNvPr id="4" name="Slide Number Placeholder 3"/>
+          <p:cNvSpPr>
+            <a:spLocks noGrp="1"/>
+          </p:cNvSpPr>
+          <p:nvPr>
+            <p:ph type="sldNum" sz="quarter" idx="5"/>
+          </p:nvPr>
+        </p:nvSpPr>
+        <p:spPr/>
+        <p:txBody>
+          <a:bodyPr/>
+          <a:lstStyle/>
+          <a:p>
+            <a:fld id="{DDAEAA62-72D5-4C83-9561-04F544EB0C2D}" type="slidenum">
+              <a:rPr lang="en-US" smtClean="0"/>
+              <a:t>10</a:t>
+            </a:fld>
+            <a:endParaRPr lang="en-US"/>
+          </a:p>
+        </p:txBody>
+      </p:sp>
+    </p:spTree>
+    <p:extLst>
+      <p:ext uri="{BB962C8B-B14F-4D97-AF65-F5344CB8AC3E}">
+        <p14:creationId xmlns:p14="http://schemas.microsoft.com/office/powerpoint/2010/main" val="3009215937"/>
+      </p:ext>
+    </p:extLst>
+  </p:cSld>
+  <p:clrMapOvr>
+    <a:masterClrMapping/>
+  </p:clrMapOvr>
+</p:notes>
+</file>
+
+<file path=ppt/notesSlides/notesSlide3.xml><?xml version="1.0" encoding="utf-8"?>
+<p:notes xmlns:a="http://schemas.openxmlformats.org/drawingml/2006/main" xmlns:r="http://schemas.openxmlformats.org/officeDocument/2006/relationships" xmlns:p="http://schemas.openxmlformats.org/presentationml/2006/main">
+  <p:cSld>
+    <p:spTree>
+      <p:nvGrpSpPr>
+        <p:cNvPr id="1" name=""/>
+        <p:cNvGrpSpPr/>
+        <p:nvPr/>
+      </p:nvGrpSpPr>
+      <p:grpSpPr>
+        <a:xfrm>
+          <a:off x="0" y="0"/>
+          <a:ext cx="0" cy="0"/>
+          <a:chOff x="0" y="0"/>
+          <a:chExt cx="0" cy="0"/>
+        </a:xfrm>
+      </p:grpSpPr>
+      <p:sp>
+        <p:nvSpPr>
+          <p:cNvPr id="2" name="Slide Image Placeholder 1"/>
+          <p:cNvSpPr>
+            <a:spLocks noGrp="1" noRot="1" noChangeAspect="1"/>
+          </p:cNvSpPr>
+          <p:nvPr>
+            <p:ph type="sldImg"/>
+          </p:nvPr>
+        </p:nvSpPr>
+        <p:spPr/>
+      </p:sp>
+      <p:sp>
+        <p:nvSpPr>
+          <p:cNvPr id="3" name="Notes Placeholder 2"/>
+          <p:cNvSpPr>
+            <a:spLocks noGrp="1"/>
+          </p:cNvSpPr>
+          <p:nvPr>
+            <p:ph type="body" idx="1"/>
+          </p:nvPr>
+        </p:nvSpPr>
+        <p:spPr/>
+        <p:txBody>
+          <a:bodyPr/>
+          <a:lstStyle/>
+          <a:p>
+            <a:r>
+              <a:rPr lang="en-US" dirty="0"/>
+              <a:t>Strongest correlation between Dow Price and comment count</a:t>
+            </a:r>
+          </a:p>
+        </p:txBody>
+      </p:sp>
+      <p:sp>
+        <p:nvSpPr>
+          <p:cNvPr id="4" name="Slide Number Placeholder 3"/>
+          <p:cNvSpPr>
+            <a:spLocks noGrp="1"/>
+          </p:cNvSpPr>
+          <p:nvPr>
+            <p:ph type="sldNum" sz="quarter" idx="5"/>
+          </p:nvPr>
+        </p:nvSpPr>
+        <p:spPr/>
+        <p:txBody>
+          <a:bodyPr/>
+          <a:lstStyle/>
+          <a:p>
+            <a:fld id="{DDAEAA62-72D5-4C83-9561-04F544EB0C2D}" type="slidenum">
+              <a:rPr lang="en-US" smtClean="0"/>
+              <a:t>12</a:t>
+            </a:fld>
+            <a:endParaRPr lang="en-US"/>
+          </a:p>
+        </p:txBody>
+      </p:sp>
+    </p:spTree>
+    <p:extLst>
+      <p:ext uri="{BB962C8B-B14F-4D97-AF65-F5344CB8AC3E}">
+        <p14:creationId xmlns:p14="http://schemas.microsoft.com/office/powerpoint/2010/main" val="190508227"/>
+      </p:ext>
+    </p:extLst>
+  </p:cSld>
+  <p:clrMapOvr>
+    <a:masterClrMapping/>
+  </p:clrMapOvr>
+</p:notes>
+</file>
+
+<file path=ppt/notesSlides/notesSlide4.xml><?xml version="1.0" encoding="utf-8"?>
+<p:notes xmlns:a="http://schemas.openxmlformats.org/drawingml/2006/main" xmlns:r="http://schemas.openxmlformats.org/officeDocument/2006/relationships" xmlns:p="http://schemas.openxmlformats.org/presentationml/2006/main">
+  <p:cSld>
+    <p:spTree>
+      <p:nvGrpSpPr>
+        <p:cNvPr id="1" name=""/>
+        <p:cNvGrpSpPr/>
+        <p:nvPr/>
+      </p:nvGrpSpPr>
+      <p:grpSpPr>
+        <a:xfrm>
+          <a:off x="0" y="0"/>
+          <a:ext cx="0" cy="0"/>
+          <a:chOff x="0" y="0"/>
+          <a:chExt cx="0" cy="0"/>
+        </a:xfrm>
+      </p:grpSpPr>
+      <p:sp>
+        <p:nvSpPr>
+          <p:cNvPr id="2" name="Slide Image Placeholder 1"/>
+          <p:cNvSpPr>
+            <a:spLocks noGrp="1" noRot="1" noChangeAspect="1"/>
+          </p:cNvSpPr>
+          <p:nvPr>
+            <p:ph type="sldImg"/>
+          </p:nvPr>
+        </p:nvSpPr>
+        <p:spPr/>
+      </p:sp>
+      <p:sp>
+        <p:nvSpPr>
+          <p:cNvPr id="3" name="Notes Placeholder 2"/>
+          <p:cNvSpPr>
+            <a:spLocks noGrp="1"/>
+          </p:cNvSpPr>
+          <p:nvPr>
+            <p:ph type="body" idx="1"/>
+          </p:nvPr>
+        </p:nvSpPr>
+        <p:spPr/>
+        <p:txBody>
+          <a:bodyPr/>
+          <a:lstStyle/>
+          <a:p>
+            <a:r>
+              <a:rPr lang="en-US" dirty="0"/>
+              <a:t>Dow has less activity than NASDAQ – less fluctuation, more chatter, higher correlation</a:t>
+            </a:r>
+          </a:p>
+        </p:txBody>
+      </p:sp>
+      <p:sp>
+        <p:nvSpPr>
+          <p:cNvPr id="4" name="Slide Number Placeholder 3"/>
+          <p:cNvSpPr>
+            <a:spLocks noGrp="1"/>
+          </p:cNvSpPr>
+          <p:nvPr>
+            <p:ph type="sldNum" sz="quarter" idx="5"/>
+          </p:nvPr>
+        </p:nvSpPr>
+        <p:spPr/>
+        <p:txBody>
+          <a:bodyPr/>
+          <a:lstStyle/>
+          <a:p>
+            <a:fld id="{DDAEAA62-72D5-4C83-9561-04F544EB0C2D}" type="slidenum">
+              <a:rPr lang="en-US" smtClean="0"/>
+              <a:t>15</a:t>
+            </a:fld>
+            <a:endParaRPr lang="en-US"/>
+          </a:p>
+        </p:txBody>
+      </p:sp>
+    </p:spTree>
+    <p:extLst>
+      <p:ext uri="{BB962C8B-B14F-4D97-AF65-F5344CB8AC3E}">
+        <p14:creationId xmlns:p14="http://schemas.microsoft.com/office/powerpoint/2010/main" val="447651292"/>
       </p:ext>
     </p:extLst>
   </p:cSld>
@@ -6514,12 +6780,12 @@
           <a:chExt cx="0" cy="0"/>
         </a:xfrm>
       </p:grpSpPr>
-      <p:sp useBgFill="1">
+      <p:sp>
         <p:nvSpPr>
           <p:cNvPr id="8" name="Rectangle 7">
             <a:extLst>
               <a:ext uri="{FF2B5EF4-FFF2-40B4-BE49-F238E27FC236}">
-                <a16:creationId xmlns:a16="http://schemas.microsoft.com/office/drawing/2014/main" id="{87358089-2E54-4747-8D77-434291EB9A73}"/>
+                <a16:creationId xmlns:a16="http://schemas.microsoft.com/office/drawing/2014/main" id="{02DC0D56-2145-4CB8-979D-ADF8E921AF72}"/>
               </a:ext>
               <a:ext uri="{C183D7F6-B498-43B3-948B-1728B52AA6E4}">
                 <adec:decorative xmlns:adec="http://schemas.microsoft.com/office/drawing/2017/decorative" val="1"/>
@@ -6545,6 +6811,12 @@
           <a:prstGeom prst="rect">
             <a:avLst/>
           </a:prstGeom>
+          <a:solidFill>
+            <a:schemeClr val="bg1">
+              <a:lumMod val="85000"/>
+              <a:lumOff val="15000"/>
+            </a:schemeClr>
+          </a:solidFill>
           <a:ln>
             <a:noFill/>
           </a:ln>
@@ -6574,12 +6846,12 @@
           </a:p>
         </p:txBody>
       </p:sp>
-      <p:sp>
+      <p:sp useBgFill="1">
         <p:nvSpPr>
           <p:cNvPr id="10" name="Rectangle 9">
             <a:extLst>
               <a:ext uri="{FF2B5EF4-FFF2-40B4-BE49-F238E27FC236}">
-                <a16:creationId xmlns:a16="http://schemas.microsoft.com/office/drawing/2014/main" id="{F0318841-B257-4D3A-A6E5-309C003E0430}"/>
+                <a16:creationId xmlns:a16="http://schemas.microsoft.com/office/drawing/2014/main" id="{272BB16D-1B1A-4782-92FD-2CF21910DF1C}"/>
               </a:ext>
               <a:ext uri="{C183D7F6-B498-43B3-948B-1728B52AA6E4}">
                 <adec:decorative xmlns:adec="http://schemas.microsoft.com/office/drawing/2017/decorative" val="1"/>
@@ -6599,18 +6871,16 @@
         </p:nvSpPr>
         <p:spPr>
           <a:xfrm>
-            <a:off x="0" y="0"/>
-            <a:ext cx="4062127" cy="6858000"/>
+            <a:off x="0" y="4626429"/>
+            <a:ext cx="12192000" cy="2231571"/>
           </a:xfrm>
           <a:prstGeom prst="rect">
             <a:avLst/>
           </a:prstGeom>
-          <a:solidFill>
-            <a:srgbClr val="262626"/>
-          </a:solidFill>
           <a:ln>
             <a:noFill/>
           </a:ln>
+          <a:effectLst/>
         </p:spPr>
         <p:style>
           <a:lnRef idx="2">
@@ -6642,7 +6912,7 @@
           <p:cNvPr id="2" name="Title 1">
             <a:extLst>
               <a:ext uri="{FF2B5EF4-FFF2-40B4-BE49-F238E27FC236}">
-                <a16:creationId xmlns:a16="http://schemas.microsoft.com/office/drawing/2014/main" id="{3969A7ED-B6F1-451E-8F80-1C6F7D537BAF}"/>
+                <a16:creationId xmlns:a16="http://schemas.microsoft.com/office/drawing/2014/main" id="{5EEDC5F9-4247-4811-AD8A-D73A13412E4F}"/>
               </a:ext>
             </a:extLst>
           </p:cNvPr>
@@ -6655,136 +6925,442 @@
         </p:nvSpPr>
         <p:spPr>
           <a:xfrm>
-            <a:off x="838200" y="688748"/>
-            <a:ext cx="2855140" cy="5480504"/>
-          </a:xfrm>
-        </p:spPr>
-        <p:txBody>
-          <a:bodyPr anchor="ctr">
-            <a:normAutofit/>
+            <a:off x="8224936" y="4770071"/>
+            <a:ext cx="1743269" cy="1141632"/>
+          </a:xfrm>
+        </p:spPr>
+        <p:txBody>
+          <a:bodyPr vert="horz" wrap="square" lIns="91440" tIns="45720" rIns="91440" bIns="45720" rtlCol="0" anchor="t">
+            <a:normAutofit fontScale="90000"/>
           </a:bodyPr>
           <a:lstStyle/>
           <a:p>
-            <a:r>
-              <a:rPr lang="en-US" sz="3600" dirty="0">
+            <a:pPr algn="r"/>
+            <a:r>
+              <a:rPr lang="en-US" sz="4400" spc="-300" dirty="0">
                 <a:solidFill>
                   <a:schemeClr val="tx1"/>
                 </a:solidFill>
+                <a:effectLst>
+                  <a:outerShdw blurRad="469900" dist="342900" dir="5400000" sy="-20000" rotWithShape="0">
+                    <a:prstClr val="black">
+                      <a:alpha val="66000"/>
+                    </a:prstClr>
+                  </a:outerShdw>
+                </a:effectLst>
               </a:rPr>
-              <a:t>Discussion</a:t>
-            </a:r>
-          </a:p>
-        </p:txBody>
-      </p:sp>
-      <p:sp>
-        <p:nvSpPr>
-          <p:cNvPr id="3" name="Content Placeholder 2">
+              <a:t>r  = .3838  </a:t>
+            </a:r>
+          </a:p>
+        </p:txBody>
+      </p:sp>
+      <p:sp>
+        <p:nvSpPr>
+          <p:cNvPr id="7" name="Subtitle 2">
             <a:extLst>
               <a:ext uri="{FF2B5EF4-FFF2-40B4-BE49-F238E27FC236}">
-                <a16:creationId xmlns:a16="http://schemas.microsoft.com/office/drawing/2014/main" id="{98C008D0-1E43-4D75-8694-1447CE4A1999}"/>
+                <a16:creationId xmlns:a16="http://schemas.microsoft.com/office/drawing/2014/main" id="{B16B0C0A-F24E-4651-8509-511AD485412C}"/>
               </a:ext>
             </a:extLst>
           </p:cNvPr>
-          <p:cNvSpPr>
-            <a:spLocks noGrp="1"/>
-          </p:cNvSpPr>
-          <p:nvPr>
-            <p:ph idx="1"/>
-          </p:nvPr>
-        </p:nvSpPr>
-        <p:spPr>
-          <a:xfrm>
-            <a:off x="4423890" y="688749"/>
-            <a:ext cx="6286442" cy="5480504"/>
-          </a:xfrm>
-        </p:spPr>
-        <p:txBody>
-          <a:bodyPr anchor="ctr">
+          <p:cNvSpPr txBox="1">
+            <a:spLocks/>
+          </p:cNvSpPr>
+          <p:nvPr/>
+        </p:nvSpPr>
+        <p:spPr>
+          <a:xfrm>
+            <a:off x="0" y="0"/>
+            <a:ext cx="12192000" cy="4296339"/>
+          </a:xfrm>
+          <a:prstGeom prst="rect">
+            <a:avLst/>
+          </a:prstGeom>
+          <a:solidFill>
+            <a:schemeClr val="tx1"/>
+          </a:solidFill>
+        </p:spPr>
+        <p:txBody>
+          <a:bodyPr vert="horz" lIns="91440" tIns="45720" rIns="91440" bIns="45720" rtlCol="0" anchor="b">
             <a:normAutofit/>
           </a:bodyPr>
-          <a:lstStyle/>
-          <a:p>
-            <a:pPr marL="0" indent="0">
-              <a:buNone/>
-            </a:pPr>
-            <a:r>
-              <a:rPr lang="en-US" sz="2000" dirty="0">
+          <a:lstStyle>
+            <a:lvl1pPr indent="0" algn="r" defTabSz="914400">
+              <a:lnSpc>
+                <a:spcPct val="90000"/>
+              </a:lnSpc>
+              <a:spcBef>
+                <a:spcPts val="1000"/>
+              </a:spcBef>
+              <a:buFont typeface="Arial" panose="020B0604020202020204" pitchFamily="34" charset="0"/>
+              <a:buNone/>
+              <a:defRPr sz="3200" b="0">
+                <a:solidFill>
+                  <a:schemeClr val="tx2"/>
+                </a:solidFill>
+                <a:latin typeface="+mj-lt"/>
+              </a:defRPr>
+            </a:lvl1pPr>
+            <a:lvl2pPr indent="0" algn="ctr" defTabSz="914400">
+              <a:lnSpc>
+                <a:spcPct val="90000"/>
+              </a:lnSpc>
+              <a:spcBef>
+                <a:spcPts val="500"/>
+              </a:spcBef>
+              <a:buFont typeface="Arial" panose="020B0604020202020204" pitchFamily="34" charset="0"/>
+              <a:buNone/>
+              <a:defRPr sz="2000">
+                <a:gradFill>
+                  <a:gsLst>
+                    <a:gs pos="34000">
+                      <a:schemeClr val="tx1">
+                        <a:lumMod val="93000"/>
+                      </a:schemeClr>
+                    </a:gs>
+                    <a:gs pos="0">
+                      <a:schemeClr val="bg1">
+                        <a:lumMod val="25000"/>
+                        <a:lumOff val="75000"/>
+                      </a:schemeClr>
+                    </a:gs>
+                    <a:gs pos="100000">
+                      <a:schemeClr val="tx2">
+                        <a:lumMod val="0"/>
+                        <a:lumOff val="100000"/>
+                      </a:schemeClr>
+                    </a:gs>
+                  </a:gsLst>
+                  <a:lin ang="4800000" scaled="0"/>
+                </a:gradFill>
+              </a:defRPr>
+            </a:lvl2pPr>
+            <a:lvl3pPr indent="0" algn="ctr" defTabSz="914400">
+              <a:lnSpc>
+                <a:spcPct val="90000"/>
+              </a:lnSpc>
+              <a:spcBef>
+                <a:spcPts val="500"/>
+              </a:spcBef>
+              <a:buFont typeface="Arial" panose="020B0604020202020204" pitchFamily="34" charset="0"/>
+              <a:buNone/>
+              <a:defRPr>
+                <a:gradFill>
+                  <a:gsLst>
+                    <a:gs pos="34000">
+                      <a:schemeClr val="tx1">
+                        <a:lumMod val="93000"/>
+                      </a:schemeClr>
+                    </a:gs>
+                    <a:gs pos="0">
+                      <a:schemeClr val="bg1">
+                        <a:lumMod val="25000"/>
+                        <a:lumOff val="75000"/>
+                      </a:schemeClr>
+                    </a:gs>
+                    <a:gs pos="100000">
+                      <a:schemeClr val="tx2">
+                        <a:lumMod val="0"/>
+                        <a:lumOff val="100000"/>
+                      </a:schemeClr>
+                    </a:gs>
+                  </a:gsLst>
+                  <a:lin ang="4800000" scaled="0"/>
+                </a:gradFill>
+              </a:defRPr>
+            </a:lvl3pPr>
+            <a:lvl4pPr indent="0" algn="ctr" defTabSz="914400">
+              <a:lnSpc>
+                <a:spcPct val="90000"/>
+              </a:lnSpc>
+              <a:spcBef>
+                <a:spcPts val="500"/>
+              </a:spcBef>
+              <a:buFont typeface="Arial" panose="020B0604020202020204" pitchFamily="34" charset="0"/>
+              <a:buNone/>
+              <a:defRPr sz="1600">
+                <a:gradFill>
+                  <a:gsLst>
+                    <a:gs pos="34000">
+                      <a:schemeClr val="tx1">
+                        <a:lumMod val="93000"/>
+                      </a:schemeClr>
+                    </a:gs>
+                    <a:gs pos="0">
+                      <a:schemeClr val="bg1">
+                        <a:lumMod val="25000"/>
+                        <a:lumOff val="75000"/>
+                      </a:schemeClr>
+                    </a:gs>
+                    <a:gs pos="100000">
+                      <a:schemeClr val="tx2">
+                        <a:lumMod val="0"/>
+                        <a:lumOff val="100000"/>
+                      </a:schemeClr>
+                    </a:gs>
+                  </a:gsLst>
+                  <a:lin ang="4800000" scaled="0"/>
+                </a:gradFill>
+              </a:defRPr>
+            </a:lvl4pPr>
+            <a:lvl5pPr indent="0" algn="ctr" defTabSz="914400">
+              <a:lnSpc>
+                <a:spcPct val="90000"/>
+              </a:lnSpc>
+              <a:spcBef>
+                <a:spcPts val="500"/>
+              </a:spcBef>
+              <a:buFont typeface="Arial" panose="020B0604020202020204" pitchFamily="34" charset="0"/>
+              <a:buNone/>
+              <a:defRPr sz="1600">
+                <a:gradFill>
+                  <a:gsLst>
+                    <a:gs pos="34000">
+                      <a:schemeClr val="tx1">
+                        <a:lumMod val="93000"/>
+                      </a:schemeClr>
+                    </a:gs>
+                    <a:gs pos="0">
+                      <a:schemeClr val="bg1">
+                        <a:lumMod val="25000"/>
+                        <a:lumOff val="75000"/>
+                      </a:schemeClr>
+                    </a:gs>
+                    <a:gs pos="100000">
+                      <a:schemeClr val="tx2">
+                        <a:lumMod val="0"/>
+                        <a:lumOff val="100000"/>
+                      </a:schemeClr>
+                    </a:gs>
+                  </a:gsLst>
+                  <a:lin ang="4800000" scaled="0"/>
+                </a:gradFill>
+              </a:defRPr>
+            </a:lvl5pPr>
+            <a:lvl6pPr indent="0" algn="ctr" defTabSz="914400">
+              <a:lnSpc>
+                <a:spcPct val="90000"/>
+              </a:lnSpc>
+              <a:spcBef>
+                <a:spcPts val="500"/>
+              </a:spcBef>
+              <a:buFont typeface="Arial" panose="020B0604020202020204" pitchFamily="34" charset="0"/>
+              <a:buNone/>
+              <a:defRPr sz="1600"/>
+            </a:lvl6pPr>
+            <a:lvl7pPr indent="0" algn="ctr" defTabSz="914400">
+              <a:lnSpc>
+                <a:spcPct val="90000"/>
+              </a:lnSpc>
+              <a:spcBef>
+                <a:spcPts val="500"/>
+              </a:spcBef>
+              <a:buFont typeface="Arial" panose="020B0604020202020204" pitchFamily="34" charset="0"/>
+              <a:buNone/>
+              <a:defRPr sz="1600"/>
+            </a:lvl7pPr>
+            <a:lvl8pPr indent="0" algn="ctr" defTabSz="914400">
+              <a:lnSpc>
+                <a:spcPct val="90000"/>
+              </a:lnSpc>
+              <a:spcBef>
+                <a:spcPts val="500"/>
+              </a:spcBef>
+              <a:buFont typeface="Arial" panose="020B0604020202020204" pitchFamily="34" charset="0"/>
+              <a:buNone/>
+              <a:defRPr sz="1600"/>
+            </a:lvl8pPr>
+            <a:lvl9pPr indent="0" algn="ctr" defTabSz="914400">
+              <a:lnSpc>
+                <a:spcPct val="90000"/>
+              </a:lnSpc>
+              <a:spcBef>
+                <a:spcPts val="500"/>
+              </a:spcBef>
+              <a:buFont typeface="Arial" panose="020B0604020202020204" pitchFamily="34" charset="0"/>
+              <a:buNone/>
+              <a:defRPr sz="1600"/>
+            </a:lvl9pPr>
+          </a:lstStyle>
+          <a:p>
+            <a:r>
+              <a:rPr lang="en-US" dirty="0" err="1">
+                <a:hlinkClick r:id="rId3" action="ppaction://hlinkfile"/>
+              </a:rPr>
+              <a:t>Jupyter</a:t>
+            </a:r>
+            <a:r>
+              <a:rPr lang="en-US" dirty="0">
+                <a:hlinkClick r:id="rId3" action="ppaction://hlinkfile"/>
+              </a:rPr>
+              <a:t> Notebook</a:t>
+            </a:r>
+            <a:endParaRPr lang="en-US" dirty="0"/>
+          </a:p>
+        </p:txBody>
+      </p:sp>
+      <p:sp>
+        <p:nvSpPr>
+          <p:cNvPr id="13" name="Title 1">
+            <a:extLst>
+              <a:ext uri="{FF2B5EF4-FFF2-40B4-BE49-F238E27FC236}">
+                <a16:creationId xmlns:a16="http://schemas.microsoft.com/office/drawing/2014/main" id="{454EAC06-5722-42E5-928A-9826DE10BEB9}"/>
+              </a:ext>
+            </a:extLst>
+          </p:cNvPr>
+          <p:cNvSpPr txBox="1">
+            <a:spLocks/>
+          </p:cNvSpPr>
+          <p:nvPr/>
+        </p:nvSpPr>
+        <p:spPr>
+          <a:xfrm>
+            <a:off x="2223795" y="4626429"/>
+            <a:ext cx="1743269" cy="1141632"/>
+          </a:xfrm>
+          <a:prstGeom prst="rect">
+            <a:avLst/>
+          </a:prstGeom>
+        </p:spPr>
+        <p:txBody>
+          <a:bodyPr vert="horz" wrap="square" lIns="91440" tIns="45720" rIns="91440" bIns="45720" rtlCol="0" anchor="t">
+            <a:normAutofit/>
+          </a:bodyPr>
+          <a:lstStyle>
+            <a:lvl1pPr algn="l" defTabSz="914400" rtl="0" eaLnBrk="1" latinLnBrk="0" hangingPunct="1">
+              <a:lnSpc>
+                <a:spcPct val="90000"/>
+              </a:lnSpc>
+              <a:spcBef>
+                <a:spcPct val="0"/>
+              </a:spcBef>
+              <a:buNone/>
+              <a:defRPr sz="5400" b="0" kern="1200">
+                <a:gradFill flip="none" rotWithShape="1">
+                  <a:gsLst>
+                    <a:gs pos="28000">
+                      <a:schemeClr val="tx1">
+                        <a:lumMod val="93000"/>
+                      </a:schemeClr>
+                    </a:gs>
+                    <a:gs pos="0">
+                      <a:schemeClr val="bg1">
+                        <a:lumMod val="25000"/>
+                        <a:lumOff val="75000"/>
+                      </a:schemeClr>
+                    </a:gs>
+                    <a:gs pos="100000">
+                      <a:schemeClr val="tx2">
+                        <a:lumMod val="0"/>
+                        <a:lumOff val="100000"/>
+                      </a:schemeClr>
+                    </a:gs>
+                  </a:gsLst>
+                  <a:lin ang="4800000" scaled="0"/>
+                  <a:tileRect/>
+                </a:gradFill>
+                <a:latin typeface="+mj-lt"/>
+                <a:ea typeface="+mj-ea"/>
+                <a:cs typeface="+mj-cs"/>
+              </a:defRPr>
+            </a:lvl1pPr>
+          </a:lstStyle>
+          <a:p>
+            <a:pPr algn="r"/>
+            <a:r>
+              <a:rPr lang="en-US" sz="4400" spc="-300" dirty="0">
                 <a:solidFill>
                   <a:schemeClr val="tx1"/>
                 </a:solidFill>
+                <a:effectLst>
+                  <a:outerShdw blurRad="469900" dist="342900" dir="5400000" sy="-20000" rotWithShape="0">
+                    <a:prstClr val="black">
+                      <a:alpha val="66000"/>
+                    </a:prstClr>
+                  </a:outerShdw>
+                </a:effectLst>
               </a:rPr>
-              <a:t>Expected:</a:t>
-            </a:r>
-          </a:p>
-          <a:p>
-            <a:r>
-              <a:rPr lang="en-US" sz="2000" dirty="0">
-                <a:solidFill>
-                  <a:schemeClr val="tx1"/>
-                </a:solidFill>
-              </a:rPr>
-              <a:t>Stronger relationship between social media activity and cryptocurrency fluctuations</a:t>
-            </a:r>
-          </a:p>
-          <a:p>
-            <a:r>
-              <a:rPr lang="en-US" sz="2000" dirty="0">
-                <a:solidFill>
-                  <a:schemeClr val="tx1"/>
-                </a:solidFill>
-              </a:rPr>
-              <a:t>Correlation between Volume and Comment Count</a:t>
-            </a:r>
-          </a:p>
-          <a:p>
-            <a:pPr marL="0" indent="0">
-              <a:buNone/>
-            </a:pPr>
-            <a:endParaRPr lang="en-US" sz="2000" dirty="0">
-              <a:solidFill>
-                <a:schemeClr val="tx1"/>
-              </a:solidFill>
-            </a:endParaRPr>
-          </a:p>
-          <a:p>
-            <a:pPr marL="0" indent="0">
-              <a:buNone/>
-            </a:pPr>
-            <a:r>
-              <a:rPr lang="en-US" sz="2000" dirty="0">
-                <a:solidFill>
-                  <a:schemeClr val="tx1"/>
-                </a:solidFill>
-              </a:rPr>
-              <a:t>Result:</a:t>
-            </a:r>
-          </a:p>
-          <a:p>
-            <a:r>
-              <a:rPr lang="en-US" sz="2000" dirty="0">
-                <a:solidFill>
-                  <a:schemeClr val="tx1"/>
-                </a:solidFill>
-              </a:rPr>
-              <a:t>Stronger relationship between social media activity and traditional stock fluctuations</a:t>
-            </a:r>
-          </a:p>
-          <a:p>
-            <a:r>
-              <a:rPr lang="en-US" sz="2000" dirty="0">
-                <a:solidFill>
-                  <a:schemeClr val="tx1"/>
-                </a:solidFill>
-              </a:rPr>
-              <a:t>Stronger correlation between daily price differences and comment count</a:t>
-            </a:r>
-          </a:p>
-        </p:txBody>
-      </p:sp>
+              <a:t>r  = -.077  </a:t>
+            </a:r>
+          </a:p>
+        </p:txBody>
+      </p:sp>
+      <p:pic>
+        <p:nvPicPr>
+          <p:cNvPr id="4" name="Picture 3" descr="Chart, scatter chart&#10;&#10;Description automatically generated">
+            <a:extLst>
+              <a:ext uri="{FF2B5EF4-FFF2-40B4-BE49-F238E27FC236}">
+                <a16:creationId xmlns:a16="http://schemas.microsoft.com/office/drawing/2014/main" id="{AB6BF4DF-7BA8-46FD-A19F-5CE181C58EAD}"/>
+              </a:ext>
+            </a:extLst>
+          </p:cNvPr>
+          <p:cNvPicPr>
+            <a:picLocks noChangeAspect="1"/>
+          </p:cNvPicPr>
+          <p:nvPr/>
+        </p:nvPicPr>
+        <p:blipFill>
+          <a:blip r:embed="rId4">
+            <a:extLst>
+              <a:ext uri="{28A0092B-C50C-407E-A947-70E740481C1C}">
+                <a14:useLocalDpi xmlns:a14="http://schemas.microsoft.com/office/drawing/2010/main" val="0"/>
+              </a:ext>
+            </a:extLst>
+          </a:blip>
+          <a:stretch>
+            <a:fillRect/>
+          </a:stretch>
+        </p:blipFill>
+        <p:spPr>
+          <a:xfrm>
+            <a:off x="205277" y="-1"/>
+            <a:ext cx="5487650" cy="3658433"/>
+          </a:xfrm>
+          <a:prstGeom prst="rect">
+            <a:avLst/>
+          </a:prstGeom>
+        </p:spPr>
+      </p:pic>
+      <p:pic>
+        <p:nvPicPr>
+          <p:cNvPr id="6" name="Picture 5" descr="Chart, scatter chart&#10;&#10;Description automatically generated">
+            <a:extLst>
+              <a:ext uri="{FF2B5EF4-FFF2-40B4-BE49-F238E27FC236}">
+                <a16:creationId xmlns:a16="http://schemas.microsoft.com/office/drawing/2014/main" id="{B5DD43B0-694A-48DB-9786-46BB1E8B9F8F}"/>
+              </a:ext>
+            </a:extLst>
+          </p:cNvPr>
+          <p:cNvPicPr>
+            <a:picLocks noChangeAspect="1"/>
+          </p:cNvPicPr>
+          <p:nvPr/>
+        </p:nvPicPr>
+        <p:blipFill>
+          <a:blip r:embed="rId5">
+            <a:extLst>
+              <a:ext uri="{28A0092B-C50C-407E-A947-70E740481C1C}">
+                <a14:useLocalDpi xmlns:a14="http://schemas.microsoft.com/office/drawing/2010/main" val="0"/>
+              </a:ext>
+            </a:extLst>
+          </a:blip>
+          <a:stretch>
+            <a:fillRect/>
+          </a:stretch>
+        </p:blipFill>
+        <p:spPr>
+          <a:xfrm>
+            <a:off x="6198638" y="0"/>
+            <a:ext cx="5487650" cy="3658433"/>
+          </a:xfrm>
+          <a:prstGeom prst="rect">
+            <a:avLst/>
+          </a:prstGeom>
+        </p:spPr>
+      </p:pic>
     </p:spTree>
     <p:extLst>
       <p:ext uri="{BB962C8B-B14F-4D97-AF65-F5344CB8AC3E}">
-        <p14:creationId xmlns:p14="http://schemas.microsoft.com/office/powerpoint/2010/main" val="246072277"/>
+        <p14:creationId xmlns:p14="http://schemas.microsoft.com/office/powerpoint/2010/main" val="1193764930"/>
       </p:ext>
     </p:extLst>
   </p:cSld>
@@ -6943,7 +7519,7 @@
           <p:cNvPr id="2" name="Title 1">
             <a:extLst>
               <a:ext uri="{FF2B5EF4-FFF2-40B4-BE49-F238E27FC236}">
-                <a16:creationId xmlns:a16="http://schemas.microsoft.com/office/drawing/2014/main" id="{7C9F2677-9E21-4528-8005-77908C6B88D0}"/>
+                <a16:creationId xmlns:a16="http://schemas.microsoft.com/office/drawing/2014/main" id="{5EEDC5F9-4247-4811-AD8A-D73A13412E4F}"/>
               </a:ext>
             </a:extLst>
           </p:cNvPr>
@@ -6956,7 +7532,7 @@
         </p:nvSpPr>
         <p:spPr>
           <a:xfrm>
-            <a:off x="838200" y="4963886"/>
+            <a:off x="838200" y="6151002"/>
             <a:ext cx="10515600" cy="1141632"/>
           </a:xfrm>
         </p:spPr>
@@ -6967,30 +7543,27 @@
           <a:lstStyle/>
           <a:p>
             <a:pPr algn="r"/>
-            <a:r>
-              <a:rPr lang="en-US" sz="4400" spc="-300" dirty="0">
-                <a:solidFill>
-                  <a:schemeClr val="tx1"/>
-                </a:solidFill>
-                <a:effectLst>
-                  <a:outerShdw blurRad="469900" dist="342900" dir="5400000" sy="-20000" rotWithShape="0">
-                    <a:prstClr val="black">
-                      <a:alpha val="66000"/>
-                    </a:prstClr>
-                  </a:outerShdw>
-                </a:effectLst>
-              </a:rPr>
-              <a:t>Conclusions</a:t>
-            </a:r>
-          </a:p>
-        </p:txBody>
-      </p:sp>
-      <p:sp>
-        <p:nvSpPr>
-          <p:cNvPr id="5" name="Subtitle 2">
+            <a:endParaRPr lang="en-US" sz="4400" spc="-300" dirty="0">
+              <a:solidFill>
+                <a:schemeClr val="tx1"/>
+              </a:solidFill>
+              <a:effectLst>
+                <a:outerShdw blurRad="469900" dist="342900" dir="5400000" sy="-20000" rotWithShape="0">
+                  <a:prstClr val="black">
+                    <a:alpha val="66000"/>
+                  </a:prstClr>
+                </a:outerShdw>
+              </a:effectLst>
+            </a:endParaRPr>
+          </a:p>
+        </p:txBody>
+      </p:sp>
+      <p:sp>
+        <p:nvSpPr>
+          <p:cNvPr id="7" name="Subtitle 2">
             <a:extLst>
               <a:ext uri="{FF2B5EF4-FFF2-40B4-BE49-F238E27FC236}">
-                <a16:creationId xmlns:a16="http://schemas.microsoft.com/office/drawing/2014/main" id="{8EABBACD-2324-4BCD-BEFF-238485D5E917}"/>
+                <a16:creationId xmlns:a16="http://schemas.microsoft.com/office/drawing/2014/main" id="{B16B0C0A-F24E-4651-8509-511AD485412C}"/>
               </a:ext>
             </a:extLst>
           </p:cNvPr>
@@ -7224,10 +7797,45 @@
           </a:p>
         </p:txBody>
       </p:sp>
+      <p:pic>
+        <p:nvPicPr>
+          <p:cNvPr id="5" name="Picture 4" descr="Chart, line chart, histogram&#10;&#10;Description automatically generated">
+            <a:extLst>
+              <a:ext uri="{FF2B5EF4-FFF2-40B4-BE49-F238E27FC236}">
+                <a16:creationId xmlns:a16="http://schemas.microsoft.com/office/drawing/2014/main" id="{365AF8FF-DBD6-43AD-9FD0-D786D7A20302}"/>
+              </a:ext>
+            </a:extLst>
+          </p:cNvPr>
+          <p:cNvPicPr>
+            <a:picLocks noChangeAspect="1"/>
+          </p:cNvPicPr>
+          <p:nvPr/>
+        </p:nvPicPr>
+        <p:blipFill rotWithShape="1">
+          <a:blip r:embed="rId3">
+            <a:extLst>
+              <a:ext uri="{28A0092B-C50C-407E-A947-70E740481C1C}">
+                <a14:useLocalDpi xmlns:a14="http://schemas.microsoft.com/office/drawing/2010/main" val="0"/>
+              </a:ext>
+            </a:extLst>
+          </a:blip>
+          <a:srcRect l="7841" t="5853" r="5512" b="3466"/>
+          <a:stretch/>
+        </p:blipFill>
+        <p:spPr>
+          <a:xfrm>
+            <a:off x="0" y="0"/>
+            <a:ext cx="12072170" cy="4211404"/>
+          </a:xfrm>
+          <a:prstGeom prst="rect">
+            <a:avLst/>
+          </a:prstGeom>
+        </p:spPr>
+      </p:pic>
     </p:spTree>
     <p:extLst>
       <p:ext uri="{BB962C8B-B14F-4D97-AF65-F5344CB8AC3E}">
-        <p14:creationId xmlns:p14="http://schemas.microsoft.com/office/powerpoint/2010/main" val="3001230176"/>
+        <p14:creationId xmlns:p14="http://schemas.microsoft.com/office/powerpoint/2010/main" val="1493169206"/>
       </p:ext>
     </p:extLst>
   </p:cSld>
@@ -7254,12 +7862,12 @@
           <a:chExt cx="0" cy="0"/>
         </a:xfrm>
       </p:grpSpPr>
-      <p:sp useBgFill="1">
+      <p:sp>
         <p:nvSpPr>
           <p:cNvPr id="8" name="Rectangle 7">
             <a:extLst>
               <a:ext uri="{FF2B5EF4-FFF2-40B4-BE49-F238E27FC236}">
-                <a16:creationId xmlns:a16="http://schemas.microsoft.com/office/drawing/2014/main" id="{87358089-2E54-4747-8D77-434291EB9A73}"/>
+                <a16:creationId xmlns:a16="http://schemas.microsoft.com/office/drawing/2014/main" id="{02DC0D56-2145-4CB8-979D-ADF8E921AF72}"/>
               </a:ext>
               <a:ext uri="{C183D7F6-B498-43B3-948B-1728B52AA6E4}">
                 <adec:decorative xmlns:adec="http://schemas.microsoft.com/office/drawing/2017/decorative" val="1"/>
@@ -7285,6 +7893,12 @@
           <a:prstGeom prst="rect">
             <a:avLst/>
           </a:prstGeom>
+          <a:solidFill>
+            <a:schemeClr val="bg1">
+              <a:lumMod val="85000"/>
+              <a:lumOff val="15000"/>
+            </a:schemeClr>
+          </a:solidFill>
           <a:ln>
             <a:noFill/>
           </a:ln>
@@ -7314,12 +7928,12 @@
           </a:p>
         </p:txBody>
       </p:sp>
-      <p:sp>
+      <p:sp useBgFill="1">
         <p:nvSpPr>
           <p:cNvPr id="10" name="Rectangle 9">
             <a:extLst>
               <a:ext uri="{FF2B5EF4-FFF2-40B4-BE49-F238E27FC236}">
-                <a16:creationId xmlns:a16="http://schemas.microsoft.com/office/drawing/2014/main" id="{F0318841-B257-4D3A-A6E5-309C003E0430}"/>
+                <a16:creationId xmlns:a16="http://schemas.microsoft.com/office/drawing/2014/main" id="{272BB16D-1B1A-4782-92FD-2CF21910DF1C}"/>
               </a:ext>
               <a:ext uri="{C183D7F6-B498-43B3-948B-1728B52AA6E4}">
                 <adec:decorative xmlns:adec="http://schemas.microsoft.com/office/drawing/2017/decorative" val="1"/>
@@ -7339,18 +7953,16 @@
         </p:nvSpPr>
         <p:spPr>
           <a:xfrm>
-            <a:off x="0" y="0"/>
-            <a:ext cx="4062127" cy="6858000"/>
+            <a:off x="0" y="4626429"/>
+            <a:ext cx="12192000" cy="2231571"/>
           </a:xfrm>
           <a:prstGeom prst="rect">
             <a:avLst/>
           </a:prstGeom>
-          <a:solidFill>
-            <a:srgbClr val="262626"/>
-          </a:solidFill>
           <a:ln>
             <a:noFill/>
           </a:ln>
+          <a:effectLst/>
         </p:spPr>
         <p:style>
           <a:lnRef idx="2">
@@ -7382,6 +7994,2314 @@
           <p:cNvPr id="2" name="Title 1">
             <a:extLst>
               <a:ext uri="{FF2B5EF4-FFF2-40B4-BE49-F238E27FC236}">
+                <a16:creationId xmlns:a16="http://schemas.microsoft.com/office/drawing/2014/main" id="{5EEDC5F9-4247-4811-AD8A-D73A13412E4F}"/>
+              </a:ext>
+            </a:extLst>
+          </p:cNvPr>
+          <p:cNvSpPr>
+            <a:spLocks noGrp="1"/>
+          </p:cNvSpPr>
+          <p:nvPr>
+            <p:ph type="title"/>
+          </p:nvPr>
+        </p:nvSpPr>
+        <p:spPr>
+          <a:xfrm>
+            <a:off x="8224936" y="4770071"/>
+            <a:ext cx="1743269" cy="1141632"/>
+          </a:xfrm>
+        </p:spPr>
+        <p:txBody>
+          <a:bodyPr vert="horz" wrap="square" lIns="91440" tIns="45720" rIns="91440" bIns="45720" rtlCol="0" anchor="t">
+            <a:normAutofit fontScale="90000"/>
+          </a:bodyPr>
+          <a:lstStyle/>
+          <a:p>
+            <a:pPr algn="r"/>
+            <a:r>
+              <a:rPr lang="en-US" sz="4400" spc="-300" dirty="0">
+                <a:solidFill>
+                  <a:schemeClr val="tx1"/>
+                </a:solidFill>
+                <a:effectLst>
+                  <a:outerShdw blurRad="469900" dist="342900" dir="5400000" sy="-20000" rotWithShape="0">
+                    <a:prstClr val="black">
+                      <a:alpha val="66000"/>
+                    </a:prstClr>
+                  </a:outerShdw>
+                </a:effectLst>
+              </a:rPr>
+              <a:t>r  =.8208  </a:t>
+            </a:r>
+          </a:p>
+        </p:txBody>
+      </p:sp>
+      <p:sp>
+        <p:nvSpPr>
+          <p:cNvPr id="7" name="Subtitle 2">
+            <a:extLst>
+              <a:ext uri="{FF2B5EF4-FFF2-40B4-BE49-F238E27FC236}">
+                <a16:creationId xmlns:a16="http://schemas.microsoft.com/office/drawing/2014/main" id="{B16B0C0A-F24E-4651-8509-511AD485412C}"/>
+              </a:ext>
+            </a:extLst>
+          </p:cNvPr>
+          <p:cNvSpPr txBox="1">
+            <a:spLocks/>
+          </p:cNvSpPr>
+          <p:nvPr/>
+        </p:nvSpPr>
+        <p:spPr>
+          <a:xfrm>
+            <a:off x="0" y="0"/>
+            <a:ext cx="12192000" cy="4296339"/>
+          </a:xfrm>
+          <a:prstGeom prst="rect">
+            <a:avLst/>
+          </a:prstGeom>
+          <a:solidFill>
+            <a:schemeClr val="tx1"/>
+          </a:solidFill>
+        </p:spPr>
+        <p:txBody>
+          <a:bodyPr vert="horz" lIns="91440" tIns="45720" rIns="91440" bIns="45720" rtlCol="0" anchor="b">
+            <a:normAutofit/>
+          </a:bodyPr>
+          <a:lstStyle>
+            <a:lvl1pPr indent="0" algn="r" defTabSz="914400">
+              <a:lnSpc>
+                <a:spcPct val="90000"/>
+              </a:lnSpc>
+              <a:spcBef>
+                <a:spcPts val="1000"/>
+              </a:spcBef>
+              <a:buFont typeface="Arial" panose="020B0604020202020204" pitchFamily="34" charset="0"/>
+              <a:buNone/>
+              <a:defRPr sz="3200" b="0">
+                <a:solidFill>
+                  <a:schemeClr val="tx2"/>
+                </a:solidFill>
+                <a:latin typeface="+mj-lt"/>
+              </a:defRPr>
+            </a:lvl1pPr>
+            <a:lvl2pPr indent="0" algn="ctr" defTabSz="914400">
+              <a:lnSpc>
+                <a:spcPct val="90000"/>
+              </a:lnSpc>
+              <a:spcBef>
+                <a:spcPts val="500"/>
+              </a:spcBef>
+              <a:buFont typeface="Arial" panose="020B0604020202020204" pitchFamily="34" charset="0"/>
+              <a:buNone/>
+              <a:defRPr sz="2000">
+                <a:gradFill>
+                  <a:gsLst>
+                    <a:gs pos="34000">
+                      <a:schemeClr val="tx1">
+                        <a:lumMod val="93000"/>
+                      </a:schemeClr>
+                    </a:gs>
+                    <a:gs pos="0">
+                      <a:schemeClr val="bg1">
+                        <a:lumMod val="25000"/>
+                        <a:lumOff val="75000"/>
+                      </a:schemeClr>
+                    </a:gs>
+                    <a:gs pos="100000">
+                      <a:schemeClr val="tx2">
+                        <a:lumMod val="0"/>
+                        <a:lumOff val="100000"/>
+                      </a:schemeClr>
+                    </a:gs>
+                  </a:gsLst>
+                  <a:lin ang="4800000" scaled="0"/>
+                </a:gradFill>
+              </a:defRPr>
+            </a:lvl2pPr>
+            <a:lvl3pPr indent="0" algn="ctr" defTabSz="914400">
+              <a:lnSpc>
+                <a:spcPct val="90000"/>
+              </a:lnSpc>
+              <a:spcBef>
+                <a:spcPts val="500"/>
+              </a:spcBef>
+              <a:buFont typeface="Arial" panose="020B0604020202020204" pitchFamily="34" charset="0"/>
+              <a:buNone/>
+              <a:defRPr>
+                <a:gradFill>
+                  <a:gsLst>
+                    <a:gs pos="34000">
+                      <a:schemeClr val="tx1">
+                        <a:lumMod val="93000"/>
+                      </a:schemeClr>
+                    </a:gs>
+                    <a:gs pos="0">
+                      <a:schemeClr val="bg1">
+                        <a:lumMod val="25000"/>
+                        <a:lumOff val="75000"/>
+                      </a:schemeClr>
+                    </a:gs>
+                    <a:gs pos="100000">
+                      <a:schemeClr val="tx2">
+                        <a:lumMod val="0"/>
+                        <a:lumOff val="100000"/>
+                      </a:schemeClr>
+                    </a:gs>
+                  </a:gsLst>
+                  <a:lin ang="4800000" scaled="0"/>
+                </a:gradFill>
+              </a:defRPr>
+            </a:lvl3pPr>
+            <a:lvl4pPr indent="0" algn="ctr" defTabSz="914400">
+              <a:lnSpc>
+                <a:spcPct val="90000"/>
+              </a:lnSpc>
+              <a:spcBef>
+                <a:spcPts val="500"/>
+              </a:spcBef>
+              <a:buFont typeface="Arial" panose="020B0604020202020204" pitchFamily="34" charset="0"/>
+              <a:buNone/>
+              <a:defRPr sz="1600">
+                <a:gradFill>
+                  <a:gsLst>
+                    <a:gs pos="34000">
+                      <a:schemeClr val="tx1">
+                        <a:lumMod val="93000"/>
+                      </a:schemeClr>
+                    </a:gs>
+                    <a:gs pos="0">
+                      <a:schemeClr val="bg1">
+                        <a:lumMod val="25000"/>
+                        <a:lumOff val="75000"/>
+                      </a:schemeClr>
+                    </a:gs>
+                    <a:gs pos="100000">
+                      <a:schemeClr val="tx2">
+                        <a:lumMod val="0"/>
+                        <a:lumOff val="100000"/>
+                      </a:schemeClr>
+                    </a:gs>
+                  </a:gsLst>
+                  <a:lin ang="4800000" scaled="0"/>
+                </a:gradFill>
+              </a:defRPr>
+            </a:lvl4pPr>
+            <a:lvl5pPr indent="0" algn="ctr" defTabSz="914400">
+              <a:lnSpc>
+                <a:spcPct val="90000"/>
+              </a:lnSpc>
+              <a:spcBef>
+                <a:spcPts val="500"/>
+              </a:spcBef>
+              <a:buFont typeface="Arial" panose="020B0604020202020204" pitchFamily="34" charset="0"/>
+              <a:buNone/>
+              <a:defRPr sz="1600">
+                <a:gradFill>
+                  <a:gsLst>
+                    <a:gs pos="34000">
+                      <a:schemeClr val="tx1">
+                        <a:lumMod val="93000"/>
+                      </a:schemeClr>
+                    </a:gs>
+                    <a:gs pos="0">
+                      <a:schemeClr val="bg1">
+                        <a:lumMod val="25000"/>
+                        <a:lumOff val="75000"/>
+                      </a:schemeClr>
+                    </a:gs>
+                    <a:gs pos="100000">
+                      <a:schemeClr val="tx2">
+                        <a:lumMod val="0"/>
+                        <a:lumOff val="100000"/>
+                      </a:schemeClr>
+                    </a:gs>
+                  </a:gsLst>
+                  <a:lin ang="4800000" scaled="0"/>
+                </a:gradFill>
+              </a:defRPr>
+            </a:lvl5pPr>
+            <a:lvl6pPr indent="0" algn="ctr" defTabSz="914400">
+              <a:lnSpc>
+                <a:spcPct val="90000"/>
+              </a:lnSpc>
+              <a:spcBef>
+                <a:spcPts val="500"/>
+              </a:spcBef>
+              <a:buFont typeface="Arial" panose="020B0604020202020204" pitchFamily="34" charset="0"/>
+              <a:buNone/>
+              <a:defRPr sz="1600"/>
+            </a:lvl6pPr>
+            <a:lvl7pPr indent="0" algn="ctr" defTabSz="914400">
+              <a:lnSpc>
+                <a:spcPct val="90000"/>
+              </a:lnSpc>
+              <a:spcBef>
+                <a:spcPts val="500"/>
+              </a:spcBef>
+              <a:buFont typeface="Arial" panose="020B0604020202020204" pitchFamily="34" charset="0"/>
+              <a:buNone/>
+              <a:defRPr sz="1600"/>
+            </a:lvl7pPr>
+            <a:lvl8pPr indent="0" algn="ctr" defTabSz="914400">
+              <a:lnSpc>
+                <a:spcPct val="90000"/>
+              </a:lnSpc>
+              <a:spcBef>
+                <a:spcPts val="500"/>
+              </a:spcBef>
+              <a:buFont typeface="Arial" panose="020B0604020202020204" pitchFamily="34" charset="0"/>
+              <a:buNone/>
+              <a:defRPr sz="1600"/>
+            </a:lvl8pPr>
+            <a:lvl9pPr indent="0" algn="ctr" defTabSz="914400">
+              <a:lnSpc>
+                <a:spcPct val="90000"/>
+              </a:lnSpc>
+              <a:spcBef>
+                <a:spcPts val="500"/>
+              </a:spcBef>
+              <a:buFont typeface="Arial" panose="020B0604020202020204" pitchFamily="34" charset="0"/>
+              <a:buNone/>
+              <a:defRPr sz="1600"/>
+            </a:lvl9pPr>
+          </a:lstStyle>
+          <a:p>
+            <a:r>
+              <a:rPr lang="en-US" dirty="0" err="1">
+                <a:hlinkClick r:id="rId3" action="ppaction://hlinkfile"/>
+              </a:rPr>
+              <a:t>Jupyter</a:t>
+            </a:r>
+            <a:r>
+              <a:rPr lang="en-US" dirty="0">
+                <a:hlinkClick r:id="rId3" action="ppaction://hlinkfile"/>
+              </a:rPr>
+              <a:t> Notebook</a:t>
+            </a:r>
+            <a:endParaRPr lang="en-US" dirty="0"/>
+          </a:p>
+        </p:txBody>
+      </p:sp>
+      <p:pic>
+        <p:nvPicPr>
+          <p:cNvPr id="9" name="Picture 8" descr="Chart, scatter chart&#10;&#10;Description automatically generated">
+            <a:extLst>
+              <a:ext uri="{FF2B5EF4-FFF2-40B4-BE49-F238E27FC236}">
+                <a16:creationId xmlns:a16="http://schemas.microsoft.com/office/drawing/2014/main" id="{523AC0ED-AF00-4844-9A9A-D45EDDE357EA}"/>
+              </a:ext>
+            </a:extLst>
+          </p:cNvPr>
+          <p:cNvPicPr>
+            <a:picLocks noChangeAspect="1"/>
+          </p:cNvPicPr>
+          <p:nvPr/>
+        </p:nvPicPr>
+        <p:blipFill>
+          <a:blip r:embed="rId4">
+            <a:extLst>
+              <a:ext uri="{28A0092B-C50C-407E-A947-70E740481C1C}">
+                <a14:useLocalDpi xmlns:a14="http://schemas.microsoft.com/office/drawing/2010/main" val="0"/>
+              </a:ext>
+            </a:extLst>
+          </a:blip>
+          <a:stretch>
+            <a:fillRect/>
+          </a:stretch>
+        </p:blipFill>
+        <p:spPr>
+          <a:xfrm>
+            <a:off x="6499073" y="0"/>
+            <a:ext cx="5487650" cy="3658433"/>
+          </a:xfrm>
+          <a:prstGeom prst="rect">
+            <a:avLst/>
+          </a:prstGeom>
+        </p:spPr>
+      </p:pic>
+      <p:pic>
+        <p:nvPicPr>
+          <p:cNvPr id="12" name="Picture 11" descr="Chart, scatter chart&#10;&#10;Description automatically generated">
+            <a:extLst>
+              <a:ext uri="{FF2B5EF4-FFF2-40B4-BE49-F238E27FC236}">
+                <a16:creationId xmlns:a16="http://schemas.microsoft.com/office/drawing/2014/main" id="{D58E8101-6C2C-450A-9306-51C20827F748}"/>
+              </a:ext>
+            </a:extLst>
+          </p:cNvPr>
+          <p:cNvPicPr>
+            <a:picLocks noChangeAspect="1"/>
+          </p:cNvPicPr>
+          <p:nvPr/>
+        </p:nvPicPr>
+        <p:blipFill>
+          <a:blip r:embed="rId5">
+            <a:extLst>
+              <a:ext uri="{28A0092B-C50C-407E-A947-70E740481C1C}">
+                <a14:useLocalDpi xmlns:a14="http://schemas.microsoft.com/office/drawing/2010/main" val="0"/>
+              </a:ext>
+            </a:extLst>
+          </a:blip>
+          <a:stretch>
+            <a:fillRect/>
+          </a:stretch>
+        </p:blipFill>
+        <p:spPr>
+          <a:xfrm>
+            <a:off x="441024" y="-1"/>
+            <a:ext cx="5487650" cy="3658433"/>
+          </a:xfrm>
+          <a:prstGeom prst="rect">
+            <a:avLst/>
+          </a:prstGeom>
+        </p:spPr>
+      </p:pic>
+      <p:sp>
+        <p:nvSpPr>
+          <p:cNvPr id="13" name="Title 1">
+            <a:extLst>
+              <a:ext uri="{FF2B5EF4-FFF2-40B4-BE49-F238E27FC236}">
+                <a16:creationId xmlns:a16="http://schemas.microsoft.com/office/drawing/2014/main" id="{454EAC06-5722-42E5-928A-9826DE10BEB9}"/>
+              </a:ext>
+            </a:extLst>
+          </p:cNvPr>
+          <p:cNvSpPr txBox="1">
+            <a:spLocks/>
+          </p:cNvSpPr>
+          <p:nvPr/>
+        </p:nvSpPr>
+        <p:spPr>
+          <a:xfrm>
+            <a:off x="2223795" y="4626429"/>
+            <a:ext cx="1743269" cy="1141632"/>
+          </a:xfrm>
+          <a:prstGeom prst="rect">
+            <a:avLst/>
+          </a:prstGeom>
+        </p:spPr>
+        <p:txBody>
+          <a:bodyPr vert="horz" wrap="square" lIns="91440" tIns="45720" rIns="91440" bIns="45720" rtlCol="0" anchor="t">
+            <a:normAutofit/>
+          </a:bodyPr>
+          <a:lstStyle>
+            <a:lvl1pPr algn="l" defTabSz="914400" rtl="0" eaLnBrk="1" latinLnBrk="0" hangingPunct="1">
+              <a:lnSpc>
+                <a:spcPct val="90000"/>
+              </a:lnSpc>
+              <a:spcBef>
+                <a:spcPct val="0"/>
+              </a:spcBef>
+              <a:buNone/>
+              <a:defRPr sz="5400" b="0" kern="1200">
+                <a:gradFill flip="none" rotWithShape="1">
+                  <a:gsLst>
+                    <a:gs pos="28000">
+                      <a:schemeClr val="tx1">
+                        <a:lumMod val="93000"/>
+                      </a:schemeClr>
+                    </a:gs>
+                    <a:gs pos="0">
+                      <a:schemeClr val="bg1">
+                        <a:lumMod val="25000"/>
+                        <a:lumOff val="75000"/>
+                      </a:schemeClr>
+                    </a:gs>
+                    <a:gs pos="100000">
+                      <a:schemeClr val="tx2">
+                        <a:lumMod val="0"/>
+                        <a:lumOff val="100000"/>
+                      </a:schemeClr>
+                    </a:gs>
+                  </a:gsLst>
+                  <a:lin ang="4800000" scaled="0"/>
+                  <a:tileRect/>
+                </a:gradFill>
+                <a:latin typeface="+mj-lt"/>
+                <a:ea typeface="+mj-ea"/>
+                <a:cs typeface="+mj-cs"/>
+              </a:defRPr>
+            </a:lvl1pPr>
+          </a:lstStyle>
+          <a:p>
+            <a:pPr algn="r"/>
+            <a:r>
+              <a:rPr lang="en-US" sz="4400" spc="-300">
+                <a:solidFill>
+                  <a:schemeClr val="tx1"/>
+                </a:solidFill>
+                <a:effectLst>
+                  <a:outerShdw blurRad="469900" dist="342900" dir="5400000" sy="-20000" rotWithShape="0">
+                    <a:prstClr val="black">
+                      <a:alpha val="66000"/>
+                    </a:prstClr>
+                  </a:outerShdw>
+                </a:effectLst>
+              </a:rPr>
+              <a:t>r  =.7775  </a:t>
+            </a:r>
+            <a:endParaRPr lang="en-US" sz="4400" spc="-300" dirty="0">
+              <a:solidFill>
+                <a:schemeClr val="tx1"/>
+              </a:solidFill>
+              <a:effectLst>
+                <a:outerShdw blurRad="469900" dist="342900" dir="5400000" sy="-20000" rotWithShape="0">
+                  <a:prstClr val="black">
+                    <a:alpha val="66000"/>
+                  </a:prstClr>
+                </a:outerShdw>
+              </a:effectLst>
+            </a:endParaRPr>
+          </a:p>
+        </p:txBody>
+      </p:sp>
+    </p:spTree>
+    <p:extLst>
+      <p:ext uri="{BB962C8B-B14F-4D97-AF65-F5344CB8AC3E}">
+        <p14:creationId xmlns:p14="http://schemas.microsoft.com/office/powerpoint/2010/main" val="3706486691"/>
+      </p:ext>
+    </p:extLst>
+  </p:cSld>
+  <p:clrMapOvr>
+    <a:masterClrMapping/>
+  </p:clrMapOvr>
+</p:sld>
+</file>
+
+<file path=ppt/slides/slide13.xml><?xml version="1.0" encoding="utf-8"?>
+<p:sld xmlns:a="http://schemas.openxmlformats.org/drawingml/2006/main" xmlns:r="http://schemas.openxmlformats.org/officeDocument/2006/relationships" xmlns:p="http://schemas.openxmlformats.org/presentationml/2006/main">
+  <p:cSld>
+    <p:spTree>
+      <p:nvGrpSpPr>
+        <p:cNvPr id="1" name=""/>
+        <p:cNvGrpSpPr/>
+        <p:nvPr/>
+      </p:nvGrpSpPr>
+      <p:grpSpPr>
+        <a:xfrm>
+          <a:off x="0" y="0"/>
+          <a:ext cx="0" cy="0"/>
+          <a:chOff x="0" y="0"/>
+          <a:chExt cx="0" cy="0"/>
+        </a:xfrm>
+      </p:grpSpPr>
+      <p:sp>
+        <p:nvSpPr>
+          <p:cNvPr id="8" name="Rectangle 7">
+            <a:extLst>
+              <a:ext uri="{FF2B5EF4-FFF2-40B4-BE49-F238E27FC236}">
+                <a16:creationId xmlns:a16="http://schemas.microsoft.com/office/drawing/2014/main" id="{02DC0D56-2145-4CB8-979D-ADF8E921AF72}"/>
+              </a:ext>
+              <a:ext uri="{C183D7F6-B498-43B3-948B-1728B52AA6E4}">
+                <adec:decorative xmlns:adec="http://schemas.microsoft.com/office/drawing/2017/decorative" val="1"/>
+              </a:ext>
+            </a:extLst>
+          </p:cNvPr>
+          <p:cNvSpPr>
+            <a:spLocks noGrp="1" noRot="1" noChangeAspect="1" noMove="1" noResize="1" noEditPoints="1" noAdjustHandles="1" noChangeArrowheads="1" noChangeShapeType="1" noTextEdit="1"/>
+          </p:cNvSpPr>
+          <p:nvPr>
+            <p:extLst>
+              <p:ext uri="{386F3935-93C4-4BCD-93E2-E3B085C9AB24}">
+                <p16:designElem xmlns:p16="http://schemas.microsoft.com/office/powerpoint/2015/main" val="1"/>
+              </p:ext>
+            </p:extLst>
+          </p:nvPr>
+        </p:nvSpPr>
+        <p:spPr>
+          <a:xfrm>
+            <a:off x="0" y="0"/>
+            <a:ext cx="12192000" cy="6858000"/>
+          </a:xfrm>
+          <a:prstGeom prst="rect">
+            <a:avLst/>
+          </a:prstGeom>
+          <a:solidFill>
+            <a:schemeClr val="bg1">
+              <a:lumMod val="85000"/>
+              <a:lumOff val="15000"/>
+            </a:schemeClr>
+          </a:solidFill>
+          <a:ln>
+            <a:noFill/>
+          </a:ln>
+        </p:spPr>
+        <p:style>
+          <a:lnRef idx="2">
+            <a:schemeClr val="accent1">
+              <a:shade val="50000"/>
+            </a:schemeClr>
+          </a:lnRef>
+          <a:fillRef idx="1">
+            <a:schemeClr val="accent1"/>
+          </a:fillRef>
+          <a:effectRef idx="0">
+            <a:schemeClr val="accent1"/>
+          </a:effectRef>
+          <a:fontRef idx="minor">
+            <a:schemeClr val="lt1"/>
+          </a:fontRef>
+        </p:style>
+        <p:txBody>
+          <a:bodyPr rtlCol="0" anchor="ctr"/>
+          <a:lstStyle/>
+          <a:p>
+            <a:pPr algn="ctr"/>
+            <a:endParaRPr lang="en-US"/>
+          </a:p>
+        </p:txBody>
+      </p:sp>
+      <p:sp useBgFill="1">
+        <p:nvSpPr>
+          <p:cNvPr id="10" name="Rectangle 9">
+            <a:extLst>
+              <a:ext uri="{FF2B5EF4-FFF2-40B4-BE49-F238E27FC236}">
+                <a16:creationId xmlns:a16="http://schemas.microsoft.com/office/drawing/2014/main" id="{272BB16D-1B1A-4782-92FD-2CF21910DF1C}"/>
+              </a:ext>
+              <a:ext uri="{C183D7F6-B498-43B3-948B-1728B52AA6E4}">
+                <adec:decorative xmlns:adec="http://schemas.microsoft.com/office/drawing/2017/decorative" val="1"/>
+              </a:ext>
+            </a:extLst>
+          </p:cNvPr>
+          <p:cNvSpPr>
+            <a:spLocks noGrp="1" noRot="1" noChangeAspect="1" noMove="1" noResize="1" noEditPoints="1" noAdjustHandles="1" noChangeArrowheads="1" noChangeShapeType="1" noTextEdit="1"/>
+          </p:cNvSpPr>
+          <p:nvPr>
+            <p:extLst>
+              <p:ext uri="{386F3935-93C4-4BCD-93E2-E3B085C9AB24}">
+                <p16:designElem xmlns:p16="http://schemas.microsoft.com/office/powerpoint/2015/main" val="1"/>
+              </p:ext>
+            </p:extLst>
+          </p:nvPr>
+        </p:nvSpPr>
+        <p:spPr>
+          <a:xfrm>
+            <a:off x="0" y="4626429"/>
+            <a:ext cx="12192000" cy="2231571"/>
+          </a:xfrm>
+          <a:prstGeom prst="rect">
+            <a:avLst/>
+          </a:prstGeom>
+          <a:ln>
+            <a:noFill/>
+          </a:ln>
+          <a:effectLst/>
+        </p:spPr>
+        <p:style>
+          <a:lnRef idx="2">
+            <a:schemeClr val="accent1">
+              <a:shade val="50000"/>
+            </a:schemeClr>
+          </a:lnRef>
+          <a:fillRef idx="1">
+            <a:schemeClr val="accent1"/>
+          </a:fillRef>
+          <a:effectRef idx="0">
+            <a:schemeClr val="accent1"/>
+          </a:effectRef>
+          <a:fontRef idx="minor">
+            <a:schemeClr val="lt1"/>
+          </a:fontRef>
+        </p:style>
+        <p:txBody>
+          <a:bodyPr rtlCol="0" anchor="ctr"/>
+          <a:lstStyle/>
+          <a:p>
+            <a:pPr algn="ctr"/>
+            <a:endParaRPr lang="en-US"/>
+          </a:p>
+        </p:txBody>
+      </p:sp>
+      <p:sp>
+        <p:nvSpPr>
+          <p:cNvPr id="2" name="Title 1">
+            <a:extLst>
+              <a:ext uri="{FF2B5EF4-FFF2-40B4-BE49-F238E27FC236}">
+                <a16:creationId xmlns:a16="http://schemas.microsoft.com/office/drawing/2014/main" id="{5EEDC5F9-4247-4811-AD8A-D73A13412E4F}"/>
+              </a:ext>
+            </a:extLst>
+          </p:cNvPr>
+          <p:cNvSpPr>
+            <a:spLocks noGrp="1"/>
+          </p:cNvSpPr>
+          <p:nvPr>
+            <p:ph type="title"/>
+          </p:nvPr>
+        </p:nvSpPr>
+        <p:spPr>
+          <a:xfrm>
+            <a:off x="838200" y="6151002"/>
+            <a:ext cx="10515600" cy="1141632"/>
+          </a:xfrm>
+        </p:spPr>
+        <p:txBody>
+          <a:bodyPr vert="horz" wrap="square" lIns="91440" tIns="45720" rIns="91440" bIns="45720" rtlCol="0" anchor="t">
+            <a:normAutofit/>
+          </a:bodyPr>
+          <a:lstStyle/>
+          <a:p>
+            <a:pPr algn="r"/>
+            <a:r>
+              <a:rPr lang="en-US" sz="4400" spc="-300" dirty="0">
+                <a:solidFill>
+                  <a:schemeClr val="tx1"/>
+                </a:solidFill>
+                <a:effectLst>
+                  <a:outerShdw blurRad="469900" dist="342900" dir="5400000" sy="-20000" rotWithShape="0">
+                    <a:prstClr val="black">
+                      <a:alpha val="66000"/>
+                    </a:prstClr>
+                  </a:outerShdw>
+                </a:effectLst>
+              </a:rPr>
+              <a:t>Strongest correlation</a:t>
+            </a:r>
+          </a:p>
+        </p:txBody>
+      </p:sp>
+      <p:sp>
+        <p:nvSpPr>
+          <p:cNvPr id="7" name="Subtitle 2">
+            <a:extLst>
+              <a:ext uri="{FF2B5EF4-FFF2-40B4-BE49-F238E27FC236}">
+                <a16:creationId xmlns:a16="http://schemas.microsoft.com/office/drawing/2014/main" id="{B16B0C0A-F24E-4651-8509-511AD485412C}"/>
+              </a:ext>
+            </a:extLst>
+          </p:cNvPr>
+          <p:cNvSpPr txBox="1">
+            <a:spLocks/>
+          </p:cNvSpPr>
+          <p:nvPr/>
+        </p:nvSpPr>
+        <p:spPr>
+          <a:xfrm>
+            <a:off x="0" y="0"/>
+            <a:ext cx="12192000" cy="4296339"/>
+          </a:xfrm>
+          <a:prstGeom prst="rect">
+            <a:avLst/>
+          </a:prstGeom>
+          <a:solidFill>
+            <a:schemeClr val="tx1"/>
+          </a:solidFill>
+        </p:spPr>
+        <p:txBody>
+          <a:bodyPr vert="horz" lIns="91440" tIns="45720" rIns="91440" bIns="45720" rtlCol="0" anchor="b">
+            <a:normAutofit/>
+          </a:bodyPr>
+          <a:lstStyle>
+            <a:lvl1pPr indent="0" algn="r" defTabSz="914400">
+              <a:lnSpc>
+                <a:spcPct val="90000"/>
+              </a:lnSpc>
+              <a:spcBef>
+                <a:spcPts val="1000"/>
+              </a:spcBef>
+              <a:buFont typeface="Arial" panose="020B0604020202020204" pitchFamily="34" charset="0"/>
+              <a:buNone/>
+              <a:defRPr sz="3200" b="0">
+                <a:solidFill>
+                  <a:schemeClr val="tx2"/>
+                </a:solidFill>
+                <a:latin typeface="+mj-lt"/>
+              </a:defRPr>
+            </a:lvl1pPr>
+            <a:lvl2pPr indent="0" algn="ctr" defTabSz="914400">
+              <a:lnSpc>
+                <a:spcPct val="90000"/>
+              </a:lnSpc>
+              <a:spcBef>
+                <a:spcPts val="500"/>
+              </a:spcBef>
+              <a:buFont typeface="Arial" panose="020B0604020202020204" pitchFamily="34" charset="0"/>
+              <a:buNone/>
+              <a:defRPr sz="2000">
+                <a:gradFill>
+                  <a:gsLst>
+                    <a:gs pos="34000">
+                      <a:schemeClr val="tx1">
+                        <a:lumMod val="93000"/>
+                      </a:schemeClr>
+                    </a:gs>
+                    <a:gs pos="0">
+                      <a:schemeClr val="bg1">
+                        <a:lumMod val="25000"/>
+                        <a:lumOff val="75000"/>
+                      </a:schemeClr>
+                    </a:gs>
+                    <a:gs pos="100000">
+                      <a:schemeClr val="tx2">
+                        <a:lumMod val="0"/>
+                        <a:lumOff val="100000"/>
+                      </a:schemeClr>
+                    </a:gs>
+                  </a:gsLst>
+                  <a:lin ang="4800000" scaled="0"/>
+                </a:gradFill>
+              </a:defRPr>
+            </a:lvl2pPr>
+            <a:lvl3pPr indent="0" algn="ctr" defTabSz="914400">
+              <a:lnSpc>
+                <a:spcPct val="90000"/>
+              </a:lnSpc>
+              <a:spcBef>
+                <a:spcPts val="500"/>
+              </a:spcBef>
+              <a:buFont typeface="Arial" panose="020B0604020202020204" pitchFamily="34" charset="0"/>
+              <a:buNone/>
+              <a:defRPr>
+                <a:gradFill>
+                  <a:gsLst>
+                    <a:gs pos="34000">
+                      <a:schemeClr val="tx1">
+                        <a:lumMod val="93000"/>
+                      </a:schemeClr>
+                    </a:gs>
+                    <a:gs pos="0">
+                      <a:schemeClr val="bg1">
+                        <a:lumMod val="25000"/>
+                        <a:lumOff val="75000"/>
+                      </a:schemeClr>
+                    </a:gs>
+                    <a:gs pos="100000">
+                      <a:schemeClr val="tx2">
+                        <a:lumMod val="0"/>
+                        <a:lumOff val="100000"/>
+                      </a:schemeClr>
+                    </a:gs>
+                  </a:gsLst>
+                  <a:lin ang="4800000" scaled="0"/>
+                </a:gradFill>
+              </a:defRPr>
+            </a:lvl3pPr>
+            <a:lvl4pPr indent="0" algn="ctr" defTabSz="914400">
+              <a:lnSpc>
+                <a:spcPct val="90000"/>
+              </a:lnSpc>
+              <a:spcBef>
+                <a:spcPts val="500"/>
+              </a:spcBef>
+              <a:buFont typeface="Arial" panose="020B0604020202020204" pitchFamily="34" charset="0"/>
+              <a:buNone/>
+              <a:defRPr sz="1600">
+                <a:gradFill>
+                  <a:gsLst>
+                    <a:gs pos="34000">
+                      <a:schemeClr val="tx1">
+                        <a:lumMod val="93000"/>
+                      </a:schemeClr>
+                    </a:gs>
+                    <a:gs pos="0">
+                      <a:schemeClr val="bg1">
+                        <a:lumMod val="25000"/>
+                        <a:lumOff val="75000"/>
+                      </a:schemeClr>
+                    </a:gs>
+                    <a:gs pos="100000">
+                      <a:schemeClr val="tx2">
+                        <a:lumMod val="0"/>
+                        <a:lumOff val="100000"/>
+                      </a:schemeClr>
+                    </a:gs>
+                  </a:gsLst>
+                  <a:lin ang="4800000" scaled="0"/>
+                </a:gradFill>
+              </a:defRPr>
+            </a:lvl4pPr>
+            <a:lvl5pPr indent="0" algn="ctr" defTabSz="914400">
+              <a:lnSpc>
+                <a:spcPct val="90000"/>
+              </a:lnSpc>
+              <a:spcBef>
+                <a:spcPts val="500"/>
+              </a:spcBef>
+              <a:buFont typeface="Arial" panose="020B0604020202020204" pitchFamily="34" charset="0"/>
+              <a:buNone/>
+              <a:defRPr sz="1600">
+                <a:gradFill>
+                  <a:gsLst>
+                    <a:gs pos="34000">
+                      <a:schemeClr val="tx1">
+                        <a:lumMod val="93000"/>
+                      </a:schemeClr>
+                    </a:gs>
+                    <a:gs pos="0">
+                      <a:schemeClr val="bg1">
+                        <a:lumMod val="25000"/>
+                        <a:lumOff val="75000"/>
+                      </a:schemeClr>
+                    </a:gs>
+                    <a:gs pos="100000">
+                      <a:schemeClr val="tx2">
+                        <a:lumMod val="0"/>
+                        <a:lumOff val="100000"/>
+                      </a:schemeClr>
+                    </a:gs>
+                  </a:gsLst>
+                  <a:lin ang="4800000" scaled="0"/>
+                </a:gradFill>
+              </a:defRPr>
+            </a:lvl5pPr>
+            <a:lvl6pPr indent="0" algn="ctr" defTabSz="914400">
+              <a:lnSpc>
+                <a:spcPct val="90000"/>
+              </a:lnSpc>
+              <a:spcBef>
+                <a:spcPts val="500"/>
+              </a:spcBef>
+              <a:buFont typeface="Arial" panose="020B0604020202020204" pitchFamily="34" charset="0"/>
+              <a:buNone/>
+              <a:defRPr sz="1600"/>
+            </a:lvl6pPr>
+            <a:lvl7pPr indent="0" algn="ctr" defTabSz="914400">
+              <a:lnSpc>
+                <a:spcPct val="90000"/>
+              </a:lnSpc>
+              <a:spcBef>
+                <a:spcPts val="500"/>
+              </a:spcBef>
+              <a:buFont typeface="Arial" panose="020B0604020202020204" pitchFamily="34" charset="0"/>
+              <a:buNone/>
+              <a:defRPr sz="1600"/>
+            </a:lvl7pPr>
+            <a:lvl8pPr indent="0" algn="ctr" defTabSz="914400">
+              <a:lnSpc>
+                <a:spcPct val="90000"/>
+              </a:lnSpc>
+              <a:spcBef>
+                <a:spcPts val="500"/>
+              </a:spcBef>
+              <a:buFont typeface="Arial" panose="020B0604020202020204" pitchFamily="34" charset="0"/>
+              <a:buNone/>
+              <a:defRPr sz="1600"/>
+            </a:lvl8pPr>
+            <a:lvl9pPr indent="0" algn="ctr" defTabSz="914400">
+              <a:lnSpc>
+                <a:spcPct val="90000"/>
+              </a:lnSpc>
+              <a:spcBef>
+                <a:spcPts val="500"/>
+              </a:spcBef>
+              <a:buFont typeface="Arial" panose="020B0604020202020204" pitchFamily="34" charset="0"/>
+              <a:buNone/>
+              <a:defRPr sz="1600"/>
+            </a:lvl9pPr>
+          </a:lstStyle>
+          <a:p>
+            <a:r>
+              <a:rPr lang="en-US">
+                <a:hlinkClick r:id="rId2" action="ppaction://hlinkfile"/>
+              </a:rPr>
+              <a:t>Jupyter Notebook</a:t>
+            </a:r>
+            <a:endParaRPr lang="en-US" dirty="0"/>
+          </a:p>
+        </p:txBody>
+      </p:sp>
+      <p:pic>
+        <p:nvPicPr>
+          <p:cNvPr id="4" name="Picture 3" descr="Chart, histogram&#10;&#10;Description automatically generated">
+            <a:extLst>
+              <a:ext uri="{FF2B5EF4-FFF2-40B4-BE49-F238E27FC236}">
+                <a16:creationId xmlns:a16="http://schemas.microsoft.com/office/drawing/2014/main" id="{D8F34E9A-1DE9-4BCB-B321-B258972AE813}"/>
+              </a:ext>
+            </a:extLst>
+          </p:cNvPr>
+          <p:cNvPicPr>
+            <a:picLocks noChangeAspect="1"/>
+          </p:cNvPicPr>
+          <p:nvPr/>
+        </p:nvPicPr>
+        <p:blipFill rotWithShape="1">
+          <a:blip r:embed="rId3">
+            <a:extLst>
+              <a:ext uri="{28A0092B-C50C-407E-A947-70E740481C1C}">
+                <a14:useLocalDpi xmlns:a14="http://schemas.microsoft.com/office/drawing/2010/main" val="0"/>
+              </a:ext>
+            </a:extLst>
+          </a:blip>
+          <a:srcRect l="7634" t="6186" r="5290" b="3338"/>
+          <a:stretch/>
+        </p:blipFill>
+        <p:spPr>
+          <a:xfrm>
+            <a:off x="9323" y="37324"/>
+            <a:ext cx="12170730" cy="4215384"/>
+          </a:xfrm>
+          <a:prstGeom prst="rect">
+            <a:avLst/>
+          </a:prstGeom>
+        </p:spPr>
+      </p:pic>
+    </p:spTree>
+    <p:extLst>
+      <p:ext uri="{BB962C8B-B14F-4D97-AF65-F5344CB8AC3E}">
+        <p14:creationId xmlns:p14="http://schemas.microsoft.com/office/powerpoint/2010/main" val="3911759129"/>
+      </p:ext>
+    </p:extLst>
+  </p:cSld>
+  <p:clrMapOvr>
+    <a:masterClrMapping/>
+  </p:clrMapOvr>
+</p:sld>
+</file>
+
+<file path=ppt/slides/slide14.xml><?xml version="1.0" encoding="utf-8"?>
+<p:sld xmlns:a="http://schemas.openxmlformats.org/drawingml/2006/main" xmlns:r="http://schemas.openxmlformats.org/officeDocument/2006/relationships" xmlns:p="http://schemas.openxmlformats.org/presentationml/2006/main">
+  <p:cSld>
+    <p:spTree>
+      <p:nvGrpSpPr>
+        <p:cNvPr id="1" name=""/>
+        <p:cNvGrpSpPr/>
+        <p:nvPr/>
+      </p:nvGrpSpPr>
+      <p:grpSpPr>
+        <a:xfrm>
+          <a:off x="0" y="0"/>
+          <a:ext cx="0" cy="0"/>
+          <a:chOff x="0" y="0"/>
+          <a:chExt cx="0" cy="0"/>
+        </a:xfrm>
+      </p:grpSpPr>
+      <p:sp useBgFill="1">
+        <p:nvSpPr>
+          <p:cNvPr id="8" name="Rectangle 7">
+            <a:extLst>
+              <a:ext uri="{FF2B5EF4-FFF2-40B4-BE49-F238E27FC236}">
+                <a16:creationId xmlns:a16="http://schemas.microsoft.com/office/drawing/2014/main" id="{87358089-2E54-4747-8D77-434291EB9A73}"/>
+              </a:ext>
+              <a:ext uri="{C183D7F6-B498-43B3-948B-1728B52AA6E4}">
+                <adec:decorative xmlns:adec="http://schemas.microsoft.com/office/drawing/2017/decorative" val="1"/>
+              </a:ext>
+            </a:extLst>
+          </p:cNvPr>
+          <p:cNvSpPr>
+            <a:spLocks noGrp="1" noRot="1" noChangeAspect="1" noMove="1" noResize="1" noEditPoints="1" noAdjustHandles="1" noChangeArrowheads="1" noChangeShapeType="1" noTextEdit="1"/>
+          </p:cNvSpPr>
+          <p:nvPr>
+            <p:extLst>
+              <p:ext uri="{386F3935-93C4-4BCD-93E2-E3B085C9AB24}">
+                <p16:designElem xmlns:p16="http://schemas.microsoft.com/office/powerpoint/2015/main" val="1"/>
+              </p:ext>
+            </p:extLst>
+          </p:nvPr>
+        </p:nvSpPr>
+        <p:spPr>
+          <a:xfrm>
+            <a:off x="0" y="0"/>
+            <a:ext cx="12192000" cy="6858000"/>
+          </a:xfrm>
+          <a:prstGeom prst="rect">
+            <a:avLst/>
+          </a:prstGeom>
+          <a:ln>
+            <a:noFill/>
+          </a:ln>
+        </p:spPr>
+        <p:style>
+          <a:lnRef idx="2">
+            <a:schemeClr val="accent1">
+              <a:shade val="50000"/>
+            </a:schemeClr>
+          </a:lnRef>
+          <a:fillRef idx="1">
+            <a:schemeClr val="accent1"/>
+          </a:fillRef>
+          <a:effectRef idx="0">
+            <a:schemeClr val="accent1"/>
+          </a:effectRef>
+          <a:fontRef idx="minor">
+            <a:schemeClr val="lt1"/>
+          </a:fontRef>
+        </p:style>
+        <p:txBody>
+          <a:bodyPr rtlCol="0" anchor="ctr"/>
+          <a:lstStyle/>
+          <a:p>
+            <a:pPr algn="ctr"/>
+            <a:endParaRPr lang="en-US"/>
+          </a:p>
+        </p:txBody>
+      </p:sp>
+      <p:sp>
+        <p:nvSpPr>
+          <p:cNvPr id="10" name="Rectangle 9">
+            <a:extLst>
+              <a:ext uri="{FF2B5EF4-FFF2-40B4-BE49-F238E27FC236}">
+                <a16:creationId xmlns:a16="http://schemas.microsoft.com/office/drawing/2014/main" id="{F0318841-B257-4D3A-A6E5-309C003E0430}"/>
+              </a:ext>
+              <a:ext uri="{C183D7F6-B498-43B3-948B-1728B52AA6E4}">
+                <adec:decorative xmlns:adec="http://schemas.microsoft.com/office/drawing/2017/decorative" val="1"/>
+              </a:ext>
+            </a:extLst>
+          </p:cNvPr>
+          <p:cNvSpPr>
+            <a:spLocks noGrp="1" noRot="1" noChangeAspect="1" noMove="1" noResize="1" noEditPoints="1" noAdjustHandles="1" noChangeArrowheads="1" noChangeShapeType="1" noTextEdit="1"/>
+          </p:cNvSpPr>
+          <p:nvPr>
+            <p:extLst>
+              <p:ext uri="{386F3935-93C4-4BCD-93E2-E3B085C9AB24}">
+                <p16:designElem xmlns:p16="http://schemas.microsoft.com/office/powerpoint/2015/main" val="1"/>
+              </p:ext>
+            </p:extLst>
+          </p:nvPr>
+        </p:nvSpPr>
+        <p:spPr>
+          <a:xfrm>
+            <a:off x="0" y="0"/>
+            <a:ext cx="4062127" cy="6858000"/>
+          </a:xfrm>
+          <a:prstGeom prst="rect">
+            <a:avLst/>
+          </a:prstGeom>
+          <a:solidFill>
+            <a:srgbClr val="262626"/>
+          </a:solidFill>
+          <a:ln>
+            <a:noFill/>
+          </a:ln>
+        </p:spPr>
+        <p:style>
+          <a:lnRef idx="2">
+            <a:schemeClr val="accent1">
+              <a:shade val="50000"/>
+            </a:schemeClr>
+          </a:lnRef>
+          <a:fillRef idx="1">
+            <a:schemeClr val="accent1"/>
+          </a:fillRef>
+          <a:effectRef idx="0">
+            <a:schemeClr val="accent1"/>
+          </a:effectRef>
+          <a:fontRef idx="minor">
+            <a:schemeClr val="lt1"/>
+          </a:fontRef>
+        </p:style>
+        <p:txBody>
+          <a:bodyPr rtlCol="0" anchor="ctr"/>
+          <a:lstStyle/>
+          <a:p>
+            <a:pPr algn="ctr"/>
+            <a:endParaRPr lang="en-US"/>
+          </a:p>
+        </p:txBody>
+      </p:sp>
+      <p:sp>
+        <p:nvSpPr>
+          <p:cNvPr id="2" name="Title 1">
+            <a:extLst>
+              <a:ext uri="{FF2B5EF4-FFF2-40B4-BE49-F238E27FC236}">
+                <a16:creationId xmlns:a16="http://schemas.microsoft.com/office/drawing/2014/main" id="{3969A7ED-B6F1-451E-8F80-1C6F7D537BAF}"/>
+              </a:ext>
+            </a:extLst>
+          </p:cNvPr>
+          <p:cNvSpPr>
+            <a:spLocks noGrp="1"/>
+          </p:cNvSpPr>
+          <p:nvPr>
+            <p:ph type="title"/>
+          </p:nvPr>
+        </p:nvSpPr>
+        <p:spPr>
+          <a:xfrm>
+            <a:off x="838200" y="688748"/>
+            <a:ext cx="2855140" cy="5480504"/>
+          </a:xfrm>
+        </p:spPr>
+        <p:txBody>
+          <a:bodyPr anchor="ctr">
+            <a:normAutofit/>
+          </a:bodyPr>
+          <a:lstStyle/>
+          <a:p>
+            <a:r>
+              <a:rPr lang="en-US" sz="3600" dirty="0">
+                <a:solidFill>
+                  <a:schemeClr val="tx1"/>
+                </a:solidFill>
+              </a:rPr>
+              <a:t>Discussion</a:t>
+            </a:r>
+          </a:p>
+        </p:txBody>
+      </p:sp>
+      <p:sp>
+        <p:nvSpPr>
+          <p:cNvPr id="3" name="Content Placeholder 2">
+            <a:extLst>
+              <a:ext uri="{FF2B5EF4-FFF2-40B4-BE49-F238E27FC236}">
+                <a16:creationId xmlns:a16="http://schemas.microsoft.com/office/drawing/2014/main" id="{98C008D0-1E43-4D75-8694-1447CE4A1999}"/>
+              </a:ext>
+            </a:extLst>
+          </p:cNvPr>
+          <p:cNvSpPr>
+            <a:spLocks noGrp="1"/>
+          </p:cNvSpPr>
+          <p:nvPr>
+            <p:ph idx="1"/>
+          </p:nvPr>
+        </p:nvSpPr>
+        <p:spPr>
+          <a:xfrm>
+            <a:off x="4423890" y="688749"/>
+            <a:ext cx="6286442" cy="5480504"/>
+          </a:xfrm>
+        </p:spPr>
+        <p:txBody>
+          <a:bodyPr anchor="ctr">
+            <a:normAutofit/>
+          </a:bodyPr>
+          <a:lstStyle/>
+          <a:p>
+            <a:pPr marL="0" indent="0">
+              <a:buNone/>
+            </a:pPr>
+            <a:r>
+              <a:rPr lang="en-US" sz="2000" dirty="0">
+                <a:solidFill>
+                  <a:schemeClr val="tx1"/>
+                </a:solidFill>
+              </a:rPr>
+              <a:t>Expected:</a:t>
+            </a:r>
+          </a:p>
+          <a:p>
+            <a:r>
+              <a:rPr lang="en-US" sz="2000" dirty="0">
+                <a:solidFill>
+                  <a:schemeClr val="tx1"/>
+                </a:solidFill>
+              </a:rPr>
+              <a:t>Stronger relationship between social media activity and cryptocurrency fluctuations</a:t>
+            </a:r>
+          </a:p>
+          <a:p>
+            <a:r>
+              <a:rPr lang="en-US" sz="2000" dirty="0">
+                <a:solidFill>
+                  <a:schemeClr val="tx1"/>
+                </a:solidFill>
+              </a:rPr>
+              <a:t>Correlation between Volume and Comment Count</a:t>
+            </a:r>
+          </a:p>
+          <a:p>
+            <a:pPr marL="0" indent="0">
+              <a:buNone/>
+            </a:pPr>
+            <a:endParaRPr lang="en-US" sz="2000" dirty="0">
+              <a:solidFill>
+                <a:schemeClr val="tx1"/>
+              </a:solidFill>
+            </a:endParaRPr>
+          </a:p>
+          <a:p>
+            <a:pPr marL="0" indent="0">
+              <a:buNone/>
+            </a:pPr>
+            <a:r>
+              <a:rPr lang="en-US" sz="2000" dirty="0">
+                <a:solidFill>
+                  <a:schemeClr val="tx1"/>
+                </a:solidFill>
+              </a:rPr>
+              <a:t>Result:</a:t>
+            </a:r>
+          </a:p>
+          <a:p>
+            <a:r>
+              <a:rPr lang="en-US" sz="2000" dirty="0">
+                <a:solidFill>
+                  <a:schemeClr val="tx1"/>
+                </a:solidFill>
+              </a:rPr>
+              <a:t>Stronger relationship between social media activity and traditional stock fluctuations</a:t>
+            </a:r>
+          </a:p>
+          <a:p>
+            <a:r>
+              <a:rPr lang="en-US" sz="2000" dirty="0">
+                <a:solidFill>
+                  <a:schemeClr val="tx1"/>
+                </a:solidFill>
+              </a:rPr>
+              <a:t>Stronger correlation between daily price differences and comment count</a:t>
+            </a:r>
+          </a:p>
+        </p:txBody>
+      </p:sp>
+    </p:spTree>
+    <p:extLst>
+      <p:ext uri="{BB962C8B-B14F-4D97-AF65-F5344CB8AC3E}">
+        <p14:creationId xmlns:p14="http://schemas.microsoft.com/office/powerpoint/2010/main" val="246072277"/>
+      </p:ext>
+    </p:extLst>
+  </p:cSld>
+  <p:clrMapOvr>
+    <a:masterClrMapping/>
+  </p:clrMapOvr>
+</p:sld>
+</file>
+
+<file path=ppt/slides/slide15.xml><?xml version="1.0" encoding="utf-8"?>
+<p:sld xmlns:a="http://schemas.openxmlformats.org/drawingml/2006/main" xmlns:r="http://schemas.openxmlformats.org/officeDocument/2006/relationships" xmlns:p="http://schemas.openxmlformats.org/presentationml/2006/main">
+  <p:cSld>
+    <p:spTree>
+      <p:nvGrpSpPr>
+        <p:cNvPr id="1" name=""/>
+        <p:cNvGrpSpPr/>
+        <p:nvPr/>
+      </p:nvGrpSpPr>
+      <p:grpSpPr>
+        <a:xfrm>
+          <a:off x="0" y="0"/>
+          <a:ext cx="0" cy="0"/>
+          <a:chOff x="0" y="0"/>
+          <a:chExt cx="0" cy="0"/>
+        </a:xfrm>
+      </p:grpSpPr>
+      <p:sp>
+        <p:nvSpPr>
+          <p:cNvPr id="8" name="Rectangle 7">
+            <a:extLst>
+              <a:ext uri="{FF2B5EF4-FFF2-40B4-BE49-F238E27FC236}">
+                <a16:creationId xmlns:a16="http://schemas.microsoft.com/office/drawing/2014/main" id="{02DC0D56-2145-4CB8-979D-ADF8E921AF72}"/>
+              </a:ext>
+              <a:ext uri="{C183D7F6-B498-43B3-948B-1728B52AA6E4}">
+                <adec:decorative xmlns:adec="http://schemas.microsoft.com/office/drawing/2017/decorative" val="1"/>
+              </a:ext>
+            </a:extLst>
+          </p:cNvPr>
+          <p:cNvSpPr>
+            <a:spLocks noGrp="1" noRot="1" noChangeAspect="1" noMove="1" noResize="1" noEditPoints="1" noAdjustHandles="1" noChangeArrowheads="1" noChangeShapeType="1" noTextEdit="1"/>
+          </p:cNvSpPr>
+          <p:nvPr>
+            <p:extLst>
+              <p:ext uri="{386F3935-93C4-4BCD-93E2-E3B085C9AB24}">
+                <p16:designElem xmlns:p16="http://schemas.microsoft.com/office/powerpoint/2015/main" val="1"/>
+              </p:ext>
+            </p:extLst>
+          </p:nvPr>
+        </p:nvSpPr>
+        <p:spPr>
+          <a:xfrm>
+            <a:off x="0" y="0"/>
+            <a:ext cx="12192000" cy="6858000"/>
+          </a:xfrm>
+          <a:prstGeom prst="rect">
+            <a:avLst/>
+          </a:prstGeom>
+          <a:solidFill>
+            <a:schemeClr val="bg1">
+              <a:lumMod val="85000"/>
+              <a:lumOff val="15000"/>
+            </a:schemeClr>
+          </a:solidFill>
+          <a:ln>
+            <a:noFill/>
+          </a:ln>
+        </p:spPr>
+        <p:style>
+          <a:lnRef idx="2">
+            <a:schemeClr val="accent1">
+              <a:shade val="50000"/>
+            </a:schemeClr>
+          </a:lnRef>
+          <a:fillRef idx="1">
+            <a:schemeClr val="accent1"/>
+          </a:fillRef>
+          <a:effectRef idx="0">
+            <a:schemeClr val="accent1"/>
+          </a:effectRef>
+          <a:fontRef idx="minor">
+            <a:schemeClr val="lt1"/>
+          </a:fontRef>
+        </p:style>
+        <p:txBody>
+          <a:bodyPr rtlCol="0" anchor="ctr"/>
+          <a:lstStyle/>
+          <a:p>
+            <a:pPr algn="ctr"/>
+            <a:endParaRPr lang="en-US"/>
+          </a:p>
+        </p:txBody>
+      </p:sp>
+      <p:sp useBgFill="1">
+        <p:nvSpPr>
+          <p:cNvPr id="10" name="Rectangle 9">
+            <a:extLst>
+              <a:ext uri="{FF2B5EF4-FFF2-40B4-BE49-F238E27FC236}">
+                <a16:creationId xmlns:a16="http://schemas.microsoft.com/office/drawing/2014/main" id="{272BB16D-1B1A-4782-92FD-2CF21910DF1C}"/>
+              </a:ext>
+              <a:ext uri="{C183D7F6-B498-43B3-948B-1728B52AA6E4}">
+                <adec:decorative xmlns:adec="http://schemas.microsoft.com/office/drawing/2017/decorative" val="1"/>
+              </a:ext>
+            </a:extLst>
+          </p:cNvPr>
+          <p:cNvSpPr>
+            <a:spLocks noGrp="1" noRot="1" noChangeAspect="1" noMove="1" noResize="1" noEditPoints="1" noAdjustHandles="1" noChangeArrowheads="1" noChangeShapeType="1" noTextEdit="1"/>
+          </p:cNvSpPr>
+          <p:nvPr>
+            <p:extLst>
+              <p:ext uri="{386F3935-93C4-4BCD-93E2-E3B085C9AB24}">
+                <p16:designElem xmlns:p16="http://schemas.microsoft.com/office/powerpoint/2015/main" val="1"/>
+              </p:ext>
+            </p:extLst>
+          </p:nvPr>
+        </p:nvSpPr>
+        <p:spPr>
+          <a:xfrm>
+            <a:off x="0" y="4626429"/>
+            <a:ext cx="12192000" cy="2231571"/>
+          </a:xfrm>
+          <a:prstGeom prst="rect">
+            <a:avLst/>
+          </a:prstGeom>
+          <a:ln>
+            <a:noFill/>
+          </a:ln>
+          <a:effectLst/>
+        </p:spPr>
+        <p:style>
+          <a:lnRef idx="2">
+            <a:schemeClr val="accent1">
+              <a:shade val="50000"/>
+            </a:schemeClr>
+          </a:lnRef>
+          <a:fillRef idx="1">
+            <a:schemeClr val="accent1"/>
+          </a:fillRef>
+          <a:effectRef idx="0">
+            <a:schemeClr val="accent1"/>
+          </a:effectRef>
+          <a:fontRef idx="minor">
+            <a:schemeClr val="lt1"/>
+          </a:fontRef>
+        </p:style>
+        <p:txBody>
+          <a:bodyPr rtlCol="0" anchor="ctr"/>
+          <a:lstStyle/>
+          <a:p>
+            <a:pPr algn="ctr"/>
+            <a:endParaRPr lang="en-US"/>
+          </a:p>
+        </p:txBody>
+      </p:sp>
+      <p:sp>
+        <p:nvSpPr>
+          <p:cNvPr id="2" name="Title 1">
+            <a:extLst>
+              <a:ext uri="{FF2B5EF4-FFF2-40B4-BE49-F238E27FC236}">
+                <a16:creationId xmlns:a16="http://schemas.microsoft.com/office/drawing/2014/main" id="{5EEDC5F9-4247-4811-AD8A-D73A13412E4F}"/>
+              </a:ext>
+            </a:extLst>
+          </p:cNvPr>
+          <p:cNvSpPr>
+            <a:spLocks noGrp="1"/>
+          </p:cNvSpPr>
+          <p:nvPr>
+            <p:ph type="title"/>
+          </p:nvPr>
+        </p:nvSpPr>
+        <p:spPr>
+          <a:xfrm>
+            <a:off x="838200" y="4963886"/>
+            <a:ext cx="10515600" cy="1141632"/>
+          </a:xfrm>
+        </p:spPr>
+        <p:txBody>
+          <a:bodyPr vert="horz" wrap="square" lIns="91440" tIns="45720" rIns="91440" bIns="45720" rtlCol="0" anchor="t">
+            <a:normAutofit/>
+          </a:bodyPr>
+          <a:lstStyle/>
+          <a:p>
+            <a:pPr algn="r"/>
+            <a:endParaRPr lang="en-US" sz="4400" spc="-300" dirty="0">
+              <a:solidFill>
+                <a:schemeClr val="tx1"/>
+              </a:solidFill>
+              <a:effectLst>
+                <a:outerShdw blurRad="469900" dist="342900" dir="5400000" sy="-20000" rotWithShape="0">
+                  <a:prstClr val="black">
+                    <a:alpha val="66000"/>
+                  </a:prstClr>
+                </a:outerShdw>
+              </a:effectLst>
+            </a:endParaRPr>
+          </a:p>
+        </p:txBody>
+      </p:sp>
+      <p:sp>
+        <p:nvSpPr>
+          <p:cNvPr id="7" name="Subtitle 2">
+            <a:extLst>
+              <a:ext uri="{FF2B5EF4-FFF2-40B4-BE49-F238E27FC236}">
+                <a16:creationId xmlns:a16="http://schemas.microsoft.com/office/drawing/2014/main" id="{B16B0C0A-F24E-4651-8509-511AD485412C}"/>
+              </a:ext>
+            </a:extLst>
+          </p:cNvPr>
+          <p:cNvSpPr txBox="1">
+            <a:spLocks/>
+          </p:cNvSpPr>
+          <p:nvPr/>
+        </p:nvSpPr>
+        <p:spPr>
+          <a:xfrm>
+            <a:off x="0" y="0"/>
+            <a:ext cx="12192000" cy="4296339"/>
+          </a:xfrm>
+          <a:prstGeom prst="rect">
+            <a:avLst/>
+          </a:prstGeom>
+          <a:solidFill>
+            <a:schemeClr val="tx1"/>
+          </a:solidFill>
+        </p:spPr>
+        <p:txBody>
+          <a:bodyPr vert="horz" lIns="91440" tIns="45720" rIns="91440" bIns="45720" rtlCol="0" anchor="b">
+            <a:normAutofit/>
+          </a:bodyPr>
+          <a:lstStyle>
+            <a:lvl1pPr indent="0" algn="r" defTabSz="914400">
+              <a:lnSpc>
+                <a:spcPct val="90000"/>
+              </a:lnSpc>
+              <a:spcBef>
+                <a:spcPts val="1000"/>
+              </a:spcBef>
+              <a:buFont typeface="Arial" panose="020B0604020202020204" pitchFamily="34" charset="0"/>
+              <a:buNone/>
+              <a:defRPr sz="3200" b="0">
+                <a:solidFill>
+                  <a:schemeClr val="tx2"/>
+                </a:solidFill>
+                <a:latin typeface="+mj-lt"/>
+              </a:defRPr>
+            </a:lvl1pPr>
+            <a:lvl2pPr indent="0" algn="ctr" defTabSz="914400">
+              <a:lnSpc>
+                <a:spcPct val="90000"/>
+              </a:lnSpc>
+              <a:spcBef>
+                <a:spcPts val="500"/>
+              </a:spcBef>
+              <a:buFont typeface="Arial" panose="020B0604020202020204" pitchFamily="34" charset="0"/>
+              <a:buNone/>
+              <a:defRPr sz="2000">
+                <a:gradFill>
+                  <a:gsLst>
+                    <a:gs pos="34000">
+                      <a:schemeClr val="tx1">
+                        <a:lumMod val="93000"/>
+                      </a:schemeClr>
+                    </a:gs>
+                    <a:gs pos="0">
+                      <a:schemeClr val="bg1">
+                        <a:lumMod val="25000"/>
+                        <a:lumOff val="75000"/>
+                      </a:schemeClr>
+                    </a:gs>
+                    <a:gs pos="100000">
+                      <a:schemeClr val="tx2">
+                        <a:lumMod val="0"/>
+                        <a:lumOff val="100000"/>
+                      </a:schemeClr>
+                    </a:gs>
+                  </a:gsLst>
+                  <a:lin ang="4800000" scaled="0"/>
+                </a:gradFill>
+              </a:defRPr>
+            </a:lvl2pPr>
+            <a:lvl3pPr indent="0" algn="ctr" defTabSz="914400">
+              <a:lnSpc>
+                <a:spcPct val="90000"/>
+              </a:lnSpc>
+              <a:spcBef>
+                <a:spcPts val="500"/>
+              </a:spcBef>
+              <a:buFont typeface="Arial" panose="020B0604020202020204" pitchFamily="34" charset="0"/>
+              <a:buNone/>
+              <a:defRPr>
+                <a:gradFill>
+                  <a:gsLst>
+                    <a:gs pos="34000">
+                      <a:schemeClr val="tx1">
+                        <a:lumMod val="93000"/>
+                      </a:schemeClr>
+                    </a:gs>
+                    <a:gs pos="0">
+                      <a:schemeClr val="bg1">
+                        <a:lumMod val="25000"/>
+                        <a:lumOff val="75000"/>
+                      </a:schemeClr>
+                    </a:gs>
+                    <a:gs pos="100000">
+                      <a:schemeClr val="tx2">
+                        <a:lumMod val="0"/>
+                        <a:lumOff val="100000"/>
+                      </a:schemeClr>
+                    </a:gs>
+                  </a:gsLst>
+                  <a:lin ang="4800000" scaled="0"/>
+                </a:gradFill>
+              </a:defRPr>
+            </a:lvl3pPr>
+            <a:lvl4pPr indent="0" algn="ctr" defTabSz="914400">
+              <a:lnSpc>
+                <a:spcPct val="90000"/>
+              </a:lnSpc>
+              <a:spcBef>
+                <a:spcPts val="500"/>
+              </a:spcBef>
+              <a:buFont typeface="Arial" panose="020B0604020202020204" pitchFamily="34" charset="0"/>
+              <a:buNone/>
+              <a:defRPr sz="1600">
+                <a:gradFill>
+                  <a:gsLst>
+                    <a:gs pos="34000">
+                      <a:schemeClr val="tx1">
+                        <a:lumMod val="93000"/>
+                      </a:schemeClr>
+                    </a:gs>
+                    <a:gs pos="0">
+                      <a:schemeClr val="bg1">
+                        <a:lumMod val="25000"/>
+                        <a:lumOff val="75000"/>
+                      </a:schemeClr>
+                    </a:gs>
+                    <a:gs pos="100000">
+                      <a:schemeClr val="tx2">
+                        <a:lumMod val="0"/>
+                        <a:lumOff val="100000"/>
+                      </a:schemeClr>
+                    </a:gs>
+                  </a:gsLst>
+                  <a:lin ang="4800000" scaled="0"/>
+                </a:gradFill>
+              </a:defRPr>
+            </a:lvl4pPr>
+            <a:lvl5pPr indent="0" algn="ctr" defTabSz="914400">
+              <a:lnSpc>
+                <a:spcPct val="90000"/>
+              </a:lnSpc>
+              <a:spcBef>
+                <a:spcPts val="500"/>
+              </a:spcBef>
+              <a:buFont typeface="Arial" panose="020B0604020202020204" pitchFamily="34" charset="0"/>
+              <a:buNone/>
+              <a:defRPr sz="1600">
+                <a:gradFill>
+                  <a:gsLst>
+                    <a:gs pos="34000">
+                      <a:schemeClr val="tx1">
+                        <a:lumMod val="93000"/>
+                      </a:schemeClr>
+                    </a:gs>
+                    <a:gs pos="0">
+                      <a:schemeClr val="bg1">
+                        <a:lumMod val="25000"/>
+                        <a:lumOff val="75000"/>
+                      </a:schemeClr>
+                    </a:gs>
+                    <a:gs pos="100000">
+                      <a:schemeClr val="tx2">
+                        <a:lumMod val="0"/>
+                        <a:lumOff val="100000"/>
+                      </a:schemeClr>
+                    </a:gs>
+                  </a:gsLst>
+                  <a:lin ang="4800000" scaled="0"/>
+                </a:gradFill>
+              </a:defRPr>
+            </a:lvl5pPr>
+            <a:lvl6pPr indent="0" algn="ctr" defTabSz="914400">
+              <a:lnSpc>
+                <a:spcPct val="90000"/>
+              </a:lnSpc>
+              <a:spcBef>
+                <a:spcPts val="500"/>
+              </a:spcBef>
+              <a:buFont typeface="Arial" panose="020B0604020202020204" pitchFamily="34" charset="0"/>
+              <a:buNone/>
+              <a:defRPr sz="1600"/>
+            </a:lvl6pPr>
+            <a:lvl7pPr indent="0" algn="ctr" defTabSz="914400">
+              <a:lnSpc>
+                <a:spcPct val="90000"/>
+              </a:lnSpc>
+              <a:spcBef>
+                <a:spcPts val="500"/>
+              </a:spcBef>
+              <a:buFont typeface="Arial" panose="020B0604020202020204" pitchFamily="34" charset="0"/>
+              <a:buNone/>
+              <a:defRPr sz="1600"/>
+            </a:lvl7pPr>
+            <a:lvl8pPr indent="0" algn="ctr" defTabSz="914400">
+              <a:lnSpc>
+                <a:spcPct val="90000"/>
+              </a:lnSpc>
+              <a:spcBef>
+                <a:spcPts val="500"/>
+              </a:spcBef>
+              <a:buFont typeface="Arial" panose="020B0604020202020204" pitchFamily="34" charset="0"/>
+              <a:buNone/>
+              <a:defRPr sz="1600"/>
+            </a:lvl8pPr>
+            <a:lvl9pPr indent="0" algn="ctr" defTabSz="914400">
+              <a:lnSpc>
+                <a:spcPct val="90000"/>
+              </a:lnSpc>
+              <a:spcBef>
+                <a:spcPts val="500"/>
+              </a:spcBef>
+              <a:buFont typeface="Arial" panose="020B0604020202020204" pitchFamily="34" charset="0"/>
+              <a:buNone/>
+              <a:defRPr sz="1600"/>
+            </a:lvl9pPr>
+          </a:lstStyle>
+          <a:p>
+            <a:r>
+              <a:rPr lang="en-US">
+                <a:hlinkClick r:id="rId3" action="ppaction://hlinkfile"/>
+              </a:rPr>
+              <a:t>Jupyter Notebook</a:t>
+            </a:r>
+            <a:endParaRPr lang="en-US" dirty="0"/>
+          </a:p>
+        </p:txBody>
+      </p:sp>
+      <p:pic>
+        <p:nvPicPr>
+          <p:cNvPr id="9" name="Picture 8" descr="Chart&#10;&#10;Description automatically generated">
+            <a:extLst>
+              <a:ext uri="{FF2B5EF4-FFF2-40B4-BE49-F238E27FC236}">
+                <a16:creationId xmlns:a16="http://schemas.microsoft.com/office/drawing/2014/main" id="{6ADBA502-D562-441A-A0A7-E9D31CB67580}"/>
+              </a:ext>
+            </a:extLst>
+          </p:cNvPr>
+          <p:cNvPicPr>
+            <a:picLocks noChangeAspect="1"/>
+          </p:cNvPicPr>
+          <p:nvPr/>
+        </p:nvPicPr>
+        <p:blipFill rotWithShape="1">
+          <a:blip r:embed="rId4">
+            <a:extLst>
+              <a:ext uri="{28A0092B-C50C-407E-A947-70E740481C1C}">
+                <a14:useLocalDpi xmlns:a14="http://schemas.microsoft.com/office/drawing/2010/main" val="0"/>
+              </a:ext>
+            </a:extLst>
+          </a:blip>
+          <a:srcRect l="9031" t="5344" r="9310" b="4886"/>
+          <a:stretch/>
+        </p:blipFill>
+        <p:spPr>
+          <a:xfrm>
+            <a:off x="186612" y="77943"/>
+            <a:ext cx="11511584" cy="4218396"/>
+          </a:xfrm>
+          <a:prstGeom prst="rect">
+            <a:avLst/>
+          </a:prstGeom>
+        </p:spPr>
+      </p:pic>
+    </p:spTree>
+    <p:extLst>
+      <p:ext uri="{BB962C8B-B14F-4D97-AF65-F5344CB8AC3E}">
+        <p14:creationId xmlns:p14="http://schemas.microsoft.com/office/powerpoint/2010/main" val="194024865"/>
+      </p:ext>
+    </p:extLst>
+  </p:cSld>
+  <p:clrMapOvr>
+    <a:masterClrMapping/>
+  </p:clrMapOvr>
+</p:sld>
+</file>
+
+<file path=ppt/slides/slide16.xml><?xml version="1.0" encoding="utf-8"?>
+<p:sld xmlns:a="http://schemas.openxmlformats.org/drawingml/2006/main" xmlns:r="http://schemas.openxmlformats.org/officeDocument/2006/relationships" xmlns:p="http://schemas.openxmlformats.org/presentationml/2006/main">
+  <p:cSld>
+    <p:spTree>
+      <p:nvGrpSpPr>
+        <p:cNvPr id="1" name=""/>
+        <p:cNvGrpSpPr/>
+        <p:nvPr/>
+      </p:nvGrpSpPr>
+      <p:grpSpPr>
+        <a:xfrm>
+          <a:off x="0" y="0"/>
+          <a:ext cx="0" cy="0"/>
+          <a:chOff x="0" y="0"/>
+          <a:chExt cx="0" cy="0"/>
+        </a:xfrm>
+      </p:grpSpPr>
+      <p:sp>
+        <p:nvSpPr>
+          <p:cNvPr id="8" name="Rectangle 7">
+            <a:extLst>
+              <a:ext uri="{FF2B5EF4-FFF2-40B4-BE49-F238E27FC236}">
+                <a16:creationId xmlns:a16="http://schemas.microsoft.com/office/drawing/2014/main" id="{02DC0D56-2145-4CB8-979D-ADF8E921AF72}"/>
+              </a:ext>
+              <a:ext uri="{C183D7F6-B498-43B3-948B-1728B52AA6E4}">
+                <adec:decorative xmlns:adec="http://schemas.microsoft.com/office/drawing/2017/decorative" val="1"/>
+              </a:ext>
+            </a:extLst>
+          </p:cNvPr>
+          <p:cNvSpPr>
+            <a:spLocks noGrp="1" noRot="1" noChangeAspect="1" noMove="1" noResize="1" noEditPoints="1" noAdjustHandles="1" noChangeArrowheads="1" noChangeShapeType="1" noTextEdit="1"/>
+          </p:cNvSpPr>
+          <p:nvPr>
+            <p:extLst>
+              <p:ext uri="{386F3935-93C4-4BCD-93E2-E3B085C9AB24}">
+                <p16:designElem xmlns:p16="http://schemas.microsoft.com/office/powerpoint/2015/main" val="1"/>
+              </p:ext>
+            </p:extLst>
+          </p:nvPr>
+        </p:nvSpPr>
+        <p:spPr>
+          <a:xfrm>
+            <a:off x="0" y="0"/>
+            <a:ext cx="12192000" cy="6858000"/>
+          </a:xfrm>
+          <a:prstGeom prst="rect">
+            <a:avLst/>
+          </a:prstGeom>
+          <a:solidFill>
+            <a:schemeClr val="bg1">
+              <a:lumMod val="85000"/>
+              <a:lumOff val="15000"/>
+            </a:schemeClr>
+          </a:solidFill>
+          <a:ln>
+            <a:noFill/>
+          </a:ln>
+        </p:spPr>
+        <p:style>
+          <a:lnRef idx="2">
+            <a:schemeClr val="accent1">
+              <a:shade val="50000"/>
+            </a:schemeClr>
+          </a:lnRef>
+          <a:fillRef idx="1">
+            <a:schemeClr val="accent1"/>
+          </a:fillRef>
+          <a:effectRef idx="0">
+            <a:schemeClr val="accent1"/>
+          </a:effectRef>
+          <a:fontRef idx="minor">
+            <a:schemeClr val="lt1"/>
+          </a:fontRef>
+        </p:style>
+        <p:txBody>
+          <a:bodyPr rtlCol="0" anchor="ctr"/>
+          <a:lstStyle/>
+          <a:p>
+            <a:pPr algn="ctr"/>
+            <a:endParaRPr lang="en-US"/>
+          </a:p>
+        </p:txBody>
+      </p:sp>
+      <p:sp useBgFill="1">
+        <p:nvSpPr>
+          <p:cNvPr id="10" name="Rectangle 9">
+            <a:extLst>
+              <a:ext uri="{FF2B5EF4-FFF2-40B4-BE49-F238E27FC236}">
+                <a16:creationId xmlns:a16="http://schemas.microsoft.com/office/drawing/2014/main" id="{272BB16D-1B1A-4782-92FD-2CF21910DF1C}"/>
+              </a:ext>
+              <a:ext uri="{C183D7F6-B498-43B3-948B-1728B52AA6E4}">
+                <adec:decorative xmlns:adec="http://schemas.microsoft.com/office/drawing/2017/decorative" val="1"/>
+              </a:ext>
+            </a:extLst>
+          </p:cNvPr>
+          <p:cNvSpPr>
+            <a:spLocks noGrp="1" noRot="1" noChangeAspect="1" noMove="1" noResize="1" noEditPoints="1" noAdjustHandles="1" noChangeArrowheads="1" noChangeShapeType="1" noTextEdit="1"/>
+          </p:cNvSpPr>
+          <p:nvPr>
+            <p:extLst>
+              <p:ext uri="{386F3935-93C4-4BCD-93E2-E3B085C9AB24}">
+                <p16:designElem xmlns:p16="http://schemas.microsoft.com/office/powerpoint/2015/main" val="1"/>
+              </p:ext>
+            </p:extLst>
+          </p:nvPr>
+        </p:nvSpPr>
+        <p:spPr>
+          <a:xfrm>
+            <a:off x="0" y="4626429"/>
+            <a:ext cx="12192000" cy="2231571"/>
+          </a:xfrm>
+          <a:prstGeom prst="rect">
+            <a:avLst/>
+          </a:prstGeom>
+          <a:ln>
+            <a:noFill/>
+          </a:ln>
+          <a:effectLst/>
+        </p:spPr>
+        <p:style>
+          <a:lnRef idx="2">
+            <a:schemeClr val="accent1">
+              <a:shade val="50000"/>
+            </a:schemeClr>
+          </a:lnRef>
+          <a:fillRef idx="1">
+            <a:schemeClr val="accent1"/>
+          </a:fillRef>
+          <a:effectRef idx="0">
+            <a:schemeClr val="accent1"/>
+          </a:effectRef>
+          <a:fontRef idx="minor">
+            <a:schemeClr val="lt1"/>
+          </a:fontRef>
+        </p:style>
+        <p:txBody>
+          <a:bodyPr rtlCol="0" anchor="ctr"/>
+          <a:lstStyle/>
+          <a:p>
+            <a:pPr algn="ctr"/>
+            <a:endParaRPr lang="en-US"/>
+          </a:p>
+        </p:txBody>
+      </p:sp>
+      <p:sp>
+        <p:nvSpPr>
+          <p:cNvPr id="2" name="Title 1">
+            <a:extLst>
+              <a:ext uri="{FF2B5EF4-FFF2-40B4-BE49-F238E27FC236}">
+                <a16:creationId xmlns:a16="http://schemas.microsoft.com/office/drawing/2014/main" id="{7C9F2677-9E21-4528-8005-77908C6B88D0}"/>
+              </a:ext>
+            </a:extLst>
+          </p:cNvPr>
+          <p:cNvSpPr>
+            <a:spLocks noGrp="1"/>
+          </p:cNvSpPr>
+          <p:nvPr>
+            <p:ph type="title"/>
+          </p:nvPr>
+        </p:nvSpPr>
+        <p:spPr>
+          <a:xfrm>
+            <a:off x="838200" y="4963886"/>
+            <a:ext cx="10515600" cy="1141632"/>
+          </a:xfrm>
+        </p:spPr>
+        <p:txBody>
+          <a:bodyPr vert="horz" wrap="square" lIns="91440" tIns="45720" rIns="91440" bIns="45720" rtlCol="0" anchor="t">
+            <a:normAutofit/>
+          </a:bodyPr>
+          <a:lstStyle/>
+          <a:p>
+            <a:pPr algn="r"/>
+            <a:r>
+              <a:rPr lang="en-US" sz="4400" spc="-300" dirty="0">
+                <a:solidFill>
+                  <a:schemeClr val="tx1"/>
+                </a:solidFill>
+                <a:effectLst>
+                  <a:outerShdw blurRad="469900" dist="342900" dir="5400000" sy="-20000" rotWithShape="0">
+                    <a:prstClr val="black">
+                      <a:alpha val="66000"/>
+                    </a:prstClr>
+                  </a:outerShdw>
+                </a:effectLst>
+              </a:rPr>
+              <a:t>Conclusions</a:t>
+            </a:r>
+          </a:p>
+        </p:txBody>
+      </p:sp>
+      <p:sp>
+        <p:nvSpPr>
+          <p:cNvPr id="5" name="Subtitle 2">
+            <a:extLst>
+              <a:ext uri="{FF2B5EF4-FFF2-40B4-BE49-F238E27FC236}">
+                <a16:creationId xmlns:a16="http://schemas.microsoft.com/office/drawing/2014/main" id="{8EABBACD-2324-4BCD-BEFF-238485D5E917}"/>
+              </a:ext>
+            </a:extLst>
+          </p:cNvPr>
+          <p:cNvSpPr txBox="1">
+            <a:spLocks/>
+          </p:cNvSpPr>
+          <p:nvPr/>
+        </p:nvSpPr>
+        <p:spPr>
+          <a:xfrm>
+            <a:off x="0" y="0"/>
+            <a:ext cx="12192000" cy="4296339"/>
+          </a:xfrm>
+          <a:prstGeom prst="rect">
+            <a:avLst/>
+          </a:prstGeom>
+          <a:solidFill>
+            <a:schemeClr val="tx1"/>
+          </a:solidFill>
+        </p:spPr>
+        <p:txBody>
+          <a:bodyPr vert="horz" lIns="91440" tIns="45720" rIns="91440" bIns="45720" rtlCol="0" anchor="b">
+            <a:normAutofit/>
+          </a:bodyPr>
+          <a:lstStyle>
+            <a:lvl1pPr indent="0" algn="r" defTabSz="914400">
+              <a:lnSpc>
+                <a:spcPct val="90000"/>
+              </a:lnSpc>
+              <a:spcBef>
+                <a:spcPts val="1000"/>
+              </a:spcBef>
+              <a:buFont typeface="Arial" panose="020B0604020202020204" pitchFamily="34" charset="0"/>
+              <a:buNone/>
+              <a:defRPr sz="3200" b="0">
+                <a:solidFill>
+                  <a:schemeClr val="tx2"/>
+                </a:solidFill>
+                <a:latin typeface="+mj-lt"/>
+              </a:defRPr>
+            </a:lvl1pPr>
+            <a:lvl2pPr indent="0" algn="ctr" defTabSz="914400">
+              <a:lnSpc>
+                <a:spcPct val="90000"/>
+              </a:lnSpc>
+              <a:spcBef>
+                <a:spcPts val="500"/>
+              </a:spcBef>
+              <a:buFont typeface="Arial" panose="020B0604020202020204" pitchFamily="34" charset="0"/>
+              <a:buNone/>
+              <a:defRPr sz="2000">
+                <a:gradFill>
+                  <a:gsLst>
+                    <a:gs pos="34000">
+                      <a:schemeClr val="tx1">
+                        <a:lumMod val="93000"/>
+                      </a:schemeClr>
+                    </a:gs>
+                    <a:gs pos="0">
+                      <a:schemeClr val="bg1">
+                        <a:lumMod val="25000"/>
+                        <a:lumOff val="75000"/>
+                      </a:schemeClr>
+                    </a:gs>
+                    <a:gs pos="100000">
+                      <a:schemeClr val="tx2">
+                        <a:lumMod val="0"/>
+                        <a:lumOff val="100000"/>
+                      </a:schemeClr>
+                    </a:gs>
+                  </a:gsLst>
+                  <a:lin ang="4800000" scaled="0"/>
+                </a:gradFill>
+              </a:defRPr>
+            </a:lvl2pPr>
+            <a:lvl3pPr indent="0" algn="ctr" defTabSz="914400">
+              <a:lnSpc>
+                <a:spcPct val="90000"/>
+              </a:lnSpc>
+              <a:spcBef>
+                <a:spcPts val="500"/>
+              </a:spcBef>
+              <a:buFont typeface="Arial" panose="020B0604020202020204" pitchFamily="34" charset="0"/>
+              <a:buNone/>
+              <a:defRPr>
+                <a:gradFill>
+                  <a:gsLst>
+                    <a:gs pos="34000">
+                      <a:schemeClr val="tx1">
+                        <a:lumMod val="93000"/>
+                      </a:schemeClr>
+                    </a:gs>
+                    <a:gs pos="0">
+                      <a:schemeClr val="bg1">
+                        <a:lumMod val="25000"/>
+                        <a:lumOff val="75000"/>
+                      </a:schemeClr>
+                    </a:gs>
+                    <a:gs pos="100000">
+                      <a:schemeClr val="tx2">
+                        <a:lumMod val="0"/>
+                        <a:lumOff val="100000"/>
+                      </a:schemeClr>
+                    </a:gs>
+                  </a:gsLst>
+                  <a:lin ang="4800000" scaled="0"/>
+                </a:gradFill>
+              </a:defRPr>
+            </a:lvl3pPr>
+            <a:lvl4pPr indent="0" algn="ctr" defTabSz="914400">
+              <a:lnSpc>
+                <a:spcPct val="90000"/>
+              </a:lnSpc>
+              <a:spcBef>
+                <a:spcPts val="500"/>
+              </a:spcBef>
+              <a:buFont typeface="Arial" panose="020B0604020202020204" pitchFamily="34" charset="0"/>
+              <a:buNone/>
+              <a:defRPr sz="1600">
+                <a:gradFill>
+                  <a:gsLst>
+                    <a:gs pos="34000">
+                      <a:schemeClr val="tx1">
+                        <a:lumMod val="93000"/>
+                      </a:schemeClr>
+                    </a:gs>
+                    <a:gs pos="0">
+                      <a:schemeClr val="bg1">
+                        <a:lumMod val="25000"/>
+                        <a:lumOff val="75000"/>
+                      </a:schemeClr>
+                    </a:gs>
+                    <a:gs pos="100000">
+                      <a:schemeClr val="tx2">
+                        <a:lumMod val="0"/>
+                        <a:lumOff val="100000"/>
+                      </a:schemeClr>
+                    </a:gs>
+                  </a:gsLst>
+                  <a:lin ang="4800000" scaled="0"/>
+                </a:gradFill>
+              </a:defRPr>
+            </a:lvl4pPr>
+            <a:lvl5pPr indent="0" algn="ctr" defTabSz="914400">
+              <a:lnSpc>
+                <a:spcPct val="90000"/>
+              </a:lnSpc>
+              <a:spcBef>
+                <a:spcPts val="500"/>
+              </a:spcBef>
+              <a:buFont typeface="Arial" panose="020B0604020202020204" pitchFamily="34" charset="0"/>
+              <a:buNone/>
+              <a:defRPr sz="1600">
+                <a:gradFill>
+                  <a:gsLst>
+                    <a:gs pos="34000">
+                      <a:schemeClr val="tx1">
+                        <a:lumMod val="93000"/>
+                      </a:schemeClr>
+                    </a:gs>
+                    <a:gs pos="0">
+                      <a:schemeClr val="bg1">
+                        <a:lumMod val="25000"/>
+                        <a:lumOff val="75000"/>
+                      </a:schemeClr>
+                    </a:gs>
+                    <a:gs pos="100000">
+                      <a:schemeClr val="tx2">
+                        <a:lumMod val="0"/>
+                        <a:lumOff val="100000"/>
+                      </a:schemeClr>
+                    </a:gs>
+                  </a:gsLst>
+                  <a:lin ang="4800000" scaled="0"/>
+                </a:gradFill>
+              </a:defRPr>
+            </a:lvl5pPr>
+            <a:lvl6pPr indent="0" algn="ctr" defTabSz="914400">
+              <a:lnSpc>
+                <a:spcPct val="90000"/>
+              </a:lnSpc>
+              <a:spcBef>
+                <a:spcPts val="500"/>
+              </a:spcBef>
+              <a:buFont typeface="Arial" panose="020B0604020202020204" pitchFamily="34" charset="0"/>
+              <a:buNone/>
+              <a:defRPr sz="1600"/>
+            </a:lvl6pPr>
+            <a:lvl7pPr indent="0" algn="ctr" defTabSz="914400">
+              <a:lnSpc>
+                <a:spcPct val="90000"/>
+              </a:lnSpc>
+              <a:spcBef>
+                <a:spcPts val="500"/>
+              </a:spcBef>
+              <a:buFont typeface="Arial" panose="020B0604020202020204" pitchFamily="34" charset="0"/>
+              <a:buNone/>
+              <a:defRPr sz="1600"/>
+            </a:lvl7pPr>
+            <a:lvl8pPr indent="0" algn="ctr" defTabSz="914400">
+              <a:lnSpc>
+                <a:spcPct val="90000"/>
+              </a:lnSpc>
+              <a:spcBef>
+                <a:spcPts val="500"/>
+              </a:spcBef>
+              <a:buFont typeface="Arial" panose="020B0604020202020204" pitchFamily="34" charset="0"/>
+              <a:buNone/>
+              <a:defRPr sz="1600"/>
+            </a:lvl8pPr>
+            <a:lvl9pPr indent="0" algn="ctr" defTabSz="914400">
+              <a:lnSpc>
+                <a:spcPct val="90000"/>
+              </a:lnSpc>
+              <a:spcBef>
+                <a:spcPts val="500"/>
+              </a:spcBef>
+              <a:buFont typeface="Arial" panose="020B0604020202020204" pitchFamily="34" charset="0"/>
+              <a:buNone/>
+              <a:defRPr sz="1600"/>
+            </a:lvl9pPr>
+          </a:lstStyle>
+          <a:p>
+            <a:r>
+              <a:rPr lang="en-US">
+                <a:hlinkClick r:id="rId2" action="ppaction://hlinkfile"/>
+              </a:rPr>
+              <a:t>Jupyter Notebook</a:t>
+            </a:r>
+            <a:endParaRPr lang="en-US" dirty="0"/>
+          </a:p>
+        </p:txBody>
+      </p:sp>
+    </p:spTree>
+    <p:extLst>
+      <p:ext uri="{BB962C8B-B14F-4D97-AF65-F5344CB8AC3E}">
+        <p14:creationId xmlns:p14="http://schemas.microsoft.com/office/powerpoint/2010/main" val="3001230176"/>
+      </p:ext>
+    </p:extLst>
+  </p:cSld>
+  <p:clrMapOvr>
+    <a:masterClrMapping/>
+  </p:clrMapOvr>
+</p:sld>
+</file>
+
+<file path=ppt/slides/slide17.xml><?xml version="1.0" encoding="utf-8"?>
+<p:sld xmlns:a="http://schemas.openxmlformats.org/drawingml/2006/main" xmlns:r="http://schemas.openxmlformats.org/officeDocument/2006/relationships" xmlns:p="http://schemas.openxmlformats.org/presentationml/2006/main">
+  <p:cSld>
+    <p:spTree>
+      <p:nvGrpSpPr>
+        <p:cNvPr id="1" name=""/>
+        <p:cNvGrpSpPr/>
+        <p:nvPr/>
+      </p:nvGrpSpPr>
+      <p:grpSpPr>
+        <a:xfrm>
+          <a:off x="0" y="0"/>
+          <a:ext cx="0" cy="0"/>
+          <a:chOff x="0" y="0"/>
+          <a:chExt cx="0" cy="0"/>
+        </a:xfrm>
+      </p:grpSpPr>
+      <p:sp useBgFill="1">
+        <p:nvSpPr>
+          <p:cNvPr id="8" name="Rectangle 7">
+            <a:extLst>
+              <a:ext uri="{FF2B5EF4-FFF2-40B4-BE49-F238E27FC236}">
+                <a16:creationId xmlns:a16="http://schemas.microsoft.com/office/drawing/2014/main" id="{87358089-2E54-4747-8D77-434291EB9A73}"/>
+              </a:ext>
+              <a:ext uri="{C183D7F6-B498-43B3-948B-1728B52AA6E4}">
+                <adec:decorative xmlns:adec="http://schemas.microsoft.com/office/drawing/2017/decorative" val="1"/>
+              </a:ext>
+            </a:extLst>
+          </p:cNvPr>
+          <p:cNvSpPr>
+            <a:spLocks noGrp="1" noRot="1" noChangeAspect="1" noMove="1" noResize="1" noEditPoints="1" noAdjustHandles="1" noChangeArrowheads="1" noChangeShapeType="1" noTextEdit="1"/>
+          </p:cNvSpPr>
+          <p:nvPr>
+            <p:extLst>
+              <p:ext uri="{386F3935-93C4-4BCD-93E2-E3B085C9AB24}">
+                <p16:designElem xmlns:p16="http://schemas.microsoft.com/office/powerpoint/2015/main" val="1"/>
+              </p:ext>
+            </p:extLst>
+          </p:nvPr>
+        </p:nvSpPr>
+        <p:spPr>
+          <a:xfrm>
+            <a:off x="0" y="0"/>
+            <a:ext cx="12192000" cy="6858000"/>
+          </a:xfrm>
+          <a:prstGeom prst="rect">
+            <a:avLst/>
+          </a:prstGeom>
+          <a:ln>
+            <a:noFill/>
+          </a:ln>
+        </p:spPr>
+        <p:style>
+          <a:lnRef idx="2">
+            <a:schemeClr val="accent1">
+              <a:shade val="50000"/>
+            </a:schemeClr>
+          </a:lnRef>
+          <a:fillRef idx="1">
+            <a:schemeClr val="accent1"/>
+          </a:fillRef>
+          <a:effectRef idx="0">
+            <a:schemeClr val="accent1"/>
+          </a:effectRef>
+          <a:fontRef idx="minor">
+            <a:schemeClr val="lt1"/>
+          </a:fontRef>
+        </p:style>
+        <p:txBody>
+          <a:bodyPr rtlCol="0" anchor="ctr"/>
+          <a:lstStyle/>
+          <a:p>
+            <a:pPr algn="ctr"/>
+            <a:endParaRPr lang="en-US"/>
+          </a:p>
+        </p:txBody>
+      </p:sp>
+      <p:sp>
+        <p:nvSpPr>
+          <p:cNvPr id="10" name="Rectangle 9">
+            <a:extLst>
+              <a:ext uri="{FF2B5EF4-FFF2-40B4-BE49-F238E27FC236}">
+                <a16:creationId xmlns:a16="http://schemas.microsoft.com/office/drawing/2014/main" id="{F0318841-B257-4D3A-A6E5-309C003E0430}"/>
+              </a:ext>
+              <a:ext uri="{C183D7F6-B498-43B3-948B-1728B52AA6E4}">
+                <adec:decorative xmlns:adec="http://schemas.microsoft.com/office/drawing/2017/decorative" val="1"/>
+              </a:ext>
+            </a:extLst>
+          </p:cNvPr>
+          <p:cNvSpPr>
+            <a:spLocks noGrp="1" noRot="1" noChangeAspect="1" noMove="1" noResize="1" noEditPoints="1" noAdjustHandles="1" noChangeArrowheads="1" noChangeShapeType="1" noTextEdit="1"/>
+          </p:cNvSpPr>
+          <p:nvPr>
+            <p:extLst>
+              <p:ext uri="{386F3935-93C4-4BCD-93E2-E3B085C9AB24}">
+                <p16:designElem xmlns:p16="http://schemas.microsoft.com/office/powerpoint/2015/main" val="1"/>
+              </p:ext>
+            </p:extLst>
+          </p:nvPr>
+        </p:nvSpPr>
+        <p:spPr>
+          <a:xfrm>
+            <a:off x="0" y="0"/>
+            <a:ext cx="4062127" cy="6858000"/>
+          </a:xfrm>
+          <a:prstGeom prst="rect">
+            <a:avLst/>
+          </a:prstGeom>
+          <a:solidFill>
+            <a:srgbClr val="262626"/>
+          </a:solidFill>
+          <a:ln>
+            <a:noFill/>
+          </a:ln>
+        </p:spPr>
+        <p:style>
+          <a:lnRef idx="2">
+            <a:schemeClr val="accent1">
+              <a:shade val="50000"/>
+            </a:schemeClr>
+          </a:lnRef>
+          <a:fillRef idx="1">
+            <a:schemeClr val="accent1"/>
+          </a:fillRef>
+          <a:effectRef idx="0">
+            <a:schemeClr val="accent1"/>
+          </a:effectRef>
+          <a:fontRef idx="minor">
+            <a:schemeClr val="lt1"/>
+          </a:fontRef>
+        </p:style>
+        <p:txBody>
+          <a:bodyPr rtlCol="0" anchor="ctr"/>
+          <a:lstStyle/>
+          <a:p>
+            <a:pPr algn="ctr"/>
+            <a:endParaRPr lang="en-US"/>
+          </a:p>
+        </p:txBody>
+      </p:sp>
+      <p:sp>
+        <p:nvSpPr>
+          <p:cNvPr id="2" name="Title 1">
+            <a:extLst>
+              <a:ext uri="{FF2B5EF4-FFF2-40B4-BE49-F238E27FC236}">
                 <a16:creationId xmlns:a16="http://schemas.microsoft.com/office/drawing/2014/main" id="{6E44B138-DC35-42F7-B36E-A669A89F8108}"/>
               </a:ext>
             </a:extLst>
@@ -7450,8 +10370,37 @@
                   <a:schemeClr val="tx1"/>
                 </a:solidFill>
               </a:rPr>
+              <a:t>Difficulties:</a:t>
+            </a:r>
+          </a:p>
+          <a:p>
+            <a:pPr lvl="1"/>
+            <a:r>
+              <a:rPr lang="en-US" sz="1600" dirty="0">
+                <a:solidFill>
+                  <a:schemeClr val="tx1"/>
+                </a:solidFill>
+              </a:rPr>
               <a:t>Twitter API</a:t>
             </a:r>
+          </a:p>
+          <a:p>
+            <a:pPr lvl="1"/>
+            <a:r>
+              <a:rPr lang="en-US" sz="1600" dirty="0">
+                <a:solidFill>
+                  <a:schemeClr val="tx1"/>
+                </a:solidFill>
+              </a:rPr>
+              <a:t>Loss of project member</a:t>
+            </a:r>
+          </a:p>
+          <a:p>
+            <a:endParaRPr lang="en-US" sz="2000" dirty="0">
+              <a:solidFill>
+                <a:schemeClr val="tx1"/>
+              </a:solidFill>
+            </a:endParaRPr>
           </a:p>
           <a:p>
             <a:r>
@@ -7460,34 +10409,29 @@
                   <a:schemeClr val="tx1"/>
                 </a:solidFill>
               </a:rPr>
-              <a:t>Lo</a:t>
-            </a:r>
-          </a:p>
-          <a:p>
-            <a:endParaRPr lang="en-US" sz="2000" dirty="0">
-              <a:solidFill>
-                <a:schemeClr val="tx1"/>
-              </a:solidFill>
-            </a:endParaRPr>
-          </a:p>
-          <a:p>
-            <a:r>
-              <a:rPr lang="en-US" sz="2000" dirty="0">
+              <a:t>If we had more time:</a:t>
+            </a:r>
+          </a:p>
+          <a:p>
+            <a:pPr lvl="1"/>
+            <a:r>
+              <a:rPr lang="en-US" sz="1600" dirty="0">
                 <a:solidFill>
                   <a:schemeClr val="tx1"/>
                 </a:solidFill>
               </a:rPr>
-              <a:t>Discuss any difficulties that arose, and how you dealt with them</a:t>
-            </a:r>
-          </a:p>
-          <a:p>
-            <a:r>
-              <a:rPr lang="en-US" sz="2000" dirty="0">
+              <a:t>Look into different sectors, or if individual stocks may correlate</a:t>
+            </a:r>
+          </a:p>
+          <a:p>
+            <a:pPr lvl="1"/>
+            <a:r>
+              <a:rPr lang="en-US" sz="1600" dirty="0">
                 <a:solidFill>
                   <a:schemeClr val="tx1"/>
                 </a:solidFill>
               </a:rPr>
-              <a:t>Discuss any additional questions that came up, but which you didn't have time to answer: What would you research next, if you had two more weeks?</a:t>
+              <a:t>Expand or contract time frame</a:t>
             </a:r>
           </a:p>
         </p:txBody>
@@ -7505,7 +10449,7 @@
 </p:sld>
 </file>
 
-<file path=ppt/slides/slide13.xml><?xml version="1.0" encoding="utf-8"?>
+<file path=ppt/slides/slide18.xml><?xml version="1.0" encoding="utf-8"?>
 <p:sld xmlns:a="http://schemas.openxmlformats.org/drawingml/2006/main" xmlns:r="http://schemas.openxmlformats.org/officeDocument/2006/relationships" xmlns:p="http://schemas.openxmlformats.org/presentationml/2006/main">
   <p:cSld>
     <p:spTree>
@@ -9992,10 +12936,10 @@
       </p:sp>
       <p:pic>
         <p:nvPicPr>
-          <p:cNvPr id="4" name="Picture 3" descr="Chart, line chart&#10;&#10;Description automatically generated">
+          <p:cNvPr id="5" name="Picture 4">
             <a:extLst>
               <a:ext uri="{FF2B5EF4-FFF2-40B4-BE49-F238E27FC236}">
-                <a16:creationId xmlns:a16="http://schemas.microsoft.com/office/drawing/2014/main" id="{71FE2AD3-85C7-4508-922F-F77D531B8C63}"/>
+                <a16:creationId xmlns:a16="http://schemas.microsoft.com/office/drawing/2014/main" id="{427D6BD6-A40C-45E8-A567-42B5294A7A51}"/>
               </a:ext>
             </a:extLst>
           </p:cNvPr>
@@ -10004,7 +12948,7 @@
           </p:cNvPicPr>
           <p:nvPr/>
         </p:nvPicPr>
-        <p:blipFill rotWithShape="1">
+        <p:blipFill>
           <a:blip r:embed="rId3">
             <a:extLst>
               <a:ext uri="{28A0092B-C50C-407E-A947-70E740481C1C}">
@@ -10012,13 +12956,14 @@
               </a:ext>
             </a:extLst>
           </a:blip>
-          <a:srcRect l="9545" t="5664" r="5454" b="2631"/>
-          <a:stretch/>
+          <a:stretch>
+            <a:fillRect/>
+          </a:stretch>
         </p:blipFill>
         <p:spPr>
           <a:xfrm>
-            <a:off x="166260" y="0"/>
-            <a:ext cx="11946698" cy="4296339"/>
+            <a:off x="121915" y="1"/>
+            <a:ext cx="5716179" cy="4287134"/>
           </a:xfrm>
           <a:prstGeom prst="rect">
             <a:avLst/>
@@ -10055,12 +13000,12 @@
           <a:chExt cx="0" cy="0"/>
         </a:xfrm>
       </p:grpSpPr>
-      <p:sp>
+      <p:sp useBgFill="1">
         <p:nvSpPr>
           <p:cNvPr id="8" name="Rectangle 7">
             <a:extLst>
               <a:ext uri="{FF2B5EF4-FFF2-40B4-BE49-F238E27FC236}">
-                <a16:creationId xmlns:a16="http://schemas.microsoft.com/office/drawing/2014/main" id="{02DC0D56-2145-4CB8-979D-ADF8E921AF72}"/>
+                <a16:creationId xmlns:a16="http://schemas.microsoft.com/office/drawing/2014/main" id="{87358089-2E54-4747-8D77-434291EB9A73}"/>
               </a:ext>
               <a:ext uri="{C183D7F6-B498-43B3-948B-1728B52AA6E4}">
                 <adec:decorative xmlns:adec="http://schemas.microsoft.com/office/drawing/2017/decorative" val="1"/>
@@ -10086,12 +13031,6 @@
           <a:prstGeom prst="rect">
             <a:avLst/>
           </a:prstGeom>
-          <a:solidFill>
-            <a:schemeClr val="bg1">
-              <a:lumMod val="85000"/>
-              <a:lumOff val="15000"/>
-            </a:schemeClr>
-          </a:solidFill>
           <a:ln>
             <a:noFill/>
           </a:ln>
@@ -10121,12 +13060,12 @@
           </a:p>
         </p:txBody>
       </p:sp>
-      <p:sp useBgFill="1">
+      <p:sp>
         <p:nvSpPr>
           <p:cNvPr id="10" name="Rectangle 9">
             <a:extLst>
               <a:ext uri="{FF2B5EF4-FFF2-40B4-BE49-F238E27FC236}">
-                <a16:creationId xmlns:a16="http://schemas.microsoft.com/office/drawing/2014/main" id="{272BB16D-1B1A-4782-92FD-2CF21910DF1C}"/>
+                <a16:creationId xmlns:a16="http://schemas.microsoft.com/office/drawing/2014/main" id="{F0318841-B257-4D3A-A6E5-309C003E0430}"/>
               </a:ext>
               <a:ext uri="{C183D7F6-B498-43B3-948B-1728B52AA6E4}">
                 <adec:decorative xmlns:adec="http://schemas.microsoft.com/office/drawing/2017/decorative" val="1"/>
@@ -10146,16 +13085,18 @@
         </p:nvSpPr>
         <p:spPr>
           <a:xfrm>
-            <a:off x="0" y="4626429"/>
-            <a:ext cx="12192000" cy="2231571"/>
+            <a:off x="0" y="0"/>
+            <a:ext cx="4062127" cy="6858000"/>
           </a:xfrm>
           <a:prstGeom prst="rect">
             <a:avLst/>
           </a:prstGeom>
+          <a:solidFill>
+            <a:srgbClr val="262626"/>
+          </a:solidFill>
           <a:ln>
             <a:noFill/>
           </a:ln>
-          <a:effectLst/>
         </p:spPr>
         <p:style>
           <a:lnRef idx="2">
@@ -10187,7 +13128,7 @@
           <p:cNvPr id="2" name="Title 1">
             <a:extLst>
               <a:ext uri="{FF2B5EF4-FFF2-40B4-BE49-F238E27FC236}">
-                <a16:creationId xmlns:a16="http://schemas.microsoft.com/office/drawing/2014/main" id="{5EEDC5F9-4247-4811-AD8A-D73A13412E4F}"/>
+                <a16:creationId xmlns:a16="http://schemas.microsoft.com/office/drawing/2014/main" id="{DF181E76-20E9-4E12-AD03-82900000BAD1}"/>
               </a:ext>
             </a:extLst>
           </p:cNvPr>
@@ -10200,280 +13141,48 @@
         </p:nvSpPr>
         <p:spPr>
           <a:xfrm>
-            <a:off x="838200" y="4963886"/>
-            <a:ext cx="10515600" cy="1141632"/>
-          </a:xfrm>
-        </p:spPr>
-        <p:txBody>
-          <a:bodyPr vert="horz" wrap="square" lIns="91440" tIns="45720" rIns="91440" bIns="45720" rtlCol="0" anchor="t">
+            <a:off x="175726" y="687025"/>
+            <a:ext cx="2855140" cy="5480504"/>
+          </a:xfrm>
+        </p:spPr>
+        <p:txBody>
+          <a:bodyPr anchor="ctr">
             <a:normAutofit/>
           </a:bodyPr>
           <a:lstStyle/>
           <a:p>
-            <a:pPr algn="r"/>
-            <a:r>
-              <a:rPr lang="en-US" sz="4400" spc="-300" dirty="0">
+            <a:r>
+              <a:rPr lang="en-US" sz="3600" dirty="0">
                 <a:solidFill>
                   <a:schemeClr val="tx1"/>
                 </a:solidFill>
-                <a:effectLst>
-                  <a:outerShdw blurRad="469900" dist="342900" dir="5400000" sy="-20000" rotWithShape="0">
-                    <a:prstClr val="black">
-                      <a:alpha val="66000"/>
-                    </a:prstClr>
-                  </a:outerShdw>
-                </a:effectLst>
+              </a:rPr>
+              <a:t>Data </a:t>
+            </a:r>
+            <a:br>
+              <a:rPr lang="en-US" sz="3600" dirty="0">
+                <a:solidFill>
+                  <a:schemeClr val="tx1"/>
+                </a:solidFill>
+              </a:rPr>
+            </a:br>
+            <a:r>
+              <a:rPr lang="en-US" sz="3600" dirty="0">
+                <a:solidFill>
+                  <a:schemeClr val="tx1"/>
+                </a:solidFill>
               </a:rPr>
               <a:t>Analysis</a:t>
             </a:r>
           </a:p>
         </p:txBody>
       </p:sp>
-      <p:sp>
-        <p:nvSpPr>
-          <p:cNvPr id="7" name="Subtitle 2">
+      <p:pic>
+        <p:nvPicPr>
+          <p:cNvPr id="9" name="Picture 8" descr="Chart&#10;&#10;Description automatically generated">
             <a:extLst>
               <a:ext uri="{FF2B5EF4-FFF2-40B4-BE49-F238E27FC236}">
-                <a16:creationId xmlns:a16="http://schemas.microsoft.com/office/drawing/2014/main" id="{B16B0C0A-F24E-4651-8509-511AD485412C}"/>
-              </a:ext>
-            </a:extLst>
-          </p:cNvPr>
-          <p:cNvSpPr txBox="1">
-            <a:spLocks/>
-          </p:cNvSpPr>
-          <p:nvPr/>
-        </p:nvSpPr>
-        <p:spPr>
-          <a:xfrm>
-            <a:off x="0" y="0"/>
-            <a:ext cx="12192000" cy="4296339"/>
-          </a:xfrm>
-          <a:prstGeom prst="rect">
-            <a:avLst/>
-          </a:prstGeom>
-          <a:solidFill>
-            <a:schemeClr val="tx1"/>
-          </a:solidFill>
-        </p:spPr>
-        <p:txBody>
-          <a:bodyPr vert="horz" lIns="91440" tIns="45720" rIns="91440" bIns="45720" rtlCol="0" anchor="b">
-            <a:normAutofit/>
-          </a:bodyPr>
-          <a:lstStyle>
-            <a:lvl1pPr indent="0" algn="r" defTabSz="914400">
-              <a:lnSpc>
-                <a:spcPct val="90000"/>
-              </a:lnSpc>
-              <a:spcBef>
-                <a:spcPts val="1000"/>
-              </a:spcBef>
-              <a:buFont typeface="Arial" panose="020B0604020202020204" pitchFamily="34" charset="0"/>
-              <a:buNone/>
-              <a:defRPr sz="3200" b="0">
-                <a:solidFill>
-                  <a:schemeClr val="tx2"/>
-                </a:solidFill>
-                <a:latin typeface="+mj-lt"/>
-              </a:defRPr>
-            </a:lvl1pPr>
-            <a:lvl2pPr indent="0" algn="ctr" defTabSz="914400">
-              <a:lnSpc>
-                <a:spcPct val="90000"/>
-              </a:lnSpc>
-              <a:spcBef>
-                <a:spcPts val="500"/>
-              </a:spcBef>
-              <a:buFont typeface="Arial" panose="020B0604020202020204" pitchFamily="34" charset="0"/>
-              <a:buNone/>
-              <a:defRPr sz="2000">
-                <a:gradFill>
-                  <a:gsLst>
-                    <a:gs pos="34000">
-                      <a:schemeClr val="tx1">
-                        <a:lumMod val="93000"/>
-                      </a:schemeClr>
-                    </a:gs>
-                    <a:gs pos="0">
-                      <a:schemeClr val="bg1">
-                        <a:lumMod val="25000"/>
-                        <a:lumOff val="75000"/>
-                      </a:schemeClr>
-                    </a:gs>
-                    <a:gs pos="100000">
-                      <a:schemeClr val="tx2">
-                        <a:lumMod val="0"/>
-                        <a:lumOff val="100000"/>
-                      </a:schemeClr>
-                    </a:gs>
-                  </a:gsLst>
-                  <a:lin ang="4800000" scaled="0"/>
-                </a:gradFill>
-              </a:defRPr>
-            </a:lvl2pPr>
-            <a:lvl3pPr indent="0" algn="ctr" defTabSz="914400">
-              <a:lnSpc>
-                <a:spcPct val="90000"/>
-              </a:lnSpc>
-              <a:spcBef>
-                <a:spcPts val="500"/>
-              </a:spcBef>
-              <a:buFont typeface="Arial" panose="020B0604020202020204" pitchFamily="34" charset="0"/>
-              <a:buNone/>
-              <a:defRPr>
-                <a:gradFill>
-                  <a:gsLst>
-                    <a:gs pos="34000">
-                      <a:schemeClr val="tx1">
-                        <a:lumMod val="93000"/>
-                      </a:schemeClr>
-                    </a:gs>
-                    <a:gs pos="0">
-                      <a:schemeClr val="bg1">
-                        <a:lumMod val="25000"/>
-                        <a:lumOff val="75000"/>
-                      </a:schemeClr>
-                    </a:gs>
-                    <a:gs pos="100000">
-                      <a:schemeClr val="tx2">
-                        <a:lumMod val="0"/>
-                        <a:lumOff val="100000"/>
-                      </a:schemeClr>
-                    </a:gs>
-                  </a:gsLst>
-                  <a:lin ang="4800000" scaled="0"/>
-                </a:gradFill>
-              </a:defRPr>
-            </a:lvl3pPr>
-            <a:lvl4pPr indent="0" algn="ctr" defTabSz="914400">
-              <a:lnSpc>
-                <a:spcPct val="90000"/>
-              </a:lnSpc>
-              <a:spcBef>
-                <a:spcPts val="500"/>
-              </a:spcBef>
-              <a:buFont typeface="Arial" panose="020B0604020202020204" pitchFamily="34" charset="0"/>
-              <a:buNone/>
-              <a:defRPr sz="1600">
-                <a:gradFill>
-                  <a:gsLst>
-                    <a:gs pos="34000">
-                      <a:schemeClr val="tx1">
-                        <a:lumMod val="93000"/>
-                      </a:schemeClr>
-                    </a:gs>
-                    <a:gs pos="0">
-                      <a:schemeClr val="bg1">
-                        <a:lumMod val="25000"/>
-                        <a:lumOff val="75000"/>
-                      </a:schemeClr>
-                    </a:gs>
-                    <a:gs pos="100000">
-                      <a:schemeClr val="tx2">
-                        <a:lumMod val="0"/>
-                        <a:lumOff val="100000"/>
-                      </a:schemeClr>
-                    </a:gs>
-                  </a:gsLst>
-                  <a:lin ang="4800000" scaled="0"/>
-                </a:gradFill>
-              </a:defRPr>
-            </a:lvl4pPr>
-            <a:lvl5pPr indent="0" algn="ctr" defTabSz="914400">
-              <a:lnSpc>
-                <a:spcPct val="90000"/>
-              </a:lnSpc>
-              <a:spcBef>
-                <a:spcPts val="500"/>
-              </a:spcBef>
-              <a:buFont typeface="Arial" panose="020B0604020202020204" pitchFamily="34" charset="0"/>
-              <a:buNone/>
-              <a:defRPr sz="1600">
-                <a:gradFill>
-                  <a:gsLst>
-                    <a:gs pos="34000">
-                      <a:schemeClr val="tx1">
-                        <a:lumMod val="93000"/>
-                      </a:schemeClr>
-                    </a:gs>
-                    <a:gs pos="0">
-                      <a:schemeClr val="bg1">
-                        <a:lumMod val="25000"/>
-                        <a:lumOff val="75000"/>
-                      </a:schemeClr>
-                    </a:gs>
-                    <a:gs pos="100000">
-                      <a:schemeClr val="tx2">
-                        <a:lumMod val="0"/>
-                        <a:lumOff val="100000"/>
-                      </a:schemeClr>
-                    </a:gs>
-                  </a:gsLst>
-                  <a:lin ang="4800000" scaled="0"/>
-                </a:gradFill>
-              </a:defRPr>
-            </a:lvl5pPr>
-            <a:lvl6pPr indent="0" algn="ctr" defTabSz="914400">
-              <a:lnSpc>
-                <a:spcPct val="90000"/>
-              </a:lnSpc>
-              <a:spcBef>
-                <a:spcPts val="500"/>
-              </a:spcBef>
-              <a:buFont typeface="Arial" panose="020B0604020202020204" pitchFamily="34" charset="0"/>
-              <a:buNone/>
-              <a:defRPr sz="1600"/>
-            </a:lvl6pPr>
-            <a:lvl7pPr indent="0" algn="ctr" defTabSz="914400">
-              <a:lnSpc>
-                <a:spcPct val="90000"/>
-              </a:lnSpc>
-              <a:spcBef>
-                <a:spcPts val="500"/>
-              </a:spcBef>
-              <a:buFont typeface="Arial" panose="020B0604020202020204" pitchFamily="34" charset="0"/>
-              <a:buNone/>
-              <a:defRPr sz="1600"/>
-            </a:lvl7pPr>
-            <a:lvl8pPr indent="0" algn="ctr" defTabSz="914400">
-              <a:lnSpc>
-                <a:spcPct val="90000"/>
-              </a:lnSpc>
-              <a:spcBef>
-                <a:spcPts val="500"/>
-              </a:spcBef>
-              <a:buFont typeface="Arial" panose="020B0604020202020204" pitchFamily="34" charset="0"/>
-              <a:buNone/>
-              <a:defRPr sz="1600"/>
-            </a:lvl8pPr>
-            <a:lvl9pPr indent="0" algn="ctr" defTabSz="914400">
-              <a:lnSpc>
-                <a:spcPct val="90000"/>
-              </a:lnSpc>
-              <a:spcBef>
-                <a:spcPts val="500"/>
-              </a:spcBef>
-              <a:buFont typeface="Arial" panose="020B0604020202020204" pitchFamily="34" charset="0"/>
-              <a:buNone/>
-              <a:defRPr sz="1600"/>
-            </a:lvl9pPr>
-          </a:lstStyle>
-          <a:p>
-            <a:r>
-              <a:rPr lang="en-US">
-                <a:hlinkClick r:id="rId2" action="ppaction://hlinkfile"/>
-              </a:rPr>
-              <a:t>Jupyter Notebook</a:t>
-            </a:r>
-            <a:endParaRPr lang="en-US" dirty="0"/>
-          </a:p>
-        </p:txBody>
-      </p:sp>
-      <p:pic>
-        <p:nvPicPr>
-          <p:cNvPr id="5" name="Picture 4" descr="Chart, line chart, histogram&#10;&#10;Description automatically generated">
-            <a:extLst>
-              <a:ext uri="{FF2B5EF4-FFF2-40B4-BE49-F238E27FC236}">
-                <a16:creationId xmlns:a16="http://schemas.microsoft.com/office/drawing/2014/main" id="{365AF8FF-DBD6-43AD-9FD0-D786D7A20302}"/>
+                <a16:creationId xmlns:a16="http://schemas.microsoft.com/office/drawing/2014/main" id="{EE7846F7-B51E-4A5C-9D89-C72803F352BE}"/>
               </a:ext>
             </a:extLst>
           </p:cNvPr>
@@ -10483,6 +13192,41 @@
           <p:nvPr/>
         </p:nvPicPr>
         <p:blipFill rotWithShape="1">
+          <a:blip r:embed="rId2">
+            <a:extLst>
+              <a:ext uri="{28A0092B-C50C-407E-A947-70E740481C1C}">
+                <a14:useLocalDpi xmlns:a14="http://schemas.microsoft.com/office/drawing/2010/main" val="0"/>
+              </a:ext>
+            </a:extLst>
+          </a:blip>
+          <a:srcRect l="7609" t="10043" r="9346" b="8091"/>
+          <a:stretch/>
+        </p:blipFill>
+        <p:spPr>
+          <a:xfrm>
+            <a:off x="4062127" y="156088"/>
+            <a:ext cx="8129873" cy="6701912"/>
+          </a:xfrm>
+          <a:prstGeom prst="rect">
+            <a:avLst/>
+          </a:prstGeom>
+        </p:spPr>
+      </p:pic>
+      <p:pic>
+        <p:nvPicPr>
+          <p:cNvPr id="7" name="Picture 6" descr="Chart, scatter chart&#10;&#10;Description automatically generated">
+            <a:extLst>
+              <a:ext uri="{FF2B5EF4-FFF2-40B4-BE49-F238E27FC236}">
+                <a16:creationId xmlns:a16="http://schemas.microsoft.com/office/drawing/2014/main" id="{32B4FA64-F3C3-4F1E-8A8E-1F4C6D081A47}"/>
+              </a:ext>
+            </a:extLst>
+          </p:cNvPr>
+          <p:cNvPicPr>
+            <a:picLocks noChangeAspect="1"/>
+          </p:cNvPicPr>
+          <p:nvPr/>
+        </p:nvPicPr>
+        <p:blipFill>
           <a:blip r:embed="rId3">
             <a:extLst>
               <a:ext uri="{28A0092B-C50C-407E-A947-70E740481C1C}">
@@ -10490,23 +13234,369 @@
               </a:ext>
             </a:extLst>
           </a:blip>
-          <a:srcRect l="7841" t="5853" r="5512" b="3466"/>
-          <a:stretch/>
+          <a:stretch>
+            <a:fillRect/>
+          </a:stretch>
         </p:blipFill>
         <p:spPr>
           <a:xfrm>
-            <a:off x="0" y="0"/>
-            <a:ext cx="12072170" cy="4211404"/>
+            <a:off x="2347627" y="-8878"/>
+            <a:ext cx="1714500" cy="1143000"/>
           </a:xfrm>
           <a:prstGeom prst="rect">
             <a:avLst/>
           </a:prstGeom>
         </p:spPr>
       </p:pic>
+      <p:pic>
+        <p:nvPicPr>
+          <p:cNvPr id="12" name="Picture 11" descr="Chart, scatter chart&#10;&#10;Description automatically generated">
+            <a:extLst>
+              <a:ext uri="{FF2B5EF4-FFF2-40B4-BE49-F238E27FC236}">
+                <a16:creationId xmlns:a16="http://schemas.microsoft.com/office/drawing/2014/main" id="{E1F099EB-A190-4FA1-9BAB-6984E043275C}"/>
+              </a:ext>
+            </a:extLst>
+          </p:cNvPr>
+          <p:cNvPicPr>
+            <a:picLocks noChangeAspect="1"/>
+          </p:cNvPicPr>
+          <p:nvPr/>
+        </p:nvPicPr>
+        <p:blipFill>
+          <a:blip r:embed="rId4">
+            <a:extLst>
+              <a:ext uri="{28A0092B-C50C-407E-A947-70E740481C1C}">
+                <a14:useLocalDpi xmlns:a14="http://schemas.microsoft.com/office/drawing/2010/main" val="0"/>
+              </a:ext>
+            </a:extLst>
+          </a:blip>
+          <a:stretch>
+            <a:fillRect/>
+          </a:stretch>
+        </p:blipFill>
+        <p:spPr>
+          <a:xfrm>
+            <a:off x="2347627" y="3391765"/>
+            <a:ext cx="1714500" cy="1143000"/>
+          </a:xfrm>
+          <a:prstGeom prst="rect">
+            <a:avLst/>
+          </a:prstGeom>
+        </p:spPr>
+      </p:pic>
+      <p:pic>
+        <p:nvPicPr>
+          <p:cNvPr id="14" name="Picture 13" descr="Chart, scatter chart&#10;&#10;Description automatically generated">
+            <a:extLst>
+              <a:ext uri="{FF2B5EF4-FFF2-40B4-BE49-F238E27FC236}">
+                <a16:creationId xmlns:a16="http://schemas.microsoft.com/office/drawing/2014/main" id="{16947C29-7EA0-4570-9B6B-215E4A2630CE}"/>
+              </a:ext>
+            </a:extLst>
+          </p:cNvPr>
+          <p:cNvPicPr>
+            <a:picLocks noChangeAspect="1"/>
+          </p:cNvPicPr>
+          <p:nvPr/>
+        </p:nvPicPr>
+        <p:blipFill>
+          <a:blip r:embed="rId5">
+            <a:extLst>
+              <a:ext uri="{28A0092B-C50C-407E-A947-70E740481C1C}">
+                <a14:useLocalDpi xmlns:a14="http://schemas.microsoft.com/office/drawing/2010/main" val="0"/>
+              </a:ext>
+            </a:extLst>
+          </a:blip>
+          <a:stretch>
+            <a:fillRect/>
+          </a:stretch>
+        </p:blipFill>
+        <p:spPr>
+          <a:xfrm>
+            <a:off x="2347627" y="1118096"/>
+            <a:ext cx="1714500" cy="1143000"/>
+          </a:xfrm>
+          <a:prstGeom prst="rect">
+            <a:avLst/>
+          </a:prstGeom>
+        </p:spPr>
+      </p:pic>
+      <p:pic>
+        <p:nvPicPr>
+          <p:cNvPr id="16" name="Picture 15" descr="Chart, scatter chart&#10;&#10;Description automatically generated">
+            <a:extLst>
+              <a:ext uri="{FF2B5EF4-FFF2-40B4-BE49-F238E27FC236}">
+                <a16:creationId xmlns:a16="http://schemas.microsoft.com/office/drawing/2014/main" id="{F0A77751-3546-4B60-87C9-D4CBB35F49C6}"/>
+              </a:ext>
+            </a:extLst>
+          </p:cNvPr>
+          <p:cNvPicPr>
+            <a:picLocks noChangeAspect="1"/>
+          </p:cNvPicPr>
+          <p:nvPr/>
+        </p:nvPicPr>
+        <p:blipFill>
+          <a:blip r:embed="rId6">
+            <a:extLst>
+              <a:ext uri="{28A0092B-C50C-407E-A947-70E740481C1C}">
+                <a14:useLocalDpi xmlns:a14="http://schemas.microsoft.com/office/drawing/2010/main" val="0"/>
+              </a:ext>
+            </a:extLst>
+          </a:blip>
+          <a:stretch>
+            <a:fillRect/>
+          </a:stretch>
+        </p:blipFill>
+        <p:spPr>
+          <a:xfrm>
+            <a:off x="2347627" y="2258078"/>
+            <a:ext cx="1714500" cy="1143000"/>
+          </a:xfrm>
+          <a:prstGeom prst="rect">
+            <a:avLst/>
+          </a:prstGeom>
+        </p:spPr>
+      </p:pic>
+      <p:pic>
+        <p:nvPicPr>
+          <p:cNvPr id="18" name="Picture 17" descr="Chart, scatter chart&#10;&#10;Description automatically generated">
+            <a:extLst>
+              <a:ext uri="{FF2B5EF4-FFF2-40B4-BE49-F238E27FC236}">
+                <a16:creationId xmlns:a16="http://schemas.microsoft.com/office/drawing/2014/main" id="{AFB65CD6-FEE9-409D-ABB5-A50FD42F29BB}"/>
+              </a:ext>
+            </a:extLst>
+          </p:cNvPr>
+          <p:cNvPicPr>
+            <a:picLocks noChangeAspect="1"/>
+          </p:cNvPicPr>
+          <p:nvPr/>
+        </p:nvPicPr>
+        <p:blipFill>
+          <a:blip r:embed="rId7">
+            <a:extLst>
+              <a:ext uri="{28A0092B-C50C-407E-A947-70E740481C1C}">
+                <a14:useLocalDpi xmlns:a14="http://schemas.microsoft.com/office/drawing/2010/main" val="0"/>
+              </a:ext>
+            </a:extLst>
+          </a:blip>
+          <a:stretch>
+            <a:fillRect/>
+          </a:stretch>
+        </p:blipFill>
+        <p:spPr>
+          <a:xfrm>
+            <a:off x="2347627" y="4523323"/>
+            <a:ext cx="1714500" cy="1143000"/>
+          </a:xfrm>
+          <a:prstGeom prst="rect">
+            <a:avLst/>
+          </a:prstGeom>
+        </p:spPr>
+      </p:pic>
+      <p:pic>
+        <p:nvPicPr>
+          <p:cNvPr id="20" name="Picture 19" descr="Chart, scatter chart&#10;&#10;Description automatically generated">
+            <a:extLst>
+              <a:ext uri="{FF2B5EF4-FFF2-40B4-BE49-F238E27FC236}">
+                <a16:creationId xmlns:a16="http://schemas.microsoft.com/office/drawing/2014/main" id="{ADFB386E-55EE-496D-B488-A5411563513A}"/>
+              </a:ext>
+            </a:extLst>
+          </p:cNvPr>
+          <p:cNvPicPr>
+            <a:picLocks noChangeAspect="1"/>
+          </p:cNvPicPr>
+          <p:nvPr/>
+        </p:nvPicPr>
+        <p:blipFill>
+          <a:blip r:embed="rId8">
+            <a:extLst>
+              <a:ext uri="{28A0092B-C50C-407E-A947-70E740481C1C}">
+                <a14:useLocalDpi xmlns:a14="http://schemas.microsoft.com/office/drawing/2010/main" val="0"/>
+              </a:ext>
+            </a:extLst>
+          </a:blip>
+          <a:stretch>
+            <a:fillRect/>
+          </a:stretch>
+        </p:blipFill>
+        <p:spPr>
+          <a:xfrm>
+            <a:off x="2347627" y="5654113"/>
+            <a:ext cx="1714500" cy="1143000"/>
+          </a:xfrm>
+          <a:prstGeom prst="rect">
+            <a:avLst/>
+          </a:prstGeom>
+        </p:spPr>
+      </p:pic>
+      <p:sp>
+        <p:nvSpPr>
+          <p:cNvPr id="21" name="Title 1">
+            <a:extLst>
+              <a:ext uri="{FF2B5EF4-FFF2-40B4-BE49-F238E27FC236}">
+                <a16:creationId xmlns:a16="http://schemas.microsoft.com/office/drawing/2014/main" id="{C820E0EC-1C60-4004-8379-8C9A54A2ED00}"/>
+              </a:ext>
+            </a:extLst>
+          </p:cNvPr>
+          <p:cNvSpPr txBox="1">
+            <a:spLocks/>
+          </p:cNvSpPr>
+          <p:nvPr/>
+        </p:nvSpPr>
+        <p:spPr>
+          <a:xfrm>
+            <a:off x="3932808" y="-12694"/>
+            <a:ext cx="8259192" cy="323411"/>
+          </a:xfrm>
+          <a:prstGeom prst="rect">
+            <a:avLst/>
+          </a:prstGeom>
+          <a:solidFill>
+            <a:schemeClr val="tx1"/>
+          </a:solidFill>
+        </p:spPr>
+        <p:txBody>
+          <a:bodyPr vert="horz" lIns="91440" tIns="45720" rIns="91440" bIns="45720" rtlCol="0" anchor="ctr">
+            <a:normAutofit fontScale="92500" lnSpcReduction="10000"/>
+          </a:bodyPr>
+          <a:lstStyle>
+            <a:lvl1pPr algn="l" defTabSz="914400" rtl="0" eaLnBrk="1" latinLnBrk="0" hangingPunct="1">
+              <a:lnSpc>
+                <a:spcPct val="90000"/>
+              </a:lnSpc>
+              <a:spcBef>
+                <a:spcPct val="0"/>
+              </a:spcBef>
+              <a:buNone/>
+              <a:defRPr sz="5400" b="0" kern="1200">
+                <a:gradFill flip="none" rotWithShape="1">
+                  <a:gsLst>
+                    <a:gs pos="28000">
+                      <a:schemeClr val="tx1">
+                        <a:lumMod val="93000"/>
+                      </a:schemeClr>
+                    </a:gs>
+                    <a:gs pos="0">
+                      <a:schemeClr val="bg1">
+                        <a:lumMod val="25000"/>
+                        <a:lumOff val="75000"/>
+                      </a:schemeClr>
+                    </a:gs>
+                    <a:gs pos="100000">
+                      <a:schemeClr val="tx2">
+                        <a:lumMod val="0"/>
+                        <a:lumOff val="100000"/>
+                      </a:schemeClr>
+                    </a:gs>
+                  </a:gsLst>
+                  <a:lin ang="4800000" scaled="0"/>
+                  <a:tileRect/>
+                </a:gradFill>
+                <a:latin typeface="+mj-lt"/>
+                <a:ea typeface="+mj-ea"/>
+                <a:cs typeface="+mj-cs"/>
+              </a:defRPr>
+            </a:lvl1pPr>
+          </a:lstStyle>
+          <a:p>
+            <a:pPr algn="ctr"/>
+            <a:r>
+              <a:rPr lang="en-US" sz="1800" b="1" dirty="0">
+                <a:solidFill>
+                  <a:schemeClr val="bg1"/>
+                </a:solidFill>
+              </a:rPr>
+              <a:t>Comments over Time</a:t>
+            </a:r>
+            <a:endParaRPr lang="en-US" sz="1800" b="1" dirty="0">
+              <a:solidFill>
+                <a:schemeClr val="tx1"/>
+              </a:solidFill>
+            </a:endParaRPr>
+          </a:p>
+        </p:txBody>
+      </p:sp>
+      <p:sp>
+        <p:nvSpPr>
+          <p:cNvPr id="22" name="Title 1">
+            <a:extLst>
+              <a:ext uri="{FF2B5EF4-FFF2-40B4-BE49-F238E27FC236}">
+                <a16:creationId xmlns:a16="http://schemas.microsoft.com/office/drawing/2014/main" id="{1FB4EFC5-3163-4FD2-8535-51BF276B6648}"/>
+              </a:ext>
+            </a:extLst>
+          </p:cNvPr>
+          <p:cNvSpPr txBox="1">
+            <a:spLocks/>
+          </p:cNvSpPr>
+          <p:nvPr/>
+        </p:nvSpPr>
+        <p:spPr>
+          <a:xfrm>
+            <a:off x="2347627" y="6794418"/>
+            <a:ext cx="3370771" cy="205808"/>
+          </a:xfrm>
+          <a:prstGeom prst="rect">
+            <a:avLst/>
+          </a:prstGeom>
+          <a:solidFill>
+            <a:schemeClr val="tx1"/>
+          </a:solidFill>
+        </p:spPr>
+        <p:txBody>
+          <a:bodyPr vert="horz" lIns="91440" tIns="45720" rIns="91440" bIns="45720" rtlCol="0" anchor="ctr">
+            <a:normAutofit fontScale="25000" lnSpcReduction="20000"/>
+          </a:bodyPr>
+          <a:lstStyle>
+            <a:lvl1pPr algn="l" defTabSz="914400" rtl="0" eaLnBrk="1" latinLnBrk="0" hangingPunct="1">
+              <a:lnSpc>
+                <a:spcPct val="90000"/>
+              </a:lnSpc>
+              <a:spcBef>
+                <a:spcPct val="0"/>
+              </a:spcBef>
+              <a:buNone/>
+              <a:defRPr sz="5400" b="0" kern="1200">
+                <a:gradFill flip="none" rotWithShape="1">
+                  <a:gsLst>
+                    <a:gs pos="28000">
+                      <a:schemeClr val="tx1">
+                        <a:lumMod val="93000"/>
+                      </a:schemeClr>
+                    </a:gs>
+                    <a:gs pos="0">
+                      <a:schemeClr val="bg1">
+                        <a:lumMod val="25000"/>
+                        <a:lumOff val="75000"/>
+                      </a:schemeClr>
+                    </a:gs>
+                    <a:gs pos="100000">
+                      <a:schemeClr val="tx2">
+                        <a:lumMod val="0"/>
+                        <a:lumOff val="100000"/>
+                      </a:schemeClr>
+                    </a:gs>
+                  </a:gsLst>
+                  <a:lin ang="4800000" scaled="0"/>
+                  <a:tileRect/>
+                </a:gradFill>
+                <a:latin typeface="+mj-lt"/>
+                <a:ea typeface="+mj-ea"/>
+                <a:cs typeface="+mj-cs"/>
+              </a:defRPr>
+            </a:lvl1pPr>
+          </a:lstStyle>
+          <a:p>
+            <a:endParaRPr lang="en-US" sz="3600" dirty="0">
+              <a:solidFill>
+                <a:schemeClr val="tx1"/>
+              </a:solidFill>
+            </a:endParaRPr>
+          </a:p>
+        </p:txBody>
+      </p:sp>
     </p:spTree>
     <p:extLst>
       <p:ext uri="{BB962C8B-B14F-4D97-AF65-F5344CB8AC3E}">
-        <p14:creationId xmlns:p14="http://schemas.microsoft.com/office/powerpoint/2010/main" val="1493169206"/>
+        <p14:creationId xmlns:p14="http://schemas.microsoft.com/office/powerpoint/2010/main" val="4163471174"/>
       </p:ext>
     </p:extLst>
   </p:cSld>

--- a/Presentation/1_cryptocurrency_presentation.pptx
+++ b/Presentation/1_cryptocurrency_presentation.pptx
@@ -5,27 +5,26 @@
     <p:sldMasterId id="2147483999" r:id="rId1"/>
   </p:sldMasterIdLst>
   <p:notesMasterIdLst>
-    <p:notesMasterId r:id="rId20"/>
+    <p:notesMasterId r:id="rId19"/>
   </p:notesMasterIdLst>
   <p:sldIdLst>
     <p:sldId id="256" r:id="rId2"/>
     <p:sldId id="257" r:id="rId3"/>
     <p:sldId id="258" r:id="rId4"/>
-    <p:sldId id="266" r:id="rId5"/>
-    <p:sldId id="259" r:id="rId6"/>
-    <p:sldId id="264" r:id="rId7"/>
-    <p:sldId id="260" r:id="rId8"/>
-    <p:sldId id="265" r:id="rId9"/>
-    <p:sldId id="273" r:id="rId10"/>
+    <p:sldId id="259" r:id="rId5"/>
+    <p:sldId id="264" r:id="rId6"/>
+    <p:sldId id="273" r:id="rId7"/>
+    <p:sldId id="266" r:id="rId8"/>
+    <p:sldId id="260" r:id="rId9"/>
+    <p:sldId id="265" r:id="rId10"/>
     <p:sldId id="272" r:id="rId11"/>
-    <p:sldId id="268" r:id="rId12"/>
+    <p:sldId id="274" r:id="rId12"/>
     <p:sldId id="270" r:id="rId13"/>
     <p:sldId id="269" r:id="rId14"/>
     <p:sldId id="261" r:id="rId15"/>
     <p:sldId id="271" r:id="rId16"/>
-    <p:sldId id="267" r:id="rId17"/>
-    <p:sldId id="262" r:id="rId18"/>
-    <p:sldId id="263" r:id="rId19"/>
+    <p:sldId id="262" r:id="rId17"/>
+    <p:sldId id="263" r:id="rId18"/>
   </p:sldIdLst>
   <p:sldSz cx="12192000" cy="6858000"/>
   <p:notesSz cx="6858000" cy="9144000"/>
@@ -729,6 +728,153 @@
           <a:bodyPr/>
           <a:lstStyle/>
           <a:p>
+            <a:pPr marL="0" marR="0" lvl="0" indent="0" algn="r" defTabSz="457200" rtl="0" eaLnBrk="1" fontAlgn="auto" latinLnBrk="0" hangingPunct="1">
+              <a:lnSpc>
+                <a:spcPct val="100000"/>
+              </a:lnSpc>
+              <a:spcBef>
+                <a:spcPts val="0"/>
+              </a:spcBef>
+              <a:spcAft>
+                <a:spcPts val="0"/>
+              </a:spcAft>
+              <a:buClrTx/>
+              <a:buSzTx/>
+              <a:buFontTx/>
+              <a:buNone/>
+              <a:tabLst/>
+              <a:defRPr/>
+            </a:pPr>
+            <a:fld id="{DDAEAA62-72D5-4C83-9561-04F544EB0C2D}" type="slidenum">
+              <a:rPr kumimoji="0" lang="en-US" sz="1200" b="0" i="0" u="none" strike="noStrike" kern="1200" cap="none" spc="0" normalizeH="0" baseline="0" noProof="0" smtClean="0">
+                <a:ln>
+                  <a:noFill/>
+                </a:ln>
+                <a:solidFill>
+                  <a:prstClr val="black"/>
+                </a:solidFill>
+                <a:effectLst/>
+                <a:uLnTx/>
+                <a:uFillTx/>
+                <a:latin typeface="Calibri" panose="020F0502020204030204"/>
+                <a:ea typeface="+mn-ea"/>
+                <a:cs typeface="+mn-cs"/>
+              </a:rPr>
+              <a:pPr marL="0" marR="0" lvl="0" indent="0" algn="r" defTabSz="457200" rtl="0" eaLnBrk="1" fontAlgn="auto" latinLnBrk="0" hangingPunct="1">
+                <a:lnSpc>
+                  <a:spcPct val="100000"/>
+                </a:lnSpc>
+                <a:spcBef>
+                  <a:spcPts val="0"/>
+                </a:spcBef>
+                <a:spcAft>
+                  <a:spcPts val="0"/>
+                </a:spcAft>
+                <a:buClrTx/>
+                <a:buSzTx/>
+                <a:buFontTx/>
+                <a:buNone/>
+                <a:tabLst/>
+                <a:defRPr/>
+              </a:pPr>
+              <a:t>11</a:t>
+            </a:fld>
+            <a:endParaRPr kumimoji="0" lang="en-US" sz="1200" b="0" i="0" u="none" strike="noStrike" kern="1200" cap="none" spc="0" normalizeH="0" baseline="0" noProof="0">
+              <a:ln>
+                <a:noFill/>
+              </a:ln>
+              <a:solidFill>
+                <a:prstClr val="black"/>
+              </a:solidFill>
+              <a:effectLst/>
+              <a:uLnTx/>
+              <a:uFillTx/>
+              <a:latin typeface="Calibri" panose="020F0502020204030204"/>
+              <a:ea typeface="+mn-ea"/>
+              <a:cs typeface="+mn-cs"/>
+            </a:endParaRPr>
+          </a:p>
+        </p:txBody>
+      </p:sp>
+    </p:spTree>
+    <p:extLst>
+      <p:ext uri="{BB962C8B-B14F-4D97-AF65-F5344CB8AC3E}">
+        <p14:creationId xmlns:p14="http://schemas.microsoft.com/office/powerpoint/2010/main" val="1688593396"/>
+      </p:ext>
+    </p:extLst>
+  </p:cSld>
+  <p:clrMapOvr>
+    <a:masterClrMapping/>
+  </p:clrMapOvr>
+</p:notes>
+</file>
+
+<file path=ppt/notesSlides/notesSlide4.xml><?xml version="1.0" encoding="utf-8"?>
+<p:notes xmlns:a="http://schemas.openxmlformats.org/drawingml/2006/main" xmlns:r="http://schemas.openxmlformats.org/officeDocument/2006/relationships" xmlns:p="http://schemas.openxmlformats.org/presentationml/2006/main">
+  <p:cSld>
+    <p:spTree>
+      <p:nvGrpSpPr>
+        <p:cNvPr id="1" name=""/>
+        <p:cNvGrpSpPr/>
+        <p:nvPr/>
+      </p:nvGrpSpPr>
+      <p:grpSpPr>
+        <a:xfrm>
+          <a:off x="0" y="0"/>
+          <a:ext cx="0" cy="0"/>
+          <a:chOff x="0" y="0"/>
+          <a:chExt cx="0" cy="0"/>
+        </a:xfrm>
+      </p:grpSpPr>
+      <p:sp>
+        <p:nvSpPr>
+          <p:cNvPr id="2" name="Slide Image Placeholder 1"/>
+          <p:cNvSpPr>
+            <a:spLocks noGrp="1" noRot="1" noChangeAspect="1"/>
+          </p:cNvSpPr>
+          <p:nvPr>
+            <p:ph type="sldImg"/>
+          </p:nvPr>
+        </p:nvSpPr>
+        <p:spPr/>
+      </p:sp>
+      <p:sp>
+        <p:nvSpPr>
+          <p:cNvPr id="3" name="Notes Placeholder 2"/>
+          <p:cNvSpPr>
+            <a:spLocks noGrp="1"/>
+          </p:cNvSpPr>
+          <p:nvPr>
+            <p:ph type="body" idx="1"/>
+          </p:nvPr>
+        </p:nvSpPr>
+        <p:spPr/>
+        <p:txBody>
+          <a:bodyPr/>
+          <a:lstStyle/>
+          <a:p>
+            <a:r>
+              <a:rPr lang="en-US" dirty="0"/>
+              <a:t>Strongest correlation between Dow Price and comment count</a:t>
+            </a:r>
+          </a:p>
+        </p:txBody>
+      </p:sp>
+      <p:sp>
+        <p:nvSpPr>
+          <p:cNvPr id="4" name="Slide Number Placeholder 3"/>
+          <p:cNvSpPr>
+            <a:spLocks noGrp="1"/>
+          </p:cNvSpPr>
+          <p:nvPr>
+            <p:ph type="sldNum" sz="quarter" idx="5"/>
+          </p:nvPr>
+        </p:nvSpPr>
+        <p:spPr/>
+        <p:txBody>
+          <a:bodyPr/>
+          <a:lstStyle/>
+          <a:p>
             <a:fld id="{DDAEAA62-72D5-4C83-9561-04F544EB0C2D}" type="slidenum">
               <a:rPr lang="en-US" smtClean="0"/>
               <a:t>12</a:t>
@@ -750,7 +896,7 @@
 </p:notes>
 </file>
 
-<file path=ppt/notesSlides/notesSlide4.xml><?xml version="1.0" encoding="utf-8"?>
+<file path=ppt/notesSlides/notesSlide5.xml><?xml version="1.0" encoding="utf-8"?>
 <p:notes xmlns:a="http://schemas.openxmlformats.org/drawingml/2006/main" xmlns:r="http://schemas.openxmlformats.org/officeDocument/2006/relationships" xmlns:p="http://schemas.openxmlformats.org/presentationml/2006/main">
   <p:cSld>
     <p:spTree>
@@ -7448,8 +7594,37 @@
           <a:bodyPr rtlCol="0" anchor="ctr"/>
           <a:lstStyle/>
           <a:p>
-            <a:pPr algn="ctr"/>
-            <a:endParaRPr lang="en-US"/>
+            <a:pPr marL="0" marR="0" lvl="0" indent="0" algn="ctr" defTabSz="457200" rtl="0" eaLnBrk="1" fontAlgn="auto" latinLnBrk="0" hangingPunct="1">
+              <a:lnSpc>
+                <a:spcPct val="100000"/>
+              </a:lnSpc>
+              <a:spcBef>
+                <a:spcPts val="0"/>
+              </a:spcBef>
+              <a:spcAft>
+                <a:spcPts val="0"/>
+              </a:spcAft>
+              <a:buClrTx/>
+              <a:buSzTx/>
+              <a:buFontTx/>
+              <a:buNone/>
+              <a:tabLst/>
+              <a:defRPr/>
+            </a:pPr>
+            <a:endParaRPr kumimoji="0" lang="en-US" sz="1800" b="0" i="0" u="none" strike="noStrike" kern="1200" cap="none" spc="0" normalizeH="0" baseline="0" noProof="0">
+              <a:ln>
+                <a:noFill/>
+              </a:ln>
+              <a:solidFill>
+                <a:prstClr val="white"/>
+              </a:solidFill>
+              <a:effectLst/>
+              <a:uLnTx/>
+              <a:uFillTx/>
+              <a:latin typeface="Corbel" panose="020B0503020204020204"/>
+              <a:ea typeface="+mn-ea"/>
+              <a:cs typeface="+mn-cs"/>
+            </a:endParaRPr>
           </a:p>
         </p:txBody>
       </p:sp>
@@ -7509,51 +7684,36 @@
           <a:bodyPr rtlCol="0" anchor="ctr"/>
           <a:lstStyle/>
           <a:p>
-            <a:pPr algn="ctr"/>
-            <a:endParaRPr lang="en-US"/>
-          </a:p>
-        </p:txBody>
-      </p:sp>
-      <p:sp>
-        <p:nvSpPr>
-          <p:cNvPr id="2" name="Title 1">
-            <a:extLst>
-              <a:ext uri="{FF2B5EF4-FFF2-40B4-BE49-F238E27FC236}">
-                <a16:creationId xmlns:a16="http://schemas.microsoft.com/office/drawing/2014/main" id="{5EEDC5F9-4247-4811-AD8A-D73A13412E4F}"/>
-              </a:ext>
-            </a:extLst>
-          </p:cNvPr>
-          <p:cNvSpPr>
-            <a:spLocks noGrp="1"/>
-          </p:cNvSpPr>
-          <p:nvPr>
-            <p:ph type="title"/>
-          </p:nvPr>
-        </p:nvSpPr>
-        <p:spPr>
-          <a:xfrm>
-            <a:off x="838200" y="6151002"/>
-            <a:ext cx="10515600" cy="1141632"/>
-          </a:xfrm>
-        </p:spPr>
-        <p:txBody>
-          <a:bodyPr vert="horz" wrap="square" lIns="91440" tIns="45720" rIns="91440" bIns="45720" rtlCol="0" anchor="t">
-            <a:normAutofit/>
-          </a:bodyPr>
-          <a:lstStyle/>
-          <a:p>
-            <a:pPr algn="r"/>
-            <a:endParaRPr lang="en-US" sz="4400" spc="-300" dirty="0">
+            <a:pPr marL="0" marR="0" lvl="0" indent="0" algn="ctr" defTabSz="457200" rtl="0" eaLnBrk="1" fontAlgn="auto" latinLnBrk="0" hangingPunct="1">
+              <a:lnSpc>
+                <a:spcPct val="100000"/>
+              </a:lnSpc>
+              <a:spcBef>
+                <a:spcPts val="0"/>
+              </a:spcBef>
+              <a:spcAft>
+                <a:spcPts val="0"/>
+              </a:spcAft>
+              <a:buClrTx/>
+              <a:buSzTx/>
+              <a:buFontTx/>
+              <a:buNone/>
+              <a:tabLst/>
+              <a:defRPr/>
+            </a:pPr>
+            <a:endParaRPr kumimoji="0" lang="en-US" sz="1800" b="0" i="0" u="none" strike="noStrike" kern="1200" cap="none" spc="0" normalizeH="0" baseline="0" noProof="0">
+              <a:ln>
+                <a:noFill/>
+              </a:ln>
               <a:solidFill>
-                <a:schemeClr val="tx1"/>
+                <a:prstClr val="white"/>
               </a:solidFill>
-              <a:effectLst>
-                <a:outerShdw blurRad="469900" dist="342900" dir="5400000" sy="-20000" rotWithShape="0">
-                  <a:prstClr val="black">
-                    <a:alpha val="66000"/>
-                  </a:prstClr>
-                </a:outerShdw>
-              </a:effectLst>
+              <a:effectLst/>
+              <a:uLnTx/>
+              <a:uFillTx/>
+              <a:latin typeface="Corbel" panose="020B0503020204020204"/>
+              <a:ea typeface="+mn-ea"/>
+              <a:cs typeface="+mn-cs"/>
             </a:endParaRPr>
           </a:p>
         </p:txBody>
@@ -7787,22 +7947,71 @@
             </a:lvl9pPr>
           </a:lstStyle>
           <a:p>
-            <a:r>
-              <a:rPr lang="en-US">
-                <a:hlinkClick r:id="rId2" action="ppaction://hlinkfile"/>
-              </a:rPr>
-              <a:t>Jupyter Notebook</a:t>
-            </a:r>
-            <a:endParaRPr lang="en-US" dirty="0"/>
+            <a:pPr marL="0" marR="0" lvl="0" indent="0" algn="r" defTabSz="914400" rtl="0" eaLnBrk="1" fontAlgn="auto" latinLnBrk="0" hangingPunct="1">
+              <a:lnSpc>
+                <a:spcPct val="90000"/>
+              </a:lnSpc>
+              <a:spcBef>
+                <a:spcPts val="1000"/>
+              </a:spcBef>
+              <a:spcAft>
+                <a:spcPts val="0"/>
+              </a:spcAft>
+              <a:buClrTx/>
+              <a:buSzTx/>
+              <a:buFont typeface="Arial" panose="020B0604020202020204" pitchFamily="34" charset="0"/>
+              <a:buNone/>
+              <a:tabLst/>
+              <a:defRPr/>
+            </a:pPr>
+            <a:endParaRPr kumimoji="0" lang="en-US" sz="3200" b="0" i="0" u="none" strike="noStrike" kern="1200" cap="none" spc="0" normalizeH="0" baseline="0" noProof="0" dirty="0">
+              <a:ln>
+                <a:noFill/>
+              </a:ln>
+              <a:solidFill>
+                <a:srgbClr val="94D7E4"/>
+              </a:solidFill>
+              <a:effectLst/>
+              <a:uLnTx/>
+              <a:uFillTx/>
+              <a:latin typeface="Corbel" panose="020B0503020204020204"/>
+              <a:ea typeface="+mn-ea"/>
+              <a:cs typeface="+mn-cs"/>
+            </a:endParaRPr>
+          </a:p>
+        </p:txBody>
+      </p:sp>
+      <p:sp>
+        <p:nvSpPr>
+          <p:cNvPr id="4" name="Title 3">
+            <a:extLst>
+              <a:ext uri="{FF2B5EF4-FFF2-40B4-BE49-F238E27FC236}">
+                <a16:creationId xmlns:a16="http://schemas.microsoft.com/office/drawing/2014/main" id="{1D48554E-3CA1-48CC-9F0E-5B2D6FB44061}"/>
+              </a:ext>
+            </a:extLst>
+          </p:cNvPr>
+          <p:cNvSpPr>
+            <a:spLocks noGrp="1"/>
+          </p:cNvSpPr>
+          <p:nvPr>
+            <p:ph type="title"/>
+          </p:nvPr>
+        </p:nvSpPr>
+        <p:spPr/>
+        <p:txBody>
+          <a:bodyPr/>
+          <a:lstStyle/>
+          <a:p>
+            <a:endParaRPr lang="en-US"/>
           </a:p>
         </p:txBody>
       </p:sp>
       <p:pic>
         <p:nvPicPr>
-          <p:cNvPr id="5" name="Picture 4" descr="Chart, line chart, histogram&#10;&#10;Description automatically generated">
+          <p:cNvPr id="11" name="Picture 10" descr="Chart, line chart, histogram&#10;&#10;Description automatically generated">
             <a:extLst>
               <a:ext uri="{FF2B5EF4-FFF2-40B4-BE49-F238E27FC236}">
-                <a16:creationId xmlns:a16="http://schemas.microsoft.com/office/drawing/2014/main" id="{365AF8FF-DBD6-43AD-9FD0-D786D7A20302}"/>
+                <a16:creationId xmlns:a16="http://schemas.microsoft.com/office/drawing/2014/main" id="{7860EB63-181A-4004-ADEC-881456A7E813}"/>
               </a:ext>
             </a:extLst>
           </p:cNvPr>
@@ -7819,23 +8028,121 @@
               </a:ext>
             </a:extLst>
           </a:blip>
-          <a:srcRect l="7841" t="5853" r="5512" b="3466"/>
+          <a:srcRect l="7708" t="5625" r="5416" b="1563"/>
           <a:stretch/>
         </p:blipFill>
         <p:spPr>
           <a:xfrm>
-            <a:off x="0" y="0"/>
-            <a:ext cx="12072170" cy="4211404"/>
+            <a:off x="228599" y="0"/>
+            <a:ext cx="11734801" cy="4178940"/>
           </a:xfrm>
           <a:prstGeom prst="rect">
             <a:avLst/>
           </a:prstGeom>
         </p:spPr>
       </p:pic>
+      <p:sp>
+        <p:nvSpPr>
+          <p:cNvPr id="14" name="Title 1">
+            <a:extLst>
+              <a:ext uri="{FF2B5EF4-FFF2-40B4-BE49-F238E27FC236}">
+                <a16:creationId xmlns:a16="http://schemas.microsoft.com/office/drawing/2014/main" id="{2851E883-9962-4D98-B370-52EE1E381012}"/>
+              </a:ext>
+            </a:extLst>
+          </p:cNvPr>
+          <p:cNvSpPr txBox="1">
+            <a:spLocks/>
+          </p:cNvSpPr>
+          <p:nvPr/>
+        </p:nvSpPr>
+        <p:spPr>
+          <a:xfrm>
+            <a:off x="838200" y="6151002"/>
+            <a:ext cx="10515600" cy="1141632"/>
+          </a:xfrm>
+          <a:prstGeom prst="rect">
+            <a:avLst/>
+          </a:prstGeom>
+        </p:spPr>
+        <p:txBody>
+          <a:bodyPr vert="horz" wrap="square" lIns="91440" tIns="45720" rIns="91440" bIns="45720" rtlCol="0" anchor="t">
+            <a:normAutofit/>
+          </a:bodyPr>
+          <a:lstStyle>
+            <a:lvl1pPr algn="l" defTabSz="914400" rtl="0" eaLnBrk="1" latinLnBrk="0" hangingPunct="1">
+              <a:lnSpc>
+                <a:spcPct val="90000"/>
+              </a:lnSpc>
+              <a:spcBef>
+                <a:spcPct val="0"/>
+              </a:spcBef>
+              <a:buNone/>
+              <a:defRPr sz="5400" b="0" kern="1200">
+                <a:gradFill flip="none" rotWithShape="1">
+                  <a:gsLst>
+                    <a:gs pos="28000">
+                      <a:schemeClr val="tx1">
+                        <a:lumMod val="93000"/>
+                      </a:schemeClr>
+                    </a:gs>
+                    <a:gs pos="0">
+                      <a:schemeClr val="bg1">
+                        <a:lumMod val="25000"/>
+                        <a:lumOff val="75000"/>
+                      </a:schemeClr>
+                    </a:gs>
+                    <a:gs pos="100000">
+                      <a:schemeClr val="tx2">
+                        <a:lumMod val="0"/>
+                        <a:lumOff val="100000"/>
+                      </a:schemeClr>
+                    </a:gs>
+                  </a:gsLst>
+                  <a:lin ang="4800000" scaled="0"/>
+                  <a:tileRect/>
+                </a:gradFill>
+                <a:latin typeface="+mj-lt"/>
+                <a:ea typeface="+mj-ea"/>
+                <a:cs typeface="+mj-cs"/>
+              </a:defRPr>
+            </a:lvl1pPr>
+          </a:lstStyle>
+          <a:p>
+            <a:pPr algn="r"/>
+            <a:r>
+              <a:rPr lang="en-US" sz="4400" spc="-300">
+                <a:solidFill>
+                  <a:schemeClr val="tx1"/>
+                </a:solidFill>
+                <a:effectLst>
+                  <a:outerShdw blurRad="469900" dist="342900" dir="5400000" sy="-20000" rotWithShape="0">
+                    <a:prstClr val="black">
+                      <a:alpha val="66000"/>
+                    </a:prstClr>
+                  </a:outerShdw>
+                </a:effectLst>
+              </a:rPr>
+              <a:t>Strongest correlation</a:t>
+            </a:r>
+            <a:endParaRPr lang="en-US" sz="4400" spc="-300" dirty="0">
+              <a:solidFill>
+                <a:schemeClr val="tx1"/>
+              </a:solidFill>
+              <a:effectLst>
+                <a:outerShdw blurRad="469900" dist="342900" dir="5400000" sy="-20000" rotWithShape="0">
+                  <a:prstClr val="black">
+                    <a:alpha val="66000"/>
+                  </a:prstClr>
+                </a:outerShdw>
+              </a:effectLst>
+            </a:endParaRPr>
+          </a:p>
+        </p:txBody>
+      </p:sp>
     </p:spTree>
     <p:extLst>
       <p:ext uri="{BB962C8B-B14F-4D97-AF65-F5344CB8AC3E}">
-        <p14:creationId xmlns:p14="http://schemas.microsoft.com/office/powerpoint/2010/main" val="1493169206"/>
+        <p14:creationId xmlns:p14="http://schemas.microsoft.com/office/powerpoint/2010/main" val="1681641664"/>
       </p:ext>
     </p:extLst>
   </p:cSld>
@@ -8265,18 +8572,6 @@
             </a:lvl9pPr>
           </a:lstStyle>
           <a:p>
-            <a:r>
-              <a:rPr lang="en-US" dirty="0" err="1">
-                <a:hlinkClick r:id="rId3" action="ppaction://hlinkfile"/>
-              </a:rPr>
-              <a:t>Jupyter</a:t>
-            </a:r>
-            <a:r>
-              <a:rPr lang="en-US" dirty="0">
-                <a:hlinkClick r:id="rId3" action="ppaction://hlinkfile"/>
-              </a:rPr>
-              <a:t> Notebook</a:t>
-            </a:r>
             <a:endParaRPr lang="en-US" dirty="0"/>
           </a:p>
         </p:txBody>
@@ -8296,7 +8591,7 @@
           <p:nvPr/>
         </p:nvPicPr>
         <p:blipFill>
-          <a:blip r:embed="rId4">
+          <a:blip r:embed="rId3">
             <a:extLst>
               <a:ext uri="{28A0092B-C50C-407E-A947-70E740481C1C}">
                 <a14:useLocalDpi xmlns:a14="http://schemas.microsoft.com/office/drawing/2010/main" val="0"/>
@@ -8332,7 +8627,7 @@
           <p:nvPr/>
         </p:nvPicPr>
         <p:blipFill>
-          <a:blip r:embed="rId5">
+          <a:blip r:embed="rId4">
             <a:extLst>
               <a:ext uri="{28A0092B-C50C-407E-A947-70E740481C1C}">
                 <a14:useLocalDpi xmlns:a14="http://schemas.microsoft.com/office/drawing/2010/main" val="0"/>
@@ -8884,22 +9179,16 @@
             </a:lvl9pPr>
           </a:lstStyle>
           <a:p>
-            <a:r>
-              <a:rPr lang="en-US">
-                <a:hlinkClick r:id="rId2" action="ppaction://hlinkfile"/>
-              </a:rPr>
-              <a:t>Jupyter Notebook</a:t>
-            </a:r>
             <a:endParaRPr lang="en-US" dirty="0"/>
           </a:p>
         </p:txBody>
       </p:sp>
       <p:pic>
         <p:nvPicPr>
-          <p:cNvPr id="4" name="Picture 3" descr="Chart, histogram&#10;&#10;Description automatically generated">
+          <p:cNvPr id="5" name="Picture 4" descr="Chart, histogram&#10;&#10;Description automatically generated">
             <a:extLst>
               <a:ext uri="{FF2B5EF4-FFF2-40B4-BE49-F238E27FC236}">
-                <a16:creationId xmlns:a16="http://schemas.microsoft.com/office/drawing/2014/main" id="{D8F34E9A-1DE9-4BCB-B321-B258972AE813}"/>
+                <a16:creationId xmlns:a16="http://schemas.microsoft.com/office/drawing/2014/main" id="{E8FAC9A6-31B1-474D-AD07-B04027F056FF}"/>
               </a:ext>
             </a:extLst>
           </p:cNvPr>
@@ -8909,20 +9198,20 @@
           <p:nvPr/>
         </p:nvPicPr>
         <p:blipFill rotWithShape="1">
-          <a:blip r:embed="rId3">
+          <a:blip r:embed="rId2">
             <a:extLst>
               <a:ext uri="{28A0092B-C50C-407E-A947-70E740481C1C}">
                 <a14:useLocalDpi xmlns:a14="http://schemas.microsoft.com/office/drawing/2010/main" val="0"/>
               </a:ext>
             </a:extLst>
           </a:blip>
-          <a:srcRect l="7634" t="6186" r="5290" b="3338"/>
+          <a:srcRect l="7813" t="5624" r="5104" b="938"/>
           <a:stretch/>
         </p:blipFill>
         <p:spPr>
           <a:xfrm>
-            <a:off x="9323" y="37324"/>
-            <a:ext cx="12170730" cy="4215384"/>
+            <a:off x="172399" y="29560"/>
+            <a:ext cx="11847202" cy="4237217"/>
           </a:xfrm>
           <a:prstGeom prst="rect">
             <a:avLst/>
@@ -9145,7 +9434,7 @@
         </p:spPr>
         <p:txBody>
           <a:bodyPr anchor="ctr">
-            <a:normAutofit/>
+            <a:normAutofit lnSpcReduction="10000"/>
           </a:bodyPr>
           <a:lstStyle/>
           <a:p>
@@ -9153,17 +9442,17 @@
               <a:buNone/>
             </a:pPr>
             <a:r>
-              <a:rPr lang="en-US" sz="2000" dirty="0">
+              <a:rPr lang="en-US" sz="3200" dirty="0">
                 <a:solidFill>
                   <a:schemeClr val="tx1"/>
                 </a:solidFill>
               </a:rPr>
-              <a:t>Expected:</a:t>
-            </a:r>
-          </a:p>
-          <a:p>
-            <a:r>
-              <a:rPr lang="en-US" sz="2000" dirty="0">
+              <a:t>Expected</a:t>
+            </a:r>
+          </a:p>
+          <a:p>
+            <a:r>
+              <a:rPr lang="en-US" dirty="0">
                 <a:solidFill>
                   <a:schemeClr val="tx1"/>
                 </a:solidFill>
@@ -9173,7 +9462,7 @@
           </a:p>
           <a:p>
             <a:r>
-              <a:rPr lang="en-US" sz="2000" dirty="0">
+              <a:rPr lang="en-US" dirty="0">
                 <a:solidFill>
                   <a:schemeClr val="tx1"/>
                 </a:solidFill>
@@ -9196,17 +9485,17 @@
               <a:buNone/>
             </a:pPr>
             <a:r>
-              <a:rPr lang="en-US" sz="2000" dirty="0">
+              <a:rPr lang="en-US" sz="3200" dirty="0">
                 <a:solidFill>
                   <a:schemeClr val="tx1"/>
                 </a:solidFill>
               </a:rPr>
-              <a:t>Result:</a:t>
-            </a:r>
-          </a:p>
-          <a:p>
-            <a:r>
-              <a:rPr lang="en-US" sz="2000" dirty="0">
+              <a:t>Result</a:t>
+            </a:r>
+          </a:p>
+          <a:p>
+            <a:r>
+              <a:rPr lang="en-US" dirty="0">
                 <a:solidFill>
                   <a:schemeClr val="tx1"/>
                 </a:solidFill>
@@ -9216,7 +9505,7 @@
           </a:p>
           <a:p>
             <a:r>
-              <a:rPr lang="en-US" sz="2000" dirty="0">
+              <a:rPr lang="en-US" dirty="0">
                 <a:solidFill>
                   <a:schemeClr val="tx1"/>
                 </a:solidFill>
@@ -9385,50 +9674,6 @@
       </p:sp>
       <p:sp>
         <p:nvSpPr>
-          <p:cNvPr id="2" name="Title 1">
-            <a:extLst>
-              <a:ext uri="{FF2B5EF4-FFF2-40B4-BE49-F238E27FC236}">
-                <a16:creationId xmlns:a16="http://schemas.microsoft.com/office/drawing/2014/main" id="{5EEDC5F9-4247-4811-AD8A-D73A13412E4F}"/>
-              </a:ext>
-            </a:extLst>
-          </p:cNvPr>
-          <p:cNvSpPr>
-            <a:spLocks noGrp="1"/>
-          </p:cNvSpPr>
-          <p:nvPr>
-            <p:ph type="title"/>
-          </p:nvPr>
-        </p:nvSpPr>
-        <p:spPr>
-          <a:xfrm>
-            <a:off x="838200" y="4963886"/>
-            <a:ext cx="10515600" cy="1141632"/>
-          </a:xfrm>
-        </p:spPr>
-        <p:txBody>
-          <a:bodyPr vert="horz" wrap="square" lIns="91440" tIns="45720" rIns="91440" bIns="45720" rtlCol="0" anchor="t">
-            <a:normAutofit/>
-          </a:bodyPr>
-          <a:lstStyle/>
-          <a:p>
-            <a:pPr algn="r"/>
-            <a:endParaRPr lang="en-US" sz="4400" spc="-300" dirty="0">
-              <a:solidFill>
-                <a:schemeClr val="tx1"/>
-              </a:solidFill>
-              <a:effectLst>
-                <a:outerShdw blurRad="469900" dist="342900" dir="5400000" sy="-20000" rotWithShape="0">
-                  <a:prstClr val="black">
-                    <a:alpha val="66000"/>
-                  </a:prstClr>
-                </a:outerShdw>
-              </a:effectLst>
-            </a:endParaRPr>
-          </a:p>
-        </p:txBody>
-      </p:sp>
-      <p:sp>
-        <p:nvSpPr>
           <p:cNvPr id="7" name="Subtitle 2">
             <a:extLst>
               <a:ext uri="{FF2B5EF4-FFF2-40B4-BE49-F238E27FC236}">
@@ -9656,12 +9901,6 @@
             </a:lvl9pPr>
           </a:lstStyle>
           <a:p>
-            <a:r>
-              <a:rPr lang="en-US">
-                <a:hlinkClick r:id="rId3" action="ppaction://hlinkfile"/>
-              </a:rPr>
-              <a:t>Jupyter Notebook</a:t>
-            </a:r>
             <a:endParaRPr lang="en-US" dirty="0"/>
           </a:p>
         </p:txBody>
@@ -9681,7 +9920,7 @@
           <p:nvPr/>
         </p:nvPicPr>
         <p:blipFill rotWithShape="1">
-          <a:blip r:embed="rId4">
+          <a:blip r:embed="rId3">
             <a:extLst>
               <a:ext uri="{28A0092B-C50C-407E-A947-70E740481C1C}">
                 <a14:useLocalDpi xmlns:a14="http://schemas.microsoft.com/office/drawing/2010/main" val="0"/>
@@ -9701,6 +9940,53 @@
           </a:prstGeom>
         </p:spPr>
       </p:pic>
+      <p:sp>
+        <p:nvSpPr>
+          <p:cNvPr id="11" name="Title 1">
+            <a:extLst>
+              <a:ext uri="{FF2B5EF4-FFF2-40B4-BE49-F238E27FC236}">
+                <a16:creationId xmlns:a16="http://schemas.microsoft.com/office/drawing/2014/main" id="{692440DC-1870-4A4F-8CF3-BD79F6D42364}"/>
+              </a:ext>
+            </a:extLst>
+          </p:cNvPr>
+          <p:cNvSpPr>
+            <a:spLocks noGrp="1"/>
+          </p:cNvSpPr>
+          <p:nvPr>
+            <p:ph type="title"/>
+          </p:nvPr>
+        </p:nvSpPr>
+        <p:spPr>
+          <a:xfrm>
+            <a:off x="838200" y="4963886"/>
+            <a:ext cx="10515600" cy="1141632"/>
+          </a:xfrm>
+        </p:spPr>
+        <p:txBody>
+          <a:bodyPr vert="horz" wrap="square" lIns="91440" tIns="45720" rIns="91440" bIns="45720" rtlCol="0" anchor="t">
+            <a:normAutofit/>
+          </a:bodyPr>
+          <a:lstStyle/>
+          <a:p>
+            <a:pPr algn="r"/>
+            <a:r>
+              <a:rPr lang="en-US" sz="4400" spc="-300" dirty="0">
+                <a:solidFill>
+                  <a:schemeClr val="tx1"/>
+                </a:solidFill>
+                <a:effectLst>
+                  <a:outerShdw blurRad="469900" dist="342900" dir="5400000" sy="-20000" rotWithShape="0">
+                    <a:prstClr val="black">
+                      <a:alpha val="66000"/>
+                    </a:prstClr>
+                  </a:outerShdw>
+                </a:effectLst>
+              </a:rPr>
+              <a:t>Conclusions</a:t>
+            </a:r>
+          </a:p>
+        </p:txBody>
+      </p:sp>
     </p:spTree>
     <p:extLst>
       <p:ext uri="{BB962C8B-B14F-4D97-AF65-F5344CB8AC3E}">
@@ -9731,12 +10017,12 @@
           <a:chExt cx="0" cy="0"/>
         </a:xfrm>
       </p:grpSpPr>
-      <p:sp>
+      <p:sp useBgFill="1">
         <p:nvSpPr>
           <p:cNvPr id="8" name="Rectangle 7">
             <a:extLst>
               <a:ext uri="{FF2B5EF4-FFF2-40B4-BE49-F238E27FC236}">
-                <a16:creationId xmlns:a16="http://schemas.microsoft.com/office/drawing/2014/main" id="{02DC0D56-2145-4CB8-979D-ADF8E921AF72}"/>
+                <a16:creationId xmlns:a16="http://schemas.microsoft.com/office/drawing/2014/main" id="{87358089-2E54-4747-8D77-434291EB9A73}"/>
               </a:ext>
               <a:ext uri="{C183D7F6-B498-43B3-948B-1728B52AA6E4}">
                 <adec:decorative xmlns:adec="http://schemas.microsoft.com/office/drawing/2017/decorative" val="1"/>
@@ -9762,12 +10048,6 @@
           <a:prstGeom prst="rect">
             <a:avLst/>
           </a:prstGeom>
-          <a:solidFill>
-            <a:schemeClr val="bg1">
-              <a:lumMod val="85000"/>
-              <a:lumOff val="15000"/>
-            </a:schemeClr>
-          </a:solidFill>
           <a:ln>
             <a:noFill/>
           </a:ln>
@@ -9797,12 +10077,12 @@
           </a:p>
         </p:txBody>
       </p:sp>
-      <p:sp useBgFill="1">
+      <p:sp>
         <p:nvSpPr>
           <p:cNvPr id="10" name="Rectangle 9">
             <a:extLst>
               <a:ext uri="{FF2B5EF4-FFF2-40B4-BE49-F238E27FC236}">
-                <a16:creationId xmlns:a16="http://schemas.microsoft.com/office/drawing/2014/main" id="{272BB16D-1B1A-4782-92FD-2CF21910DF1C}"/>
+                <a16:creationId xmlns:a16="http://schemas.microsoft.com/office/drawing/2014/main" id="{F0318841-B257-4D3A-A6E5-309C003E0430}"/>
               </a:ext>
               <a:ext uri="{C183D7F6-B498-43B3-948B-1728B52AA6E4}">
                 <adec:decorative xmlns:adec="http://schemas.microsoft.com/office/drawing/2017/decorative" val="1"/>
@@ -9822,16 +10102,18 @@
         </p:nvSpPr>
         <p:spPr>
           <a:xfrm>
-            <a:off x="0" y="4626429"/>
-            <a:ext cx="12192000" cy="2231571"/>
+            <a:off x="0" y="0"/>
+            <a:ext cx="4062127" cy="6858000"/>
           </a:xfrm>
           <a:prstGeom prst="rect">
             <a:avLst/>
           </a:prstGeom>
+          <a:solidFill>
+            <a:srgbClr val="262626"/>
+          </a:solidFill>
           <a:ln>
             <a:noFill/>
           </a:ln>
-          <a:effectLst/>
         </p:spPr>
         <p:style>
           <a:lnRef idx="2">
@@ -9863,445 +10145,6 @@
           <p:cNvPr id="2" name="Title 1">
             <a:extLst>
               <a:ext uri="{FF2B5EF4-FFF2-40B4-BE49-F238E27FC236}">
-                <a16:creationId xmlns:a16="http://schemas.microsoft.com/office/drawing/2014/main" id="{7C9F2677-9E21-4528-8005-77908C6B88D0}"/>
-              </a:ext>
-            </a:extLst>
-          </p:cNvPr>
-          <p:cNvSpPr>
-            <a:spLocks noGrp="1"/>
-          </p:cNvSpPr>
-          <p:nvPr>
-            <p:ph type="title"/>
-          </p:nvPr>
-        </p:nvSpPr>
-        <p:spPr>
-          <a:xfrm>
-            <a:off x="838200" y="4963886"/>
-            <a:ext cx="10515600" cy="1141632"/>
-          </a:xfrm>
-        </p:spPr>
-        <p:txBody>
-          <a:bodyPr vert="horz" wrap="square" lIns="91440" tIns="45720" rIns="91440" bIns="45720" rtlCol="0" anchor="t">
-            <a:normAutofit/>
-          </a:bodyPr>
-          <a:lstStyle/>
-          <a:p>
-            <a:pPr algn="r"/>
-            <a:r>
-              <a:rPr lang="en-US" sz="4400" spc="-300" dirty="0">
-                <a:solidFill>
-                  <a:schemeClr val="tx1"/>
-                </a:solidFill>
-                <a:effectLst>
-                  <a:outerShdw blurRad="469900" dist="342900" dir="5400000" sy="-20000" rotWithShape="0">
-                    <a:prstClr val="black">
-                      <a:alpha val="66000"/>
-                    </a:prstClr>
-                  </a:outerShdw>
-                </a:effectLst>
-              </a:rPr>
-              <a:t>Conclusions</a:t>
-            </a:r>
-          </a:p>
-        </p:txBody>
-      </p:sp>
-      <p:sp>
-        <p:nvSpPr>
-          <p:cNvPr id="5" name="Subtitle 2">
-            <a:extLst>
-              <a:ext uri="{FF2B5EF4-FFF2-40B4-BE49-F238E27FC236}">
-                <a16:creationId xmlns:a16="http://schemas.microsoft.com/office/drawing/2014/main" id="{8EABBACD-2324-4BCD-BEFF-238485D5E917}"/>
-              </a:ext>
-            </a:extLst>
-          </p:cNvPr>
-          <p:cNvSpPr txBox="1">
-            <a:spLocks/>
-          </p:cNvSpPr>
-          <p:nvPr/>
-        </p:nvSpPr>
-        <p:spPr>
-          <a:xfrm>
-            <a:off x="0" y="0"/>
-            <a:ext cx="12192000" cy="4296339"/>
-          </a:xfrm>
-          <a:prstGeom prst="rect">
-            <a:avLst/>
-          </a:prstGeom>
-          <a:solidFill>
-            <a:schemeClr val="tx1"/>
-          </a:solidFill>
-        </p:spPr>
-        <p:txBody>
-          <a:bodyPr vert="horz" lIns="91440" tIns="45720" rIns="91440" bIns="45720" rtlCol="0" anchor="b">
-            <a:normAutofit/>
-          </a:bodyPr>
-          <a:lstStyle>
-            <a:lvl1pPr indent="0" algn="r" defTabSz="914400">
-              <a:lnSpc>
-                <a:spcPct val="90000"/>
-              </a:lnSpc>
-              <a:spcBef>
-                <a:spcPts val="1000"/>
-              </a:spcBef>
-              <a:buFont typeface="Arial" panose="020B0604020202020204" pitchFamily="34" charset="0"/>
-              <a:buNone/>
-              <a:defRPr sz="3200" b="0">
-                <a:solidFill>
-                  <a:schemeClr val="tx2"/>
-                </a:solidFill>
-                <a:latin typeface="+mj-lt"/>
-              </a:defRPr>
-            </a:lvl1pPr>
-            <a:lvl2pPr indent="0" algn="ctr" defTabSz="914400">
-              <a:lnSpc>
-                <a:spcPct val="90000"/>
-              </a:lnSpc>
-              <a:spcBef>
-                <a:spcPts val="500"/>
-              </a:spcBef>
-              <a:buFont typeface="Arial" panose="020B0604020202020204" pitchFamily="34" charset="0"/>
-              <a:buNone/>
-              <a:defRPr sz="2000">
-                <a:gradFill>
-                  <a:gsLst>
-                    <a:gs pos="34000">
-                      <a:schemeClr val="tx1">
-                        <a:lumMod val="93000"/>
-                      </a:schemeClr>
-                    </a:gs>
-                    <a:gs pos="0">
-                      <a:schemeClr val="bg1">
-                        <a:lumMod val="25000"/>
-                        <a:lumOff val="75000"/>
-                      </a:schemeClr>
-                    </a:gs>
-                    <a:gs pos="100000">
-                      <a:schemeClr val="tx2">
-                        <a:lumMod val="0"/>
-                        <a:lumOff val="100000"/>
-                      </a:schemeClr>
-                    </a:gs>
-                  </a:gsLst>
-                  <a:lin ang="4800000" scaled="0"/>
-                </a:gradFill>
-              </a:defRPr>
-            </a:lvl2pPr>
-            <a:lvl3pPr indent="0" algn="ctr" defTabSz="914400">
-              <a:lnSpc>
-                <a:spcPct val="90000"/>
-              </a:lnSpc>
-              <a:spcBef>
-                <a:spcPts val="500"/>
-              </a:spcBef>
-              <a:buFont typeface="Arial" panose="020B0604020202020204" pitchFamily="34" charset="0"/>
-              <a:buNone/>
-              <a:defRPr>
-                <a:gradFill>
-                  <a:gsLst>
-                    <a:gs pos="34000">
-                      <a:schemeClr val="tx1">
-                        <a:lumMod val="93000"/>
-                      </a:schemeClr>
-                    </a:gs>
-                    <a:gs pos="0">
-                      <a:schemeClr val="bg1">
-                        <a:lumMod val="25000"/>
-                        <a:lumOff val="75000"/>
-                      </a:schemeClr>
-                    </a:gs>
-                    <a:gs pos="100000">
-                      <a:schemeClr val="tx2">
-                        <a:lumMod val="0"/>
-                        <a:lumOff val="100000"/>
-                      </a:schemeClr>
-                    </a:gs>
-                  </a:gsLst>
-                  <a:lin ang="4800000" scaled="0"/>
-                </a:gradFill>
-              </a:defRPr>
-            </a:lvl3pPr>
-            <a:lvl4pPr indent="0" algn="ctr" defTabSz="914400">
-              <a:lnSpc>
-                <a:spcPct val="90000"/>
-              </a:lnSpc>
-              <a:spcBef>
-                <a:spcPts val="500"/>
-              </a:spcBef>
-              <a:buFont typeface="Arial" panose="020B0604020202020204" pitchFamily="34" charset="0"/>
-              <a:buNone/>
-              <a:defRPr sz="1600">
-                <a:gradFill>
-                  <a:gsLst>
-                    <a:gs pos="34000">
-                      <a:schemeClr val="tx1">
-                        <a:lumMod val="93000"/>
-                      </a:schemeClr>
-                    </a:gs>
-                    <a:gs pos="0">
-                      <a:schemeClr val="bg1">
-                        <a:lumMod val="25000"/>
-                        <a:lumOff val="75000"/>
-                      </a:schemeClr>
-                    </a:gs>
-                    <a:gs pos="100000">
-                      <a:schemeClr val="tx2">
-                        <a:lumMod val="0"/>
-                        <a:lumOff val="100000"/>
-                      </a:schemeClr>
-                    </a:gs>
-                  </a:gsLst>
-                  <a:lin ang="4800000" scaled="0"/>
-                </a:gradFill>
-              </a:defRPr>
-            </a:lvl4pPr>
-            <a:lvl5pPr indent="0" algn="ctr" defTabSz="914400">
-              <a:lnSpc>
-                <a:spcPct val="90000"/>
-              </a:lnSpc>
-              <a:spcBef>
-                <a:spcPts val="500"/>
-              </a:spcBef>
-              <a:buFont typeface="Arial" panose="020B0604020202020204" pitchFamily="34" charset="0"/>
-              <a:buNone/>
-              <a:defRPr sz="1600">
-                <a:gradFill>
-                  <a:gsLst>
-                    <a:gs pos="34000">
-                      <a:schemeClr val="tx1">
-                        <a:lumMod val="93000"/>
-                      </a:schemeClr>
-                    </a:gs>
-                    <a:gs pos="0">
-                      <a:schemeClr val="bg1">
-                        <a:lumMod val="25000"/>
-                        <a:lumOff val="75000"/>
-                      </a:schemeClr>
-                    </a:gs>
-                    <a:gs pos="100000">
-                      <a:schemeClr val="tx2">
-                        <a:lumMod val="0"/>
-                        <a:lumOff val="100000"/>
-                      </a:schemeClr>
-                    </a:gs>
-                  </a:gsLst>
-                  <a:lin ang="4800000" scaled="0"/>
-                </a:gradFill>
-              </a:defRPr>
-            </a:lvl5pPr>
-            <a:lvl6pPr indent="0" algn="ctr" defTabSz="914400">
-              <a:lnSpc>
-                <a:spcPct val="90000"/>
-              </a:lnSpc>
-              <a:spcBef>
-                <a:spcPts val="500"/>
-              </a:spcBef>
-              <a:buFont typeface="Arial" panose="020B0604020202020204" pitchFamily="34" charset="0"/>
-              <a:buNone/>
-              <a:defRPr sz="1600"/>
-            </a:lvl6pPr>
-            <a:lvl7pPr indent="0" algn="ctr" defTabSz="914400">
-              <a:lnSpc>
-                <a:spcPct val="90000"/>
-              </a:lnSpc>
-              <a:spcBef>
-                <a:spcPts val="500"/>
-              </a:spcBef>
-              <a:buFont typeface="Arial" panose="020B0604020202020204" pitchFamily="34" charset="0"/>
-              <a:buNone/>
-              <a:defRPr sz="1600"/>
-            </a:lvl7pPr>
-            <a:lvl8pPr indent="0" algn="ctr" defTabSz="914400">
-              <a:lnSpc>
-                <a:spcPct val="90000"/>
-              </a:lnSpc>
-              <a:spcBef>
-                <a:spcPts val="500"/>
-              </a:spcBef>
-              <a:buFont typeface="Arial" panose="020B0604020202020204" pitchFamily="34" charset="0"/>
-              <a:buNone/>
-              <a:defRPr sz="1600"/>
-            </a:lvl8pPr>
-            <a:lvl9pPr indent="0" algn="ctr" defTabSz="914400">
-              <a:lnSpc>
-                <a:spcPct val="90000"/>
-              </a:lnSpc>
-              <a:spcBef>
-                <a:spcPts val="500"/>
-              </a:spcBef>
-              <a:buFont typeface="Arial" panose="020B0604020202020204" pitchFamily="34" charset="0"/>
-              <a:buNone/>
-              <a:defRPr sz="1600"/>
-            </a:lvl9pPr>
-          </a:lstStyle>
-          <a:p>
-            <a:r>
-              <a:rPr lang="en-US">
-                <a:hlinkClick r:id="rId2" action="ppaction://hlinkfile"/>
-              </a:rPr>
-              <a:t>Jupyter Notebook</a:t>
-            </a:r>
-            <a:endParaRPr lang="en-US" dirty="0"/>
-          </a:p>
-        </p:txBody>
-      </p:sp>
-    </p:spTree>
-    <p:extLst>
-      <p:ext uri="{BB962C8B-B14F-4D97-AF65-F5344CB8AC3E}">
-        <p14:creationId xmlns:p14="http://schemas.microsoft.com/office/powerpoint/2010/main" val="3001230176"/>
-      </p:ext>
-    </p:extLst>
-  </p:cSld>
-  <p:clrMapOvr>
-    <a:masterClrMapping/>
-  </p:clrMapOvr>
-</p:sld>
-</file>
-
-<file path=ppt/slides/slide17.xml><?xml version="1.0" encoding="utf-8"?>
-<p:sld xmlns:a="http://schemas.openxmlformats.org/drawingml/2006/main" xmlns:r="http://schemas.openxmlformats.org/officeDocument/2006/relationships" xmlns:p="http://schemas.openxmlformats.org/presentationml/2006/main">
-  <p:cSld>
-    <p:spTree>
-      <p:nvGrpSpPr>
-        <p:cNvPr id="1" name=""/>
-        <p:cNvGrpSpPr/>
-        <p:nvPr/>
-      </p:nvGrpSpPr>
-      <p:grpSpPr>
-        <a:xfrm>
-          <a:off x="0" y="0"/>
-          <a:ext cx="0" cy="0"/>
-          <a:chOff x="0" y="0"/>
-          <a:chExt cx="0" cy="0"/>
-        </a:xfrm>
-      </p:grpSpPr>
-      <p:sp useBgFill="1">
-        <p:nvSpPr>
-          <p:cNvPr id="8" name="Rectangle 7">
-            <a:extLst>
-              <a:ext uri="{FF2B5EF4-FFF2-40B4-BE49-F238E27FC236}">
-                <a16:creationId xmlns:a16="http://schemas.microsoft.com/office/drawing/2014/main" id="{87358089-2E54-4747-8D77-434291EB9A73}"/>
-              </a:ext>
-              <a:ext uri="{C183D7F6-B498-43B3-948B-1728B52AA6E4}">
-                <adec:decorative xmlns:adec="http://schemas.microsoft.com/office/drawing/2017/decorative" val="1"/>
-              </a:ext>
-            </a:extLst>
-          </p:cNvPr>
-          <p:cNvSpPr>
-            <a:spLocks noGrp="1" noRot="1" noChangeAspect="1" noMove="1" noResize="1" noEditPoints="1" noAdjustHandles="1" noChangeArrowheads="1" noChangeShapeType="1" noTextEdit="1"/>
-          </p:cNvSpPr>
-          <p:nvPr>
-            <p:extLst>
-              <p:ext uri="{386F3935-93C4-4BCD-93E2-E3B085C9AB24}">
-                <p16:designElem xmlns:p16="http://schemas.microsoft.com/office/powerpoint/2015/main" val="1"/>
-              </p:ext>
-            </p:extLst>
-          </p:nvPr>
-        </p:nvSpPr>
-        <p:spPr>
-          <a:xfrm>
-            <a:off x="0" y="0"/>
-            <a:ext cx="12192000" cy="6858000"/>
-          </a:xfrm>
-          <a:prstGeom prst="rect">
-            <a:avLst/>
-          </a:prstGeom>
-          <a:ln>
-            <a:noFill/>
-          </a:ln>
-        </p:spPr>
-        <p:style>
-          <a:lnRef idx="2">
-            <a:schemeClr val="accent1">
-              <a:shade val="50000"/>
-            </a:schemeClr>
-          </a:lnRef>
-          <a:fillRef idx="1">
-            <a:schemeClr val="accent1"/>
-          </a:fillRef>
-          <a:effectRef idx="0">
-            <a:schemeClr val="accent1"/>
-          </a:effectRef>
-          <a:fontRef idx="minor">
-            <a:schemeClr val="lt1"/>
-          </a:fontRef>
-        </p:style>
-        <p:txBody>
-          <a:bodyPr rtlCol="0" anchor="ctr"/>
-          <a:lstStyle/>
-          <a:p>
-            <a:pPr algn="ctr"/>
-            <a:endParaRPr lang="en-US"/>
-          </a:p>
-        </p:txBody>
-      </p:sp>
-      <p:sp>
-        <p:nvSpPr>
-          <p:cNvPr id="10" name="Rectangle 9">
-            <a:extLst>
-              <a:ext uri="{FF2B5EF4-FFF2-40B4-BE49-F238E27FC236}">
-                <a16:creationId xmlns:a16="http://schemas.microsoft.com/office/drawing/2014/main" id="{F0318841-B257-4D3A-A6E5-309C003E0430}"/>
-              </a:ext>
-              <a:ext uri="{C183D7F6-B498-43B3-948B-1728B52AA6E4}">
-                <adec:decorative xmlns:adec="http://schemas.microsoft.com/office/drawing/2017/decorative" val="1"/>
-              </a:ext>
-            </a:extLst>
-          </p:cNvPr>
-          <p:cNvSpPr>
-            <a:spLocks noGrp="1" noRot="1" noChangeAspect="1" noMove="1" noResize="1" noEditPoints="1" noAdjustHandles="1" noChangeArrowheads="1" noChangeShapeType="1" noTextEdit="1"/>
-          </p:cNvSpPr>
-          <p:nvPr>
-            <p:extLst>
-              <p:ext uri="{386F3935-93C4-4BCD-93E2-E3B085C9AB24}">
-                <p16:designElem xmlns:p16="http://schemas.microsoft.com/office/powerpoint/2015/main" val="1"/>
-              </p:ext>
-            </p:extLst>
-          </p:nvPr>
-        </p:nvSpPr>
-        <p:spPr>
-          <a:xfrm>
-            <a:off x="0" y="0"/>
-            <a:ext cx="4062127" cy="6858000"/>
-          </a:xfrm>
-          <a:prstGeom prst="rect">
-            <a:avLst/>
-          </a:prstGeom>
-          <a:solidFill>
-            <a:srgbClr val="262626"/>
-          </a:solidFill>
-          <a:ln>
-            <a:noFill/>
-          </a:ln>
-        </p:spPr>
-        <p:style>
-          <a:lnRef idx="2">
-            <a:schemeClr val="accent1">
-              <a:shade val="50000"/>
-            </a:schemeClr>
-          </a:lnRef>
-          <a:fillRef idx="1">
-            <a:schemeClr val="accent1"/>
-          </a:fillRef>
-          <a:effectRef idx="0">
-            <a:schemeClr val="accent1"/>
-          </a:effectRef>
-          <a:fontRef idx="minor">
-            <a:schemeClr val="lt1"/>
-          </a:fontRef>
-        </p:style>
-        <p:txBody>
-          <a:bodyPr rtlCol="0" anchor="ctr"/>
-          <a:lstStyle/>
-          <a:p>
-            <a:pPr algn="ctr"/>
-            <a:endParaRPr lang="en-US"/>
-          </a:p>
-        </p:txBody>
-      </p:sp>
-      <p:sp>
-        <p:nvSpPr>
-          <p:cNvPr id="2" name="Title 1">
-            <a:extLst>
-              <a:ext uri="{FF2B5EF4-FFF2-40B4-BE49-F238E27FC236}">
                 <a16:creationId xmlns:a16="http://schemas.microsoft.com/office/drawing/2014/main" id="{6E44B138-DC35-42F7-B36E-A669A89F8108}"/>
               </a:ext>
             </a:extLst>
@@ -10364,38 +10207,33 @@
           </a:bodyPr>
           <a:lstStyle/>
           <a:p>
-            <a:r>
-              <a:rPr lang="en-US" sz="2000" dirty="0">
+            <a:pPr marL="0" indent="0">
+              <a:buNone/>
+            </a:pPr>
+            <a:r>
+              <a:rPr lang="en-US" sz="3200" dirty="0">
                 <a:solidFill>
                   <a:schemeClr val="tx1"/>
                 </a:solidFill>
               </a:rPr>
-              <a:t>Difficulties:</a:t>
+              <a:t>Difficulties</a:t>
             </a:r>
           </a:p>
           <a:p>
             <a:pPr lvl="1"/>
             <a:r>
-              <a:rPr lang="en-US" sz="1600" dirty="0">
+              <a:rPr lang="en-US" sz="2800" dirty="0">
                 <a:solidFill>
                   <a:schemeClr val="tx1"/>
                 </a:solidFill>
               </a:rPr>
-              <a:t>Twitter API</a:t>
-            </a:r>
-          </a:p>
-          <a:p>
-            <a:pPr lvl="1"/>
-            <a:r>
-              <a:rPr lang="en-US" sz="1600" dirty="0">
-                <a:solidFill>
-                  <a:schemeClr val="tx1"/>
-                </a:solidFill>
-              </a:rPr>
-              <a:t>Loss of project member</a:t>
-            </a:r>
-          </a:p>
-          <a:p>
+              <a:t>‘Twitter’ API inaccessible historically</a:t>
+            </a:r>
+          </a:p>
+          <a:p>
+            <a:pPr marL="0" indent="0">
+              <a:buNone/>
+            </a:pPr>
             <a:endParaRPr lang="en-US" sz="2000" dirty="0">
               <a:solidFill>
                 <a:schemeClr val="tx1"/>
@@ -10403,19 +10241,22 @@
             </a:endParaRPr>
           </a:p>
           <a:p>
-            <a:r>
-              <a:rPr lang="en-US" sz="2000" dirty="0">
+            <a:pPr marL="0" indent="0">
+              <a:buNone/>
+            </a:pPr>
+            <a:r>
+              <a:rPr lang="en-US" sz="3200" dirty="0">
                 <a:solidFill>
                   <a:schemeClr val="tx1"/>
                 </a:solidFill>
               </a:rPr>
-              <a:t>If we had more time:</a:t>
+              <a:t>If we had more time</a:t>
             </a:r>
           </a:p>
           <a:p>
             <a:pPr lvl="1"/>
             <a:r>
-              <a:rPr lang="en-US" sz="1600" dirty="0">
+              <a:rPr lang="en-US" sz="2800" dirty="0">
                 <a:solidFill>
                   <a:schemeClr val="tx1"/>
                 </a:solidFill>
@@ -10426,7 +10267,7 @@
           <a:p>
             <a:pPr lvl="1"/>
             <a:r>
-              <a:rPr lang="en-US" sz="1600" dirty="0">
+              <a:rPr lang="en-US" sz="2800" dirty="0">
                 <a:solidFill>
                   <a:schemeClr val="tx1"/>
                 </a:solidFill>
@@ -10449,7 +10290,7 @@
 </p:sld>
 </file>
 
-<file path=ppt/slides/slide18.xml><?xml version="1.0" encoding="utf-8"?>
+<file path=ppt/slides/slide17.xml><?xml version="1.0" encoding="utf-8"?>
 <p:sld xmlns:a="http://schemas.openxmlformats.org/drawingml/2006/main" xmlns:r="http://schemas.openxmlformats.org/officeDocument/2006/relationships" xmlns:p="http://schemas.openxmlformats.org/presentationml/2006/main">
   <p:cSld>
     <p:spTree>
@@ -10856,12 +10697,15 @@
         </p:spPr>
         <p:txBody>
           <a:bodyPr anchor="ctr">
-            <a:normAutofit/>
+            <a:normAutofit lnSpcReduction="10000"/>
           </a:bodyPr>
           <a:lstStyle/>
           <a:p>
-            <a:r>
-              <a:rPr lang="en-US" sz="2000" dirty="0">
+            <a:pPr marL="0" indent="0">
+              <a:buNone/>
+            </a:pPr>
+            <a:r>
+              <a:rPr lang="en-US" sz="3200" dirty="0">
                 <a:solidFill>
                   <a:schemeClr val="tx1"/>
                 </a:solidFill>
@@ -10870,19 +10714,31 @@
             </a:r>
           </a:p>
           <a:p>
-            <a:pPr lvl="1"/>
-            <a:r>
-              <a:rPr lang="en-US" sz="2000" dirty="0">
+            <a:r>
+              <a:rPr lang="en-US" dirty="0">
                 <a:solidFill>
                   <a:schemeClr val="tx1"/>
                 </a:solidFill>
               </a:rPr>
-              <a:t>There is a correlation</a:t>
-            </a:r>
-          </a:p>
-          <a:p>
-            <a:r>
-              <a:rPr lang="en-US" sz="2000" dirty="0">
+              <a:t>There is a weak correlation</a:t>
+            </a:r>
+          </a:p>
+          <a:p>
+            <a:pPr marL="0" indent="0">
+              <a:buNone/>
+            </a:pPr>
+            <a:endParaRPr lang="en-US" dirty="0">
+              <a:solidFill>
+                <a:schemeClr val="tx1"/>
+              </a:solidFill>
+            </a:endParaRPr>
+          </a:p>
+          <a:p>
+            <a:pPr marL="0" indent="0">
+              <a:buNone/>
+            </a:pPr>
+            <a:r>
+              <a:rPr lang="en-US" sz="3200" dirty="0">
                 <a:solidFill>
                   <a:schemeClr val="tx1"/>
                 </a:solidFill>
@@ -10891,26 +10747,38 @@
             </a:r>
           </a:p>
           <a:p>
-            <a:pPr lvl="1"/>
-            <a:r>
-              <a:rPr lang="en-US" sz="2000" dirty="0">
+            <a:r>
+              <a:rPr lang="en-US" dirty="0">
                 <a:solidFill>
                   <a:schemeClr val="tx1"/>
                 </a:solidFill>
               </a:rPr>
-              <a:t>There is a correlation between change in price and number of comments</a:t>
-            </a:r>
-          </a:p>
-          <a:p>
-            <a:pPr lvl="1"/>
-            <a:endParaRPr lang="en-US" sz="2000" dirty="0">
+              <a:t>There is a correlation between change in price and number of comments primarily with Dow Jones</a:t>
+            </a:r>
+          </a:p>
+          <a:p>
+            <a:pPr marL="0" indent="0">
+              <a:buNone/>
+            </a:pPr>
+            <a:endParaRPr lang="en-US" dirty="0">
               <a:solidFill>
                 <a:schemeClr val="tx1"/>
               </a:solidFill>
             </a:endParaRPr>
           </a:p>
           <a:p>
-            <a:endParaRPr lang="en-US" sz="2000" dirty="0">
+            <a:pPr marL="0" indent="0">
+              <a:buNone/>
+            </a:pPr>
+            <a:r>
+              <a:rPr lang="en-US" sz="3200" dirty="0">
+                <a:solidFill>
+                  <a:schemeClr val="tx1"/>
+                </a:solidFill>
+              </a:rPr>
+              <a:t>To satisfaction?</a:t>
+            </a:r>
+            <a:endParaRPr lang="en-US" sz="3600" dirty="0">
               <a:solidFill>
                 <a:schemeClr val="tx1"/>
               </a:solidFill>
@@ -10918,12 +10786,12 @@
           </a:p>
           <a:p>
             <a:r>
-              <a:rPr lang="en-US" sz="2000" dirty="0">
+              <a:rPr lang="en-US" dirty="0">
                 <a:solidFill>
                   <a:schemeClr val="tx1"/>
                 </a:solidFill>
               </a:rPr>
-              <a:t>To satisfaction: no</a:t>
+              <a:t>No</a:t>
             </a:r>
           </a:p>
         </p:txBody>
@@ -11139,7 +11007,7 @@
         <p:spPr>
           <a:xfrm>
             <a:off x="4423890" y="688749"/>
-            <a:ext cx="6286442" cy="5480504"/>
+            <a:ext cx="6536210" cy="5480504"/>
           </a:xfrm>
         </p:spPr>
         <p:txBody>
@@ -11148,16 +11016,29 @@
           </a:bodyPr>
           <a:lstStyle/>
           <a:p>
-            <a:r>
-              <a:rPr lang="en-US" sz="2000" dirty="0">
+            <a:pPr marL="0" indent="0">
+              <a:buNone/>
+            </a:pPr>
+            <a:r>
+              <a:rPr lang="en-US" sz="3200" dirty="0">
                 <a:solidFill>
                   <a:schemeClr val="tx1"/>
                 </a:solidFill>
               </a:rPr>
-              <a:t>Financial Data was taken from the Pandas </a:t>
-            </a:r>
-            <a:r>
-              <a:rPr lang="en-US" sz="2000" dirty="0" err="1">
+              <a:t>Financial Data was taken from:</a:t>
+            </a:r>
+          </a:p>
+          <a:p>
+            <a:r>
+              <a:rPr lang="en-US" dirty="0">
+                <a:solidFill>
+                  <a:schemeClr val="tx1"/>
+                </a:solidFill>
+              </a:rPr>
+              <a:t>Pandas </a:t>
+            </a:r>
+            <a:r>
+              <a:rPr lang="en-US" dirty="0" err="1">
                 <a:solidFill>
                   <a:schemeClr val="tx1"/>
                 </a:solidFill>
@@ -11165,7 +11046,7 @@
               <a:t>DataReader</a:t>
             </a:r>
             <a:r>
-              <a:rPr lang="en-US" sz="2000" dirty="0">
+              <a:rPr lang="en-US" dirty="0">
                 <a:solidFill>
                   <a:schemeClr val="tx1"/>
                 </a:solidFill>
@@ -11174,16 +11055,39 @@
             </a:r>
           </a:p>
           <a:p>
-            <a:r>
-              <a:rPr lang="en-US" sz="2000" dirty="0">
+            <a:pPr marL="0" indent="0">
+              <a:buNone/>
+            </a:pPr>
+            <a:endParaRPr lang="en-US" sz="3200" dirty="0">
+              <a:solidFill>
+                <a:schemeClr val="tx1"/>
+              </a:solidFill>
+            </a:endParaRPr>
+          </a:p>
+          <a:p>
+            <a:pPr marL="0" indent="0">
+              <a:buNone/>
+            </a:pPr>
+            <a:r>
+              <a:rPr lang="en-US" sz="3200" dirty="0">
                 <a:solidFill>
                   <a:schemeClr val="tx1"/>
                 </a:solidFill>
               </a:rPr>
-              <a:t>Social Media Data was scraped from Reddit through the </a:t>
-            </a:r>
-            <a:r>
-              <a:rPr lang="en-US" sz="2000" dirty="0" err="1">
+              <a:t>Social Media Data was scraped from:</a:t>
+            </a:r>
+          </a:p>
+          <a:p>
+            <a:r>
+              <a:rPr lang="en-US" dirty="0">
+                <a:solidFill>
+                  <a:schemeClr val="tx1"/>
+                </a:solidFill>
+              </a:rPr>
+              <a:t>Reddit via the </a:t>
+            </a:r>
+            <a:r>
+              <a:rPr lang="en-US" dirty="0" err="1">
                 <a:solidFill>
                   <a:schemeClr val="tx1"/>
                 </a:solidFill>
@@ -11191,22 +11095,13 @@
               <a:t>PushShift</a:t>
             </a:r>
             <a:r>
-              <a:rPr lang="en-US" sz="2000" dirty="0">
+              <a:rPr lang="en-US" dirty="0">
                 <a:solidFill>
                   <a:schemeClr val="tx1"/>
                 </a:solidFill>
               </a:rPr>
               <a:t> API</a:t>
             </a:r>
-          </a:p>
-          <a:p>
-            <a:endParaRPr lang="en-US" sz="2000" dirty="0">
-              <a:solidFill>
-                <a:schemeClr val="tx1">
-                  <a:lumMod val="95000"/>
-                </a:schemeClr>
-              </a:solidFill>
-            </a:endParaRPr>
           </a:p>
         </p:txBody>
       </p:sp>
@@ -11240,12 +11135,12 @@
           <a:chExt cx="0" cy="0"/>
         </a:xfrm>
       </p:grpSpPr>
-      <p:sp>
+      <p:sp useBgFill="1">
         <p:nvSpPr>
           <p:cNvPr id="8" name="Rectangle 7">
             <a:extLst>
               <a:ext uri="{FF2B5EF4-FFF2-40B4-BE49-F238E27FC236}">
-                <a16:creationId xmlns:a16="http://schemas.microsoft.com/office/drawing/2014/main" id="{02DC0D56-2145-4CB8-979D-ADF8E921AF72}"/>
+                <a16:creationId xmlns:a16="http://schemas.microsoft.com/office/drawing/2014/main" id="{87358089-2E54-4747-8D77-434291EB9A73}"/>
               </a:ext>
               <a:ext uri="{C183D7F6-B498-43B3-948B-1728B52AA6E4}">
                 <adec:decorative xmlns:adec="http://schemas.microsoft.com/office/drawing/2017/decorative" val="1"/>
@@ -11271,12 +11166,6 @@
           <a:prstGeom prst="rect">
             <a:avLst/>
           </a:prstGeom>
-          <a:solidFill>
-            <a:schemeClr val="bg1">
-              <a:lumMod val="85000"/>
-              <a:lumOff val="15000"/>
-            </a:schemeClr>
-          </a:solidFill>
           <a:ln>
             <a:noFill/>
           </a:ln>
@@ -11306,12 +11195,12 @@
           </a:p>
         </p:txBody>
       </p:sp>
-      <p:sp useBgFill="1">
+      <p:sp>
         <p:nvSpPr>
           <p:cNvPr id="10" name="Rectangle 9">
             <a:extLst>
               <a:ext uri="{FF2B5EF4-FFF2-40B4-BE49-F238E27FC236}">
-                <a16:creationId xmlns:a16="http://schemas.microsoft.com/office/drawing/2014/main" id="{272BB16D-1B1A-4782-92FD-2CF21910DF1C}"/>
+                <a16:creationId xmlns:a16="http://schemas.microsoft.com/office/drawing/2014/main" id="{F0318841-B257-4D3A-A6E5-309C003E0430}"/>
               </a:ext>
               <a:ext uri="{C183D7F6-B498-43B3-948B-1728B52AA6E4}">
                 <adec:decorative xmlns:adec="http://schemas.microsoft.com/office/drawing/2017/decorative" val="1"/>
@@ -11331,16 +11220,18 @@
         </p:nvSpPr>
         <p:spPr>
           <a:xfrm>
-            <a:off x="0" y="4626429"/>
-            <a:ext cx="12192000" cy="2231571"/>
+            <a:off x="0" y="0"/>
+            <a:ext cx="4062127" cy="6858000"/>
           </a:xfrm>
           <a:prstGeom prst="rect">
             <a:avLst/>
           </a:prstGeom>
+          <a:solidFill>
+            <a:srgbClr val="262626"/>
+          </a:solidFill>
           <a:ln>
             <a:noFill/>
           </a:ln>
-          <a:effectLst/>
         </p:spPr>
         <p:style>
           <a:lnRef idx="2">
@@ -11372,7 +11263,7 @@
           <p:cNvPr id="2" name="Title 1">
             <a:extLst>
               <a:ext uri="{FF2B5EF4-FFF2-40B4-BE49-F238E27FC236}">
-                <a16:creationId xmlns:a16="http://schemas.microsoft.com/office/drawing/2014/main" id="{BA6FA2B2-12F1-482C-ABC5-A3C4140903B6}"/>
+                <a16:creationId xmlns:a16="http://schemas.microsoft.com/office/drawing/2014/main" id="{0E303DDD-23A8-4B63-B536-6E143CB379B5}"/>
               </a:ext>
             </a:extLst>
           </p:cNvPr>
@@ -11380,40 +11271,38 @@
             <a:spLocks noGrp="1"/>
           </p:cNvSpPr>
           <p:nvPr>
-            <p:ph type="ctrTitle"/>
-          </p:nvPr>
-        </p:nvSpPr>
-        <p:spPr>
-          <a:xfrm>
-            <a:off x="838200" y="4963886"/>
-            <a:ext cx="10515600" cy="1141632"/>
-          </a:xfrm>
-        </p:spPr>
-        <p:txBody>
-          <a:bodyPr wrap="square">
+            <p:ph type="title"/>
+          </p:nvPr>
+        </p:nvSpPr>
+        <p:spPr>
+          <a:xfrm>
+            <a:off x="838200" y="688748"/>
+            <a:ext cx="2855140" cy="5480504"/>
+          </a:xfrm>
+        </p:spPr>
+        <p:txBody>
+          <a:bodyPr anchor="ctr">
             <a:normAutofit/>
           </a:bodyPr>
           <a:lstStyle/>
           <a:p>
             <a:r>
-              <a:rPr lang="en-US" sz="4400" dirty="0">
+              <a:rPr lang="en-US" sz="3600" dirty="0">
                 <a:solidFill>
-                  <a:schemeClr val="tx1">
-                    <a:lumMod val="95000"/>
-                  </a:schemeClr>
+                  <a:schemeClr val="tx1"/>
                 </a:solidFill>
               </a:rPr>
-              <a:t>Data Gathering</a:t>
-            </a:r>
-          </a:p>
-        </p:txBody>
-      </p:sp>
-      <p:sp>
-        <p:nvSpPr>
-          <p:cNvPr id="3" name="Subtitle 2">
+              <a:t>Data Cleanup &amp; Exploration</a:t>
+            </a:r>
+          </a:p>
+        </p:txBody>
+      </p:sp>
+      <p:sp>
+        <p:nvSpPr>
+          <p:cNvPr id="3" name="Content Placeholder 2">
             <a:extLst>
               <a:ext uri="{FF2B5EF4-FFF2-40B4-BE49-F238E27FC236}">
-                <a16:creationId xmlns:a16="http://schemas.microsoft.com/office/drawing/2014/main" id="{EEAB9B48-44F3-4B5F-BAB9-A201C2FA33BA}"/>
+                <a16:creationId xmlns:a16="http://schemas.microsoft.com/office/drawing/2014/main" id="{83F9DA96-40FC-4C63-827E-F08B135DC46B}"/>
               </a:ext>
             </a:extLst>
           </p:cNvPr>
@@ -11421,56 +11310,150 @@
             <a:spLocks noGrp="1"/>
           </p:cNvSpPr>
           <p:nvPr>
-            <p:ph type="subTitle" idx="1"/>
-          </p:nvPr>
-        </p:nvSpPr>
-        <p:spPr>
-          <a:xfrm>
-            <a:off x="0" y="0"/>
-            <a:ext cx="12192000" cy="4296339"/>
-          </a:xfrm>
-          <a:solidFill>
-            <a:schemeClr val="tx1">
-              <a:lumMod val="95000"/>
-            </a:schemeClr>
-          </a:solidFill>
-        </p:spPr>
-        <p:txBody>
-          <a:bodyPr>
+            <p:ph idx="1"/>
+          </p:nvPr>
+        </p:nvSpPr>
+        <p:spPr>
+          <a:xfrm>
+            <a:off x="4423890" y="688748"/>
+            <a:ext cx="6286442" cy="5480504"/>
+          </a:xfrm>
+        </p:spPr>
+        <p:txBody>
+          <a:bodyPr anchor="ctr">
             <a:normAutofit/>
           </a:bodyPr>
           <a:lstStyle/>
           <a:p>
-            <a:r>
-              <a:rPr lang="en-US" dirty="0" err="1">
+            <a:pPr marL="0" indent="0">
+              <a:buNone/>
+            </a:pPr>
+            <a:r>
+              <a:rPr lang="en-US" sz="3200" dirty="0">
                 <a:solidFill>
-                  <a:schemeClr val="tx2"/>
+                  <a:schemeClr val="tx1"/>
                 </a:solidFill>
-                <a:hlinkClick r:id="rId2" action="ppaction://hlinkfile"/>
               </a:rPr>
-              <a:t>Jupyter</a:t>
-            </a:r>
-            <a:r>
-              <a:rPr lang="en-US" dirty="0">
+              <a:t>Exploration &amp; Insights</a:t>
+            </a:r>
+          </a:p>
+          <a:p>
+            <a:pPr lvl="1"/>
+            <a:r>
+              <a:rPr lang="en-US" sz="2800" dirty="0">
                 <a:solidFill>
-                  <a:schemeClr val="tx2"/>
+                  <a:schemeClr val="tx1"/>
                 </a:solidFill>
-                <a:hlinkClick r:id="rId2" action="ppaction://hlinkfile"/>
               </a:rPr>
-              <a:t> Notebook</a:t>
-            </a:r>
-            <a:endParaRPr lang="en-US" dirty="0">
+              <a:t>Vast amount of data</a:t>
+            </a:r>
+          </a:p>
+          <a:p>
+            <a:pPr lvl="1"/>
+            <a:r>
+              <a:rPr lang="en-US" sz="2800" dirty="0">
+                <a:solidFill>
+                  <a:schemeClr val="tx1"/>
+                </a:solidFill>
+              </a:rPr>
+              <a:t>High and Low vs Daily Range</a:t>
+            </a:r>
+          </a:p>
+          <a:p>
+            <a:pPr lvl="1"/>
+            <a:r>
+              <a:rPr lang="en-US" sz="2800" dirty="0">
+                <a:solidFill>
+                  <a:schemeClr val="tx1"/>
+                </a:solidFill>
+              </a:rPr>
+              <a:t>Meaning of Volume</a:t>
+            </a:r>
+          </a:p>
+          <a:p>
+            <a:pPr marL="0" indent="0">
+              <a:buNone/>
+            </a:pPr>
+            <a:endParaRPr lang="en-US" sz="3200" dirty="0">
               <a:solidFill>
-                <a:schemeClr val="tx2"/>
+                <a:schemeClr val="tx1"/>
               </a:solidFill>
             </a:endParaRPr>
+          </a:p>
+          <a:p>
+            <a:pPr marL="0" indent="0">
+              <a:buNone/>
+            </a:pPr>
+            <a:r>
+              <a:rPr lang="en-US" sz="3200" dirty="0">
+                <a:solidFill>
+                  <a:schemeClr val="tx1"/>
+                </a:solidFill>
+              </a:rPr>
+              <a:t>Problems</a:t>
+            </a:r>
+          </a:p>
+          <a:p>
+            <a:pPr lvl="1"/>
+            <a:r>
+              <a:rPr lang="en-US" sz="2800" dirty="0">
+                <a:solidFill>
+                  <a:schemeClr val="tx1"/>
+                </a:solidFill>
+              </a:rPr>
+              <a:t>Date incongruities</a:t>
+            </a:r>
+          </a:p>
+          <a:p>
+            <a:pPr lvl="1"/>
+            <a:r>
+              <a:rPr lang="en-US" sz="2800" dirty="0">
+                <a:solidFill>
+                  <a:schemeClr val="tx1"/>
+                </a:solidFill>
+              </a:rPr>
+              <a:t>Polysemy of ‘Tether’</a:t>
+            </a:r>
+          </a:p>
+          <a:p>
+            <a:pPr lvl="1"/>
+            <a:r>
+              <a:rPr lang="en-US" sz="2800" dirty="0">
+                <a:solidFill>
+                  <a:schemeClr val="tx1"/>
+                </a:solidFill>
+              </a:rPr>
+              <a:t>Dual Index</a:t>
+            </a:r>
+          </a:p>
+          <a:p>
+            <a:pPr lvl="1"/>
+            <a:r>
+              <a:rPr lang="en-US" sz="2800" dirty="0">
+                <a:solidFill>
+                  <a:schemeClr val="tx1"/>
+                </a:solidFill>
+              </a:rPr>
+              <a:t>Timestamp objects</a:t>
+            </a:r>
+          </a:p>
+          <a:p>
+            <a:pPr lvl="1"/>
+            <a:r>
+              <a:rPr lang="en-US" sz="2800" dirty="0">
+                <a:solidFill>
+                  <a:schemeClr val="tx1"/>
+                </a:solidFill>
+              </a:rPr>
+              <a:t>API rate limited</a:t>
+            </a:r>
           </a:p>
         </p:txBody>
       </p:sp>
     </p:spTree>
     <p:extLst>
       <p:ext uri="{BB962C8B-B14F-4D97-AF65-F5344CB8AC3E}">
-        <p14:creationId xmlns:p14="http://schemas.microsoft.com/office/powerpoint/2010/main" val="371276346"/>
+        <p14:creationId xmlns:p14="http://schemas.microsoft.com/office/powerpoint/2010/main" val="1251452503"/>
       </p:ext>
     </p:extLst>
   </p:cSld>
@@ -11497,12 +11480,12 @@
           <a:chExt cx="0" cy="0"/>
         </a:xfrm>
       </p:grpSpPr>
-      <p:sp useBgFill="1">
-        <p:nvSpPr>
-          <p:cNvPr id="8" name="Rectangle 7">
+      <p:sp>
+        <p:nvSpPr>
+          <p:cNvPr id="12" name="Rectangle 7">
             <a:extLst>
               <a:ext uri="{FF2B5EF4-FFF2-40B4-BE49-F238E27FC236}">
-                <a16:creationId xmlns:a16="http://schemas.microsoft.com/office/drawing/2014/main" id="{87358089-2E54-4747-8D77-434291EB9A73}"/>
+                <a16:creationId xmlns:a16="http://schemas.microsoft.com/office/drawing/2014/main" id="{02DC0D56-2145-4CB8-979D-ADF8E921AF72}"/>
               </a:ext>
               <a:ext uri="{C183D7F6-B498-43B3-948B-1728B52AA6E4}">
                 <adec:decorative xmlns:adec="http://schemas.microsoft.com/office/drawing/2017/decorative" val="1"/>
@@ -11528,6 +11511,12 @@
           <a:prstGeom prst="rect">
             <a:avLst/>
           </a:prstGeom>
+          <a:solidFill>
+            <a:schemeClr val="bg1">
+              <a:lumMod val="85000"/>
+              <a:lumOff val="15000"/>
+            </a:schemeClr>
+          </a:solidFill>
           <a:ln>
             <a:noFill/>
           </a:ln>
@@ -11557,12 +11546,12 @@
           </a:p>
         </p:txBody>
       </p:sp>
-      <p:sp>
-        <p:nvSpPr>
-          <p:cNvPr id="10" name="Rectangle 9">
+      <p:sp useBgFill="1">
+        <p:nvSpPr>
+          <p:cNvPr id="13" name="Rectangle 9">
             <a:extLst>
               <a:ext uri="{FF2B5EF4-FFF2-40B4-BE49-F238E27FC236}">
-                <a16:creationId xmlns:a16="http://schemas.microsoft.com/office/drawing/2014/main" id="{F0318841-B257-4D3A-A6E5-309C003E0430}"/>
+                <a16:creationId xmlns:a16="http://schemas.microsoft.com/office/drawing/2014/main" id="{272BB16D-1B1A-4782-92FD-2CF21910DF1C}"/>
               </a:ext>
               <a:ext uri="{C183D7F6-B498-43B3-948B-1728B52AA6E4}">
                 <adec:decorative xmlns:adec="http://schemas.microsoft.com/office/drawing/2017/decorative" val="1"/>
@@ -11582,18 +11571,16 @@
         </p:nvSpPr>
         <p:spPr>
           <a:xfrm>
-            <a:off x="0" y="0"/>
-            <a:ext cx="4062127" cy="6858000"/>
+            <a:off x="0" y="4626429"/>
+            <a:ext cx="12192000" cy="2231571"/>
           </a:xfrm>
           <a:prstGeom prst="rect">
             <a:avLst/>
           </a:prstGeom>
-          <a:solidFill>
-            <a:srgbClr val="262626"/>
-          </a:solidFill>
           <a:ln>
             <a:noFill/>
           </a:ln>
+          <a:effectLst/>
         </p:spPr>
         <p:style>
           <a:lnRef idx="2">
@@ -11625,7 +11612,7 @@
           <p:cNvPr id="2" name="Title 1">
             <a:extLst>
               <a:ext uri="{FF2B5EF4-FFF2-40B4-BE49-F238E27FC236}">
-                <a16:creationId xmlns:a16="http://schemas.microsoft.com/office/drawing/2014/main" id="{0E303DDD-23A8-4B63-B536-6E143CB379B5}"/>
+                <a16:creationId xmlns:a16="http://schemas.microsoft.com/office/drawing/2014/main" id="{99C8213B-E952-42E8-8F04-C788A5EA6B25}"/>
               </a:ext>
             </a:extLst>
           </p:cNvPr>
@@ -11638,146 +11625,291 @@
         </p:nvSpPr>
         <p:spPr>
           <a:xfrm>
-            <a:off x="838200" y="688748"/>
-            <a:ext cx="2855140" cy="5480504"/>
-          </a:xfrm>
-        </p:spPr>
-        <p:txBody>
-          <a:bodyPr anchor="ctr">
+            <a:off x="838200" y="4963886"/>
+            <a:ext cx="10515600" cy="1141632"/>
+          </a:xfrm>
+        </p:spPr>
+        <p:txBody>
+          <a:bodyPr vert="horz" wrap="square" lIns="91440" tIns="45720" rIns="91440" bIns="45720" rtlCol="0" anchor="t">
             <a:normAutofit/>
           </a:bodyPr>
           <a:lstStyle/>
           <a:p>
-            <a:r>
-              <a:rPr lang="en-US" sz="3600" dirty="0">
+            <a:pPr algn="r"/>
+            <a:r>
+              <a:rPr lang="en-US" sz="4400" spc="-300" dirty="0">
                 <a:solidFill>
                   <a:schemeClr val="tx1"/>
                 </a:solidFill>
+                <a:effectLst>
+                  <a:outerShdw blurRad="38100" dist="38100" dir="2700000" algn="tl">
+                    <a:srgbClr val="000000">
+                      <a:alpha val="43137"/>
+                    </a:srgbClr>
+                  </a:outerShdw>
+                </a:effectLst>
+                <a:hlinkClick r:id="rId2" action="ppaction://hlinkfile">
+                  <a:extLst>
+                    <a:ext uri="{A12FA001-AC4F-418D-AE19-62706E023703}">
+                      <ahyp:hlinkClr xmlns:ahyp="http://schemas.microsoft.com/office/drawing/2018/hyperlinkcolor" val="tx"/>
+                    </a:ext>
+                  </a:extLst>
+                </a:hlinkClick>
               </a:rPr>
-              <a:t>Data Cleanup &amp; Exploration</a:t>
-            </a:r>
-          </a:p>
-        </p:txBody>
-      </p:sp>
-      <p:sp>
-        <p:nvSpPr>
-          <p:cNvPr id="3" name="Content Placeholder 2">
+              <a:t>Data Cleaning</a:t>
+            </a:r>
+            <a:endParaRPr lang="en-US" sz="4400" spc="-300" dirty="0">
+              <a:solidFill>
+                <a:schemeClr val="tx1"/>
+              </a:solidFill>
+              <a:effectLst>
+                <a:outerShdw blurRad="38100" dist="38100" dir="2700000" algn="tl">
+                  <a:srgbClr val="000000">
+                    <a:alpha val="43137"/>
+                  </a:srgbClr>
+                </a:outerShdw>
+              </a:effectLst>
+            </a:endParaRPr>
+          </a:p>
+        </p:txBody>
+      </p:sp>
+      <p:sp>
+        <p:nvSpPr>
+          <p:cNvPr id="5" name="Subtitle 2">
             <a:extLst>
               <a:ext uri="{FF2B5EF4-FFF2-40B4-BE49-F238E27FC236}">
-                <a16:creationId xmlns:a16="http://schemas.microsoft.com/office/drawing/2014/main" id="{83F9DA96-40FC-4C63-827E-F08B135DC46B}"/>
+                <a16:creationId xmlns:a16="http://schemas.microsoft.com/office/drawing/2014/main" id="{9FB7A43C-7F38-42DA-BC57-785606DBE9A8}"/>
               </a:ext>
             </a:extLst>
           </p:cNvPr>
-          <p:cNvSpPr>
-            <a:spLocks noGrp="1"/>
-          </p:cNvSpPr>
-          <p:nvPr>
-            <p:ph idx="1"/>
-          </p:nvPr>
-        </p:nvSpPr>
-        <p:spPr>
-          <a:xfrm>
-            <a:off x="4423890" y="688749"/>
-            <a:ext cx="6286442" cy="5480504"/>
-          </a:xfrm>
-        </p:spPr>
-        <p:txBody>
-          <a:bodyPr anchor="ctr">
+          <p:cNvSpPr txBox="1">
+            <a:spLocks/>
+          </p:cNvSpPr>
+          <p:nvPr/>
+        </p:nvSpPr>
+        <p:spPr>
+          <a:xfrm>
+            <a:off x="0" y="0"/>
+            <a:ext cx="12192000" cy="4296339"/>
+          </a:xfrm>
+          <a:prstGeom prst="rect">
+            <a:avLst/>
+          </a:prstGeom>
+          <a:solidFill>
+            <a:schemeClr val="tx1"/>
+          </a:solidFill>
+        </p:spPr>
+        <p:txBody>
+          <a:bodyPr vert="horz" lIns="91440" tIns="45720" rIns="91440" bIns="45720" rtlCol="0" anchor="b">
             <a:normAutofit/>
           </a:bodyPr>
-          <a:lstStyle/>
-          <a:p>
-            <a:r>
-              <a:rPr lang="en-US" sz="2000" dirty="0">
+          <a:lstStyle>
+            <a:lvl1pPr indent="0" algn="r" defTabSz="914400">
+              <a:lnSpc>
+                <a:spcPct val="90000"/>
+              </a:lnSpc>
+              <a:spcBef>
+                <a:spcPts val="1000"/>
+              </a:spcBef>
+              <a:buFont typeface="Arial" panose="020B0604020202020204" pitchFamily="34" charset="0"/>
+              <a:buNone/>
+              <a:defRPr sz="3200" b="0">
                 <a:solidFill>
-                  <a:schemeClr val="tx1"/>
+                  <a:schemeClr val="tx2"/>
                 </a:solidFill>
-              </a:rPr>
-              <a:t>Describe the exploration and cleanup process</a:t>
-            </a:r>
-          </a:p>
-          <a:p>
-            <a:pPr lvl="1"/>
-            <a:endParaRPr lang="en-US" sz="1600" dirty="0">
-              <a:solidFill>
-                <a:schemeClr val="tx1"/>
-              </a:solidFill>
-            </a:endParaRPr>
-          </a:p>
-          <a:p>
-            <a:r>
-              <a:rPr lang="en-US" sz="2000" dirty="0">
-                <a:solidFill>
-                  <a:schemeClr val="tx1"/>
-                </a:solidFill>
-              </a:rPr>
-              <a:t>Discuss insights you had while exploring the data that you didn't anticipate</a:t>
-            </a:r>
-          </a:p>
-          <a:p>
-            <a:r>
-              <a:rPr lang="en-US" sz="2000" dirty="0">
-                <a:solidFill>
-                  <a:schemeClr val="tx1"/>
-                </a:solidFill>
-              </a:rPr>
-              <a:t>Discuss any problems that arose after exploring the data, and how you resolved them</a:t>
-            </a:r>
-          </a:p>
-          <a:p>
-            <a:pPr lvl="1"/>
-            <a:r>
-              <a:rPr lang="en-US" sz="2000" dirty="0">
-                <a:solidFill>
-                  <a:schemeClr val="tx1"/>
-                </a:solidFill>
-              </a:rPr>
-              <a:t>Date incongruities</a:t>
-            </a:r>
-          </a:p>
-          <a:p>
-            <a:pPr lvl="1"/>
-            <a:r>
-              <a:rPr lang="en-US" sz="2000" dirty="0">
-                <a:solidFill>
-                  <a:schemeClr val="tx1"/>
-                </a:solidFill>
-              </a:rPr>
-              <a:t>Polysemy of Tether</a:t>
-            </a:r>
-          </a:p>
-          <a:p>
-            <a:r>
-              <a:rPr lang="en-US" sz="2000" dirty="0">
-                <a:solidFill>
-                  <a:schemeClr val="tx1"/>
-                </a:solidFill>
-              </a:rPr>
-              <a:t>Present and discuss interesting figures developed during exploration, ideally with the help of </a:t>
-            </a:r>
-            <a:r>
-              <a:rPr lang="en-US" sz="2000" dirty="0" err="1">
-                <a:solidFill>
-                  <a:schemeClr val="tx1"/>
-                </a:solidFill>
-              </a:rPr>
-              <a:t>Jupyter</a:t>
-            </a:r>
-            <a:r>
-              <a:rPr lang="en-US" sz="2000" dirty="0">
-                <a:solidFill>
-                  <a:schemeClr val="tx1"/>
-                </a:solidFill>
-              </a:rPr>
-              <a:t> Notebook</a:t>
-            </a:r>
+                <a:latin typeface="+mj-lt"/>
+              </a:defRPr>
+            </a:lvl1pPr>
+            <a:lvl2pPr indent="0" algn="ctr" defTabSz="914400">
+              <a:lnSpc>
+                <a:spcPct val="90000"/>
+              </a:lnSpc>
+              <a:spcBef>
+                <a:spcPts val="500"/>
+              </a:spcBef>
+              <a:buFont typeface="Arial" panose="020B0604020202020204" pitchFamily="34" charset="0"/>
+              <a:buNone/>
+              <a:defRPr sz="2000">
+                <a:gradFill>
+                  <a:gsLst>
+                    <a:gs pos="34000">
+                      <a:schemeClr val="tx1">
+                        <a:lumMod val="93000"/>
+                      </a:schemeClr>
+                    </a:gs>
+                    <a:gs pos="0">
+                      <a:schemeClr val="bg1">
+                        <a:lumMod val="25000"/>
+                        <a:lumOff val="75000"/>
+                      </a:schemeClr>
+                    </a:gs>
+                    <a:gs pos="100000">
+                      <a:schemeClr val="tx2">
+                        <a:lumMod val="0"/>
+                        <a:lumOff val="100000"/>
+                      </a:schemeClr>
+                    </a:gs>
+                  </a:gsLst>
+                  <a:lin ang="4800000" scaled="0"/>
+                </a:gradFill>
+              </a:defRPr>
+            </a:lvl2pPr>
+            <a:lvl3pPr indent="0" algn="ctr" defTabSz="914400">
+              <a:lnSpc>
+                <a:spcPct val="90000"/>
+              </a:lnSpc>
+              <a:spcBef>
+                <a:spcPts val="500"/>
+              </a:spcBef>
+              <a:buFont typeface="Arial" panose="020B0604020202020204" pitchFamily="34" charset="0"/>
+              <a:buNone/>
+              <a:defRPr>
+                <a:gradFill>
+                  <a:gsLst>
+                    <a:gs pos="34000">
+                      <a:schemeClr val="tx1">
+                        <a:lumMod val="93000"/>
+                      </a:schemeClr>
+                    </a:gs>
+                    <a:gs pos="0">
+                      <a:schemeClr val="bg1">
+                        <a:lumMod val="25000"/>
+                        <a:lumOff val="75000"/>
+                      </a:schemeClr>
+                    </a:gs>
+                    <a:gs pos="100000">
+                      <a:schemeClr val="tx2">
+                        <a:lumMod val="0"/>
+                        <a:lumOff val="100000"/>
+                      </a:schemeClr>
+                    </a:gs>
+                  </a:gsLst>
+                  <a:lin ang="4800000" scaled="0"/>
+                </a:gradFill>
+              </a:defRPr>
+            </a:lvl3pPr>
+            <a:lvl4pPr indent="0" algn="ctr" defTabSz="914400">
+              <a:lnSpc>
+                <a:spcPct val="90000"/>
+              </a:lnSpc>
+              <a:spcBef>
+                <a:spcPts val="500"/>
+              </a:spcBef>
+              <a:buFont typeface="Arial" panose="020B0604020202020204" pitchFamily="34" charset="0"/>
+              <a:buNone/>
+              <a:defRPr sz="1600">
+                <a:gradFill>
+                  <a:gsLst>
+                    <a:gs pos="34000">
+                      <a:schemeClr val="tx1">
+                        <a:lumMod val="93000"/>
+                      </a:schemeClr>
+                    </a:gs>
+                    <a:gs pos="0">
+                      <a:schemeClr val="bg1">
+                        <a:lumMod val="25000"/>
+                        <a:lumOff val="75000"/>
+                      </a:schemeClr>
+                    </a:gs>
+                    <a:gs pos="100000">
+                      <a:schemeClr val="tx2">
+                        <a:lumMod val="0"/>
+                        <a:lumOff val="100000"/>
+                      </a:schemeClr>
+                    </a:gs>
+                  </a:gsLst>
+                  <a:lin ang="4800000" scaled="0"/>
+                </a:gradFill>
+              </a:defRPr>
+            </a:lvl4pPr>
+            <a:lvl5pPr indent="0" algn="ctr" defTabSz="914400">
+              <a:lnSpc>
+                <a:spcPct val="90000"/>
+              </a:lnSpc>
+              <a:spcBef>
+                <a:spcPts val="500"/>
+              </a:spcBef>
+              <a:buFont typeface="Arial" panose="020B0604020202020204" pitchFamily="34" charset="0"/>
+              <a:buNone/>
+              <a:defRPr sz="1600">
+                <a:gradFill>
+                  <a:gsLst>
+                    <a:gs pos="34000">
+                      <a:schemeClr val="tx1">
+                        <a:lumMod val="93000"/>
+                      </a:schemeClr>
+                    </a:gs>
+                    <a:gs pos="0">
+                      <a:schemeClr val="bg1">
+                        <a:lumMod val="25000"/>
+                        <a:lumOff val="75000"/>
+                      </a:schemeClr>
+                    </a:gs>
+                    <a:gs pos="100000">
+                      <a:schemeClr val="tx2">
+                        <a:lumMod val="0"/>
+                        <a:lumOff val="100000"/>
+                      </a:schemeClr>
+                    </a:gs>
+                  </a:gsLst>
+                  <a:lin ang="4800000" scaled="0"/>
+                </a:gradFill>
+              </a:defRPr>
+            </a:lvl5pPr>
+            <a:lvl6pPr indent="0" algn="ctr" defTabSz="914400">
+              <a:lnSpc>
+                <a:spcPct val="90000"/>
+              </a:lnSpc>
+              <a:spcBef>
+                <a:spcPts val="500"/>
+              </a:spcBef>
+              <a:buFont typeface="Arial" panose="020B0604020202020204" pitchFamily="34" charset="0"/>
+              <a:buNone/>
+              <a:defRPr sz="1600"/>
+            </a:lvl6pPr>
+            <a:lvl7pPr indent="0" algn="ctr" defTabSz="914400">
+              <a:lnSpc>
+                <a:spcPct val="90000"/>
+              </a:lnSpc>
+              <a:spcBef>
+                <a:spcPts val="500"/>
+              </a:spcBef>
+              <a:buFont typeface="Arial" panose="020B0604020202020204" pitchFamily="34" charset="0"/>
+              <a:buNone/>
+              <a:defRPr sz="1600"/>
+            </a:lvl7pPr>
+            <a:lvl8pPr indent="0" algn="ctr" defTabSz="914400">
+              <a:lnSpc>
+                <a:spcPct val="90000"/>
+              </a:lnSpc>
+              <a:spcBef>
+                <a:spcPts val="500"/>
+              </a:spcBef>
+              <a:buFont typeface="Arial" panose="020B0604020202020204" pitchFamily="34" charset="0"/>
+              <a:buNone/>
+              <a:defRPr sz="1600"/>
+            </a:lvl8pPr>
+            <a:lvl9pPr indent="0" algn="ctr" defTabSz="914400">
+              <a:lnSpc>
+                <a:spcPct val="90000"/>
+              </a:lnSpc>
+              <a:spcBef>
+                <a:spcPts val="500"/>
+              </a:spcBef>
+              <a:buFont typeface="Arial" panose="020B0604020202020204" pitchFamily="34" charset="0"/>
+              <a:buNone/>
+              <a:defRPr sz="1600"/>
+            </a:lvl9pPr>
+          </a:lstStyle>
+          <a:p>
+            <a:endParaRPr lang="en-US" dirty="0"/>
           </a:p>
         </p:txBody>
       </p:sp>
     </p:spTree>
     <p:extLst>
       <p:ext uri="{BB962C8B-B14F-4D97-AF65-F5344CB8AC3E}">
-        <p14:creationId xmlns:p14="http://schemas.microsoft.com/office/powerpoint/2010/main" val="1251452503"/>
+        <p14:creationId xmlns:p14="http://schemas.microsoft.com/office/powerpoint/2010/main" val="878122203"/>
       </p:ext>
     </p:extLst>
   </p:cSld>
@@ -11788,7 +11920,7 @@
 </file>
 
 <file path=ppt/slides/slide6.xml><?xml version="1.0" encoding="utf-8"?>
-<p:sld xmlns:a="http://schemas.openxmlformats.org/drawingml/2006/main" xmlns:r="http://schemas.openxmlformats.org/officeDocument/2006/relationships" xmlns:p="http://schemas.openxmlformats.org/presentationml/2006/main">
+<p:sld xmlns:a="http://schemas.openxmlformats.org/drawingml/2006/main" xmlns:r="http://schemas.openxmlformats.org/officeDocument/2006/relationships" xmlns:p="http://schemas.openxmlformats.org/presentationml/2006/main" show="0">
   <p:cSld>
     <p:spTree>
       <p:nvGrpSpPr>
@@ -11804,12 +11936,12 @@
           <a:chExt cx="0" cy="0"/>
         </a:xfrm>
       </p:grpSpPr>
-      <p:sp>
-        <p:nvSpPr>
-          <p:cNvPr id="12" name="Rectangle 7">
+      <p:sp useBgFill="1">
+        <p:nvSpPr>
+          <p:cNvPr id="8" name="Rectangle 7">
             <a:extLst>
               <a:ext uri="{FF2B5EF4-FFF2-40B4-BE49-F238E27FC236}">
-                <a16:creationId xmlns:a16="http://schemas.microsoft.com/office/drawing/2014/main" id="{02DC0D56-2145-4CB8-979D-ADF8E921AF72}"/>
+                <a16:creationId xmlns:a16="http://schemas.microsoft.com/office/drawing/2014/main" id="{87358089-2E54-4747-8D77-434291EB9A73}"/>
               </a:ext>
               <a:ext uri="{C183D7F6-B498-43B3-948B-1728B52AA6E4}">
                 <adec:decorative xmlns:adec="http://schemas.microsoft.com/office/drawing/2017/decorative" val="1"/>
@@ -11835,12 +11967,6 @@
           <a:prstGeom prst="rect">
             <a:avLst/>
           </a:prstGeom>
-          <a:solidFill>
-            <a:schemeClr val="bg1">
-              <a:lumMod val="85000"/>
-              <a:lumOff val="15000"/>
-            </a:schemeClr>
-          </a:solidFill>
           <a:ln>
             <a:noFill/>
           </a:ln>
@@ -11870,12 +11996,12 @@
           </a:p>
         </p:txBody>
       </p:sp>
-      <p:sp useBgFill="1">
-        <p:nvSpPr>
-          <p:cNvPr id="13" name="Rectangle 9">
+      <p:sp>
+        <p:nvSpPr>
+          <p:cNvPr id="10" name="Rectangle 9">
             <a:extLst>
               <a:ext uri="{FF2B5EF4-FFF2-40B4-BE49-F238E27FC236}">
-                <a16:creationId xmlns:a16="http://schemas.microsoft.com/office/drawing/2014/main" id="{272BB16D-1B1A-4782-92FD-2CF21910DF1C}"/>
+                <a16:creationId xmlns:a16="http://schemas.microsoft.com/office/drawing/2014/main" id="{F0318841-B257-4D3A-A6E5-309C003E0430}"/>
               </a:ext>
               <a:ext uri="{C183D7F6-B498-43B3-948B-1728B52AA6E4}">
                 <adec:decorative xmlns:adec="http://schemas.microsoft.com/office/drawing/2017/decorative" val="1"/>
@@ -11895,16 +12021,18 @@
         </p:nvSpPr>
         <p:spPr>
           <a:xfrm>
-            <a:off x="0" y="4626429"/>
-            <a:ext cx="12192000" cy="2231571"/>
+            <a:off x="0" y="0"/>
+            <a:ext cx="4062127" cy="6858000"/>
           </a:xfrm>
           <a:prstGeom prst="rect">
             <a:avLst/>
           </a:prstGeom>
+          <a:solidFill>
+            <a:srgbClr val="262626"/>
+          </a:solidFill>
           <a:ln>
             <a:noFill/>
           </a:ln>
-          <a:effectLst/>
         </p:spPr>
         <p:style>
           <a:lnRef idx="2">
@@ -11936,7 +12064,7 @@
           <p:cNvPr id="2" name="Title 1">
             <a:extLst>
               <a:ext uri="{FF2B5EF4-FFF2-40B4-BE49-F238E27FC236}">
-                <a16:creationId xmlns:a16="http://schemas.microsoft.com/office/drawing/2014/main" id="{99C8213B-E952-42E8-8F04-C788A5EA6B25}"/>
+                <a16:creationId xmlns:a16="http://schemas.microsoft.com/office/drawing/2014/main" id="{DF181E76-20E9-4E12-AD03-82900000BAD1}"/>
               </a:ext>
             </a:extLst>
           </p:cNvPr>
@@ -11949,41 +12077,285 @@
         </p:nvSpPr>
         <p:spPr>
           <a:xfrm>
-            <a:off x="838200" y="4963886"/>
-            <a:ext cx="10515600" cy="1141632"/>
-          </a:xfrm>
-        </p:spPr>
-        <p:txBody>
-          <a:bodyPr vert="horz" wrap="square" lIns="91440" tIns="45720" rIns="91440" bIns="45720" rtlCol="0" anchor="t">
+            <a:off x="175726" y="687025"/>
+            <a:ext cx="2855140" cy="5480504"/>
+          </a:xfrm>
+        </p:spPr>
+        <p:txBody>
+          <a:bodyPr anchor="ctr">
             <a:normAutofit/>
           </a:bodyPr>
           <a:lstStyle/>
           <a:p>
-            <a:pPr algn="r"/>
-            <a:r>
-              <a:rPr lang="en-US" sz="4400" spc="-300" dirty="0">
+            <a:r>
+              <a:rPr lang="en-US" sz="3600" dirty="0">
                 <a:solidFill>
-                  <a:schemeClr val="tx1"/>
+                  <a:schemeClr val="tx1">
+                    <a:lumMod val="95000"/>
+                  </a:schemeClr>
                 </a:solidFill>
-                <a:effectLst>
-                  <a:outerShdw blurRad="469900" dist="342900" dir="5400000" sy="-20000" rotWithShape="0">
-                    <a:prstClr val="black">
-                      <a:alpha val="66000"/>
-                    </a:prstClr>
-                  </a:outerShdw>
-                </a:effectLst>
               </a:rPr>
-              <a:t>Data Cleaning and Exploration</a:t>
-            </a:r>
-          </a:p>
-        </p:txBody>
-      </p:sp>
-      <p:sp>
-        <p:nvSpPr>
-          <p:cNvPr id="5" name="Subtitle 2">
+              <a:t>Data Exploration</a:t>
+            </a:r>
+            <a:endParaRPr lang="en-US" sz="3600" dirty="0">
+              <a:solidFill>
+                <a:schemeClr val="tx1"/>
+              </a:solidFill>
+            </a:endParaRPr>
+          </a:p>
+        </p:txBody>
+      </p:sp>
+      <p:pic>
+        <p:nvPicPr>
+          <p:cNvPr id="9" name="Picture 8" descr="Chart&#10;&#10;Description automatically generated">
             <a:extLst>
               <a:ext uri="{FF2B5EF4-FFF2-40B4-BE49-F238E27FC236}">
-                <a16:creationId xmlns:a16="http://schemas.microsoft.com/office/drawing/2014/main" id="{9FB7A43C-7F38-42DA-BC57-785606DBE9A8}"/>
+                <a16:creationId xmlns:a16="http://schemas.microsoft.com/office/drawing/2014/main" id="{EE7846F7-B51E-4A5C-9D89-C72803F352BE}"/>
+              </a:ext>
+            </a:extLst>
+          </p:cNvPr>
+          <p:cNvPicPr>
+            <a:picLocks noChangeAspect="1"/>
+          </p:cNvPicPr>
+          <p:nvPr/>
+        </p:nvPicPr>
+        <p:blipFill rotWithShape="1">
+          <a:blip r:embed="rId2">
+            <a:extLst>
+              <a:ext uri="{28A0092B-C50C-407E-A947-70E740481C1C}">
+                <a14:useLocalDpi xmlns:a14="http://schemas.microsoft.com/office/drawing/2010/main" val="0"/>
+              </a:ext>
+            </a:extLst>
+          </a:blip>
+          <a:srcRect l="7609" t="10043" r="9346" b="8091"/>
+          <a:stretch/>
+        </p:blipFill>
+        <p:spPr>
+          <a:xfrm>
+            <a:off x="4062127" y="156088"/>
+            <a:ext cx="8129873" cy="6701912"/>
+          </a:xfrm>
+          <a:prstGeom prst="rect">
+            <a:avLst/>
+          </a:prstGeom>
+        </p:spPr>
+      </p:pic>
+      <p:pic>
+        <p:nvPicPr>
+          <p:cNvPr id="7" name="Picture 6" descr="Chart, scatter chart&#10;&#10;Description automatically generated">
+            <a:extLst>
+              <a:ext uri="{FF2B5EF4-FFF2-40B4-BE49-F238E27FC236}">
+                <a16:creationId xmlns:a16="http://schemas.microsoft.com/office/drawing/2014/main" id="{32B4FA64-F3C3-4F1E-8A8E-1F4C6D081A47}"/>
+              </a:ext>
+            </a:extLst>
+          </p:cNvPr>
+          <p:cNvPicPr>
+            <a:picLocks noChangeAspect="1"/>
+          </p:cNvPicPr>
+          <p:nvPr/>
+        </p:nvPicPr>
+        <p:blipFill rotWithShape="1">
+          <a:blip r:embed="rId3">
+            <a:extLst>
+              <a:ext uri="{28A0092B-C50C-407E-A947-70E740481C1C}">
+                <a14:useLocalDpi xmlns:a14="http://schemas.microsoft.com/office/drawing/2010/main" val="0"/>
+              </a:ext>
+            </a:extLst>
+          </a:blip>
+          <a:srcRect r="8146"/>
+          <a:stretch/>
+        </p:blipFill>
+        <p:spPr>
+          <a:xfrm>
+            <a:off x="2728627" y="-8878"/>
+            <a:ext cx="1458181" cy="1143000"/>
+          </a:xfrm>
+          <a:prstGeom prst="rect">
+            <a:avLst/>
+          </a:prstGeom>
+        </p:spPr>
+      </p:pic>
+      <p:pic>
+        <p:nvPicPr>
+          <p:cNvPr id="12" name="Picture 11" descr="Chart, scatter chart&#10;&#10;Description automatically generated">
+            <a:extLst>
+              <a:ext uri="{FF2B5EF4-FFF2-40B4-BE49-F238E27FC236}">
+                <a16:creationId xmlns:a16="http://schemas.microsoft.com/office/drawing/2014/main" id="{E1F099EB-A190-4FA1-9BAB-6984E043275C}"/>
+              </a:ext>
+            </a:extLst>
+          </p:cNvPr>
+          <p:cNvPicPr>
+            <a:picLocks noChangeAspect="1"/>
+          </p:cNvPicPr>
+          <p:nvPr/>
+        </p:nvPicPr>
+        <p:blipFill rotWithShape="1">
+          <a:blip r:embed="rId4">
+            <a:extLst>
+              <a:ext uri="{28A0092B-C50C-407E-A947-70E740481C1C}">
+                <a14:useLocalDpi xmlns:a14="http://schemas.microsoft.com/office/drawing/2010/main" val="0"/>
+              </a:ext>
+            </a:extLst>
+          </a:blip>
+          <a:srcRect r="8146"/>
+          <a:stretch/>
+        </p:blipFill>
+        <p:spPr>
+          <a:xfrm>
+            <a:off x="2728627" y="3391765"/>
+            <a:ext cx="1458181" cy="1143000"/>
+          </a:xfrm>
+          <a:prstGeom prst="rect">
+            <a:avLst/>
+          </a:prstGeom>
+        </p:spPr>
+      </p:pic>
+      <p:pic>
+        <p:nvPicPr>
+          <p:cNvPr id="14" name="Picture 13" descr="Chart, scatter chart&#10;&#10;Description automatically generated">
+            <a:extLst>
+              <a:ext uri="{FF2B5EF4-FFF2-40B4-BE49-F238E27FC236}">
+                <a16:creationId xmlns:a16="http://schemas.microsoft.com/office/drawing/2014/main" id="{16947C29-7EA0-4570-9B6B-215E4A2630CE}"/>
+              </a:ext>
+            </a:extLst>
+          </p:cNvPr>
+          <p:cNvPicPr>
+            <a:picLocks noChangeAspect="1"/>
+          </p:cNvPicPr>
+          <p:nvPr/>
+        </p:nvPicPr>
+        <p:blipFill rotWithShape="1">
+          <a:blip r:embed="rId5">
+            <a:extLst>
+              <a:ext uri="{28A0092B-C50C-407E-A947-70E740481C1C}">
+                <a14:useLocalDpi xmlns:a14="http://schemas.microsoft.com/office/drawing/2010/main" val="0"/>
+              </a:ext>
+            </a:extLst>
+          </a:blip>
+          <a:srcRect r="8146"/>
+          <a:stretch/>
+        </p:blipFill>
+        <p:spPr>
+          <a:xfrm>
+            <a:off x="2728627" y="1118096"/>
+            <a:ext cx="1458181" cy="1143000"/>
+          </a:xfrm>
+          <a:prstGeom prst="rect">
+            <a:avLst/>
+          </a:prstGeom>
+        </p:spPr>
+      </p:pic>
+      <p:pic>
+        <p:nvPicPr>
+          <p:cNvPr id="16" name="Picture 15" descr="Chart, scatter chart&#10;&#10;Description automatically generated">
+            <a:extLst>
+              <a:ext uri="{FF2B5EF4-FFF2-40B4-BE49-F238E27FC236}">
+                <a16:creationId xmlns:a16="http://schemas.microsoft.com/office/drawing/2014/main" id="{F0A77751-3546-4B60-87C9-D4CBB35F49C6}"/>
+              </a:ext>
+            </a:extLst>
+          </p:cNvPr>
+          <p:cNvPicPr>
+            <a:picLocks noChangeAspect="1"/>
+          </p:cNvPicPr>
+          <p:nvPr/>
+        </p:nvPicPr>
+        <p:blipFill rotWithShape="1">
+          <a:blip r:embed="rId6">
+            <a:extLst>
+              <a:ext uri="{28A0092B-C50C-407E-A947-70E740481C1C}">
+                <a14:useLocalDpi xmlns:a14="http://schemas.microsoft.com/office/drawing/2010/main" val="0"/>
+              </a:ext>
+            </a:extLst>
+          </a:blip>
+          <a:srcRect r="8146"/>
+          <a:stretch/>
+        </p:blipFill>
+        <p:spPr>
+          <a:xfrm>
+            <a:off x="2728627" y="2258078"/>
+            <a:ext cx="1458181" cy="1143000"/>
+          </a:xfrm>
+          <a:prstGeom prst="rect">
+            <a:avLst/>
+          </a:prstGeom>
+        </p:spPr>
+      </p:pic>
+      <p:pic>
+        <p:nvPicPr>
+          <p:cNvPr id="18" name="Picture 17" descr="Chart, scatter chart&#10;&#10;Description automatically generated">
+            <a:extLst>
+              <a:ext uri="{FF2B5EF4-FFF2-40B4-BE49-F238E27FC236}">
+                <a16:creationId xmlns:a16="http://schemas.microsoft.com/office/drawing/2014/main" id="{AFB65CD6-FEE9-409D-ABB5-A50FD42F29BB}"/>
+              </a:ext>
+            </a:extLst>
+          </p:cNvPr>
+          <p:cNvPicPr>
+            <a:picLocks noChangeAspect="1"/>
+          </p:cNvPicPr>
+          <p:nvPr/>
+        </p:nvPicPr>
+        <p:blipFill rotWithShape="1">
+          <a:blip r:embed="rId7">
+            <a:extLst>
+              <a:ext uri="{28A0092B-C50C-407E-A947-70E740481C1C}">
+                <a14:useLocalDpi xmlns:a14="http://schemas.microsoft.com/office/drawing/2010/main" val="0"/>
+              </a:ext>
+            </a:extLst>
+          </a:blip>
+          <a:srcRect r="8146"/>
+          <a:stretch/>
+        </p:blipFill>
+        <p:spPr>
+          <a:xfrm>
+            <a:off x="2728627" y="4523323"/>
+            <a:ext cx="1458181" cy="1143000"/>
+          </a:xfrm>
+          <a:prstGeom prst="rect">
+            <a:avLst/>
+          </a:prstGeom>
+        </p:spPr>
+      </p:pic>
+      <p:pic>
+        <p:nvPicPr>
+          <p:cNvPr id="20" name="Picture 19" descr="Chart, scatter chart&#10;&#10;Description automatically generated">
+            <a:extLst>
+              <a:ext uri="{FF2B5EF4-FFF2-40B4-BE49-F238E27FC236}">
+                <a16:creationId xmlns:a16="http://schemas.microsoft.com/office/drawing/2014/main" id="{ADFB386E-55EE-496D-B488-A5411563513A}"/>
+              </a:ext>
+            </a:extLst>
+          </p:cNvPr>
+          <p:cNvPicPr>
+            <a:picLocks noChangeAspect="1"/>
+          </p:cNvPicPr>
+          <p:nvPr/>
+        </p:nvPicPr>
+        <p:blipFill rotWithShape="1">
+          <a:blip r:embed="rId8">
+            <a:extLst>
+              <a:ext uri="{28A0092B-C50C-407E-A947-70E740481C1C}">
+                <a14:useLocalDpi xmlns:a14="http://schemas.microsoft.com/office/drawing/2010/main" val="0"/>
+              </a:ext>
+            </a:extLst>
+          </a:blip>
+          <a:srcRect r="8146"/>
+          <a:stretch/>
+        </p:blipFill>
+        <p:spPr>
+          <a:xfrm>
+            <a:off x="2728627" y="5654113"/>
+            <a:ext cx="1458181" cy="1143000"/>
+          </a:xfrm>
+          <a:prstGeom prst="rect">
+            <a:avLst/>
+          </a:prstGeom>
+        </p:spPr>
+      </p:pic>
+      <p:sp>
+        <p:nvSpPr>
+          <p:cNvPr id="21" name="Title 1">
+            <a:extLst>
+              <a:ext uri="{FF2B5EF4-FFF2-40B4-BE49-F238E27FC236}">
+                <a16:creationId xmlns:a16="http://schemas.microsoft.com/office/drawing/2014/main" id="{C820E0EC-1C60-4004-8379-8C9A54A2ED00}"/>
               </a:ext>
             </a:extLst>
           </p:cNvPr>
@@ -11994,8 +12366,8 @@
         </p:nvSpPr>
         <p:spPr>
           <a:xfrm>
-            <a:off x="0" y="0"/>
-            <a:ext cx="12192000" cy="4296339"/>
+            <a:off x="3932808" y="-12694"/>
+            <a:ext cx="8259192" cy="323411"/>
           </a:xfrm>
           <a:prstGeom prst="rect">
             <a:avLst/>
@@ -12005,39 +12377,109 @@
           </a:solidFill>
         </p:spPr>
         <p:txBody>
-          <a:bodyPr vert="horz" lIns="91440" tIns="45720" rIns="91440" bIns="45720" rtlCol="0" anchor="b">
-            <a:normAutofit/>
+          <a:bodyPr vert="horz" lIns="91440" tIns="45720" rIns="91440" bIns="45720" rtlCol="0" anchor="ctr">
+            <a:normAutofit fontScale="92500" lnSpcReduction="10000"/>
           </a:bodyPr>
           <a:lstStyle>
-            <a:lvl1pPr indent="0" algn="r" defTabSz="914400">
+            <a:lvl1pPr algn="l" defTabSz="914400" rtl="0" eaLnBrk="1" latinLnBrk="0" hangingPunct="1">
               <a:lnSpc>
                 <a:spcPct val="90000"/>
               </a:lnSpc>
               <a:spcBef>
-                <a:spcPts val="1000"/>
+                <a:spcPct val="0"/>
               </a:spcBef>
-              <a:buFont typeface="Arial" panose="020B0604020202020204" pitchFamily="34" charset="0"/>
-              <a:buNone/>
-              <a:defRPr sz="3200" b="0">
-                <a:solidFill>
-                  <a:schemeClr val="tx2"/>
-                </a:solidFill>
+              <a:buNone/>
+              <a:defRPr sz="5400" b="0" kern="1200">
+                <a:gradFill flip="none" rotWithShape="1">
+                  <a:gsLst>
+                    <a:gs pos="28000">
+                      <a:schemeClr val="tx1">
+                        <a:lumMod val="93000"/>
+                      </a:schemeClr>
+                    </a:gs>
+                    <a:gs pos="0">
+                      <a:schemeClr val="bg1">
+                        <a:lumMod val="25000"/>
+                        <a:lumOff val="75000"/>
+                      </a:schemeClr>
+                    </a:gs>
+                    <a:gs pos="100000">
+                      <a:schemeClr val="tx2">
+                        <a:lumMod val="0"/>
+                        <a:lumOff val="100000"/>
+                      </a:schemeClr>
+                    </a:gs>
+                  </a:gsLst>
+                  <a:lin ang="4800000" scaled="0"/>
+                  <a:tileRect/>
+                </a:gradFill>
                 <a:latin typeface="+mj-lt"/>
+                <a:ea typeface="+mj-ea"/>
+                <a:cs typeface="+mj-cs"/>
               </a:defRPr>
             </a:lvl1pPr>
-            <a:lvl2pPr indent="0" algn="ctr" defTabSz="914400">
+          </a:lstStyle>
+          <a:p>
+            <a:pPr algn="ctr"/>
+            <a:r>
+              <a:rPr lang="en-US" sz="1800" b="1" dirty="0">
+                <a:solidFill>
+                  <a:schemeClr val="bg1"/>
+                </a:solidFill>
+              </a:rPr>
+              <a:t>Comments over Time</a:t>
+            </a:r>
+            <a:endParaRPr lang="en-US" sz="1800" b="1" dirty="0">
+              <a:solidFill>
+                <a:schemeClr val="tx1"/>
+              </a:solidFill>
+            </a:endParaRPr>
+          </a:p>
+        </p:txBody>
+      </p:sp>
+      <p:sp>
+        <p:nvSpPr>
+          <p:cNvPr id="22" name="Title 1">
+            <a:extLst>
+              <a:ext uri="{FF2B5EF4-FFF2-40B4-BE49-F238E27FC236}">
+                <a16:creationId xmlns:a16="http://schemas.microsoft.com/office/drawing/2014/main" id="{1FB4EFC5-3163-4FD2-8535-51BF276B6648}"/>
+              </a:ext>
+            </a:extLst>
+          </p:cNvPr>
+          <p:cNvSpPr txBox="1">
+            <a:spLocks/>
+          </p:cNvSpPr>
+          <p:nvPr/>
+        </p:nvSpPr>
+        <p:spPr>
+          <a:xfrm>
+            <a:off x="2728627" y="6790763"/>
+            <a:ext cx="3367373" cy="69765"/>
+          </a:xfrm>
+          <a:prstGeom prst="rect">
+            <a:avLst/>
+          </a:prstGeom>
+          <a:solidFill>
+            <a:schemeClr val="tx1"/>
+          </a:solidFill>
+        </p:spPr>
+        <p:txBody>
+          <a:bodyPr vert="horz" lIns="91440" tIns="45720" rIns="91440" bIns="45720" rtlCol="0" anchor="ctr">
+            <a:normAutofit fontScale="25000" lnSpcReduction="20000"/>
+          </a:bodyPr>
+          <a:lstStyle>
+            <a:lvl1pPr algn="l" defTabSz="914400" rtl="0" eaLnBrk="1" latinLnBrk="0" hangingPunct="1">
               <a:lnSpc>
                 <a:spcPct val="90000"/>
               </a:lnSpc>
               <a:spcBef>
-                <a:spcPts val="500"/>
+                <a:spcPct val="0"/>
               </a:spcBef>
-              <a:buFont typeface="Arial" panose="020B0604020202020204" pitchFamily="34" charset="0"/>
-              <a:buNone/>
-              <a:defRPr sz="2000">
-                <a:gradFill>
+              <a:buNone/>
+              <a:defRPr sz="5400" b="0" kern="1200">
+                <a:gradFill flip="none" rotWithShape="1">
                   <a:gsLst>
-                    <a:gs pos="34000">
+                    <a:gs pos="28000">
                       <a:schemeClr val="tx1">
                         <a:lumMod val="93000"/>
                       </a:schemeClr>
@@ -12056,171 +12498,27 @@
                     </a:gs>
                   </a:gsLst>
                   <a:lin ang="4800000" scaled="0"/>
+                  <a:tileRect/>
                 </a:gradFill>
+                <a:latin typeface="+mj-lt"/>
+                <a:ea typeface="+mj-ea"/>
+                <a:cs typeface="+mj-cs"/>
               </a:defRPr>
-            </a:lvl2pPr>
-            <a:lvl3pPr indent="0" algn="ctr" defTabSz="914400">
-              <a:lnSpc>
-                <a:spcPct val="90000"/>
-              </a:lnSpc>
-              <a:spcBef>
-                <a:spcPts val="500"/>
-              </a:spcBef>
-              <a:buFont typeface="Arial" panose="020B0604020202020204" pitchFamily="34" charset="0"/>
-              <a:buNone/>
-              <a:defRPr>
-                <a:gradFill>
-                  <a:gsLst>
-                    <a:gs pos="34000">
-                      <a:schemeClr val="tx1">
-                        <a:lumMod val="93000"/>
-                      </a:schemeClr>
-                    </a:gs>
-                    <a:gs pos="0">
-                      <a:schemeClr val="bg1">
-                        <a:lumMod val="25000"/>
-                        <a:lumOff val="75000"/>
-                      </a:schemeClr>
-                    </a:gs>
-                    <a:gs pos="100000">
-                      <a:schemeClr val="tx2">
-                        <a:lumMod val="0"/>
-                        <a:lumOff val="100000"/>
-                      </a:schemeClr>
-                    </a:gs>
-                  </a:gsLst>
-                  <a:lin ang="4800000" scaled="0"/>
-                </a:gradFill>
-              </a:defRPr>
-            </a:lvl3pPr>
-            <a:lvl4pPr indent="0" algn="ctr" defTabSz="914400">
-              <a:lnSpc>
-                <a:spcPct val="90000"/>
-              </a:lnSpc>
-              <a:spcBef>
-                <a:spcPts val="500"/>
-              </a:spcBef>
-              <a:buFont typeface="Arial" panose="020B0604020202020204" pitchFamily="34" charset="0"/>
-              <a:buNone/>
-              <a:defRPr sz="1600">
-                <a:gradFill>
-                  <a:gsLst>
-                    <a:gs pos="34000">
-                      <a:schemeClr val="tx1">
-                        <a:lumMod val="93000"/>
-                      </a:schemeClr>
-                    </a:gs>
-                    <a:gs pos="0">
-                      <a:schemeClr val="bg1">
-                        <a:lumMod val="25000"/>
-                        <a:lumOff val="75000"/>
-                      </a:schemeClr>
-                    </a:gs>
-                    <a:gs pos="100000">
-                      <a:schemeClr val="tx2">
-                        <a:lumMod val="0"/>
-                        <a:lumOff val="100000"/>
-                      </a:schemeClr>
-                    </a:gs>
-                  </a:gsLst>
-                  <a:lin ang="4800000" scaled="0"/>
-                </a:gradFill>
-              </a:defRPr>
-            </a:lvl4pPr>
-            <a:lvl5pPr indent="0" algn="ctr" defTabSz="914400">
-              <a:lnSpc>
-                <a:spcPct val="90000"/>
-              </a:lnSpc>
-              <a:spcBef>
-                <a:spcPts val="500"/>
-              </a:spcBef>
-              <a:buFont typeface="Arial" panose="020B0604020202020204" pitchFamily="34" charset="0"/>
-              <a:buNone/>
-              <a:defRPr sz="1600">
-                <a:gradFill>
-                  <a:gsLst>
-                    <a:gs pos="34000">
-                      <a:schemeClr val="tx1">
-                        <a:lumMod val="93000"/>
-                      </a:schemeClr>
-                    </a:gs>
-                    <a:gs pos="0">
-                      <a:schemeClr val="bg1">
-                        <a:lumMod val="25000"/>
-                        <a:lumOff val="75000"/>
-                      </a:schemeClr>
-                    </a:gs>
-                    <a:gs pos="100000">
-                      <a:schemeClr val="tx2">
-                        <a:lumMod val="0"/>
-                        <a:lumOff val="100000"/>
-                      </a:schemeClr>
-                    </a:gs>
-                  </a:gsLst>
-                  <a:lin ang="4800000" scaled="0"/>
-                </a:gradFill>
-              </a:defRPr>
-            </a:lvl5pPr>
-            <a:lvl6pPr indent="0" algn="ctr" defTabSz="914400">
-              <a:lnSpc>
-                <a:spcPct val="90000"/>
-              </a:lnSpc>
-              <a:spcBef>
-                <a:spcPts val="500"/>
-              </a:spcBef>
-              <a:buFont typeface="Arial" panose="020B0604020202020204" pitchFamily="34" charset="0"/>
-              <a:buNone/>
-              <a:defRPr sz="1600"/>
-            </a:lvl6pPr>
-            <a:lvl7pPr indent="0" algn="ctr" defTabSz="914400">
-              <a:lnSpc>
-                <a:spcPct val="90000"/>
-              </a:lnSpc>
-              <a:spcBef>
-                <a:spcPts val="500"/>
-              </a:spcBef>
-              <a:buFont typeface="Arial" panose="020B0604020202020204" pitchFamily="34" charset="0"/>
-              <a:buNone/>
-              <a:defRPr sz="1600"/>
-            </a:lvl7pPr>
-            <a:lvl8pPr indent="0" algn="ctr" defTabSz="914400">
-              <a:lnSpc>
-                <a:spcPct val="90000"/>
-              </a:lnSpc>
-              <a:spcBef>
-                <a:spcPts val="500"/>
-              </a:spcBef>
-              <a:buFont typeface="Arial" panose="020B0604020202020204" pitchFamily="34" charset="0"/>
-              <a:buNone/>
-              <a:defRPr sz="1600"/>
-            </a:lvl8pPr>
-            <a:lvl9pPr indent="0" algn="ctr" defTabSz="914400">
-              <a:lnSpc>
-                <a:spcPct val="90000"/>
-              </a:lnSpc>
-              <a:spcBef>
-                <a:spcPts val="500"/>
-              </a:spcBef>
-              <a:buFont typeface="Arial" panose="020B0604020202020204" pitchFamily="34" charset="0"/>
-              <a:buNone/>
-              <a:defRPr sz="1600"/>
-            </a:lvl9pPr>
+            </a:lvl1pPr>
           </a:lstStyle>
           <a:p>
-            <a:r>
-              <a:rPr lang="en-US">
-                <a:hlinkClick r:id="rId2" action="ppaction://hlinkfile"/>
-              </a:rPr>
-              <a:t>Jupyter Notebook</a:t>
-            </a:r>
-            <a:endParaRPr lang="en-US" dirty="0"/>
+            <a:endParaRPr lang="en-US" sz="3600" dirty="0">
+              <a:solidFill>
+                <a:schemeClr val="tx1"/>
+              </a:solidFill>
+            </a:endParaRPr>
           </a:p>
         </p:txBody>
       </p:sp>
     </p:spTree>
     <p:extLst>
       <p:ext uri="{BB962C8B-B14F-4D97-AF65-F5344CB8AC3E}">
-        <p14:creationId xmlns:p14="http://schemas.microsoft.com/office/powerpoint/2010/main" val="878122203"/>
+        <p14:creationId xmlns:p14="http://schemas.microsoft.com/office/powerpoint/2010/main" val="4163471174"/>
       </p:ext>
     </p:extLst>
   </p:cSld>
@@ -12247,12 +12545,12 @@
           <a:chExt cx="0" cy="0"/>
         </a:xfrm>
       </p:grpSpPr>
-      <p:sp useBgFill="1">
+      <p:sp>
         <p:nvSpPr>
           <p:cNvPr id="8" name="Rectangle 7">
             <a:extLst>
               <a:ext uri="{FF2B5EF4-FFF2-40B4-BE49-F238E27FC236}">
-                <a16:creationId xmlns:a16="http://schemas.microsoft.com/office/drawing/2014/main" id="{87358089-2E54-4747-8D77-434291EB9A73}"/>
+                <a16:creationId xmlns:a16="http://schemas.microsoft.com/office/drawing/2014/main" id="{02DC0D56-2145-4CB8-979D-ADF8E921AF72}"/>
               </a:ext>
               <a:ext uri="{C183D7F6-B498-43B3-948B-1728B52AA6E4}">
                 <adec:decorative xmlns:adec="http://schemas.microsoft.com/office/drawing/2017/decorative" val="1"/>
@@ -12278,6 +12576,12 @@
           <a:prstGeom prst="rect">
             <a:avLst/>
           </a:prstGeom>
+          <a:solidFill>
+            <a:schemeClr val="bg1">
+              <a:lumMod val="85000"/>
+              <a:lumOff val="15000"/>
+            </a:schemeClr>
+          </a:solidFill>
           <a:ln>
             <a:noFill/>
           </a:ln>
@@ -12307,12 +12611,12 @@
           </a:p>
         </p:txBody>
       </p:sp>
-      <p:sp>
+      <p:sp useBgFill="1">
         <p:nvSpPr>
           <p:cNvPr id="10" name="Rectangle 9">
             <a:extLst>
               <a:ext uri="{FF2B5EF4-FFF2-40B4-BE49-F238E27FC236}">
-                <a16:creationId xmlns:a16="http://schemas.microsoft.com/office/drawing/2014/main" id="{F0318841-B257-4D3A-A6E5-309C003E0430}"/>
+                <a16:creationId xmlns:a16="http://schemas.microsoft.com/office/drawing/2014/main" id="{272BB16D-1B1A-4782-92FD-2CF21910DF1C}"/>
               </a:ext>
               <a:ext uri="{C183D7F6-B498-43B3-948B-1728B52AA6E4}">
                 <adec:decorative xmlns:adec="http://schemas.microsoft.com/office/drawing/2017/decorative" val="1"/>
@@ -12332,18 +12636,16 @@
         </p:nvSpPr>
         <p:spPr>
           <a:xfrm>
-            <a:off x="0" y="0"/>
-            <a:ext cx="4062127" cy="6858000"/>
+            <a:off x="0" y="4626429"/>
+            <a:ext cx="12192000" cy="2231571"/>
           </a:xfrm>
           <a:prstGeom prst="rect">
             <a:avLst/>
           </a:prstGeom>
-          <a:solidFill>
-            <a:srgbClr val="262626"/>
-          </a:solidFill>
           <a:ln>
             <a:noFill/>
           </a:ln>
+          <a:effectLst/>
         </p:spPr>
         <p:style>
           <a:lnRef idx="2">
@@ -12375,7 +12677,7 @@
           <p:cNvPr id="2" name="Title 1">
             <a:extLst>
               <a:ext uri="{FF2B5EF4-FFF2-40B4-BE49-F238E27FC236}">
-                <a16:creationId xmlns:a16="http://schemas.microsoft.com/office/drawing/2014/main" id="{DF181E76-20E9-4E12-AD03-82900000BAD1}"/>
+                <a16:creationId xmlns:a16="http://schemas.microsoft.com/office/drawing/2014/main" id="{BA6FA2B2-12F1-482C-ABC5-A3C4140903B6}"/>
               </a:ext>
             </a:extLst>
           </p:cNvPr>
@@ -12383,38 +12685,40 @@
             <a:spLocks noGrp="1"/>
           </p:cNvSpPr>
           <p:nvPr>
-            <p:ph type="title"/>
-          </p:nvPr>
-        </p:nvSpPr>
-        <p:spPr>
-          <a:xfrm>
-            <a:off x="838200" y="688748"/>
-            <a:ext cx="2855140" cy="5480504"/>
-          </a:xfrm>
-        </p:spPr>
-        <p:txBody>
-          <a:bodyPr anchor="ctr">
+            <p:ph type="ctrTitle"/>
+          </p:nvPr>
+        </p:nvSpPr>
+        <p:spPr>
+          <a:xfrm>
+            <a:off x="838200" y="4963886"/>
+            <a:ext cx="10515600" cy="1141632"/>
+          </a:xfrm>
+        </p:spPr>
+        <p:txBody>
+          <a:bodyPr wrap="square">
             <a:normAutofit/>
           </a:bodyPr>
           <a:lstStyle/>
           <a:p>
             <a:r>
-              <a:rPr lang="en-US" sz="3600" dirty="0">
+              <a:rPr lang="en-US" sz="4400" dirty="0">
                 <a:solidFill>
-                  <a:schemeClr val="tx1"/>
+                  <a:schemeClr val="tx1">
+                    <a:lumMod val="95000"/>
+                  </a:schemeClr>
                 </a:solidFill>
               </a:rPr>
-              <a:t>Data Analysis</a:t>
-            </a:r>
-          </a:p>
-        </p:txBody>
-      </p:sp>
-      <p:sp>
-        <p:nvSpPr>
-          <p:cNvPr id="3" name="Content Placeholder 2">
+              <a:t>Data Exploration</a:t>
+            </a:r>
+          </a:p>
+        </p:txBody>
+      </p:sp>
+      <p:sp>
+        <p:nvSpPr>
+          <p:cNvPr id="3" name="Subtitle 2">
             <a:extLst>
               <a:ext uri="{FF2B5EF4-FFF2-40B4-BE49-F238E27FC236}">
-                <a16:creationId xmlns:a16="http://schemas.microsoft.com/office/drawing/2014/main" id="{7A9FD706-7603-4F88-BB30-8058360301ED}"/>
+                <a16:creationId xmlns:a16="http://schemas.microsoft.com/office/drawing/2014/main" id="{EEAB9B48-44F3-4B5F-BAB9-A201C2FA33BA}"/>
               </a:ext>
             </a:extLst>
           </p:cNvPr>
@@ -12422,79 +12726,71 @@
             <a:spLocks noGrp="1"/>
           </p:cNvSpPr>
           <p:nvPr>
-            <p:ph idx="1"/>
-          </p:nvPr>
-        </p:nvSpPr>
-        <p:spPr>
-          <a:xfrm>
-            <a:off x="4423890" y="688749"/>
-            <a:ext cx="6286442" cy="5480504"/>
-          </a:xfrm>
-        </p:spPr>
-        <p:txBody>
-          <a:bodyPr anchor="ctr">
+            <p:ph type="subTitle" idx="1"/>
+          </p:nvPr>
+        </p:nvSpPr>
+        <p:spPr>
+          <a:xfrm>
+            <a:off x="0" y="0"/>
+            <a:ext cx="12192000" cy="4296339"/>
+          </a:xfrm>
+          <a:solidFill>
+            <a:schemeClr val="tx1"/>
+          </a:solidFill>
+        </p:spPr>
+        <p:txBody>
+          <a:bodyPr>
             <a:normAutofit/>
           </a:bodyPr>
           <a:lstStyle/>
           <a:p>
-            <a:r>
-              <a:rPr lang="en-US" sz="2000" dirty="0">
-                <a:solidFill>
-                  <a:schemeClr val="tx1"/>
-                </a:solidFill>
-              </a:rPr>
-              <a:t>Analysis</a:t>
-            </a:r>
-          </a:p>
-          <a:p>
-            <a:endParaRPr lang="en-US" sz="2000" dirty="0">
+            <a:endParaRPr lang="en-US" dirty="0">
               <a:solidFill>
-                <a:schemeClr val="tx1"/>
+                <a:schemeClr val="tx2"/>
               </a:solidFill>
             </a:endParaRPr>
           </a:p>
-          <a:p>
-            <a:r>
-              <a:rPr lang="en-US" sz="2000" dirty="0">
-                <a:solidFill>
-                  <a:schemeClr val="tx1"/>
-                </a:solidFill>
-              </a:rPr>
-              <a:t>Discuss the steps you took to analyze the data and answer each question you asked I</a:t>
-            </a:r>
-          </a:p>
-          <a:p>
-            <a:r>
-              <a:rPr lang="en-US" sz="2000" dirty="0">
-                <a:solidFill>
-                  <a:schemeClr val="tx1"/>
-                </a:solidFill>
-              </a:rPr>
-              <a:t>Present and discuss interesting figures developed during analysis, ideally with the help of </a:t>
-            </a:r>
-            <a:r>
-              <a:rPr lang="en-US" sz="2000" dirty="0" err="1">
-                <a:solidFill>
-                  <a:schemeClr val="tx1"/>
-                </a:solidFill>
-              </a:rPr>
-              <a:t>Jupyter</a:t>
-            </a:r>
-            <a:r>
-              <a:rPr lang="en-US" sz="2000" dirty="0">
-                <a:solidFill>
-                  <a:schemeClr val="tx1"/>
-                </a:solidFill>
-              </a:rPr>
-              <a:t> Notebook and your proposal</a:t>
-            </a:r>
-          </a:p>
-        </p:txBody>
-      </p:sp>
+        </p:txBody>
+      </p:sp>
+      <p:pic>
+        <p:nvPicPr>
+          <p:cNvPr id="6" name="Picture 5" descr="Chart, line chart&#10;&#10;Description automatically generated">
+            <a:extLst>
+              <a:ext uri="{FF2B5EF4-FFF2-40B4-BE49-F238E27FC236}">
+                <a16:creationId xmlns:a16="http://schemas.microsoft.com/office/drawing/2014/main" id="{A90460F5-C320-4B5D-AFD2-602214766468}"/>
+              </a:ext>
+            </a:extLst>
+          </p:cNvPr>
+          <p:cNvPicPr>
+            <a:picLocks noChangeAspect="1"/>
+          </p:cNvPicPr>
+          <p:nvPr/>
+        </p:nvPicPr>
+        <p:blipFill rotWithShape="1">
+          <a:blip r:embed="rId2">
+            <a:extLst>
+              <a:ext uri="{28A0092B-C50C-407E-A947-70E740481C1C}">
+                <a14:useLocalDpi xmlns:a14="http://schemas.microsoft.com/office/drawing/2010/main" val="0"/>
+              </a:ext>
+            </a:extLst>
+          </a:blip>
+          <a:srcRect l="11633" t="-626" r="9310"/>
+          <a:stretch/>
+        </p:blipFill>
+        <p:spPr>
+          <a:xfrm>
+            <a:off x="986147" y="0"/>
+            <a:ext cx="9963793" cy="4227404"/>
+          </a:xfrm>
+          <a:prstGeom prst="rect">
+            <a:avLst/>
+          </a:prstGeom>
+        </p:spPr>
+      </p:pic>
     </p:spTree>
     <p:extLst>
       <p:ext uri="{BB962C8B-B14F-4D97-AF65-F5344CB8AC3E}">
-        <p14:creationId xmlns:p14="http://schemas.microsoft.com/office/powerpoint/2010/main" val="3955815284"/>
+        <p14:creationId xmlns:p14="http://schemas.microsoft.com/office/powerpoint/2010/main" val="371276346"/>
       </p:ext>
     </p:extLst>
   </p:cSld>
@@ -12521,12 +12817,12 @@
           <a:chExt cx="0" cy="0"/>
         </a:xfrm>
       </p:grpSpPr>
-      <p:sp>
+      <p:sp useBgFill="1">
         <p:nvSpPr>
           <p:cNvPr id="8" name="Rectangle 7">
             <a:extLst>
               <a:ext uri="{FF2B5EF4-FFF2-40B4-BE49-F238E27FC236}">
-                <a16:creationId xmlns:a16="http://schemas.microsoft.com/office/drawing/2014/main" id="{02DC0D56-2145-4CB8-979D-ADF8E921AF72}"/>
+                <a16:creationId xmlns:a16="http://schemas.microsoft.com/office/drawing/2014/main" id="{87358089-2E54-4747-8D77-434291EB9A73}"/>
               </a:ext>
               <a:ext uri="{C183D7F6-B498-43B3-948B-1728B52AA6E4}">
                 <adec:decorative xmlns:adec="http://schemas.microsoft.com/office/drawing/2017/decorative" val="1"/>
@@ -12552,12 +12848,6 @@
           <a:prstGeom prst="rect">
             <a:avLst/>
           </a:prstGeom>
-          <a:solidFill>
-            <a:schemeClr val="bg1">
-              <a:lumMod val="85000"/>
-              <a:lumOff val="15000"/>
-            </a:schemeClr>
-          </a:solidFill>
           <a:ln>
             <a:noFill/>
           </a:ln>
@@ -12587,12 +12877,12 @@
           </a:p>
         </p:txBody>
       </p:sp>
-      <p:sp useBgFill="1">
+      <p:sp>
         <p:nvSpPr>
           <p:cNvPr id="10" name="Rectangle 9">
             <a:extLst>
               <a:ext uri="{FF2B5EF4-FFF2-40B4-BE49-F238E27FC236}">
-                <a16:creationId xmlns:a16="http://schemas.microsoft.com/office/drawing/2014/main" id="{272BB16D-1B1A-4782-92FD-2CF21910DF1C}"/>
+                <a16:creationId xmlns:a16="http://schemas.microsoft.com/office/drawing/2014/main" id="{F0318841-B257-4D3A-A6E5-309C003E0430}"/>
               </a:ext>
               <a:ext uri="{C183D7F6-B498-43B3-948B-1728B52AA6E4}">
                 <adec:decorative xmlns:adec="http://schemas.microsoft.com/office/drawing/2017/decorative" val="1"/>
@@ -12612,16 +12902,18 @@
         </p:nvSpPr>
         <p:spPr>
           <a:xfrm>
-            <a:off x="0" y="4626429"/>
-            <a:ext cx="12192000" cy="2231571"/>
+            <a:off x="0" y="0"/>
+            <a:ext cx="4062127" cy="6858000"/>
           </a:xfrm>
           <a:prstGeom prst="rect">
             <a:avLst/>
           </a:prstGeom>
+          <a:solidFill>
+            <a:srgbClr val="262626"/>
+          </a:solidFill>
           <a:ln>
             <a:noFill/>
           </a:ln>
-          <a:effectLst/>
         </p:spPr>
         <p:style>
           <a:lnRef idx="2">
@@ -12653,7 +12945,7 @@
           <p:cNvPr id="2" name="Title 1">
             <a:extLst>
               <a:ext uri="{FF2B5EF4-FFF2-40B4-BE49-F238E27FC236}">
-                <a16:creationId xmlns:a16="http://schemas.microsoft.com/office/drawing/2014/main" id="{5EEDC5F9-4247-4811-AD8A-D73A13412E4F}"/>
+                <a16:creationId xmlns:a16="http://schemas.microsoft.com/office/drawing/2014/main" id="{DF181E76-20E9-4E12-AD03-82900000BAD1}"/>
               </a:ext>
             </a:extLst>
           </p:cNvPr>
@@ -12666,314 +12958,133 @@
         </p:nvSpPr>
         <p:spPr>
           <a:xfrm>
-            <a:off x="838200" y="4963886"/>
-            <a:ext cx="10515600" cy="1141632"/>
-          </a:xfrm>
-        </p:spPr>
-        <p:txBody>
-          <a:bodyPr vert="horz" wrap="square" lIns="91440" tIns="45720" rIns="91440" bIns="45720" rtlCol="0" anchor="t">
+            <a:off x="838200" y="688748"/>
+            <a:ext cx="2855140" cy="5480504"/>
+          </a:xfrm>
+        </p:spPr>
+        <p:txBody>
+          <a:bodyPr anchor="ctr">
             <a:normAutofit/>
           </a:bodyPr>
           <a:lstStyle/>
           <a:p>
-            <a:pPr algn="r"/>
-            <a:r>
-              <a:rPr lang="en-US" sz="4400" spc="-300" dirty="0">
+            <a:r>
+              <a:rPr lang="en-US" sz="3600" dirty="0">
                 <a:solidFill>
                   <a:schemeClr val="tx1"/>
                 </a:solidFill>
-                <a:effectLst>
-                  <a:outerShdw blurRad="469900" dist="342900" dir="5400000" sy="-20000" rotWithShape="0">
-                    <a:prstClr val="black">
-                      <a:alpha val="66000"/>
-                    </a:prstClr>
-                  </a:outerShdw>
-                </a:effectLst>
               </a:rPr>
-              <a:t>Analysis</a:t>
-            </a:r>
-          </a:p>
-        </p:txBody>
-      </p:sp>
-      <p:sp>
-        <p:nvSpPr>
-          <p:cNvPr id="7" name="Subtitle 2">
+              <a:t>Data Analysis</a:t>
+            </a:r>
+          </a:p>
+        </p:txBody>
+      </p:sp>
+      <p:sp>
+        <p:nvSpPr>
+          <p:cNvPr id="3" name="Content Placeholder 2">
             <a:extLst>
               <a:ext uri="{FF2B5EF4-FFF2-40B4-BE49-F238E27FC236}">
-                <a16:creationId xmlns:a16="http://schemas.microsoft.com/office/drawing/2014/main" id="{B16B0C0A-F24E-4651-8509-511AD485412C}"/>
+                <a16:creationId xmlns:a16="http://schemas.microsoft.com/office/drawing/2014/main" id="{7A9FD706-7603-4F88-BB30-8058360301ED}"/>
               </a:ext>
             </a:extLst>
           </p:cNvPr>
-          <p:cNvSpPr txBox="1">
-            <a:spLocks/>
-          </p:cNvSpPr>
-          <p:nvPr/>
-        </p:nvSpPr>
-        <p:spPr>
-          <a:xfrm>
-            <a:off x="0" y="0"/>
-            <a:ext cx="12192000" cy="4296339"/>
-          </a:xfrm>
-          <a:prstGeom prst="rect">
-            <a:avLst/>
-          </a:prstGeom>
-          <a:solidFill>
-            <a:schemeClr val="tx1"/>
-          </a:solidFill>
-        </p:spPr>
-        <p:txBody>
-          <a:bodyPr vert="horz" lIns="91440" tIns="45720" rIns="91440" bIns="45720" rtlCol="0" anchor="b">
+          <p:cNvSpPr>
+            <a:spLocks noGrp="1"/>
+          </p:cNvSpPr>
+          <p:nvPr>
+            <p:ph idx="1"/>
+          </p:nvPr>
+        </p:nvSpPr>
+        <p:spPr>
+          <a:xfrm>
+            <a:off x="4423890" y="688749"/>
+            <a:ext cx="6286442" cy="5480504"/>
+          </a:xfrm>
+        </p:spPr>
+        <p:txBody>
+          <a:bodyPr anchor="ctr">
             <a:normAutofit/>
           </a:bodyPr>
-          <a:lstStyle>
-            <a:lvl1pPr indent="0" algn="r" defTabSz="914400">
-              <a:lnSpc>
-                <a:spcPct val="90000"/>
-              </a:lnSpc>
-              <a:spcBef>
-                <a:spcPts val="1000"/>
-              </a:spcBef>
-              <a:buFont typeface="Arial" panose="020B0604020202020204" pitchFamily="34" charset="0"/>
-              <a:buNone/>
-              <a:defRPr sz="3200" b="0">
+          <a:lstStyle/>
+          <a:p>
+            <a:pPr marL="0" indent="0">
+              <a:buNone/>
+            </a:pPr>
+            <a:r>
+              <a:rPr lang="en-US" sz="2400" dirty="0">
                 <a:solidFill>
-                  <a:schemeClr val="tx2"/>
+                  <a:schemeClr val="tx1"/>
                 </a:solidFill>
-                <a:latin typeface="+mj-lt"/>
-              </a:defRPr>
-            </a:lvl1pPr>
-            <a:lvl2pPr indent="0" algn="ctr" defTabSz="914400">
-              <a:lnSpc>
-                <a:spcPct val="90000"/>
-              </a:lnSpc>
-              <a:spcBef>
-                <a:spcPts val="500"/>
-              </a:spcBef>
-              <a:buFont typeface="Arial" panose="020B0604020202020204" pitchFamily="34" charset="0"/>
-              <a:buNone/>
-              <a:defRPr sz="2000">
-                <a:gradFill>
-                  <a:gsLst>
-                    <a:gs pos="34000">
-                      <a:schemeClr val="tx1">
-                        <a:lumMod val="93000"/>
-                      </a:schemeClr>
-                    </a:gs>
-                    <a:gs pos="0">
-                      <a:schemeClr val="bg1">
-                        <a:lumMod val="25000"/>
-                        <a:lumOff val="75000"/>
-                      </a:schemeClr>
-                    </a:gs>
-                    <a:gs pos="100000">
-                      <a:schemeClr val="tx2">
-                        <a:lumMod val="0"/>
-                        <a:lumOff val="100000"/>
-                      </a:schemeClr>
-                    </a:gs>
-                  </a:gsLst>
-                  <a:lin ang="4800000" scaled="0"/>
-                </a:gradFill>
-              </a:defRPr>
-            </a:lvl2pPr>
-            <a:lvl3pPr indent="0" algn="ctr" defTabSz="914400">
-              <a:lnSpc>
-                <a:spcPct val="90000"/>
-              </a:lnSpc>
-              <a:spcBef>
-                <a:spcPts val="500"/>
-              </a:spcBef>
-              <a:buFont typeface="Arial" panose="020B0604020202020204" pitchFamily="34" charset="0"/>
-              <a:buNone/>
-              <a:defRPr>
-                <a:gradFill>
-                  <a:gsLst>
-                    <a:gs pos="34000">
-                      <a:schemeClr val="tx1">
-                        <a:lumMod val="93000"/>
-                      </a:schemeClr>
-                    </a:gs>
-                    <a:gs pos="0">
-                      <a:schemeClr val="bg1">
-                        <a:lumMod val="25000"/>
-                        <a:lumOff val="75000"/>
-                      </a:schemeClr>
-                    </a:gs>
-                    <a:gs pos="100000">
-                      <a:schemeClr val="tx2">
-                        <a:lumMod val="0"/>
-                        <a:lumOff val="100000"/>
-                      </a:schemeClr>
-                    </a:gs>
-                  </a:gsLst>
-                  <a:lin ang="4800000" scaled="0"/>
-                </a:gradFill>
-              </a:defRPr>
-            </a:lvl3pPr>
-            <a:lvl4pPr indent="0" algn="ctr" defTabSz="914400">
-              <a:lnSpc>
-                <a:spcPct val="90000"/>
-              </a:lnSpc>
-              <a:spcBef>
-                <a:spcPts val="500"/>
-              </a:spcBef>
-              <a:buFont typeface="Arial" panose="020B0604020202020204" pitchFamily="34" charset="0"/>
-              <a:buNone/>
-              <a:defRPr sz="1600">
-                <a:gradFill>
-                  <a:gsLst>
-                    <a:gs pos="34000">
-                      <a:schemeClr val="tx1">
-                        <a:lumMod val="93000"/>
-                      </a:schemeClr>
-                    </a:gs>
-                    <a:gs pos="0">
-                      <a:schemeClr val="bg1">
-                        <a:lumMod val="25000"/>
-                        <a:lumOff val="75000"/>
-                      </a:schemeClr>
-                    </a:gs>
-                    <a:gs pos="100000">
-                      <a:schemeClr val="tx2">
-                        <a:lumMod val="0"/>
-                        <a:lumOff val="100000"/>
-                      </a:schemeClr>
-                    </a:gs>
-                  </a:gsLst>
-                  <a:lin ang="4800000" scaled="0"/>
-                </a:gradFill>
-              </a:defRPr>
-            </a:lvl4pPr>
-            <a:lvl5pPr indent="0" algn="ctr" defTabSz="914400">
-              <a:lnSpc>
-                <a:spcPct val="90000"/>
-              </a:lnSpc>
-              <a:spcBef>
-                <a:spcPts val="500"/>
-              </a:spcBef>
-              <a:buFont typeface="Arial" panose="020B0604020202020204" pitchFamily="34" charset="0"/>
-              <a:buNone/>
-              <a:defRPr sz="1600">
-                <a:gradFill>
-                  <a:gsLst>
-                    <a:gs pos="34000">
-                      <a:schemeClr val="tx1">
-                        <a:lumMod val="93000"/>
-                      </a:schemeClr>
-                    </a:gs>
-                    <a:gs pos="0">
-                      <a:schemeClr val="bg1">
-                        <a:lumMod val="25000"/>
-                        <a:lumOff val="75000"/>
-                      </a:schemeClr>
-                    </a:gs>
-                    <a:gs pos="100000">
-                      <a:schemeClr val="tx2">
-                        <a:lumMod val="0"/>
-                        <a:lumOff val="100000"/>
-                      </a:schemeClr>
-                    </a:gs>
-                  </a:gsLst>
-                  <a:lin ang="4800000" scaled="0"/>
-                </a:gradFill>
-              </a:defRPr>
-            </a:lvl5pPr>
-            <a:lvl6pPr indent="0" algn="ctr" defTabSz="914400">
-              <a:lnSpc>
-                <a:spcPct val="90000"/>
-              </a:lnSpc>
-              <a:spcBef>
-                <a:spcPts val="500"/>
-              </a:spcBef>
-              <a:buFont typeface="Arial" panose="020B0604020202020204" pitchFamily="34" charset="0"/>
-              <a:buNone/>
-              <a:defRPr sz="1600"/>
-            </a:lvl6pPr>
-            <a:lvl7pPr indent="0" algn="ctr" defTabSz="914400">
-              <a:lnSpc>
-                <a:spcPct val="90000"/>
-              </a:lnSpc>
-              <a:spcBef>
-                <a:spcPts val="500"/>
-              </a:spcBef>
-              <a:buFont typeface="Arial" panose="020B0604020202020204" pitchFamily="34" charset="0"/>
-              <a:buNone/>
-              <a:defRPr sz="1600"/>
-            </a:lvl7pPr>
-            <a:lvl8pPr indent="0" algn="ctr" defTabSz="914400">
-              <a:lnSpc>
-                <a:spcPct val="90000"/>
-              </a:lnSpc>
-              <a:spcBef>
-                <a:spcPts val="500"/>
-              </a:spcBef>
-              <a:buFont typeface="Arial" panose="020B0604020202020204" pitchFamily="34" charset="0"/>
-              <a:buNone/>
-              <a:defRPr sz="1600"/>
-            </a:lvl8pPr>
-            <a:lvl9pPr indent="0" algn="ctr" defTabSz="914400">
-              <a:lnSpc>
-                <a:spcPct val="90000"/>
-              </a:lnSpc>
-              <a:spcBef>
-                <a:spcPts val="500"/>
-              </a:spcBef>
-              <a:buFont typeface="Arial" panose="020B0604020202020204" pitchFamily="34" charset="0"/>
-              <a:buNone/>
-              <a:defRPr sz="1600"/>
-            </a:lvl9pPr>
-          </a:lstStyle>
-          <a:p>
-            <a:r>
-              <a:rPr lang="en-US">
-                <a:hlinkClick r:id="rId2" action="ppaction://hlinkfile"/>
               </a:rPr>
-              <a:t>Jupyter Notebook</a:t>
-            </a:r>
-            <a:endParaRPr lang="en-US" dirty="0"/>
-          </a:p>
-        </p:txBody>
-      </p:sp>
-      <p:pic>
-        <p:nvPicPr>
-          <p:cNvPr id="5" name="Picture 4">
-            <a:extLst>
-              <a:ext uri="{FF2B5EF4-FFF2-40B4-BE49-F238E27FC236}">
-                <a16:creationId xmlns:a16="http://schemas.microsoft.com/office/drawing/2014/main" id="{427D6BD6-A40C-45E8-A567-42B5294A7A51}"/>
-              </a:ext>
-            </a:extLst>
-          </p:cNvPr>
-          <p:cNvPicPr>
-            <a:picLocks noChangeAspect="1"/>
-          </p:cNvPicPr>
-          <p:nvPr/>
-        </p:nvPicPr>
-        <p:blipFill>
-          <a:blip r:embed="rId3">
-            <a:extLst>
-              <a:ext uri="{28A0092B-C50C-407E-A947-70E740481C1C}">
-                <a14:useLocalDpi xmlns:a14="http://schemas.microsoft.com/office/drawing/2010/main" val="0"/>
-              </a:ext>
-            </a:extLst>
-          </a:blip>
-          <a:stretch>
-            <a:fillRect/>
-          </a:stretch>
-        </p:blipFill>
-        <p:spPr>
-          <a:xfrm>
-            <a:off x="121915" y="1"/>
-            <a:ext cx="5716179" cy="4287134"/>
-          </a:xfrm>
-          <a:prstGeom prst="rect">
-            <a:avLst/>
-          </a:prstGeom>
-        </p:spPr>
-      </p:pic>
+              <a:t>Steps for Analysis</a:t>
+            </a:r>
+          </a:p>
+          <a:p>
+            <a:r>
+              <a:rPr lang="en-US" sz="2000" dirty="0">
+                <a:solidFill>
+                  <a:schemeClr val="tx1"/>
+                </a:solidFill>
+              </a:rPr>
+              <a:t>Volume vs Daily Range of Price</a:t>
+            </a:r>
+          </a:p>
+          <a:p>
+            <a:r>
+              <a:rPr lang="en-US" sz="2000" dirty="0">
+                <a:solidFill>
+                  <a:schemeClr val="tx1"/>
+                </a:solidFill>
+              </a:rPr>
+              <a:t>Reddit Comments</a:t>
+            </a:r>
+          </a:p>
+          <a:p>
+            <a:endParaRPr lang="en-US" sz="2000" dirty="0">
+              <a:solidFill>
+                <a:schemeClr val="tx1"/>
+              </a:solidFill>
+            </a:endParaRPr>
+          </a:p>
+          <a:p>
+            <a:pPr marL="0" indent="0">
+              <a:buNone/>
+            </a:pPr>
+            <a:endParaRPr lang="en-US" sz="2000" dirty="0">
+              <a:solidFill>
+                <a:schemeClr val="tx1"/>
+              </a:solidFill>
+            </a:endParaRPr>
+          </a:p>
+          <a:p>
+            <a:pPr marL="0" indent="0">
+              <a:buNone/>
+            </a:pPr>
+            <a:r>
+              <a:rPr lang="en-US" sz="2400" dirty="0">
+                <a:solidFill>
+                  <a:schemeClr val="tx1"/>
+                </a:solidFill>
+              </a:rPr>
+              <a:t>Does social media have an influence on value?</a:t>
+            </a:r>
+          </a:p>
+          <a:p>
+            <a:r>
+              <a:rPr lang="en-US" sz="2000" dirty="0">
+                <a:solidFill>
+                  <a:schemeClr val="tx1"/>
+                </a:solidFill>
+              </a:rPr>
+              <a:t>Examined correlation relationship between cryptocurrencies/stock exchanges and number of comments on Reddit</a:t>
+            </a:r>
+          </a:p>
+        </p:txBody>
+      </p:sp>
     </p:spTree>
     <p:extLst>
       <p:ext uri="{BB962C8B-B14F-4D97-AF65-F5344CB8AC3E}">
-        <p14:creationId xmlns:p14="http://schemas.microsoft.com/office/powerpoint/2010/main" val="471880116"/>
+        <p14:creationId xmlns:p14="http://schemas.microsoft.com/office/powerpoint/2010/main" val="3955815284"/>
       </p:ext>
     </p:extLst>
   </p:cSld>
@@ -13000,12 +13111,12 @@
           <a:chExt cx="0" cy="0"/>
         </a:xfrm>
       </p:grpSpPr>
-      <p:sp useBgFill="1">
+      <p:sp>
         <p:nvSpPr>
           <p:cNvPr id="8" name="Rectangle 7">
             <a:extLst>
               <a:ext uri="{FF2B5EF4-FFF2-40B4-BE49-F238E27FC236}">
-                <a16:creationId xmlns:a16="http://schemas.microsoft.com/office/drawing/2014/main" id="{87358089-2E54-4747-8D77-434291EB9A73}"/>
+                <a16:creationId xmlns:a16="http://schemas.microsoft.com/office/drawing/2014/main" id="{02DC0D56-2145-4CB8-979D-ADF8E921AF72}"/>
               </a:ext>
               <a:ext uri="{C183D7F6-B498-43B3-948B-1728B52AA6E4}">
                 <adec:decorative xmlns:adec="http://schemas.microsoft.com/office/drawing/2017/decorative" val="1"/>
@@ -13031,6 +13142,12 @@
           <a:prstGeom prst="rect">
             <a:avLst/>
           </a:prstGeom>
+          <a:solidFill>
+            <a:schemeClr val="bg1">
+              <a:lumMod val="85000"/>
+              <a:lumOff val="15000"/>
+            </a:schemeClr>
+          </a:solidFill>
           <a:ln>
             <a:noFill/>
           </a:ln>
@@ -13060,12 +13177,12 @@
           </a:p>
         </p:txBody>
       </p:sp>
-      <p:sp>
+      <p:sp useBgFill="1">
         <p:nvSpPr>
           <p:cNvPr id="10" name="Rectangle 9">
             <a:extLst>
               <a:ext uri="{FF2B5EF4-FFF2-40B4-BE49-F238E27FC236}">
-                <a16:creationId xmlns:a16="http://schemas.microsoft.com/office/drawing/2014/main" id="{F0318841-B257-4D3A-A6E5-309C003E0430}"/>
+                <a16:creationId xmlns:a16="http://schemas.microsoft.com/office/drawing/2014/main" id="{272BB16D-1B1A-4782-92FD-2CF21910DF1C}"/>
               </a:ext>
               <a:ext uri="{C183D7F6-B498-43B3-948B-1728B52AA6E4}">
                 <adec:decorative xmlns:adec="http://schemas.microsoft.com/office/drawing/2017/decorative" val="1"/>
@@ -13085,18 +13202,16 @@
         </p:nvSpPr>
         <p:spPr>
           <a:xfrm>
-            <a:off x="0" y="0"/>
-            <a:ext cx="4062127" cy="6858000"/>
+            <a:off x="0" y="4626429"/>
+            <a:ext cx="12192000" cy="2231571"/>
           </a:xfrm>
           <a:prstGeom prst="rect">
             <a:avLst/>
           </a:prstGeom>
-          <a:solidFill>
-            <a:srgbClr val="262626"/>
-          </a:solidFill>
           <a:ln>
             <a:noFill/>
           </a:ln>
+          <a:effectLst/>
         </p:spPr>
         <p:style>
           <a:lnRef idx="2">
@@ -13128,7 +13243,7 @@
           <p:cNvPr id="2" name="Title 1">
             <a:extLst>
               <a:ext uri="{FF2B5EF4-FFF2-40B4-BE49-F238E27FC236}">
-                <a16:creationId xmlns:a16="http://schemas.microsoft.com/office/drawing/2014/main" id="{DF181E76-20E9-4E12-AD03-82900000BAD1}"/>
+                <a16:creationId xmlns:a16="http://schemas.microsoft.com/office/drawing/2014/main" id="{5EEDC5F9-4247-4811-AD8A-D73A13412E4F}"/>
               </a:ext>
             </a:extLst>
           </p:cNvPr>
@@ -13141,83 +13256,293 @@
         </p:nvSpPr>
         <p:spPr>
           <a:xfrm>
-            <a:off x="175726" y="687025"/>
-            <a:ext cx="2855140" cy="5480504"/>
-          </a:xfrm>
-        </p:spPr>
-        <p:txBody>
-          <a:bodyPr anchor="ctr">
+            <a:off x="838200" y="4963886"/>
+            <a:ext cx="10515600" cy="1141632"/>
+          </a:xfrm>
+        </p:spPr>
+        <p:txBody>
+          <a:bodyPr vert="horz" wrap="square" lIns="91440" tIns="45720" rIns="91440" bIns="45720" rtlCol="0" anchor="t">
             <a:normAutofit/>
           </a:bodyPr>
           <a:lstStyle/>
           <a:p>
-            <a:r>
-              <a:rPr lang="en-US" sz="3600" dirty="0">
+            <a:pPr algn="r"/>
+            <a:r>
+              <a:rPr lang="en-US" sz="4400" spc="-300" dirty="0">
                 <a:solidFill>
                   <a:schemeClr val="tx1"/>
                 </a:solidFill>
-              </a:rPr>
-              <a:t>Data </a:t>
-            </a:r>
-            <a:br>
-              <a:rPr lang="en-US" sz="3600" dirty="0">
-                <a:solidFill>
-                  <a:schemeClr val="tx1"/>
-                </a:solidFill>
-              </a:rPr>
-            </a:br>
-            <a:r>
-              <a:rPr lang="en-US" sz="3600" dirty="0">
-                <a:solidFill>
-                  <a:schemeClr val="tx1"/>
-                </a:solidFill>
+                <a:effectLst>
+                  <a:outerShdw blurRad="469900" dist="342900" dir="5400000" sy="-20000" rotWithShape="0">
+                    <a:prstClr val="black">
+                      <a:alpha val="66000"/>
+                    </a:prstClr>
+                  </a:outerShdw>
+                </a:effectLst>
+                <a:hlinkClick r:id="rId2" action="ppaction://hlinkfile">
+                  <a:extLst>
+                    <a:ext uri="{A12FA001-AC4F-418D-AE19-62706E023703}">
+                      <ahyp:hlinkClr xmlns:ahyp="http://schemas.microsoft.com/office/drawing/2018/hyperlinkcolor" val="tx"/>
+                    </a:ext>
+                  </a:extLst>
+                </a:hlinkClick>
               </a:rPr>
               <a:t>Analysis</a:t>
             </a:r>
-          </a:p>
-        </p:txBody>
-      </p:sp>
-      <p:pic>
-        <p:nvPicPr>
-          <p:cNvPr id="9" name="Picture 8" descr="Chart&#10;&#10;Description automatically generated">
+            <a:endParaRPr lang="en-US" sz="4400" spc="-300" dirty="0">
+              <a:solidFill>
+                <a:schemeClr val="tx1"/>
+              </a:solidFill>
+              <a:effectLst>
+                <a:outerShdw blurRad="469900" dist="342900" dir="5400000" sy="-20000" rotWithShape="0">
+                  <a:prstClr val="black">
+                    <a:alpha val="66000"/>
+                  </a:prstClr>
+                </a:outerShdw>
+              </a:effectLst>
+            </a:endParaRPr>
+          </a:p>
+        </p:txBody>
+      </p:sp>
+      <p:sp>
+        <p:nvSpPr>
+          <p:cNvPr id="7" name="Subtitle 2">
             <a:extLst>
               <a:ext uri="{FF2B5EF4-FFF2-40B4-BE49-F238E27FC236}">
-                <a16:creationId xmlns:a16="http://schemas.microsoft.com/office/drawing/2014/main" id="{EE7846F7-B51E-4A5C-9D89-C72803F352BE}"/>
+                <a16:creationId xmlns:a16="http://schemas.microsoft.com/office/drawing/2014/main" id="{B16B0C0A-F24E-4651-8509-511AD485412C}"/>
               </a:ext>
             </a:extLst>
           </p:cNvPr>
-          <p:cNvPicPr>
-            <a:picLocks noChangeAspect="1"/>
-          </p:cNvPicPr>
+          <p:cNvSpPr txBox="1">
+            <a:spLocks/>
+          </p:cNvSpPr>
           <p:nvPr/>
-        </p:nvPicPr>
-        <p:blipFill rotWithShape="1">
-          <a:blip r:embed="rId2">
-            <a:extLst>
-              <a:ext uri="{28A0092B-C50C-407E-A947-70E740481C1C}">
-                <a14:useLocalDpi xmlns:a14="http://schemas.microsoft.com/office/drawing/2010/main" val="0"/>
-              </a:ext>
-            </a:extLst>
-          </a:blip>
-          <a:srcRect l="7609" t="10043" r="9346" b="8091"/>
-          <a:stretch/>
-        </p:blipFill>
-        <p:spPr>
-          <a:xfrm>
-            <a:off x="4062127" y="156088"/>
-            <a:ext cx="8129873" cy="6701912"/>
+        </p:nvSpPr>
+        <p:spPr>
+          <a:xfrm>
+            <a:off x="0" y="0"/>
+            <a:ext cx="12192000" cy="4296339"/>
           </a:xfrm>
           <a:prstGeom prst="rect">
             <a:avLst/>
           </a:prstGeom>
-        </p:spPr>
-      </p:pic>
+          <a:solidFill>
+            <a:schemeClr val="tx1"/>
+          </a:solidFill>
+        </p:spPr>
+        <p:txBody>
+          <a:bodyPr vert="horz" lIns="91440" tIns="45720" rIns="91440" bIns="45720" rtlCol="0" anchor="b">
+            <a:normAutofit/>
+          </a:bodyPr>
+          <a:lstStyle>
+            <a:lvl1pPr indent="0" algn="r" defTabSz="914400">
+              <a:lnSpc>
+                <a:spcPct val="90000"/>
+              </a:lnSpc>
+              <a:spcBef>
+                <a:spcPts val="1000"/>
+              </a:spcBef>
+              <a:buFont typeface="Arial" panose="020B0604020202020204" pitchFamily="34" charset="0"/>
+              <a:buNone/>
+              <a:defRPr sz="3200" b="0">
+                <a:solidFill>
+                  <a:schemeClr val="tx2"/>
+                </a:solidFill>
+                <a:latin typeface="+mj-lt"/>
+              </a:defRPr>
+            </a:lvl1pPr>
+            <a:lvl2pPr indent="0" algn="ctr" defTabSz="914400">
+              <a:lnSpc>
+                <a:spcPct val="90000"/>
+              </a:lnSpc>
+              <a:spcBef>
+                <a:spcPts val="500"/>
+              </a:spcBef>
+              <a:buFont typeface="Arial" panose="020B0604020202020204" pitchFamily="34" charset="0"/>
+              <a:buNone/>
+              <a:defRPr sz="2000">
+                <a:gradFill>
+                  <a:gsLst>
+                    <a:gs pos="34000">
+                      <a:schemeClr val="tx1">
+                        <a:lumMod val="93000"/>
+                      </a:schemeClr>
+                    </a:gs>
+                    <a:gs pos="0">
+                      <a:schemeClr val="bg1">
+                        <a:lumMod val="25000"/>
+                        <a:lumOff val="75000"/>
+                      </a:schemeClr>
+                    </a:gs>
+                    <a:gs pos="100000">
+                      <a:schemeClr val="tx2">
+                        <a:lumMod val="0"/>
+                        <a:lumOff val="100000"/>
+                      </a:schemeClr>
+                    </a:gs>
+                  </a:gsLst>
+                  <a:lin ang="4800000" scaled="0"/>
+                </a:gradFill>
+              </a:defRPr>
+            </a:lvl2pPr>
+            <a:lvl3pPr indent="0" algn="ctr" defTabSz="914400">
+              <a:lnSpc>
+                <a:spcPct val="90000"/>
+              </a:lnSpc>
+              <a:spcBef>
+                <a:spcPts val="500"/>
+              </a:spcBef>
+              <a:buFont typeface="Arial" panose="020B0604020202020204" pitchFamily="34" charset="0"/>
+              <a:buNone/>
+              <a:defRPr>
+                <a:gradFill>
+                  <a:gsLst>
+                    <a:gs pos="34000">
+                      <a:schemeClr val="tx1">
+                        <a:lumMod val="93000"/>
+                      </a:schemeClr>
+                    </a:gs>
+                    <a:gs pos="0">
+                      <a:schemeClr val="bg1">
+                        <a:lumMod val="25000"/>
+                        <a:lumOff val="75000"/>
+                      </a:schemeClr>
+                    </a:gs>
+                    <a:gs pos="100000">
+                      <a:schemeClr val="tx2">
+                        <a:lumMod val="0"/>
+                        <a:lumOff val="100000"/>
+                      </a:schemeClr>
+                    </a:gs>
+                  </a:gsLst>
+                  <a:lin ang="4800000" scaled="0"/>
+                </a:gradFill>
+              </a:defRPr>
+            </a:lvl3pPr>
+            <a:lvl4pPr indent="0" algn="ctr" defTabSz="914400">
+              <a:lnSpc>
+                <a:spcPct val="90000"/>
+              </a:lnSpc>
+              <a:spcBef>
+                <a:spcPts val="500"/>
+              </a:spcBef>
+              <a:buFont typeface="Arial" panose="020B0604020202020204" pitchFamily="34" charset="0"/>
+              <a:buNone/>
+              <a:defRPr sz="1600">
+                <a:gradFill>
+                  <a:gsLst>
+                    <a:gs pos="34000">
+                      <a:schemeClr val="tx1">
+                        <a:lumMod val="93000"/>
+                      </a:schemeClr>
+                    </a:gs>
+                    <a:gs pos="0">
+                      <a:schemeClr val="bg1">
+                        <a:lumMod val="25000"/>
+                        <a:lumOff val="75000"/>
+                      </a:schemeClr>
+                    </a:gs>
+                    <a:gs pos="100000">
+                      <a:schemeClr val="tx2">
+                        <a:lumMod val="0"/>
+                        <a:lumOff val="100000"/>
+                      </a:schemeClr>
+                    </a:gs>
+                  </a:gsLst>
+                  <a:lin ang="4800000" scaled="0"/>
+                </a:gradFill>
+              </a:defRPr>
+            </a:lvl4pPr>
+            <a:lvl5pPr indent="0" algn="ctr" defTabSz="914400">
+              <a:lnSpc>
+                <a:spcPct val="90000"/>
+              </a:lnSpc>
+              <a:spcBef>
+                <a:spcPts val="500"/>
+              </a:spcBef>
+              <a:buFont typeface="Arial" panose="020B0604020202020204" pitchFamily="34" charset="0"/>
+              <a:buNone/>
+              <a:defRPr sz="1600">
+                <a:gradFill>
+                  <a:gsLst>
+                    <a:gs pos="34000">
+                      <a:schemeClr val="tx1">
+                        <a:lumMod val="93000"/>
+                      </a:schemeClr>
+                    </a:gs>
+                    <a:gs pos="0">
+                      <a:schemeClr val="bg1">
+                        <a:lumMod val="25000"/>
+                        <a:lumOff val="75000"/>
+                      </a:schemeClr>
+                    </a:gs>
+                    <a:gs pos="100000">
+                      <a:schemeClr val="tx2">
+                        <a:lumMod val="0"/>
+                        <a:lumOff val="100000"/>
+                      </a:schemeClr>
+                    </a:gs>
+                  </a:gsLst>
+                  <a:lin ang="4800000" scaled="0"/>
+                </a:gradFill>
+              </a:defRPr>
+            </a:lvl5pPr>
+            <a:lvl6pPr indent="0" algn="ctr" defTabSz="914400">
+              <a:lnSpc>
+                <a:spcPct val="90000"/>
+              </a:lnSpc>
+              <a:spcBef>
+                <a:spcPts val="500"/>
+              </a:spcBef>
+              <a:buFont typeface="Arial" panose="020B0604020202020204" pitchFamily="34" charset="0"/>
+              <a:buNone/>
+              <a:defRPr sz="1600"/>
+            </a:lvl6pPr>
+            <a:lvl7pPr indent="0" algn="ctr" defTabSz="914400">
+              <a:lnSpc>
+                <a:spcPct val="90000"/>
+              </a:lnSpc>
+              <a:spcBef>
+                <a:spcPts val="500"/>
+              </a:spcBef>
+              <a:buFont typeface="Arial" panose="020B0604020202020204" pitchFamily="34" charset="0"/>
+              <a:buNone/>
+              <a:defRPr sz="1600"/>
+            </a:lvl7pPr>
+            <a:lvl8pPr indent="0" algn="ctr" defTabSz="914400">
+              <a:lnSpc>
+                <a:spcPct val="90000"/>
+              </a:lnSpc>
+              <a:spcBef>
+                <a:spcPts val="500"/>
+              </a:spcBef>
+              <a:buFont typeface="Arial" panose="020B0604020202020204" pitchFamily="34" charset="0"/>
+              <a:buNone/>
+              <a:defRPr sz="1600"/>
+            </a:lvl8pPr>
+            <a:lvl9pPr indent="0" algn="ctr" defTabSz="914400">
+              <a:lnSpc>
+                <a:spcPct val="90000"/>
+              </a:lnSpc>
+              <a:spcBef>
+                <a:spcPts val="500"/>
+              </a:spcBef>
+              <a:buFont typeface="Arial" panose="020B0604020202020204" pitchFamily="34" charset="0"/>
+              <a:buNone/>
+              <a:defRPr sz="1600"/>
+            </a:lvl9pPr>
+          </a:lstStyle>
+          <a:p>
+            <a:endParaRPr lang="en-US" dirty="0"/>
+          </a:p>
+        </p:txBody>
+      </p:sp>
       <p:pic>
         <p:nvPicPr>
-          <p:cNvPr id="7" name="Picture 6" descr="Chart, scatter chart&#10;&#10;Description automatically generated">
+          <p:cNvPr id="4" name="Picture 3" descr="Chart, scatter chart&#10;&#10;Description automatically generated">
             <a:extLst>
               <a:ext uri="{FF2B5EF4-FFF2-40B4-BE49-F238E27FC236}">
-                <a16:creationId xmlns:a16="http://schemas.microsoft.com/office/drawing/2014/main" id="{32B4FA64-F3C3-4F1E-8A8E-1F4C6D081A47}"/>
+                <a16:creationId xmlns:a16="http://schemas.microsoft.com/office/drawing/2014/main" id="{24E389AE-DB38-49A1-AA7A-F3FCC6C8A0F2}"/>
               </a:ext>
             </a:extLst>
           </p:cNvPr>
@@ -13240,363 +13565,18 @@
         </p:blipFill>
         <p:spPr>
           <a:xfrm>
-            <a:off x="2347627" y="-8878"/>
-            <a:ext cx="1714500" cy="1143000"/>
+            <a:off x="3318507" y="45164"/>
+            <a:ext cx="5554986" cy="4166240"/>
           </a:xfrm>
           <a:prstGeom prst="rect">
             <a:avLst/>
           </a:prstGeom>
         </p:spPr>
       </p:pic>
-      <p:pic>
-        <p:nvPicPr>
-          <p:cNvPr id="12" name="Picture 11" descr="Chart, scatter chart&#10;&#10;Description automatically generated">
-            <a:extLst>
-              <a:ext uri="{FF2B5EF4-FFF2-40B4-BE49-F238E27FC236}">
-                <a16:creationId xmlns:a16="http://schemas.microsoft.com/office/drawing/2014/main" id="{E1F099EB-A190-4FA1-9BAB-6984E043275C}"/>
-              </a:ext>
-            </a:extLst>
-          </p:cNvPr>
-          <p:cNvPicPr>
-            <a:picLocks noChangeAspect="1"/>
-          </p:cNvPicPr>
-          <p:nvPr/>
-        </p:nvPicPr>
-        <p:blipFill>
-          <a:blip r:embed="rId4">
-            <a:extLst>
-              <a:ext uri="{28A0092B-C50C-407E-A947-70E740481C1C}">
-                <a14:useLocalDpi xmlns:a14="http://schemas.microsoft.com/office/drawing/2010/main" val="0"/>
-              </a:ext>
-            </a:extLst>
-          </a:blip>
-          <a:stretch>
-            <a:fillRect/>
-          </a:stretch>
-        </p:blipFill>
-        <p:spPr>
-          <a:xfrm>
-            <a:off x="2347627" y="3391765"/>
-            <a:ext cx="1714500" cy="1143000"/>
-          </a:xfrm>
-          <a:prstGeom prst="rect">
-            <a:avLst/>
-          </a:prstGeom>
-        </p:spPr>
-      </p:pic>
-      <p:pic>
-        <p:nvPicPr>
-          <p:cNvPr id="14" name="Picture 13" descr="Chart, scatter chart&#10;&#10;Description automatically generated">
-            <a:extLst>
-              <a:ext uri="{FF2B5EF4-FFF2-40B4-BE49-F238E27FC236}">
-                <a16:creationId xmlns:a16="http://schemas.microsoft.com/office/drawing/2014/main" id="{16947C29-7EA0-4570-9B6B-215E4A2630CE}"/>
-              </a:ext>
-            </a:extLst>
-          </p:cNvPr>
-          <p:cNvPicPr>
-            <a:picLocks noChangeAspect="1"/>
-          </p:cNvPicPr>
-          <p:nvPr/>
-        </p:nvPicPr>
-        <p:blipFill>
-          <a:blip r:embed="rId5">
-            <a:extLst>
-              <a:ext uri="{28A0092B-C50C-407E-A947-70E740481C1C}">
-                <a14:useLocalDpi xmlns:a14="http://schemas.microsoft.com/office/drawing/2010/main" val="0"/>
-              </a:ext>
-            </a:extLst>
-          </a:blip>
-          <a:stretch>
-            <a:fillRect/>
-          </a:stretch>
-        </p:blipFill>
-        <p:spPr>
-          <a:xfrm>
-            <a:off x="2347627" y="1118096"/>
-            <a:ext cx="1714500" cy="1143000"/>
-          </a:xfrm>
-          <a:prstGeom prst="rect">
-            <a:avLst/>
-          </a:prstGeom>
-        </p:spPr>
-      </p:pic>
-      <p:pic>
-        <p:nvPicPr>
-          <p:cNvPr id="16" name="Picture 15" descr="Chart, scatter chart&#10;&#10;Description automatically generated">
-            <a:extLst>
-              <a:ext uri="{FF2B5EF4-FFF2-40B4-BE49-F238E27FC236}">
-                <a16:creationId xmlns:a16="http://schemas.microsoft.com/office/drawing/2014/main" id="{F0A77751-3546-4B60-87C9-D4CBB35F49C6}"/>
-              </a:ext>
-            </a:extLst>
-          </p:cNvPr>
-          <p:cNvPicPr>
-            <a:picLocks noChangeAspect="1"/>
-          </p:cNvPicPr>
-          <p:nvPr/>
-        </p:nvPicPr>
-        <p:blipFill>
-          <a:blip r:embed="rId6">
-            <a:extLst>
-              <a:ext uri="{28A0092B-C50C-407E-A947-70E740481C1C}">
-                <a14:useLocalDpi xmlns:a14="http://schemas.microsoft.com/office/drawing/2010/main" val="0"/>
-              </a:ext>
-            </a:extLst>
-          </a:blip>
-          <a:stretch>
-            <a:fillRect/>
-          </a:stretch>
-        </p:blipFill>
-        <p:spPr>
-          <a:xfrm>
-            <a:off x="2347627" y="2258078"/>
-            <a:ext cx="1714500" cy="1143000"/>
-          </a:xfrm>
-          <a:prstGeom prst="rect">
-            <a:avLst/>
-          </a:prstGeom>
-        </p:spPr>
-      </p:pic>
-      <p:pic>
-        <p:nvPicPr>
-          <p:cNvPr id="18" name="Picture 17" descr="Chart, scatter chart&#10;&#10;Description automatically generated">
-            <a:extLst>
-              <a:ext uri="{FF2B5EF4-FFF2-40B4-BE49-F238E27FC236}">
-                <a16:creationId xmlns:a16="http://schemas.microsoft.com/office/drawing/2014/main" id="{AFB65CD6-FEE9-409D-ABB5-A50FD42F29BB}"/>
-              </a:ext>
-            </a:extLst>
-          </p:cNvPr>
-          <p:cNvPicPr>
-            <a:picLocks noChangeAspect="1"/>
-          </p:cNvPicPr>
-          <p:nvPr/>
-        </p:nvPicPr>
-        <p:blipFill>
-          <a:blip r:embed="rId7">
-            <a:extLst>
-              <a:ext uri="{28A0092B-C50C-407E-A947-70E740481C1C}">
-                <a14:useLocalDpi xmlns:a14="http://schemas.microsoft.com/office/drawing/2010/main" val="0"/>
-              </a:ext>
-            </a:extLst>
-          </a:blip>
-          <a:stretch>
-            <a:fillRect/>
-          </a:stretch>
-        </p:blipFill>
-        <p:spPr>
-          <a:xfrm>
-            <a:off x="2347627" y="4523323"/>
-            <a:ext cx="1714500" cy="1143000"/>
-          </a:xfrm>
-          <a:prstGeom prst="rect">
-            <a:avLst/>
-          </a:prstGeom>
-        </p:spPr>
-      </p:pic>
-      <p:pic>
-        <p:nvPicPr>
-          <p:cNvPr id="20" name="Picture 19" descr="Chart, scatter chart&#10;&#10;Description automatically generated">
-            <a:extLst>
-              <a:ext uri="{FF2B5EF4-FFF2-40B4-BE49-F238E27FC236}">
-                <a16:creationId xmlns:a16="http://schemas.microsoft.com/office/drawing/2014/main" id="{ADFB386E-55EE-496D-B488-A5411563513A}"/>
-              </a:ext>
-            </a:extLst>
-          </p:cNvPr>
-          <p:cNvPicPr>
-            <a:picLocks noChangeAspect="1"/>
-          </p:cNvPicPr>
-          <p:nvPr/>
-        </p:nvPicPr>
-        <p:blipFill>
-          <a:blip r:embed="rId8">
-            <a:extLst>
-              <a:ext uri="{28A0092B-C50C-407E-A947-70E740481C1C}">
-                <a14:useLocalDpi xmlns:a14="http://schemas.microsoft.com/office/drawing/2010/main" val="0"/>
-              </a:ext>
-            </a:extLst>
-          </a:blip>
-          <a:stretch>
-            <a:fillRect/>
-          </a:stretch>
-        </p:blipFill>
-        <p:spPr>
-          <a:xfrm>
-            <a:off x="2347627" y="5654113"/>
-            <a:ext cx="1714500" cy="1143000"/>
-          </a:xfrm>
-          <a:prstGeom prst="rect">
-            <a:avLst/>
-          </a:prstGeom>
-        </p:spPr>
-      </p:pic>
-      <p:sp>
-        <p:nvSpPr>
-          <p:cNvPr id="21" name="Title 1">
-            <a:extLst>
-              <a:ext uri="{FF2B5EF4-FFF2-40B4-BE49-F238E27FC236}">
-                <a16:creationId xmlns:a16="http://schemas.microsoft.com/office/drawing/2014/main" id="{C820E0EC-1C60-4004-8379-8C9A54A2ED00}"/>
-              </a:ext>
-            </a:extLst>
-          </p:cNvPr>
-          <p:cNvSpPr txBox="1">
-            <a:spLocks/>
-          </p:cNvSpPr>
-          <p:nvPr/>
-        </p:nvSpPr>
-        <p:spPr>
-          <a:xfrm>
-            <a:off x="3932808" y="-12694"/>
-            <a:ext cx="8259192" cy="323411"/>
-          </a:xfrm>
-          <a:prstGeom prst="rect">
-            <a:avLst/>
-          </a:prstGeom>
-          <a:solidFill>
-            <a:schemeClr val="tx1"/>
-          </a:solidFill>
-        </p:spPr>
-        <p:txBody>
-          <a:bodyPr vert="horz" lIns="91440" tIns="45720" rIns="91440" bIns="45720" rtlCol="0" anchor="ctr">
-            <a:normAutofit fontScale="92500" lnSpcReduction="10000"/>
-          </a:bodyPr>
-          <a:lstStyle>
-            <a:lvl1pPr algn="l" defTabSz="914400" rtl="0" eaLnBrk="1" latinLnBrk="0" hangingPunct="1">
-              <a:lnSpc>
-                <a:spcPct val="90000"/>
-              </a:lnSpc>
-              <a:spcBef>
-                <a:spcPct val="0"/>
-              </a:spcBef>
-              <a:buNone/>
-              <a:defRPr sz="5400" b="0" kern="1200">
-                <a:gradFill flip="none" rotWithShape="1">
-                  <a:gsLst>
-                    <a:gs pos="28000">
-                      <a:schemeClr val="tx1">
-                        <a:lumMod val="93000"/>
-                      </a:schemeClr>
-                    </a:gs>
-                    <a:gs pos="0">
-                      <a:schemeClr val="bg1">
-                        <a:lumMod val="25000"/>
-                        <a:lumOff val="75000"/>
-                      </a:schemeClr>
-                    </a:gs>
-                    <a:gs pos="100000">
-                      <a:schemeClr val="tx2">
-                        <a:lumMod val="0"/>
-                        <a:lumOff val="100000"/>
-                      </a:schemeClr>
-                    </a:gs>
-                  </a:gsLst>
-                  <a:lin ang="4800000" scaled="0"/>
-                  <a:tileRect/>
-                </a:gradFill>
-                <a:latin typeface="+mj-lt"/>
-                <a:ea typeface="+mj-ea"/>
-                <a:cs typeface="+mj-cs"/>
-              </a:defRPr>
-            </a:lvl1pPr>
-          </a:lstStyle>
-          <a:p>
-            <a:pPr algn="ctr"/>
-            <a:r>
-              <a:rPr lang="en-US" sz="1800" b="1" dirty="0">
-                <a:solidFill>
-                  <a:schemeClr val="bg1"/>
-                </a:solidFill>
-              </a:rPr>
-              <a:t>Comments over Time</a:t>
-            </a:r>
-            <a:endParaRPr lang="en-US" sz="1800" b="1" dirty="0">
-              <a:solidFill>
-                <a:schemeClr val="tx1"/>
-              </a:solidFill>
-            </a:endParaRPr>
-          </a:p>
-        </p:txBody>
-      </p:sp>
-      <p:sp>
-        <p:nvSpPr>
-          <p:cNvPr id="22" name="Title 1">
-            <a:extLst>
-              <a:ext uri="{FF2B5EF4-FFF2-40B4-BE49-F238E27FC236}">
-                <a16:creationId xmlns:a16="http://schemas.microsoft.com/office/drawing/2014/main" id="{1FB4EFC5-3163-4FD2-8535-51BF276B6648}"/>
-              </a:ext>
-            </a:extLst>
-          </p:cNvPr>
-          <p:cNvSpPr txBox="1">
-            <a:spLocks/>
-          </p:cNvSpPr>
-          <p:nvPr/>
-        </p:nvSpPr>
-        <p:spPr>
-          <a:xfrm>
-            <a:off x="2347627" y="6794418"/>
-            <a:ext cx="3370771" cy="205808"/>
-          </a:xfrm>
-          <a:prstGeom prst="rect">
-            <a:avLst/>
-          </a:prstGeom>
-          <a:solidFill>
-            <a:schemeClr val="tx1"/>
-          </a:solidFill>
-        </p:spPr>
-        <p:txBody>
-          <a:bodyPr vert="horz" lIns="91440" tIns="45720" rIns="91440" bIns="45720" rtlCol="0" anchor="ctr">
-            <a:normAutofit fontScale="25000" lnSpcReduction="20000"/>
-          </a:bodyPr>
-          <a:lstStyle>
-            <a:lvl1pPr algn="l" defTabSz="914400" rtl="0" eaLnBrk="1" latinLnBrk="0" hangingPunct="1">
-              <a:lnSpc>
-                <a:spcPct val="90000"/>
-              </a:lnSpc>
-              <a:spcBef>
-                <a:spcPct val="0"/>
-              </a:spcBef>
-              <a:buNone/>
-              <a:defRPr sz="5400" b="0" kern="1200">
-                <a:gradFill flip="none" rotWithShape="1">
-                  <a:gsLst>
-                    <a:gs pos="28000">
-                      <a:schemeClr val="tx1">
-                        <a:lumMod val="93000"/>
-                      </a:schemeClr>
-                    </a:gs>
-                    <a:gs pos="0">
-                      <a:schemeClr val="bg1">
-                        <a:lumMod val="25000"/>
-                        <a:lumOff val="75000"/>
-                      </a:schemeClr>
-                    </a:gs>
-                    <a:gs pos="100000">
-                      <a:schemeClr val="tx2">
-                        <a:lumMod val="0"/>
-                        <a:lumOff val="100000"/>
-                      </a:schemeClr>
-                    </a:gs>
-                  </a:gsLst>
-                  <a:lin ang="4800000" scaled="0"/>
-                  <a:tileRect/>
-                </a:gradFill>
-                <a:latin typeface="+mj-lt"/>
-                <a:ea typeface="+mj-ea"/>
-                <a:cs typeface="+mj-cs"/>
-              </a:defRPr>
-            </a:lvl1pPr>
-          </a:lstStyle>
-          <a:p>
-            <a:endParaRPr lang="en-US" sz="3600" dirty="0">
-              <a:solidFill>
-                <a:schemeClr val="tx1"/>
-              </a:solidFill>
-            </a:endParaRPr>
-          </a:p>
-        </p:txBody>
-      </p:sp>
     </p:spTree>
     <p:extLst>
       <p:ext uri="{BB962C8B-B14F-4D97-AF65-F5344CB8AC3E}">
-        <p14:creationId xmlns:p14="http://schemas.microsoft.com/office/powerpoint/2010/main" val="4163471174"/>
+        <p14:creationId xmlns:p14="http://schemas.microsoft.com/office/powerpoint/2010/main" val="471880116"/>
       </p:ext>
     </p:extLst>
   </p:cSld>
